--- a/Perspective.pptx
+++ b/Perspective.pptx
@@ -5,15 +5,17 @@
     <p:sldMasterId id="2147483648" r:id="rId1"/>
   </p:sldMasterIdLst>
   <p:notesMasterIdLst>
-    <p:notesMasterId r:id="rId8"/>
+    <p:notesMasterId r:id="rId10"/>
   </p:notesMasterIdLst>
   <p:sldIdLst>
     <p:sldId id="256" r:id="rId2"/>
     <p:sldId id="257" r:id="rId3"/>
-    <p:sldId id="260" r:id="rId4"/>
-    <p:sldId id="259" r:id="rId5"/>
-    <p:sldId id="258" r:id="rId6"/>
-    <p:sldId id="261" r:id="rId7"/>
+    <p:sldId id="261" r:id="rId4"/>
+    <p:sldId id="262" r:id="rId5"/>
+    <p:sldId id="260" r:id="rId6"/>
+    <p:sldId id="263" r:id="rId7"/>
+    <p:sldId id="258" r:id="rId8"/>
+    <p:sldId id="259" r:id="rId9"/>
   </p:sldIdLst>
   <p:sldSz cx="12192000" cy="6858000"/>
   <p:notesSz cx="6858000" cy="9144000"/>
@@ -112,6 +114,11 @@
       </a:defRPr>
     </a:lvl9pPr>
   </p:defaultTextStyle>
+  <p:extLst>
+    <p:ext uri="{EFAFB233-063F-42B5-8137-9DF3F51BA10A}">
+      <p15:sldGuideLst xmlns:p15="http://schemas.microsoft.com/office/powerpoint/2012/main"/>
+    </p:ext>
+  </p:extLst>
 </p:presentation>
 </file>
 
@@ -509,6 +516,33 @@
           <a:lstStyle/>
           <a:p>
             <a:r>
+              <a:rPr lang="ko-KR" altLang="en-US" sz="1200"/>
+              <a:t>투영이란 </a:t>
+            </a:r>
+            <a:r>
+              <a:rPr lang="en-US" altLang="ko-KR" sz="1200"/>
+              <a:t>3</a:t>
+            </a:r>
+            <a:r>
+              <a:rPr lang="ko-KR" altLang="en-US" sz="1200"/>
+              <a:t>차원 객체를 우리가 바라보고 있는 모니터 즉 </a:t>
+            </a:r>
+            <a:r>
+              <a:rPr lang="en-US" altLang="ko-KR" sz="1200"/>
+              <a:t>2</a:t>
+            </a:r>
+            <a:r>
+              <a:rPr lang="ko-KR" altLang="en-US" sz="1200"/>
+              <a:t>차원 화상으로 변환화는 과정을 의미합니다</a:t>
+            </a:r>
+            <a:r>
+              <a:rPr lang="en-US" altLang="ko-KR" sz="1200"/>
+              <a:t>.</a:t>
+            </a:r>
+            <a:br>
+              <a:rPr lang="en-US" altLang="ko-KR" sz="1200"/>
+            </a:br>
+            <a:r>
               <a:rPr lang="en-US" altLang="ko-KR" sz="1200"/>
               <a:t>Perspective</a:t>
             </a:r>
@@ -827,6 +861,71 @@
           <a:bodyPr/>
           <a:lstStyle/>
           <a:p>
+            <a:pPr algn="l">
+              <a:buFont typeface="Arial" panose="020B0604020202020204" pitchFamily="34" charset="0"/>
+              <a:buNone/>
+            </a:pPr>
+            <a:r>
+              <a:rPr lang="ko-KR" altLang="en-US" b="0" i="0">
+                <a:effectLst/>
+                <a:latin typeface="Arial" panose="020B0604020202020204" pitchFamily="34" charset="0"/>
+              </a:rPr>
+              <a:t>직교 투영은 </a:t>
+            </a:r>
+            <a:r>
+              <a:rPr lang="ko-KR" altLang="en-US" b="1" i="0">
+                <a:effectLst/>
+                <a:latin typeface="Arial" panose="020B0604020202020204" pitchFamily="34" charset="0"/>
+              </a:rPr>
+              <a:t>관찰 방향과 방향을 고정한 채 뷰 볼륨을 원하는 크기와 위치로 조정할 수 있습니다</a:t>
+            </a:r>
+            <a:r>
+              <a:rPr lang="en-US" altLang="ko-KR" b="1" i="0">
+                <a:effectLst/>
+                <a:latin typeface="Arial" panose="020B0604020202020204" pitchFamily="34" charset="0"/>
+              </a:rPr>
+              <a:t>.</a:t>
+            </a:r>
+            <a:endParaRPr lang="ko-KR" altLang="en-US" b="1" i="0">
+              <a:effectLst/>
+              <a:latin typeface="Arial" panose="020B0604020202020204" pitchFamily="34" charset="0"/>
+            </a:endParaRPr>
+          </a:p>
+          <a:p>
+            <a:pPr algn="l">
+              <a:buFont typeface="Arial" panose="020B0604020202020204" pitchFamily="34" charset="0"/>
+              <a:buNone/>
+            </a:pPr>
+            <a:r>
+              <a:rPr lang="ko-KR" altLang="en-US" b="0" i="0">
+                <a:effectLst/>
+                <a:latin typeface="Arial" panose="020B0604020202020204" pitchFamily="34" charset="0"/>
+              </a:rPr>
+              <a:t>그러므로 직교 투영은 원근을 적용하지 않고</a:t>
+            </a:r>
+            <a:r>
+              <a:rPr lang="en-US" altLang="ko-KR" b="0" i="0">
+                <a:effectLst/>
+                <a:latin typeface="Arial" panose="020B0604020202020204" pitchFamily="34" charset="0"/>
+              </a:rPr>
+              <a:t>, </a:t>
+            </a:r>
+            <a:r>
+              <a:rPr lang="ko-KR" altLang="en-US" b="0" i="0">
+                <a:effectLst/>
+                <a:latin typeface="Arial" panose="020B0604020202020204" pitchFamily="34" charset="0"/>
+              </a:rPr>
+              <a:t>상자 모양의 뷰 볼륨을 요구합니다</a:t>
+            </a:r>
+            <a:r>
+              <a:rPr lang="en-US" altLang="ko-KR" b="0" i="0">
+                <a:effectLst/>
+                <a:latin typeface="Arial" panose="020B0604020202020204" pitchFamily="34" charset="0"/>
+              </a:rPr>
+              <a:t>.</a:t>
+            </a:r>
+          </a:p>
+          <a:p>
             <a:pPr marL="0" marR="0" lvl="0" indent="0" algn="l" defTabSz="914400" rtl="0" eaLnBrk="1" fontAlgn="auto" latinLnBrk="1" hangingPunct="1">
               <a:lnSpc>
                 <a:spcPct val="100000"/>
@@ -845,44 +944,82 @@
               <a:defRPr/>
             </a:pPr>
             <a:r>
-              <a:rPr lang="ko-KR" altLang="en-US"/>
-              <a:t>원근투영 행렬은 기본적으로 프러스텀을 다루는 행렬입니다</a:t>
-            </a:r>
-            <a:r>
-              <a:rPr lang="en-US" altLang="ko-KR"/>
+              <a:rPr lang="ko-KR" altLang="en-US" b="0" i="0">
+                <a:solidFill>
+                  <a:srgbClr val="0D0D0D"/>
+                </a:solidFill>
+                <a:effectLst/>
+                <a:highlight>
+                  <a:srgbClr val="FFFFFF"/>
+                </a:highlight>
+                <a:latin typeface="Söhne"/>
+              </a:rPr>
+              <a:t>투영은 카메라 또는 관찰 지점에서 객체로 수직으로 그어진 선을 따라 이루어집니다</a:t>
+            </a:r>
+            <a:r>
+              <a:rPr lang="en-US" altLang="ko-KR" b="0" i="0">
+                <a:solidFill>
+                  <a:srgbClr val="0D0D0D"/>
+                </a:solidFill>
+                <a:effectLst/>
+                <a:highlight>
+                  <a:srgbClr val="FFFFFF"/>
+                </a:highlight>
+                <a:latin typeface="Söhne"/>
+              </a:rPr>
               <a:t>. </a:t>
             </a:r>
             <a:r>
-              <a:rPr lang="ko-KR" altLang="en-US"/>
-              <a:t>이 프러스텀은 단면이 존재하는데 가까이 있는것은 </a:t>
-            </a:r>
-            <a:r>
-              <a:rPr lang="en-US" altLang="ko-KR"/>
-              <a:t>near, </a:t>
-            </a:r>
-            <a:r>
-              <a:rPr lang="ko-KR" altLang="en-US"/>
-              <a:t>멀리있는것은 </a:t>
-            </a:r>
-            <a:r>
-              <a:rPr lang="en-US" altLang="ko-KR"/>
-              <a:t>far, </a:t>
-            </a:r>
-            <a:r>
-              <a:rPr lang="ko-KR" altLang="en-US"/>
-              <a:t>위에있는것은 </a:t>
-            </a:r>
-            <a:r>
-              <a:rPr lang="en-US" altLang="ko-KR"/>
-              <a:t>top, </a:t>
-            </a:r>
-            <a:r>
-              <a:rPr lang="ko-KR" altLang="en-US"/>
-              <a:t>아래에있는것은 </a:t>
-            </a:r>
-            <a:r>
-              <a:rPr lang="en-US" altLang="ko-KR"/>
-              <a:t>bottom, </a:t>
+              <a:rPr lang="ko-KR" altLang="en-US" b="0" i="0">
+                <a:solidFill>
+                  <a:srgbClr val="0D0D0D"/>
+                </a:solidFill>
+                <a:effectLst/>
+                <a:highlight>
+                  <a:srgbClr val="FFFFFF"/>
+                </a:highlight>
+                <a:latin typeface="Söhne"/>
+              </a:rPr>
+              <a:t>이 선들은 모두 평행하며</a:t>
+            </a:r>
+            <a:r>
+              <a:rPr lang="en-US" altLang="ko-KR" b="0" i="0">
+                <a:solidFill>
+                  <a:srgbClr val="0D0D0D"/>
+                </a:solidFill>
+                <a:effectLst/>
+                <a:highlight>
+                  <a:srgbClr val="FFFFFF"/>
+                </a:highlight>
+                <a:latin typeface="Söhne"/>
+              </a:rPr>
+              <a:t>, </a:t>
+            </a:r>
+            <a:r>
+              <a:rPr lang="ko-KR" altLang="en-US" b="0" i="0">
+                <a:solidFill>
+                  <a:srgbClr val="0D0D0D"/>
+                </a:solidFill>
+                <a:effectLst/>
+                <a:highlight>
+                  <a:srgbClr val="FFFFFF"/>
+                </a:highlight>
+                <a:latin typeface="Söhne"/>
+              </a:rPr>
+              <a:t>이로 인해 투영된 이미지에서 원근감이 사라집니다</a:t>
+            </a:r>
+            <a:r>
+              <a:rPr lang="en-US" altLang="ko-KR" b="0" i="0">
+                <a:solidFill>
+                  <a:srgbClr val="0D0D0D"/>
+                </a:solidFill>
+                <a:effectLst/>
+                <a:highlight>
+                  <a:srgbClr val="FFFFFF"/>
+                </a:highlight>
+                <a:latin typeface="Söhne"/>
+              </a:rPr>
+              <a:t>.</a:t>
             </a:r>
           </a:p>
           <a:p>
@@ -904,82 +1041,213 @@
               <a:defRPr/>
             </a:pPr>
             <a:r>
-              <a:rPr lang="ko-KR" altLang="en-US"/>
-              <a:t>왼쪽은 </a:t>
-            </a:r>
-            <a:r>
-              <a:rPr lang="en-US" altLang="ko-KR"/>
-              <a:t>left, </a:t>
-            </a:r>
-            <a:r>
-              <a:rPr lang="ko-KR" altLang="en-US"/>
-              <a:t>오른쪽은 </a:t>
-            </a:r>
-            <a:r>
-              <a:rPr lang="en-US" altLang="ko-KR"/>
-              <a:t>right</a:t>
-            </a:r>
-            <a:r>
-              <a:rPr lang="ko-KR" altLang="en-US"/>
-              <a:t>로 이루어져 있습니다</a:t>
-            </a:r>
-            <a:r>
-              <a:rPr lang="en-US" altLang="ko-KR"/>
+              <a:rPr lang="ko-KR" altLang="en-US" b="0" i="0">
+                <a:solidFill>
+                  <a:srgbClr val="444444"/>
+                </a:solidFill>
+                <a:effectLst/>
+                <a:highlight>
+                  <a:srgbClr val="FFFFFF"/>
+                </a:highlight>
+                <a:latin typeface="se-nanumgothic"/>
+              </a:rPr>
+              <a:t>뷰볼륨 내의 각 좌표 셋을 </a:t>
+            </a:r>
+            <a:r>
+              <a:rPr lang="en-US" altLang="ko-KR" b="0" i="0">
+                <a:solidFill>
+                  <a:srgbClr val="444444"/>
+                </a:solidFill>
+                <a:effectLst/>
+                <a:highlight>
+                  <a:srgbClr val="FFFFFF"/>
+                </a:highlight>
+                <a:latin typeface="se-nanumgothic"/>
+              </a:rPr>
+              <a:t>Left, Right, Top, Bottom, Near, Far</a:t>
+            </a:r>
+            <a:r>
+              <a:rPr lang="ko-KR" altLang="en-US" b="0" i="0">
+                <a:solidFill>
+                  <a:srgbClr val="444444"/>
+                </a:solidFill>
+                <a:effectLst/>
+                <a:highlight>
+                  <a:srgbClr val="FFFFFF"/>
+                </a:highlight>
+                <a:latin typeface="se-nanumgothic"/>
+              </a:rPr>
+              <a:t>를 이용하여 표현하고</a:t>
+            </a:r>
+            <a:r>
+              <a:rPr lang="en-US" altLang="ko-KR" b="0" i="0">
+                <a:solidFill>
+                  <a:srgbClr val="444444"/>
+                </a:solidFill>
+                <a:effectLst/>
+                <a:highlight>
+                  <a:srgbClr val="FFFFFF"/>
+                </a:highlight>
+                <a:latin typeface="se-nanumgothic"/>
+              </a:rPr>
+              <a:t>, </a:t>
+            </a:r>
+            <a:r>
+              <a:rPr lang="ko-KR" altLang="en-US" b="0" i="0">
+                <a:solidFill>
+                  <a:srgbClr val="444444"/>
+                </a:solidFill>
+                <a:effectLst/>
+                <a:highlight>
+                  <a:srgbClr val="FFFFFF"/>
+                </a:highlight>
+                <a:latin typeface="se-nanumgothic"/>
+              </a:rPr>
+              <a:t>각각 왼쪽 좌표</a:t>
+            </a:r>
+            <a:r>
+              <a:rPr lang="en-US" altLang="ko-KR" b="0" i="0">
+                <a:solidFill>
+                  <a:srgbClr val="444444"/>
+                </a:solidFill>
+                <a:effectLst/>
+                <a:highlight>
+                  <a:srgbClr val="FFFFFF"/>
+                </a:highlight>
+                <a:latin typeface="se-nanumgothic"/>
+              </a:rPr>
+              <a:t>, </a:t>
+            </a:r>
+            <a:r>
+              <a:rPr lang="ko-KR" altLang="en-US" b="0" i="0">
+                <a:solidFill>
+                  <a:srgbClr val="444444"/>
+                </a:solidFill>
+                <a:effectLst/>
+                <a:highlight>
+                  <a:srgbClr val="FFFFFF"/>
+                </a:highlight>
+                <a:latin typeface="se-nanumgothic"/>
+              </a:rPr>
+              <a:t>오른쪽 좌표</a:t>
+            </a:r>
+            <a:r>
+              <a:rPr lang="en-US" altLang="ko-KR" b="0" i="0">
+                <a:solidFill>
+                  <a:srgbClr val="444444"/>
+                </a:solidFill>
+                <a:effectLst/>
+                <a:highlight>
+                  <a:srgbClr val="FFFFFF"/>
+                </a:highlight>
+                <a:latin typeface="se-nanumgothic"/>
+              </a:rPr>
+              <a:t>, </a:t>
+            </a:r>
+            <a:r>
+              <a:rPr lang="ko-KR" altLang="en-US" b="0" i="0">
+                <a:solidFill>
+                  <a:srgbClr val="444444"/>
+                </a:solidFill>
+                <a:effectLst/>
+                <a:highlight>
+                  <a:srgbClr val="FFFFFF"/>
+                </a:highlight>
+                <a:latin typeface="se-nanumgothic"/>
+              </a:rPr>
+              <a:t>상단 좌표</a:t>
+            </a:r>
+            <a:r>
+              <a:rPr lang="en-US" altLang="ko-KR" b="0" i="0">
+                <a:solidFill>
+                  <a:srgbClr val="444444"/>
+                </a:solidFill>
+                <a:effectLst/>
+                <a:highlight>
+                  <a:srgbClr val="FFFFFF"/>
+                </a:highlight>
+                <a:latin typeface="se-nanumgothic"/>
+              </a:rPr>
+              <a:t>, </a:t>
+            </a:r>
+            <a:r>
+              <a:rPr lang="ko-KR" altLang="en-US" b="0" i="0">
+                <a:solidFill>
+                  <a:srgbClr val="444444"/>
+                </a:solidFill>
+                <a:effectLst/>
+                <a:highlight>
+                  <a:srgbClr val="FFFFFF"/>
+                </a:highlight>
+                <a:latin typeface="se-nanumgothic"/>
+              </a:rPr>
+              <a:t>하단 좌표</a:t>
+            </a:r>
+            <a:r>
+              <a:rPr lang="en-US" altLang="ko-KR" b="0" i="0">
+                <a:solidFill>
+                  <a:srgbClr val="444444"/>
+                </a:solidFill>
+                <a:effectLst/>
+                <a:highlight>
+                  <a:srgbClr val="FFFFFF"/>
+                </a:highlight>
+                <a:latin typeface="se-nanumgothic"/>
+              </a:rPr>
+              <a:t>, </a:t>
+            </a:r>
+            <a:r>
+              <a:rPr lang="ko-KR" altLang="en-US" b="0" i="0">
+                <a:solidFill>
+                  <a:srgbClr val="444444"/>
+                </a:solidFill>
+                <a:effectLst/>
+                <a:highlight>
+                  <a:srgbClr val="FFFFFF"/>
+                </a:highlight>
+                <a:latin typeface="se-nanumgothic"/>
+              </a:rPr>
+              <a:t>가까운 평면 좌표</a:t>
+            </a:r>
+            <a:r>
+              <a:rPr lang="en-US" altLang="ko-KR" b="0" i="0">
+                <a:solidFill>
+                  <a:srgbClr val="444444"/>
+                </a:solidFill>
+                <a:effectLst/>
+                <a:highlight>
+                  <a:srgbClr val="FFFFFF"/>
+                </a:highlight>
+                <a:latin typeface="se-nanumgothic"/>
+              </a:rPr>
+              <a:t>, </a:t>
+            </a:r>
+            <a:r>
+              <a:rPr lang="ko-KR" altLang="en-US" b="0" i="0">
+                <a:solidFill>
+                  <a:srgbClr val="444444"/>
+                </a:solidFill>
+                <a:effectLst/>
+                <a:highlight>
+                  <a:srgbClr val="FFFFFF"/>
+                </a:highlight>
+                <a:latin typeface="se-nanumgothic"/>
+              </a:rPr>
+              <a:t>먼 평면 좌표를 뜻합니다</a:t>
+            </a:r>
+            <a:r>
+              <a:rPr lang="en-US" altLang="ko-KR" b="0" i="0">
+                <a:solidFill>
+                  <a:srgbClr val="444444"/>
+                </a:solidFill>
+                <a:effectLst/>
+                <a:highlight>
+                  <a:srgbClr val="FFFFFF"/>
+                </a:highlight>
+                <a:latin typeface="se-nanumgothic"/>
+              </a:rPr>
               <a:t>.</a:t>
             </a:r>
-          </a:p>
-          <a:p>
-            <a:pPr marL="0" marR="0" lvl="0" indent="0" algn="l" defTabSz="914400" rtl="0" eaLnBrk="1" fontAlgn="auto" latinLnBrk="1" hangingPunct="1">
-              <a:lnSpc>
-                <a:spcPct val="100000"/>
-              </a:lnSpc>
-              <a:spcBef>
-                <a:spcPts val="0"/>
-              </a:spcBef>
-              <a:spcAft>
-                <a:spcPts val="0"/>
-              </a:spcAft>
-              <a:buClrTx/>
-              <a:buSzTx/>
-              <a:buFontTx/>
-              <a:buNone/>
-              <a:tabLst/>
-              <a:defRPr/>
-            </a:pPr>
-            <a:endParaRPr lang="en-US" altLang="ko-KR"/>
-          </a:p>
-          <a:p>
-            <a:pPr marL="0" marR="0" lvl="0" indent="0" algn="l" defTabSz="914400" rtl="0" eaLnBrk="1" fontAlgn="auto" latinLnBrk="1" hangingPunct="1">
-              <a:lnSpc>
-                <a:spcPct val="100000"/>
-              </a:lnSpc>
-              <a:spcBef>
-                <a:spcPts val="0"/>
-              </a:spcBef>
-              <a:spcAft>
-                <a:spcPts val="0"/>
-              </a:spcAft>
-              <a:buClrTx/>
-              <a:buSzTx/>
-              <a:buFontTx/>
-              <a:buNone/>
-              <a:tabLst/>
-              <a:defRPr/>
-            </a:pPr>
-            <a:r>
-              <a:rPr lang="ko-KR" altLang="en-US"/>
-              <a:t>프러스텀 내에 있는 공간을 </a:t>
-            </a:r>
-            <a:r>
-              <a:rPr lang="en-US" altLang="ko-KR"/>
-              <a:t>NDC</a:t>
-            </a:r>
-            <a:r>
-              <a:rPr lang="ko-KR" altLang="en-US"/>
-              <a:t>라 하는 정육면체 공간으로 변형을 해주는것이 원근 투영 행렬</a:t>
-            </a:r>
-          </a:p>
-          <a:p>
             <a:endParaRPr lang="ko-KR" altLang="en-US"/>
           </a:p>
         </p:txBody>
@@ -1010,7 +1278,7 @@
     </p:spTree>
     <p:extLst>
       <p:ext uri="{BB962C8B-B14F-4D97-AF65-F5344CB8AC3E}">
-        <p14:creationId xmlns:p14="http://schemas.microsoft.com/office/powerpoint/2010/main" val="4188000605"/>
+        <p14:creationId xmlns:p14="http://schemas.microsoft.com/office/powerpoint/2010/main" val="4197124792"/>
       </p:ext>
     </p:extLst>
   </p:cSld>
@@ -1064,315 +1332,586 @@
           <a:bodyPr/>
           <a:lstStyle/>
           <a:p>
+            <a:pPr algn="l">
+              <a:buFont typeface="Arial" panose="020B0604020202020204" pitchFamily="34" charset="0"/>
+              <a:buNone/>
+            </a:pPr>
             <a:r>
               <a:rPr lang="ko-KR" altLang="en-US" b="0" i="0">
                 <a:solidFill>
-                  <a:srgbClr val="ECECEC"/>
-                </a:solidFill>
-                <a:effectLst/>
-                <a:highlight>
-                  <a:srgbClr val="212121"/>
+                  <a:srgbClr val="0D0D0D"/>
+                </a:solidFill>
+                <a:effectLst/>
+                <a:highlight>
+                  <a:srgbClr val="FFFFFF"/>
                 </a:highlight>
                 <a:latin typeface="Söhne"/>
               </a:rPr>
-              <a:t>해당 행렬이 프러스텀 내에 있는 공간을 </a:t>
+              <a:t>직교 투영을 수학적으로 나타내기 위해서는 직교 투영 행렬을 사용합니다</a:t>
             </a:r>
             <a:r>
               <a:rPr lang="en-US" altLang="ko-KR" b="0" i="0">
                 <a:solidFill>
-                  <a:srgbClr val="ECECEC"/>
-                </a:solidFill>
-                <a:effectLst/>
-                <a:highlight>
-                  <a:srgbClr val="212121"/>
+                  <a:srgbClr val="0D0D0D"/>
+                </a:solidFill>
+                <a:effectLst/>
+                <a:highlight>
+                  <a:srgbClr val="FFFFFF"/>
                 </a:highlight>
                 <a:latin typeface="Söhne"/>
               </a:rPr>
-              <a:t>NDC</a:t>
+              <a:t>. </a:t>
             </a:r>
             <a:r>
               <a:rPr lang="ko-KR" altLang="en-US" b="0" i="0">
                 <a:solidFill>
-                  <a:srgbClr val="ECECEC"/>
-                </a:solidFill>
-                <a:effectLst/>
-                <a:highlight>
-                  <a:srgbClr val="212121"/>
+                  <a:srgbClr val="0D0D0D"/>
+                </a:solidFill>
+                <a:effectLst/>
+                <a:highlight>
+                  <a:srgbClr val="FFFFFF"/>
                 </a:highlight>
                 <a:latin typeface="Söhne"/>
               </a:rPr>
-              <a:t>로 변환하는 행렬인 원근 투영 행렬인데요 되게 많은 값이 존재하는데</a:t>
-            </a:r>
-            <a:endParaRPr lang="en-US" altLang="ko-KR" b="0" i="0">
+              <a:t>이 행렬은 </a:t>
+            </a:r>
+            <a:r>
+              <a:rPr lang="en-US" altLang="ko-KR" b="0" i="0">
+                <a:solidFill>
+                  <a:srgbClr val="0D0D0D"/>
+                </a:solidFill>
+                <a:effectLst/>
+                <a:highlight>
+                  <a:srgbClr val="FFFFFF"/>
+                </a:highlight>
+                <a:latin typeface="Söhne"/>
+              </a:rPr>
+              <a:t>3D </a:t>
+            </a:r>
+            <a:r>
+              <a:rPr lang="ko-KR" altLang="en-US" b="0" i="0">
+                <a:solidFill>
+                  <a:srgbClr val="0D0D0D"/>
+                </a:solidFill>
+                <a:effectLst/>
+                <a:highlight>
+                  <a:srgbClr val="FFFFFF"/>
+                </a:highlight>
+                <a:latin typeface="Söhne"/>
+              </a:rPr>
+              <a:t>좌표를 </a:t>
+            </a:r>
+            <a:r>
+              <a:rPr lang="en-US" altLang="ko-KR" b="0" i="0">
+                <a:solidFill>
+                  <a:srgbClr val="0D0D0D"/>
+                </a:solidFill>
+                <a:effectLst/>
+                <a:highlight>
+                  <a:srgbClr val="FFFFFF"/>
+                </a:highlight>
+                <a:latin typeface="Söhne"/>
+              </a:rPr>
+              <a:t>2D </a:t>
+            </a:r>
+            <a:r>
+              <a:rPr lang="ko-KR" altLang="en-US" b="0" i="0">
+                <a:solidFill>
+                  <a:srgbClr val="0D0D0D"/>
+                </a:solidFill>
+                <a:effectLst/>
+                <a:highlight>
+                  <a:srgbClr val="FFFFFF"/>
+                </a:highlight>
+                <a:latin typeface="Söhne"/>
+              </a:rPr>
+              <a:t>투영 평면으로 매핑하고</a:t>
+            </a:r>
+            <a:r>
+              <a:rPr lang="en-US" altLang="ko-KR" b="0" i="0">
+                <a:solidFill>
+                  <a:srgbClr val="0D0D0D"/>
+                </a:solidFill>
+                <a:effectLst/>
+                <a:highlight>
+                  <a:srgbClr val="FFFFFF"/>
+                </a:highlight>
+                <a:latin typeface="Söhne"/>
+              </a:rPr>
+              <a:t>, </a:t>
+            </a:r>
+            <a:r>
+              <a:rPr lang="ko-KR" altLang="en-US" b="0" i="0">
+                <a:solidFill>
+                  <a:srgbClr val="0D0D0D"/>
+                </a:solidFill>
+                <a:effectLst/>
+                <a:highlight>
+                  <a:srgbClr val="FFFFFF"/>
+                </a:highlight>
+                <a:latin typeface="Söhne"/>
+              </a:rPr>
+              <a:t>뷰 볼륨 내의 좌표를 표준 정규화 좌표계</a:t>
+            </a:r>
+            <a:r>
+              <a:rPr lang="en-US" altLang="ko-KR" b="0" i="0">
+                <a:solidFill>
+                  <a:srgbClr val="0D0D0D"/>
+                </a:solidFill>
+                <a:effectLst/>
+                <a:highlight>
+                  <a:srgbClr val="FFFFFF"/>
+                </a:highlight>
+                <a:latin typeface="Söhne"/>
+              </a:rPr>
+              <a:t>(NDC)</a:t>
+            </a:r>
+            <a:r>
+              <a:rPr lang="ko-KR" altLang="en-US" b="0" i="0">
+                <a:solidFill>
+                  <a:srgbClr val="0D0D0D"/>
+                </a:solidFill>
+                <a:effectLst/>
+                <a:highlight>
+                  <a:srgbClr val="FFFFFF"/>
+                </a:highlight>
+                <a:latin typeface="Söhne"/>
+              </a:rPr>
+              <a:t>로 변환합니다</a:t>
+            </a:r>
+            <a:r>
+              <a:rPr lang="en-US" altLang="ko-KR" b="0" i="0">
+                <a:solidFill>
+                  <a:srgbClr val="0D0D0D"/>
+                </a:solidFill>
+                <a:effectLst/>
+                <a:highlight>
+                  <a:srgbClr val="FFFFFF"/>
+                </a:highlight>
+                <a:latin typeface="Söhne"/>
+              </a:rPr>
+              <a:t>. </a:t>
+            </a:r>
+          </a:p>
+          <a:p>
+            <a:pPr algn="l">
+              <a:buFont typeface="Arial" panose="020B0604020202020204" pitchFamily="34" charset="0"/>
+              <a:buNone/>
+            </a:pPr>
+            <a:r>
+              <a:rPr lang="ko-KR" altLang="en-US" b="0" i="0">
+                <a:solidFill>
+                  <a:srgbClr val="0D0D0D"/>
+                </a:solidFill>
+                <a:effectLst/>
+                <a:highlight>
+                  <a:srgbClr val="FFFFFF"/>
+                </a:highlight>
+                <a:latin typeface="Söhne"/>
+              </a:rPr>
+              <a:t>일반적인 직교 투영 행렬은 다음과 같습니다</a:t>
+            </a:r>
+            <a:r>
+              <a:rPr lang="en-US" altLang="ko-KR" b="0" i="0">
+                <a:solidFill>
+                  <a:srgbClr val="0D0D0D"/>
+                </a:solidFill>
+                <a:effectLst/>
+                <a:highlight>
+                  <a:srgbClr val="FFFFFF"/>
+                </a:highlight>
+                <a:latin typeface="Söhne"/>
+              </a:rPr>
+              <a:t>:</a:t>
+            </a:r>
+          </a:p>
+          <a:p>
+            <a:pPr algn="l">
+              <a:buFont typeface="Arial" panose="020B0604020202020204" pitchFamily="34" charset="0"/>
+              <a:buNone/>
+            </a:pPr>
+            <a:r>
+              <a:rPr lang="ko-KR" altLang="en-US" b="0" i="0">
+                <a:solidFill>
+                  <a:srgbClr val="0D0D0D"/>
+                </a:solidFill>
+                <a:effectLst/>
+                <a:highlight>
+                  <a:srgbClr val="FFFFFF"/>
+                </a:highlight>
+                <a:latin typeface="Söhne"/>
+              </a:rPr>
+              <a:t>여기서 </a:t>
+            </a:r>
+            <a:r>
+              <a:rPr lang="en-US" altLang="ko-KR" b="0" i="0">
+                <a:solidFill>
+                  <a:srgbClr val="0D0D0D"/>
+                </a:solidFill>
+                <a:effectLst/>
+                <a:highlight>
+                  <a:srgbClr val="FFFFFF"/>
+                </a:highlight>
+                <a:latin typeface="Söhne"/>
+              </a:rPr>
+              <a:t>l</a:t>
+            </a:r>
+            <a:r>
+              <a:rPr lang="en-US" altLang="ko-KR" b="0" i="0">
+                <a:solidFill>
+                  <a:srgbClr val="0D0D0D"/>
+                </a:solidFill>
+                <a:effectLst/>
+                <a:highlight>
+                  <a:srgbClr val="FFFFFF"/>
+                </a:highlight>
+                <a:latin typeface="KaTeX_Main"/>
+              </a:rPr>
+              <a:t>,</a:t>
+            </a:r>
+            <a:r>
+              <a:rPr lang="en-US" altLang="ko-KR" b="0" i="1">
+                <a:solidFill>
+                  <a:srgbClr val="0D0D0D"/>
+                </a:solidFill>
+                <a:effectLst/>
+                <a:highlight>
+                  <a:srgbClr val="FFFFFF"/>
+                </a:highlight>
+                <a:latin typeface="KaTeX_Math"/>
+              </a:rPr>
+              <a:t>r</a:t>
+            </a:r>
+            <a:r>
+              <a:rPr lang="en-US" altLang="ko-KR" b="0" i="0">
+                <a:solidFill>
+                  <a:srgbClr val="0D0D0D"/>
+                </a:solidFill>
+                <a:effectLst/>
+                <a:highlight>
+                  <a:srgbClr val="FFFFFF"/>
+                </a:highlight>
+                <a:latin typeface="KaTeX_Main"/>
+              </a:rPr>
+              <a:t>,</a:t>
+            </a:r>
+            <a:r>
+              <a:rPr lang="en-US" altLang="ko-KR" b="0" i="1">
+                <a:solidFill>
+                  <a:srgbClr val="0D0D0D"/>
+                </a:solidFill>
+                <a:effectLst/>
+                <a:highlight>
+                  <a:srgbClr val="FFFFFF"/>
+                </a:highlight>
+                <a:latin typeface="KaTeX_Math"/>
+              </a:rPr>
+              <a:t>t</a:t>
+            </a:r>
+            <a:r>
+              <a:rPr lang="en-US" altLang="ko-KR" b="0" i="0">
+                <a:solidFill>
+                  <a:srgbClr val="0D0D0D"/>
+                </a:solidFill>
+                <a:effectLst/>
+                <a:highlight>
+                  <a:srgbClr val="FFFFFF"/>
+                </a:highlight>
+                <a:latin typeface="KaTeX_Main"/>
+              </a:rPr>
+              <a:t>,</a:t>
+            </a:r>
+            <a:r>
+              <a:rPr lang="en-US" altLang="ko-KR" b="0" i="1">
+                <a:solidFill>
+                  <a:srgbClr val="0D0D0D"/>
+                </a:solidFill>
+                <a:effectLst/>
+                <a:highlight>
+                  <a:srgbClr val="FFFFFF"/>
+                </a:highlight>
+                <a:latin typeface="KaTeX_Math"/>
+              </a:rPr>
+              <a:t>b</a:t>
+            </a:r>
+            <a:r>
+              <a:rPr lang="en-US" altLang="ko-KR" b="0" i="0">
+                <a:solidFill>
+                  <a:srgbClr val="0D0D0D"/>
+                </a:solidFill>
+                <a:effectLst/>
+                <a:highlight>
+                  <a:srgbClr val="FFFFFF"/>
+                </a:highlight>
+                <a:latin typeface="KaTeX_Main"/>
+              </a:rPr>
+              <a:t>,</a:t>
+            </a:r>
+            <a:r>
+              <a:rPr lang="en-US" altLang="ko-KR" b="0" i="1">
+                <a:solidFill>
+                  <a:srgbClr val="0D0D0D"/>
+                </a:solidFill>
+                <a:effectLst/>
+                <a:highlight>
+                  <a:srgbClr val="FFFFFF"/>
+                </a:highlight>
+                <a:latin typeface="KaTeX_Math"/>
+              </a:rPr>
+              <a:t>n</a:t>
+            </a:r>
+            <a:r>
+              <a:rPr lang="en-US" altLang="ko-KR" b="0" i="0">
+                <a:solidFill>
+                  <a:srgbClr val="0D0D0D"/>
+                </a:solidFill>
+                <a:effectLst/>
+                <a:highlight>
+                  <a:srgbClr val="FFFFFF"/>
+                </a:highlight>
+                <a:latin typeface="KaTeX_Main"/>
+              </a:rPr>
+              <a:t>,</a:t>
+            </a:r>
+            <a:r>
+              <a:rPr lang="en-US" altLang="ko-KR" b="0" i="1">
+                <a:solidFill>
+                  <a:srgbClr val="0D0D0D"/>
+                </a:solidFill>
+                <a:effectLst/>
+                <a:highlight>
+                  <a:srgbClr val="FFFFFF"/>
+                </a:highlight>
+                <a:latin typeface="KaTeX_Math"/>
+              </a:rPr>
+              <a:t>f</a:t>
+            </a:r>
+            <a:r>
+              <a:rPr lang="ko-KR" altLang="en-US" b="0" i="0">
+                <a:solidFill>
+                  <a:srgbClr val="0D0D0D"/>
+                </a:solidFill>
+                <a:effectLst/>
+                <a:highlight>
+                  <a:srgbClr val="FFFFFF"/>
+                </a:highlight>
+                <a:latin typeface="Söhne"/>
+              </a:rPr>
+              <a:t>는 각각 클리핑 볼륨의 왼쪽</a:t>
+            </a:r>
+            <a:r>
+              <a:rPr lang="en-US" altLang="ko-KR" b="0" i="0">
+                <a:solidFill>
+                  <a:srgbClr val="0D0D0D"/>
+                </a:solidFill>
+                <a:effectLst/>
+                <a:highlight>
+                  <a:srgbClr val="FFFFFF"/>
+                </a:highlight>
+                <a:latin typeface="Söhne"/>
+              </a:rPr>
+              <a:t>, </a:t>
+            </a:r>
+            <a:r>
+              <a:rPr lang="ko-KR" altLang="en-US" b="0" i="0">
+                <a:solidFill>
+                  <a:srgbClr val="0D0D0D"/>
+                </a:solidFill>
+                <a:effectLst/>
+                <a:highlight>
+                  <a:srgbClr val="FFFFFF"/>
+                </a:highlight>
+                <a:latin typeface="Söhne"/>
+              </a:rPr>
+              <a:t>오른쪽</a:t>
+            </a:r>
+            <a:r>
+              <a:rPr lang="en-US" altLang="ko-KR" b="0" i="0">
+                <a:solidFill>
+                  <a:srgbClr val="0D0D0D"/>
+                </a:solidFill>
+                <a:effectLst/>
+                <a:highlight>
+                  <a:srgbClr val="FFFFFF"/>
+                </a:highlight>
+                <a:latin typeface="Söhne"/>
+              </a:rPr>
+              <a:t>, </a:t>
+            </a:r>
+            <a:r>
+              <a:rPr lang="ko-KR" altLang="en-US" b="0" i="0">
+                <a:solidFill>
+                  <a:srgbClr val="0D0D0D"/>
+                </a:solidFill>
+                <a:effectLst/>
+                <a:highlight>
+                  <a:srgbClr val="FFFFFF"/>
+                </a:highlight>
+                <a:latin typeface="Söhne"/>
+              </a:rPr>
+              <a:t>위쪽</a:t>
+            </a:r>
+            <a:r>
+              <a:rPr lang="en-US" altLang="ko-KR" b="0" i="0">
+                <a:solidFill>
+                  <a:srgbClr val="0D0D0D"/>
+                </a:solidFill>
+                <a:effectLst/>
+                <a:highlight>
+                  <a:srgbClr val="FFFFFF"/>
+                </a:highlight>
+                <a:latin typeface="Söhne"/>
+              </a:rPr>
+              <a:t>, </a:t>
+            </a:r>
+            <a:r>
+              <a:rPr lang="ko-KR" altLang="en-US" b="0" i="0">
+                <a:solidFill>
+                  <a:srgbClr val="0D0D0D"/>
+                </a:solidFill>
+                <a:effectLst/>
+                <a:highlight>
+                  <a:srgbClr val="FFFFFF"/>
+                </a:highlight>
+                <a:latin typeface="Söhne"/>
+              </a:rPr>
+              <a:t>아래쪽</a:t>
+            </a:r>
+            <a:r>
+              <a:rPr lang="en-US" altLang="ko-KR" b="0" i="0">
+                <a:solidFill>
+                  <a:srgbClr val="0D0D0D"/>
+                </a:solidFill>
+                <a:effectLst/>
+                <a:highlight>
+                  <a:srgbClr val="FFFFFF"/>
+                </a:highlight>
+                <a:latin typeface="Söhne"/>
+              </a:rPr>
+              <a:t>, </a:t>
+            </a:r>
+            <a:r>
+              <a:rPr lang="ko-KR" altLang="en-US" b="0" i="0">
+                <a:solidFill>
+                  <a:srgbClr val="0D0D0D"/>
+                </a:solidFill>
+                <a:effectLst/>
+                <a:highlight>
+                  <a:srgbClr val="FFFFFF"/>
+                </a:highlight>
+                <a:latin typeface="Söhne"/>
+              </a:rPr>
+              <a:t>가까운</a:t>
+            </a:r>
+            <a:r>
+              <a:rPr lang="en-US" altLang="ko-KR" b="0" i="0">
+                <a:solidFill>
+                  <a:srgbClr val="0D0D0D"/>
+                </a:solidFill>
+                <a:effectLst/>
+                <a:highlight>
+                  <a:srgbClr val="FFFFFF"/>
+                </a:highlight>
+                <a:latin typeface="Söhne"/>
+              </a:rPr>
+              <a:t>, </a:t>
+            </a:r>
+            <a:r>
+              <a:rPr lang="ko-KR" altLang="en-US" b="0" i="0">
+                <a:solidFill>
+                  <a:srgbClr val="0D0D0D"/>
+                </a:solidFill>
+                <a:effectLst/>
+                <a:highlight>
+                  <a:srgbClr val="FFFFFF"/>
+                </a:highlight>
+                <a:latin typeface="Söhne"/>
+              </a:rPr>
+              <a:t>먼 클리핑 평면의 경계를 나타냅니다</a:t>
+            </a:r>
+            <a:r>
+              <a:rPr lang="en-US" altLang="ko-KR" b="0" i="0">
+                <a:solidFill>
+                  <a:srgbClr val="0D0D0D"/>
+                </a:solidFill>
+                <a:effectLst/>
+                <a:highlight>
+                  <a:srgbClr val="FFFFFF"/>
+                </a:highlight>
+                <a:latin typeface="Söhne"/>
+              </a:rPr>
+              <a:t>.</a:t>
+            </a:r>
+          </a:p>
+          <a:p>
+            <a:pPr algn="l" fontAlgn="base"/>
+            <a:r>
+              <a:rPr lang="ko-KR" altLang="en-US" b="0" i="0">
+                <a:solidFill>
+                  <a:srgbClr val="0D0D0D"/>
+                </a:solidFill>
+                <a:effectLst/>
+                <a:highlight>
+                  <a:srgbClr val="FFFFFF"/>
+                </a:highlight>
+                <a:latin typeface="Söhne"/>
+              </a:rPr>
+              <a:t>원점을 카메라 중앙에 둔다면</a:t>
+            </a:r>
+            <a:r>
+              <a:rPr lang="en-US" altLang="ko-KR" b="0" i="0">
+                <a:solidFill>
+                  <a:srgbClr val="444444"/>
+                </a:solidFill>
+                <a:effectLst/>
+                <a:highlight>
+                  <a:srgbClr val="FFFFFF"/>
+                </a:highlight>
+                <a:latin typeface="se-nanumgothic"/>
+              </a:rPr>
+              <a:t>, R-L = 2R / T - B = 2T</a:t>
+            </a:r>
+            <a:r>
+              <a:rPr lang="ko-KR" altLang="en-US" b="0" i="0">
+                <a:solidFill>
+                  <a:srgbClr val="444444"/>
+                </a:solidFill>
+                <a:effectLst/>
+                <a:highlight>
+                  <a:srgbClr val="FFFFFF"/>
+                </a:highlight>
+                <a:latin typeface="se-nanumgothic"/>
+              </a:rPr>
+              <a:t>가 적용 가능하므로 이런식으로 간략화가 가능합니다</a:t>
+            </a:r>
+            <a:r>
+              <a:rPr lang="en-US" altLang="ko-KR" b="0" i="0">
+                <a:solidFill>
+                  <a:srgbClr val="444444"/>
+                </a:solidFill>
+                <a:effectLst/>
+                <a:highlight>
+                  <a:srgbClr val="FFFFFF"/>
+                </a:highlight>
+                <a:latin typeface="se-nanumgothic"/>
+              </a:rPr>
+              <a:t>.</a:t>
+            </a:r>
+            <a:endParaRPr lang="ko-KR" altLang="en-US" b="0" i="0">
               <a:solidFill>
-                <a:srgbClr val="ECECEC"/>
+                <a:srgbClr val="444444"/>
               </a:solidFill>
               <a:effectLst/>
               <a:highlight>
-                <a:srgbClr val="212121"/>
+                <a:srgbClr val="FFFFFF"/>
               </a:highlight>
-              <a:latin typeface="Söhne"/>
+              <a:latin typeface="inherit"/>
             </a:endParaRPr>
           </a:p>
           <a:p>
-            <a:r>
-              <a:rPr lang="ko-KR" altLang="en-US" b="0" i="0">
-                <a:solidFill>
-                  <a:srgbClr val="ECECEC"/>
-                </a:solidFill>
-                <a:effectLst/>
-                <a:highlight>
-                  <a:srgbClr val="212121"/>
-                </a:highlight>
-                <a:latin typeface="Söhne"/>
-              </a:rPr>
-              <a:t>투영 행렬은 뷰스페이스</a:t>
-            </a:r>
-            <a:r>
-              <a:rPr lang="en-US" altLang="ko-KR" b="0" i="0">
-                <a:solidFill>
-                  <a:srgbClr val="ECECEC"/>
-                </a:solidFill>
-                <a:effectLst/>
-                <a:highlight>
-                  <a:srgbClr val="212121"/>
-                </a:highlight>
-                <a:latin typeface="Söhne"/>
-              </a:rPr>
-              <a:t>(</a:t>
-            </a:r>
-            <a:r>
-              <a:rPr lang="ko-KR" altLang="en-US" b="0" i="0">
-                <a:solidFill>
-                  <a:srgbClr val="ECECEC"/>
-                </a:solidFill>
-                <a:effectLst/>
-                <a:highlight>
-                  <a:srgbClr val="212121"/>
-                </a:highlight>
-                <a:latin typeface="Söhne"/>
-              </a:rPr>
-              <a:t>뷰 좌표계</a:t>
-            </a:r>
-            <a:r>
-              <a:rPr lang="en-US" altLang="ko-KR" b="0" i="0">
-                <a:solidFill>
-                  <a:srgbClr val="ECECEC"/>
-                </a:solidFill>
-                <a:effectLst/>
-                <a:highlight>
-                  <a:srgbClr val="212121"/>
-                </a:highlight>
-                <a:latin typeface="Söhne"/>
-              </a:rPr>
-              <a:t>)</a:t>
-            </a:r>
-            <a:r>
-              <a:rPr lang="ko-KR" altLang="en-US" b="0" i="0">
-                <a:solidFill>
-                  <a:srgbClr val="ECECEC"/>
-                </a:solidFill>
-                <a:effectLst/>
-                <a:highlight>
-                  <a:srgbClr val="212121"/>
-                </a:highlight>
-                <a:latin typeface="Söhne"/>
-              </a:rPr>
-              <a:t>로 변환된 후에 적용되어 원점이 카메라가 있는곳이 원점이 되므로 </a:t>
-            </a:r>
-            <a:r>
-              <a:rPr lang="en-US" altLang="ko-KR" b="0" i="0">
-                <a:solidFill>
-                  <a:srgbClr val="ECECEC"/>
-                </a:solidFill>
-                <a:effectLst/>
-                <a:highlight>
-                  <a:srgbClr val="212121"/>
-                </a:highlight>
-                <a:latin typeface="Söhne"/>
-              </a:rPr>
-              <a:t>l</a:t>
-            </a:r>
-            <a:r>
-              <a:rPr lang="ko-KR" altLang="en-US" b="0" i="0">
-                <a:solidFill>
-                  <a:srgbClr val="ECECEC"/>
-                </a:solidFill>
-                <a:effectLst/>
-                <a:highlight>
-                  <a:srgbClr val="212121"/>
-                </a:highlight>
-                <a:latin typeface="Söhne"/>
-              </a:rPr>
-              <a:t>값과 </a:t>
-            </a:r>
-            <a:r>
-              <a:rPr lang="en-US" altLang="ko-KR" b="0" i="0">
-                <a:solidFill>
-                  <a:srgbClr val="ECECEC"/>
-                </a:solidFill>
-                <a:effectLst/>
-                <a:highlight>
-                  <a:srgbClr val="212121"/>
-                </a:highlight>
-                <a:latin typeface="Söhne"/>
-              </a:rPr>
-              <a:t>r</a:t>
-            </a:r>
-            <a:r>
-              <a:rPr lang="ko-KR" altLang="en-US" b="0" i="0">
-                <a:solidFill>
-                  <a:srgbClr val="ECECEC"/>
-                </a:solidFill>
-                <a:effectLst/>
-                <a:highlight>
-                  <a:srgbClr val="212121"/>
-                </a:highlight>
-                <a:latin typeface="Söhne"/>
-              </a:rPr>
-              <a:t>값</a:t>
-            </a:r>
-            <a:r>
-              <a:rPr lang="en-US" altLang="ko-KR" b="0" i="0">
-                <a:solidFill>
-                  <a:srgbClr val="ECECEC"/>
-                </a:solidFill>
-                <a:effectLst/>
-                <a:highlight>
-                  <a:srgbClr val="212121"/>
-                </a:highlight>
-                <a:latin typeface="Söhne"/>
-              </a:rPr>
-              <a:t>, t</a:t>
-            </a:r>
-            <a:r>
-              <a:rPr lang="ko-KR" altLang="en-US" b="0" i="0">
-                <a:solidFill>
-                  <a:srgbClr val="ECECEC"/>
-                </a:solidFill>
-                <a:effectLst/>
-                <a:highlight>
-                  <a:srgbClr val="212121"/>
-                </a:highlight>
-                <a:latin typeface="Söhne"/>
-              </a:rPr>
-              <a:t>값과 </a:t>
-            </a:r>
-            <a:r>
-              <a:rPr lang="en-US" altLang="ko-KR" b="0" i="0">
-                <a:solidFill>
-                  <a:srgbClr val="ECECEC"/>
-                </a:solidFill>
-                <a:effectLst/>
-                <a:highlight>
-                  <a:srgbClr val="212121"/>
-                </a:highlight>
-                <a:latin typeface="Söhne"/>
-              </a:rPr>
-              <a:t>b</a:t>
-            </a:r>
-            <a:r>
-              <a:rPr lang="ko-KR" altLang="en-US" b="0" i="0">
-                <a:solidFill>
-                  <a:srgbClr val="ECECEC"/>
-                </a:solidFill>
-                <a:effectLst/>
-                <a:highlight>
-                  <a:srgbClr val="212121"/>
-                </a:highlight>
-                <a:latin typeface="Söhne"/>
-              </a:rPr>
-              <a:t>값의</a:t>
-            </a:r>
-            <a:r>
-              <a:rPr lang="en-US" altLang="ko-KR" b="0" i="0">
-                <a:solidFill>
-                  <a:srgbClr val="ECECEC"/>
-                </a:solidFill>
-                <a:effectLst/>
-                <a:highlight>
-                  <a:srgbClr val="212121"/>
-                </a:highlight>
-                <a:latin typeface="Söhne"/>
-              </a:rPr>
-              <a:t> </a:t>
-            </a:r>
-            <a:r>
-              <a:rPr lang="ko-KR" altLang="en-US" b="0" i="0">
-                <a:solidFill>
-                  <a:srgbClr val="ECECEC"/>
-                </a:solidFill>
-                <a:effectLst/>
-                <a:highlight>
-                  <a:srgbClr val="212121"/>
-                </a:highlight>
-                <a:latin typeface="Söhne"/>
-              </a:rPr>
-              <a:t>크기가 같습니다</a:t>
-            </a:r>
-            <a:r>
-              <a:rPr lang="en-US" altLang="ko-KR" b="0" i="0">
-                <a:solidFill>
-                  <a:srgbClr val="ECECEC"/>
-                </a:solidFill>
-                <a:effectLst/>
-                <a:highlight>
-                  <a:srgbClr val="212121"/>
-                </a:highlight>
-                <a:latin typeface="Söhne"/>
-              </a:rPr>
-              <a:t>.</a:t>
-            </a:r>
-          </a:p>
-          <a:p>
-            <a:r>
+            <a:br>
               <a:rPr lang="ko-KR" altLang="en-US"/>
-              <a:t>예를들어서 </a:t>
-            </a:r>
-            <a:r>
-              <a:rPr lang="en-US" altLang="ko-KR"/>
-              <a:t>l = -3</a:t>
-            </a:r>
-            <a:r>
-              <a:rPr lang="ko-KR" altLang="en-US"/>
-              <a:t>이면 </a:t>
-            </a:r>
-            <a:r>
-              <a:rPr lang="en-US" altLang="ko-KR"/>
-              <a:t>r = 3</a:t>
-            </a:r>
-            <a:r>
-              <a:rPr lang="ko-KR" altLang="en-US"/>
-              <a:t>이 되고</a:t>
-            </a:r>
-            <a:r>
-              <a:rPr lang="en-US" altLang="ko-KR"/>
-              <a:t>, t = 2</a:t>
-            </a:r>
-            <a:r>
-              <a:rPr lang="ko-KR" altLang="en-US"/>
-              <a:t>이고</a:t>
-            </a:r>
-            <a:r>
-              <a:rPr lang="en-US" altLang="ko-KR"/>
-              <a:t>, b = -2</a:t>
-            </a:r>
-            <a:r>
-              <a:rPr lang="ko-KR" altLang="en-US"/>
-              <a:t>이가 되므로 이 부분은 </a:t>
-            </a:r>
-            <a:r>
-              <a:rPr lang="en-US" altLang="ko-KR"/>
-              <a:t>0</a:t>
-            </a:r>
-            <a:r>
-              <a:rPr lang="ko-KR" altLang="en-US"/>
-              <a:t>이 되어어서 확인해야 할 부분은 나머지 부분들 입니다</a:t>
-            </a:r>
-            <a:r>
-              <a:rPr lang="en-US" altLang="ko-KR"/>
-              <a:t>.</a:t>
-            </a:r>
+            </a:br>
             <a:endParaRPr lang="ko-KR" altLang="en-US"/>
           </a:p>
         </p:txBody>
@@ -1403,7 +1942,7 @@
     </p:spTree>
     <p:extLst>
       <p:ext uri="{BB962C8B-B14F-4D97-AF65-F5344CB8AC3E}">
-        <p14:creationId xmlns:p14="http://schemas.microsoft.com/office/powerpoint/2010/main" val="522626019"/>
+        <p14:creationId xmlns:p14="http://schemas.microsoft.com/office/powerpoint/2010/main" val="3281830117"/>
       </p:ext>
     </p:extLst>
   </p:cSld>
@@ -1457,33 +1996,50 @@
           <a:bodyPr/>
           <a:lstStyle/>
           <a:p>
+            <a:pPr marL="0" marR="0" lvl="0" indent="0" algn="l" defTabSz="914400" rtl="0" eaLnBrk="1" fontAlgn="auto" latinLnBrk="1" hangingPunct="1">
+              <a:lnSpc>
+                <a:spcPct val="100000"/>
+              </a:lnSpc>
+              <a:spcBef>
+                <a:spcPts val="0"/>
+              </a:spcBef>
+              <a:spcAft>
+                <a:spcPts val="0"/>
+              </a:spcAft>
+              <a:buClrTx/>
+              <a:buSzTx/>
+              <a:buFontTx/>
+              <a:buNone/>
+              <a:tabLst/>
+              <a:defRPr/>
+            </a:pPr>
             <a:r>
               <a:rPr lang="ko-KR" altLang="en-US"/>
-              <a:t>이러한 행렬이 존재하고</a:t>
+              <a:t>원근</a:t>
             </a:r>
             <a:r>
               <a:rPr lang="en-US" altLang="ko-KR"/>
-              <a:t>, </a:t>
+              <a:t> </a:t>
             </a:r>
             <a:r>
               <a:rPr lang="ko-KR" altLang="en-US"/>
-              <a:t>어떤 벡터인 </a:t>
+              <a:t>투영은 뷰 볼륨이 원금감 있는 절두체</a:t>
             </a:r>
             <a:r>
               <a:rPr lang="en-US" altLang="ko-KR"/>
-              <a:t>V</a:t>
+              <a:t>(</a:t>
             </a:r>
             <a:r>
               <a:rPr lang="ko-KR" altLang="en-US"/>
-              <a:t>를 곱한다면 결과값은 </a:t>
+              <a:t>프러스텀</a:t>
             </a:r>
             <a:r>
               <a:rPr lang="en-US" altLang="ko-KR"/>
-              <a:t>x,y, az+b, -z</a:t>
+              <a:t>)</a:t>
             </a:r>
             <a:r>
               <a:rPr lang="ko-KR" altLang="en-US"/>
-              <a:t>가 될것입니다</a:t>
+              <a:t>형태로 정의가 되어있습니다</a:t>
             </a:r>
             <a:r>
               <a:rPr lang="en-US" altLang="ko-KR"/>
@@ -1491,70 +2047,301 @@
             </a:r>
           </a:p>
           <a:p>
+            <a:pPr marL="0" marR="0" lvl="0" indent="0" algn="l" defTabSz="914400" rtl="0" eaLnBrk="1" fontAlgn="auto" latinLnBrk="1" hangingPunct="1">
+              <a:lnSpc>
+                <a:spcPct val="100000"/>
+              </a:lnSpc>
+              <a:spcBef>
+                <a:spcPts val="0"/>
+              </a:spcBef>
+              <a:spcAft>
+                <a:spcPts val="0"/>
+              </a:spcAft>
+              <a:buClrTx/>
+              <a:buSzTx/>
+              <a:buFontTx/>
+              <a:buNone/>
+              <a:tabLst/>
+              <a:defRPr/>
+            </a:pPr>
+            <a:r>
+              <a:rPr lang="ko-KR" altLang="en-US"/>
+              <a:t>원근투영 행렬은 기본적으로 해당 프러스텀을 다루는 행렬입니다</a:t>
+            </a:r>
             <a:r>
               <a:rPr lang="en-US" altLang="ko-KR"/>
-              <a:t>-n</a:t>
-            </a:r>
+              <a:t>. </a:t>
+            </a:r>
+          </a:p>
+          <a:p>
+            <a:pPr marL="0" marR="0" lvl="0" indent="0" algn="l" defTabSz="914400" rtl="0" eaLnBrk="1" fontAlgn="auto" latinLnBrk="1" hangingPunct="1">
+              <a:lnSpc>
+                <a:spcPct val="100000"/>
+              </a:lnSpc>
+              <a:spcBef>
+                <a:spcPts val="0"/>
+              </a:spcBef>
+              <a:spcAft>
+                <a:spcPts val="0"/>
+              </a:spcAft>
+              <a:buClrTx/>
+              <a:buSzTx/>
+              <a:buFontTx/>
+              <a:buNone/>
+              <a:tabLst/>
+              <a:defRPr/>
+            </a:pPr>
             <a:r>
               <a:rPr lang="ko-KR" altLang="en-US"/>
-              <a:t>과 </a:t>
+              <a:t>프러스텀 내에 있는 공간을 </a:t>
             </a:r>
             <a:r>
               <a:rPr lang="en-US" altLang="ko-KR"/>
-              <a:t>v, f </a:t>
+              <a:t>NDC</a:t>
             </a:r>
             <a:r>
               <a:rPr lang="ko-KR" altLang="en-US"/>
-              <a:t>과 </a:t>
-            </a:r>
-            <a:r>
-              <a:rPr lang="en-US" altLang="ko-KR"/>
-              <a:t>ndc </a:t>
-            </a:r>
-            <a:r>
-              <a:rPr lang="ko-KR" altLang="en-US"/>
-              <a:t>공간에 온다면 해당 공간에 존재할것입니다</a:t>
+              <a:t>라 하는 정육면체 공간으로 변형을 해주는것이 원근 투영 행렬입니다</a:t>
             </a:r>
             <a:r>
               <a:rPr lang="en-US" altLang="ko-KR"/>
               <a:t>.</a:t>
             </a:r>
-          </a:p>
-          <a:p>
+            <a:endParaRPr lang="ko-KR" altLang="en-US"/>
+          </a:p>
+          <a:p>
+            <a:pPr marL="0" marR="0" lvl="0" indent="0" algn="l" defTabSz="914400" rtl="0" eaLnBrk="1" fontAlgn="auto" latinLnBrk="1" hangingPunct="1">
+              <a:lnSpc>
+                <a:spcPct val="100000"/>
+              </a:lnSpc>
+              <a:spcBef>
+                <a:spcPts val="0"/>
+              </a:spcBef>
+              <a:spcAft>
+                <a:spcPts val="0"/>
+              </a:spcAft>
+              <a:buClrTx/>
+              <a:buSzTx/>
+              <a:buFontTx/>
+              <a:buNone/>
+              <a:tabLst/>
+              <a:defRPr/>
+            </a:pPr>
             <a:r>
               <a:rPr lang="ko-KR" altLang="en-US"/>
-              <a:t>해당 행렬은 프러스텀에 해당형태로 존재하는 사각형이 </a:t>
-            </a:r>
-            <a:r>
-              <a:rPr lang="en-US" altLang="ko-KR"/>
-              <a:t>ndc</a:t>
-            </a:r>
-            <a:r>
-              <a:rPr lang="ko-KR" altLang="en-US"/>
-              <a:t>공간으로 이동하게 된다면 뒤쪽이 찌그러진 형태 즉 원근법이 적용된채로 </a:t>
-            </a:r>
-            <a:r>
-              <a:rPr lang="en-US" altLang="ko-KR"/>
-              <a:t>ndc </a:t>
-            </a:r>
-            <a:r>
-              <a:rPr lang="ko-KR" altLang="en-US"/>
-              <a:t>공간에 이동을 하게 하기 위해 구하는 행렬입니다</a:t>
-            </a:r>
-            <a:r>
-              <a:rPr lang="en-US" altLang="ko-KR"/>
+              <a:t>해당 투영 또한 </a:t>
+            </a:r>
+            <a:r>
+              <a:rPr lang="ko-KR" altLang="en-US" b="0" i="0">
+                <a:solidFill>
+                  <a:srgbClr val="444444"/>
+                </a:solidFill>
+                <a:effectLst/>
+                <a:highlight>
+                  <a:srgbClr val="FFFFFF"/>
+                </a:highlight>
+                <a:latin typeface="se-nanumgothic"/>
+              </a:rPr>
+              <a:t>뷰볼륨 내의 각 좌표 셋을 </a:t>
+            </a:r>
+            <a:r>
+              <a:rPr lang="en-US" altLang="ko-KR" b="0" i="0">
+                <a:solidFill>
+                  <a:srgbClr val="444444"/>
+                </a:solidFill>
+                <a:effectLst/>
+                <a:highlight>
+                  <a:srgbClr val="FFFFFF"/>
+                </a:highlight>
+                <a:latin typeface="se-nanumgothic"/>
+              </a:rPr>
+              <a:t>Left, Right, Top, Bottom, Near, Far</a:t>
+            </a:r>
+            <a:r>
+              <a:rPr lang="ko-KR" altLang="en-US" b="0" i="0">
+                <a:solidFill>
+                  <a:srgbClr val="444444"/>
+                </a:solidFill>
+                <a:effectLst/>
+                <a:highlight>
+                  <a:srgbClr val="FFFFFF"/>
+                </a:highlight>
+                <a:latin typeface="se-nanumgothic"/>
+              </a:rPr>
+              <a:t>를 이용하여 표현하고</a:t>
+            </a:r>
+            <a:r>
+              <a:rPr lang="en-US" altLang="ko-KR" b="0" i="0">
+                <a:solidFill>
+                  <a:srgbClr val="444444"/>
+                </a:solidFill>
+                <a:effectLst/>
+                <a:highlight>
+                  <a:srgbClr val="FFFFFF"/>
+                </a:highlight>
+                <a:latin typeface="se-nanumgothic"/>
+              </a:rPr>
+              <a:t>, </a:t>
+            </a:r>
+            <a:r>
+              <a:rPr lang="ko-KR" altLang="en-US" b="0" i="0">
+                <a:solidFill>
+                  <a:srgbClr val="444444"/>
+                </a:solidFill>
+                <a:effectLst/>
+                <a:highlight>
+                  <a:srgbClr val="FFFFFF"/>
+                </a:highlight>
+                <a:latin typeface="se-nanumgothic"/>
+              </a:rPr>
+              <a:t>각각 왼쪽 좌표</a:t>
+            </a:r>
+            <a:r>
+              <a:rPr lang="en-US" altLang="ko-KR" b="0" i="0">
+                <a:solidFill>
+                  <a:srgbClr val="444444"/>
+                </a:solidFill>
+                <a:effectLst/>
+                <a:highlight>
+                  <a:srgbClr val="FFFFFF"/>
+                </a:highlight>
+                <a:latin typeface="se-nanumgothic"/>
+              </a:rPr>
+              <a:t>, </a:t>
+            </a:r>
+            <a:r>
+              <a:rPr lang="ko-KR" altLang="en-US" b="0" i="0">
+                <a:solidFill>
+                  <a:srgbClr val="444444"/>
+                </a:solidFill>
+                <a:effectLst/>
+                <a:highlight>
+                  <a:srgbClr val="FFFFFF"/>
+                </a:highlight>
+                <a:latin typeface="se-nanumgothic"/>
+              </a:rPr>
+              <a:t>오른쪽 좌표</a:t>
+            </a:r>
+            <a:r>
+              <a:rPr lang="en-US" altLang="ko-KR" b="0" i="0">
+                <a:solidFill>
+                  <a:srgbClr val="444444"/>
+                </a:solidFill>
+                <a:effectLst/>
+                <a:highlight>
+                  <a:srgbClr val="FFFFFF"/>
+                </a:highlight>
+                <a:latin typeface="se-nanumgothic"/>
+              </a:rPr>
+              <a:t>, </a:t>
+            </a:r>
+            <a:r>
+              <a:rPr lang="ko-KR" altLang="en-US" b="0" i="0">
+                <a:solidFill>
+                  <a:srgbClr val="444444"/>
+                </a:solidFill>
+                <a:effectLst/>
+                <a:highlight>
+                  <a:srgbClr val="FFFFFF"/>
+                </a:highlight>
+                <a:latin typeface="se-nanumgothic"/>
+              </a:rPr>
+              <a:t>상단 좌표</a:t>
+            </a:r>
+            <a:r>
+              <a:rPr lang="en-US" altLang="ko-KR" b="0" i="0">
+                <a:solidFill>
+                  <a:srgbClr val="444444"/>
+                </a:solidFill>
+                <a:effectLst/>
+                <a:highlight>
+                  <a:srgbClr val="FFFFFF"/>
+                </a:highlight>
+                <a:latin typeface="se-nanumgothic"/>
+              </a:rPr>
+              <a:t>, </a:t>
+            </a:r>
+            <a:r>
+              <a:rPr lang="ko-KR" altLang="en-US" b="0" i="0">
+                <a:solidFill>
+                  <a:srgbClr val="444444"/>
+                </a:solidFill>
+                <a:effectLst/>
+                <a:highlight>
+                  <a:srgbClr val="FFFFFF"/>
+                </a:highlight>
+                <a:latin typeface="se-nanumgothic"/>
+              </a:rPr>
+              <a:t>하단 좌표</a:t>
+            </a:r>
+            <a:r>
+              <a:rPr lang="en-US" altLang="ko-KR" b="0" i="0">
+                <a:solidFill>
+                  <a:srgbClr val="444444"/>
+                </a:solidFill>
+                <a:effectLst/>
+                <a:highlight>
+                  <a:srgbClr val="FFFFFF"/>
+                </a:highlight>
+                <a:latin typeface="se-nanumgothic"/>
+              </a:rPr>
+              <a:t>, </a:t>
+            </a:r>
+            <a:r>
+              <a:rPr lang="ko-KR" altLang="en-US" b="0" i="0">
+                <a:solidFill>
+                  <a:srgbClr val="444444"/>
+                </a:solidFill>
+                <a:effectLst/>
+                <a:highlight>
+                  <a:srgbClr val="FFFFFF"/>
+                </a:highlight>
+                <a:latin typeface="se-nanumgothic"/>
+              </a:rPr>
+              <a:t>가까운 평면 좌표</a:t>
+            </a:r>
+            <a:r>
+              <a:rPr lang="en-US" altLang="ko-KR" b="0" i="0">
+                <a:solidFill>
+                  <a:srgbClr val="444444"/>
+                </a:solidFill>
+                <a:effectLst/>
+                <a:highlight>
+                  <a:srgbClr val="FFFFFF"/>
+                </a:highlight>
+                <a:latin typeface="se-nanumgothic"/>
+              </a:rPr>
+              <a:t>, </a:t>
+            </a:r>
+            <a:r>
+              <a:rPr lang="ko-KR" altLang="en-US" b="0" i="0">
+                <a:solidFill>
+                  <a:srgbClr val="444444"/>
+                </a:solidFill>
+                <a:effectLst/>
+                <a:highlight>
+                  <a:srgbClr val="FFFFFF"/>
+                </a:highlight>
+                <a:latin typeface="se-nanumgothic"/>
+              </a:rPr>
+              <a:t>먼 평면 좌표를 뜻합니다</a:t>
+            </a:r>
+            <a:r>
+              <a:rPr lang="en-US" altLang="ko-KR" b="0" i="0">
+                <a:solidFill>
+                  <a:srgbClr val="444444"/>
+                </a:solidFill>
+                <a:effectLst/>
+                <a:highlight>
+                  <a:srgbClr val="FFFFFF"/>
+                </a:highlight>
+                <a:latin typeface="se-nanumgothic"/>
+              </a:rPr>
               <a:t>.</a:t>
             </a:r>
-          </a:p>
-          <a:p>
-            <a:r>
-              <a:rPr lang="ko-KR" altLang="en-US"/>
-              <a:t>방정식은 해당 행렬의 풀이 과정입니다</a:t>
-            </a:r>
-            <a:r>
-              <a:rPr lang="en-US" altLang="ko-KR"/>
-              <a:t>.</a:t>
-            </a:r>
+            <a:endParaRPr lang="ko-KR" altLang="en-US"/>
+          </a:p>
+          <a:p>
             <a:endParaRPr lang="ko-KR" altLang="en-US"/>
           </a:p>
         </p:txBody>
@@ -1585,7 +2372,664 @@
     </p:spTree>
     <p:extLst>
       <p:ext uri="{BB962C8B-B14F-4D97-AF65-F5344CB8AC3E}">
+        <p14:creationId xmlns:p14="http://schemas.microsoft.com/office/powerpoint/2010/main" val="4188000605"/>
+      </p:ext>
+    </p:extLst>
+  </p:cSld>
+  <p:clrMapOvr>
+    <a:masterClrMapping/>
+  </p:clrMapOvr>
+</p:notes>
+</file>
+
+<file path=ppt/notesSlides/notesSlide5.xml><?xml version="1.0" encoding="utf-8"?>
+<p:notes xmlns:a="http://schemas.openxmlformats.org/drawingml/2006/main" xmlns:r="http://schemas.openxmlformats.org/officeDocument/2006/relationships" xmlns:p="http://schemas.openxmlformats.org/presentationml/2006/main">
+  <p:cSld>
+    <p:spTree>
+      <p:nvGrpSpPr>
+        <p:cNvPr id="1" name=""/>
+        <p:cNvGrpSpPr/>
+        <p:nvPr/>
+      </p:nvGrpSpPr>
+      <p:grpSpPr>
+        <a:xfrm>
+          <a:off x="0" y="0"/>
+          <a:ext cx="0" cy="0"/>
+          <a:chOff x="0" y="0"/>
+          <a:chExt cx="0" cy="0"/>
+        </a:xfrm>
+      </p:grpSpPr>
+      <p:sp>
+        <p:nvSpPr>
+          <p:cNvPr id="2" name="슬라이드 이미지 개체 틀 1"/>
+          <p:cNvSpPr>
+            <a:spLocks noGrp="1" noRot="1" noChangeAspect="1"/>
+          </p:cNvSpPr>
+          <p:nvPr>
+            <p:ph type="sldImg"/>
+          </p:nvPr>
+        </p:nvSpPr>
+        <p:spPr/>
+      </p:sp>
+      <p:sp>
+        <p:nvSpPr>
+          <p:cNvPr id="3" name="슬라이드 노트 개체 틀 2"/>
+          <p:cNvSpPr>
+            <a:spLocks noGrp="1"/>
+          </p:cNvSpPr>
+          <p:nvPr>
+            <p:ph type="body" idx="1"/>
+          </p:nvPr>
+        </p:nvSpPr>
+        <p:spPr/>
+        <p:txBody>
+          <a:bodyPr/>
+          <a:lstStyle/>
+          <a:p>
+            <a:r>
+              <a:rPr lang="ko-KR" altLang="en-US" b="0" i="0">
+                <a:solidFill>
+                  <a:srgbClr val="ECECEC"/>
+                </a:solidFill>
+                <a:effectLst/>
+                <a:highlight>
+                  <a:srgbClr val="212121"/>
+                </a:highlight>
+                <a:latin typeface="Söhne"/>
+              </a:rPr>
+              <a:t>해당 행렬이 프러스텀 내에 있는 공간을 </a:t>
+            </a:r>
+            <a:r>
+              <a:rPr lang="en-US" altLang="ko-KR" b="0" i="0">
+                <a:solidFill>
+                  <a:srgbClr val="ECECEC"/>
+                </a:solidFill>
+                <a:effectLst/>
+                <a:highlight>
+                  <a:srgbClr val="212121"/>
+                </a:highlight>
+                <a:latin typeface="Söhne"/>
+              </a:rPr>
+              <a:t>NDC</a:t>
+            </a:r>
+            <a:r>
+              <a:rPr lang="ko-KR" altLang="en-US" b="0" i="0">
+                <a:solidFill>
+                  <a:srgbClr val="ECECEC"/>
+                </a:solidFill>
+                <a:effectLst/>
+                <a:highlight>
+                  <a:srgbClr val="212121"/>
+                </a:highlight>
+                <a:latin typeface="Söhne"/>
+              </a:rPr>
+              <a:t>로 변환하는 행렬인 원근 투영 행렬입니다</a:t>
+            </a:r>
+            <a:r>
+              <a:rPr lang="en-US" altLang="ko-KR" b="0" i="0">
+                <a:solidFill>
+                  <a:srgbClr val="ECECEC"/>
+                </a:solidFill>
+                <a:effectLst/>
+                <a:highlight>
+                  <a:srgbClr val="212121"/>
+                </a:highlight>
+                <a:latin typeface="Söhne"/>
+              </a:rPr>
+              <a:t>.</a:t>
+            </a:r>
+          </a:p>
+          <a:p>
+            <a:r>
+              <a:rPr lang="ko-KR" altLang="en-US" b="0" i="0">
+                <a:solidFill>
+                  <a:srgbClr val="ECECEC"/>
+                </a:solidFill>
+                <a:effectLst/>
+                <a:highlight>
+                  <a:srgbClr val="212121"/>
+                </a:highlight>
+                <a:latin typeface="Söhne"/>
+              </a:rPr>
+              <a:t>해당 행렬또한 간략화 시킨다면 다음과 같은 행렬의 모습을 보입니다</a:t>
+            </a:r>
+            <a:r>
+              <a:rPr lang="en-US" altLang="ko-KR" b="0" i="0">
+                <a:solidFill>
+                  <a:srgbClr val="ECECEC"/>
+                </a:solidFill>
+                <a:effectLst/>
+                <a:highlight>
+                  <a:srgbClr val="212121"/>
+                </a:highlight>
+                <a:latin typeface="Söhne"/>
+              </a:rPr>
+              <a:t>.</a:t>
+            </a:r>
+          </a:p>
+        </p:txBody>
+      </p:sp>
+      <p:sp>
+        <p:nvSpPr>
+          <p:cNvPr id="4" name="슬라이드 번호 개체 틀 3"/>
+          <p:cNvSpPr>
+            <a:spLocks noGrp="1"/>
+          </p:cNvSpPr>
+          <p:nvPr>
+            <p:ph type="sldNum" sz="quarter" idx="5"/>
+          </p:nvPr>
+        </p:nvSpPr>
+        <p:spPr/>
+        <p:txBody>
+          <a:bodyPr/>
+          <a:lstStyle/>
+          <a:p>
+            <a:fld id="{7C693DA0-B09C-45C5-8731-C76367726215}" type="slidenum">
+              <a:rPr lang="ko-KR" altLang="en-US" smtClean="0"/>
+              <a:t>6</a:t>
+            </a:fld>
+            <a:endParaRPr lang="ko-KR" altLang="en-US"/>
+          </a:p>
+        </p:txBody>
+      </p:sp>
+    </p:spTree>
+    <p:extLst>
+      <p:ext uri="{BB962C8B-B14F-4D97-AF65-F5344CB8AC3E}">
+        <p14:creationId xmlns:p14="http://schemas.microsoft.com/office/powerpoint/2010/main" val="348992165"/>
+      </p:ext>
+    </p:extLst>
+  </p:cSld>
+  <p:clrMapOvr>
+    <a:masterClrMapping/>
+  </p:clrMapOvr>
+</p:notes>
+</file>
+
+<file path=ppt/notesSlides/notesSlide6.xml><?xml version="1.0" encoding="utf-8"?>
+<p:notes xmlns:a="http://schemas.openxmlformats.org/drawingml/2006/main" xmlns:r="http://schemas.openxmlformats.org/officeDocument/2006/relationships" xmlns:p="http://schemas.openxmlformats.org/presentationml/2006/main">
+  <p:cSld>
+    <p:spTree>
+      <p:nvGrpSpPr>
+        <p:cNvPr id="1" name=""/>
+        <p:cNvGrpSpPr/>
+        <p:nvPr/>
+      </p:nvGrpSpPr>
+      <p:grpSpPr>
+        <a:xfrm>
+          <a:off x="0" y="0"/>
+          <a:ext cx="0" cy="0"/>
+          <a:chOff x="0" y="0"/>
+          <a:chExt cx="0" cy="0"/>
+        </a:xfrm>
+      </p:grpSpPr>
+      <p:sp>
+        <p:nvSpPr>
+          <p:cNvPr id="2" name="슬라이드 이미지 개체 틀 1"/>
+          <p:cNvSpPr>
+            <a:spLocks noGrp="1" noRot="1" noChangeAspect="1"/>
+          </p:cNvSpPr>
+          <p:nvPr>
+            <p:ph type="sldImg"/>
+          </p:nvPr>
+        </p:nvSpPr>
+        <p:spPr/>
+      </p:sp>
+      <p:sp>
+        <p:nvSpPr>
+          <p:cNvPr id="3" name="슬라이드 노트 개체 틀 2"/>
+          <p:cNvSpPr>
+            <a:spLocks noGrp="1"/>
+          </p:cNvSpPr>
+          <p:nvPr>
+            <p:ph type="body" idx="1"/>
+          </p:nvPr>
+        </p:nvSpPr>
+        <p:spPr/>
+        <p:txBody>
+          <a:bodyPr/>
+          <a:lstStyle/>
+          <a:p>
+            <a:r>
+              <a:rPr lang="ko-KR" altLang="en-US"/>
+              <a:t>이러한 행렬이 존재하고</a:t>
+            </a:r>
+            <a:r>
+              <a:rPr lang="en-US" altLang="ko-KR"/>
+              <a:t>, </a:t>
+            </a:r>
+            <a:r>
+              <a:rPr lang="ko-KR" altLang="en-US"/>
+              <a:t>어떤 벡터인 </a:t>
+            </a:r>
+            <a:r>
+              <a:rPr lang="en-US" altLang="ko-KR"/>
+              <a:t>V</a:t>
+            </a:r>
+            <a:r>
+              <a:rPr lang="ko-KR" altLang="en-US"/>
+              <a:t>를 곱한다면 결과값은 </a:t>
+            </a:r>
+            <a:r>
+              <a:rPr lang="en-US" altLang="ko-KR"/>
+              <a:t>x,y, az+b, -z</a:t>
+            </a:r>
+            <a:r>
+              <a:rPr lang="ko-KR" altLang="en-US"/>
+              <a:t>가 될것입니다</a:t>
+            </a:r>
+            <a:r>
+              <a:rPr lang="en-US" altLang="ko-KR"/>
+              <a:t>.</a:t>
+            </a:r>
+          </a:p>
+          <a:p>
+            <a:r>
+              <a:rPr lang="en-US" altLang="ko-KR"/>
+              <a:t>-n</a:t>
+            </a:r>
+            <a:r>
+              <a:rPr lang="ko-KR" altLang="en-US"/>
+              <a:t>과 </a:t>
+            </a:r>
+            <a:r>
+              <a:rPr lang="en-US" altLang="ko-KR"/>
+              <a:t>v, f </a:t>
+            </a:r>
+            <a:r>
+              <a:rPr lang="ko-KR" altLang="en-US"/>
+              <a:t>과 </a:t>
+            </a:r>
+            <a:r>
+              <a:rPr lang="en-US" altLang="ko-KR"/>
+              <a:t>ndc </a:t>
+            </a:r>
+            <a:r>
+              <a:rPr lang="ko-KR" altLang="en-US"/>
+              <a:t>공간에 온다면 해당 공간에 존재할것입니다</a:t>
+            </a:r>
+            <a:r>
+              <a:rPr lang="en-US" altLang="ko-KR"/>
+              <a:t>.</a:t>
+            </a:r>
+          </a:p>
+          <a:p>
+            <a:r>
+              <a:rPr lang="ko-KR" altLang="en-US"/>
+              <a:t>해당 행렬은 프러스텀에 해당형태로 존재하는 사각형이 </a:t>
+            </a:r>
+            <a:r>
+              <a:rPr lang="en-US" altLang="ko-KR"/>
+              <a:t>ndc</a:t>
+            </a:r>
+            <a:r>
+              <a:rPr lang="ko-KR" altLang="en-US"/>
+              <a:t>공간으로 이동하게 된다면 뒤쪽이 찌그러진 형태 즉 원근법이 적용된채로 </a:t>
+            </a:r>
+            <a:r>
+              <a:rPr lang="en-US" altLang="ko-KR"/>
+              <a:t>ndc </a:t>
+            </a:r>
+            <a:r>
+              <a:rPr lang="ko-KR" altLang="en-US"/>
+              <a:t>공간에 이동을 하게 하기 위해 구하는 행렬입니다</a:t>
+            </a:r>
+            <a:r>
+              <a:rPr lang="en-US" altLang="ko-KR"/>
+              <a:t>.</a:t>
+            </a:r>
+          </a:p>
+          <a:p>
+            <a:r>
+              <a:rPr lang="ko-KR" altLang="en-US"/>
+              <a:t>방정식은 해당 행렬의 풀이 과정입니다</a:t>
+            </a:r>
+            <a:r>
+              <a:rPr lang="en-US" altLang="ko-KR"/>
+              <a:t>.</a:t>
+            </a:r>
+            <a:endParaRPr lang="ko-KR" altLang="en-US"/>
+          </a:p>
+        </p:txBody>
+      </p:sp>
+      <p:sp>
+        <p:nvSpPr>
+          <p:cNvPr id="4" name="슬라이드 번호 개체 틀 3"/>
+          <p:cNvSpPr>
+            <a:spLocks noGrp="1"/>
+          </p:cNvSpPr>
+          <p:nvPr>
+            <p:ph type="sldNum" sz="quarter" idx="5"/>
+          </p:nvPr>
+        </p:nvSpPr>
+        <p:spPr/>
+        <p:txBody>
+          <a:bodyPr/>
+          <a:lstStyle/>
+          <a:p>
+            <a:fld id="{7C693DA0-B09C-45C5-8731-C76367726215}" type="slidenum">
+              <a:rPr lang="ko-KR" altLang="en-US" smtClean="0"/>
+              <a:t>7</a:t>
+            </a:fld>
+            <a:endParaRPr lang="ko-KR" altLang="en-US"/>
+          </a:p>
+        </p:txBody>
+      </p:sp>
+    </p:spTree>
+    <p:extLst>
+      <p:ext uri="{BB962C8B-B14F-4D97-AF65-F5344CB8AC3E}">
         <p14:creationId xmlns:p14="http://schemas.microsoft.com/office/powerpoint/2010/main" val="3112911875"/>
+      </p:ext>
+    </p:extLst>
+  </p:cSld>
+  <p:clrMapOvr>
+    <a:masterClrMapping/>
+  </p:clrMapOvr>
+</p:notes>
+</file>
+
+<file path=ppt/notesSlides/notesSlide7.xml><?xml version="1.0" encoding="utf-8"?>
+<p:notes xmlns:a="http://schemas.openxmlformats.org/drawingml/2006/main" xmlns:r="http://schemas.openxmlformats.org/officeDocument/2006/relationships" xmlns:p="http://schemas.openxmlformats.org/presentationml/2006/main">
+  <p:cSld>
+    <p:spTree>
+      <p:nvGrpSpPr>
+        <p:cNvPr id="1" name=""/>
+        <p:cNvGrpSpPr/>
+        <p:nvPr/>
+      </p:nvGrpSpPr>
+      <p:grpSpPr>
+        <a:xfrm>
+          <a:off x="0" y="0"/>
+          <a:ext cx="0" cy="0"/>
+          <a:chOff x="0" y="0"/>
+          <a:chExt cx="0" cy="0"/>
+        </a:xfrm>
+      </p:grpSpPr>
+      <p:sp>
+        <p:nvSpPr>
+          <p:cNvPr id="2" name="슬라이드 이미지 개체 틀 1"/>
+          <p:cNvSpPr>
+            <a:spLocks noGrp="1" noRot="1" noChangeAspect="1"/>
+          </p:cNvSpPr>
+          <p:nvPr>
+            <p:ph type="sldImg"/>
+          </p:nvPr>
+        </p:nvSpPr>
+        <p:spPr/>
+      </p:sp>
+      <p:sp>
+        <p:nvSpPr>
+          <p:cNvPr id="3" name="슬라이드 노트 개체 틀 2"/>
+          <p:cNvSpPr>
+            <a:spLocks noGrp="1"/>
+          </p:cNvSpPr>
+          <p:nvPr>
+            <p:ph type="body" idx="1"/>
+          </p:nvPr>
+        </p:nvSpPr>
+        <p:spPr/>
+        <p:txBody>
+          <a:bodyPr/>
+          <a:lstStyle/>
+          <a:p>
+            <a:pPr algn="l" fontAlgn="base"/>
+            <a:r>
+              <a:rPr lang="en-US" altLang="ko-KR" b="0" i="0">
+                <a:solidFill>
+                  <a:srgbClr val="444444"/>
+                </a:solidFill>
+                <a:effectLst/>
+                <a:highlight>
+                  <a:srgbClr val="FFFFFF"/>
+                </a:highlight>
+                <a:latin typeface="se-nanumgothic"/>
+              </a:rPr>
+              <a:t>FOV</a:t>
+            </a:r>
+            <a:r>
+              <a:rPr lang="ko-KR" altLang="en-US" b="0" i="0">
+                <a:solidFill>
+                  <a:srgbClr val="444444"/>
+                </a:solidFill>
+                <a:effectLst/>
+                <a:highlight>
+                  <a:srgbClr val="FFFFFF"/>
+                </a:highlight>
+                <a:latin typeface="se-nanumgothic"/>
+              </a:rPr>
+              <a:t>의 설정에 따라 화상의 크기가 달라집니다</a:t>
+            </a:r>
+            <a:r>
+              <a:rPr lang="en-US" altLang="ko-KR" b="0" i="0">
+                <a:solidFill>
+                  <a:srgbClr val="444444"/>
+                </a:solidFill>
+                <a:effectLst/>
+                <a:highlight>
+                  <a:srgbClr val="FFFFFF"/>
+                </a:highlight>
+                <a:latin typeface="se-nanumgothic"/>
+              </a:rPr>
+              <a:t>.</a:t>
+            </a:r>
+          </a:p>
+          <a:p>
+            <a:pPr algn="l" fontAlgn="base"/>
+            <a:endParaRPr lang="en-US" altLang="ko-KR" b="0" i="0">
+              <a:solidFill>
+                <a:srgbClr val="444444"/>
+              </a:solidFill>
+              <a:effectLst/>
+              <a:highlight>
+                <a:srgbClr val="FFFFFF"/>
+              </a:highlight>
+              <a:latin typeface="se-nanumgothic"/>
+            </a:endParaRPr>
+          </a:p>
+          <a:p>
+            <a:pPr algn="l" fontAlgn="base"/>
+            <a:r>
+              <a:rPr lang="en-US" altLang="ko-KR" b="0" i="0">
+                <a:solidFill>
+                  <a:srgbClr val="444444"/>
+                </a:solidFill>
+                <a:effectLst/>
+                <a:highlight>
+                  <a:srgbClr val="FFFFFF"/>
+                </a:highlight>
+                <a:latin typeface="se-nanumgothic"/>
+              </a:rPr>
+              <a:t>Near </a:t>
+            </a:r>
+            <a:r>
+              <a:rPr lang="ko-KR" altLang="en-US" b="0" i="0">
+                <a:solidFill>
+                  <a:srgbClr val="444444"/>
+                </a:solidFill>
+                <a:effectLst/>
+                <a:highlight>
+                  <a:srgbClr val="FFFFFF"/>
+                </a:highlight>
+                <a:latin typeface="se-nanumgothic"/>
+              </a:rPr>
+              <a:t>평면에 매핑된 것을 정규화하여 보여주는 것이 </a:t>
+            </a:r>
+            <a:r>
+              <a:rPr lang="en-US" altLang="ko-KR" b="0" i="0">
+                <a:solidFill>
+                  <a:srgbClr val="444444"/>
+                </a:solidFill>
+                <a:effectLst/>
+                <a:highlight>
+                  <a:srgbClr val="FFFFFF"/>
+                </a:highlight>
+                <a:latin typeface="se-nanumgothic"/>
+              </a:rPr>
+              <a:t>Orthographic</a:t>
+            </a:r>
+            <a:r>
+              <a:rPr lang="ko-KR" altLang="en-US" b="0" i="0">
+                <a:solidFill>
+                  <a:srgbClr val="444444"/>
+                </a:solidFill>
+                <a:effectLst/>
+                <a:highlight>
+                  <a:srgbClr val="FFFFFF"/>
+                </a:highlight>
+                <a:latin typeface="se-nanumgothic"/>
+              </a:rPr>
+              <a:t>입니다</a:t>
+            </a:r>
+            <a:r>
+              <a:rPr lang="en-US" altLang="ko-KR" b="0" i="0">
+                <a:solidFill>
+                  <a:srgbClr val="444444"/>
+                </a:solidFill>
+                <a:effectLst/>
+                <a:highlight>
+                  <a:srgbClr val="FFFFFF"/>
+                </a:highlight>
+                <a:latin typeface="se-nanumgothic"/>
+              </a:rPr>
+              <a:t>,</a:t>
+            </a:r>
+          </a:p>
+          <a:p>
+            <a:pPr algn="l" fontAlgn="base"/>
+            <a:r>
+              <a:rPr lang="ko-KR" altLang="en-US" b="0" i="0">
+                <a:solidFill>
+                  <a:srgbClr val="444444"/>
+                </a:solidFill>
+                <a:effectLst/>
+                <a:highlight>
+                  <a:srgbClr val="FFFFFF"/>
+                </a:highlight>
+                <a:latin typeface="se-nanumgothic"/>
+              </a:rPr>
+              <a:t>하지만 </a:t>
+            </a:r>
+            <a:r>
+              <a:rPr lang="en-US" altLang="ko-KR" b="0" i="0">
+                <a:solidFill>
+                  <a:srgbClr val="444444"/>
+                </a:solidFill>
+                <a:effectLst/>
+                <a:highlight>
+                  <a:srgbClr val="FFFFFF"/>
+                </a:highlight>
+                <a:latin typeface="se-nanumgothic"/>
+              </a:rPr>
+              <a:t>Perspective</a:t>
+            </a:r>
+            <a:r>
+              <a:rPr lang="ko-KR" altLang="en-US" b="0" i="0">
+                <a:solidFill>
+                  <a:srgbClr val="444444"/>
+                </a:solidFill>
+                <a:effectLst/>
+                <a:highlight>
+                  <a:srgbClr val="FFFFFF"/>
+                </a:highlight>
+                <a:latin typeface="se-nanumgothic"/>
+              </a:rPr>
+              <a:t>는 </a:t>
+            </a:r>
+            <a:r>
+              <a:rPr lang="en-US" altLang="ko-KR" b="0" i="0">
+                <a:solidFill>
+                  <a:srgbClr val="444444"/>
+                </a:solidFill>
+                <a:effectLst/>
+                <a:highlight>
+                  <a:srgbClr val="FFFFFF"/>
+                </a:highlight>
+                <a:latin typeface="se-nanumgothic"/>
+              </a:rPr>
+              <a:t>FOV</a:t>
+            </a:r>
+            <a:r>
+              <a:rPr lang="ko-KR" altLang="en-US" b="0" i="0">
+                <a:solidFill>
+                  <a:srgbClr val="444444"/>
+                </a:solidFill>
+                <a:effectLst/>
+                <a:highlight>
+                  <a:srgbClr val="FFFFFF"/>
+                </a:highlight>
+                <a:latin typeface="se-nanumgothic"/>
+              </a:rPr>
+              <a:t>각도만큼 </a:t>
+            </a:r>
+            <a:r>
+              <a:rPr lang="en-US" altLang="ko-KR" b="0" i="0">
+                <a:solidFill>
+                  <a:srgbClr val="444444"/>
+                </a:solidFill>
+                <a:effectLst/>
+                <a:highlight>
+                  <a:srgbClr val="FFFFFF"/>
+                </a:highlight>
+                <a:latin typeface="se-nanumgothic"/>
+              </a:rPr>
+              <a:t>screen</a:t>
+            </a:r>
+            <a:r>
+              <a:rPr lang="ko-KR" altLang="en-US" b="0" i="0">
+                <a:solidFill>
+                  <a:srgbClr val="444444"/>
+                </a:solidFill>
+                <a:effectLst/>
+                <a:highlight>
+                  <a:srgbClr val="FFFFFF"/>
+                </a:highlight>
+                <a:latin typeface="se-nanumgothic"/>
+              </a:rPr>
+              <a:t>에도 적용이 되어야 합니다</a:t>
+            </a:r>
+            <a:r>
+              <a:rPr lang="en-US" altLang="ko-KR" b="0" i="0">
+                <a:solidFill>
+                  <a:srgbClr val="444444"/>
+                </a:solidFill>
+                <a:effectLst/>
+                <a:highlight>
+                  <a:srgbClr val="FFFFFF"/>
+                </a:highlight>
+                <a:latin typeface="se-nanumgothic"/>
+              </a:rPr>
+              <a:t>.</a:t>
+            </a:r>
+            <a:endParaRPr lang="ko-KR" altLang="en-US"/>
+          </a:p>
+        </p:txBody>
+      </p:sp>
+      <p:sp>
+        <p:nvSpPr>
+          <p:cNvPr id="4" name="슬라이드 번호 개체 틀 3"/>
+          <p:cNvSpPr>
+            <a:spLocks noGrp="1"/>
+          </p:cNvSpPr>
+          <p:nvPr>
+            <p:ph type="sldNum" sz="quarter" idx="5"/>
+          </p:nvPr>
+        </p:nvSpPr>
+        <p:spPr/>
+        <p:txBody>
+          <a:bodyPr/>
+          <a:lstStyle/>
+          <a:p>
+            <a:fld id="{7C693DA0-B09C-45C5-8731-C76367726215}" type="slidenum">
+              <a:rPr lang="ko-KR" altLang="en-US" smtClean="0"/>
+              <a:t>8</a:t>
+            </a:fld>
+            <a:endParaRPr lang="ko-KR" altLang="en-US"/>
+          </a:p>
+        </p:txBody>
+      </p:sp>
+    </p:spTree>
+    <p:extLst>
+      <p:ext uri="{BB962C8B-B14F-4D97-AF65-F5344CB8AC3E}">
+        <p14:creationId xmlns:p14="http://schemas.microsoft.com/office/powerpoint/2010/main" val="522626019"/>
       </p:ext>
     </p:extLst>
   </p:cSld>
@@ -1742,7 +3186,7 @@
           <a:p>
             <a:fld id="{F3A70782-3C84-4060-BC83-54A57C66AEEC}" type="datetimeFigureOut">
               <a:rPr lang="ko-KR" altLang="en-US" smtClean="0"/>
-              <a:t>2024-05-06</a:t>
+              <a:t>2024-05-07</a:t>
             </a:fld>
             <a:endParaRPr lang="ko-KR" altLang="en-US"/>
           </a:p>
@@ -1940,7 +3384,7 @@
           <a:p>
             <a:fld id="{F3A70782-3C84-4060-BC83-54A57C66AEEC}" type="datetimeFigureOut">
               <a:rPr lang="ko-KR" altLang="en-US" smtClean="0"/>
-              <a:t>2024-05-06</a:t>
+              <a:t>2024-05-07</a:t>
             </a:fld>
             <a:endParaRPr lang="ko-KR" altLang="en-US"/>
           </a:p>
@@ -2148,7 +3592,7 @@
           <a:p>
             <a:fld id="{F3A70782-3C84-4060-BC83-54A57C66AEEC}" type="datetimeFigureOut">
               <a:rPr lang="ko-KR" altLang="en-US" smtClean="0"/>
-              <a:t>2024-05-06</a:t>
+              <a:t>2024-05-07</a:t>
             </a:fld>
             <a:endParaRPr lang="ko-KR" altLang="en-US"/>
           </a:p>
@@ -2346,7 +3790,7 @@
           <a:p>
             <a:fld id="{F3A70782-3C84-4060-BC83-54A57C66AEEC}" type="datetimeFigureOut">
               <a:rPr lang="ko-KR" altLang="en-US" smtClean="0"/>
-              <a:t>2024-05-06</a:t>
+              <a:t>2024-05-07</a:t>
             </a:fld>
             <a:endParaRPr lang="ko-KR" altLang="en-US"/>
           </a:p>
@@ -2621,7 +4065,7 @@
           <a:p>
             <a:fld id="{F3A70782-3C84-4060-BC83-54A57C66AEEC}" type="datetimeFigureOut">
               <a:rPr lang="ko-KR" altLang="en-US" smtClean="0"/>
-              <a:t>2024-05-06</a:t>
+              <a:t>2024-05-07</a:t>
             </a:fld>
             <a:endParaRPr lang="ko-KR" altLang="en-US"/>
           </a:p>
@@ -2886,7 +4330,7 @@
           <a:p>
             <a:fld id="{F3A70782-3C84-4060-BC83-54A57C66AEEC}" type="datetimeFigureOut">
               <a:rPr lang="ko-KR" altLang="en-US" smtClean="0"/>
-              <a:t>2024-05-06</a:t>
+              <a:t>2024-05-07</a:t>
             </a:fld>
             <a:endParaRPr lang="ko-KR" altLang="en-US"/>
           </a:p>
@@ -3298,7 +4742,7 @@
           <a:p>
             <a:fld id="{F3A70782-3C84-4060-BC83-54A57C66AEEC}" type="datetimeFigureOut">
               <a:rPr lang="ko-KR" altLang="en-US" smtClean="0"/>
-              <a:t>2024-05-06</a:t>
+              <a:t>2024-05-07</a:t>
             </a:fld>
             <a:endParaRPr lang="ko-KR" altLang="en-US"/>
           </a:p>
@@ -3439,7 +4883,7 @@
           <a:p>
             <a:fld id="{F3A70782-3C84-4060-BC83-54A57C66AEEC}" type="datetimeFigureOut">
               <a:rPr lang="ko-KR" altLang="en-US" smtClean="0"/>
-              <a:t>2024-05-06</a:t>
+              <a:t>2024-05-07</a:t>
             </a:fld>
             <a:endParaRPr lang="ko-KR" altLang="en-US"/>
           </a:p>
@@ -3552,7 +4996,7 @@
           <a:p>
             <a:fld id="{F3A70782-3C84-4060-BC83-54A57C66AEEC}" type="datetimeFigureOut">
               <a:rPr lang="ko-KR" altLang="en-US" smtClean="0"/>
-              <a:t>2024-05-06</a:t>
+              <a:t>2024-05-07</a:t>
             </a:fld>
             <a:endParaRPr lang="ko-KR" altLang="en-US"/>
           </a:p>
@@ -3863,7 +5307,7 @@
           <a:p>
             <a:fld id="{F3A70782-3C84-4060-BC83-54A57C66AEEC}" type="datetimeFigureOut">
               <a:rPr lang="ko-KR" altLang="en-US" smtClean="0"/>
-              <a:t>2024-05-06</a:t>
+              <a:t>2024-05-07</a:t>
             </a:fld>
             <a:endParaRPr lang="ko-KR" altLang="en-US"/>
           </a:p>
@@ -4151,7 +5595,7 @@
           <a:p>
             <a:fld id="{F3A70782-3C84-4060-BC83-54A57C66AEEC}" type="datetimeFigureOut">
               <a:rPr lang="ko-KR" altLang="en-US" smtClean="0"/>
-              <a:t>2024-05-06</a:t>
+              <a:t>2024-05-07</a:t>
             </a:fld>
             <a:endParaRPr lang="ko-KR" altLang="en-US"/>
           </a:p>
@@ -4392,7 +5836,7 @@
           <a:p>
             <a:fld id="{F3A70782-3C84-4060-BC83-54A57C66AEEC}" type="datetimeFigureOut">
               <a:rPr lang="ko-KR" altLang="en-US" smtClean="0"/>
-              <a:t>2024-05-06</a:t>
+              <a:t>2024-05-07</a:t>
             </a:fld>
             <a:endParaRPr lang="ko-KR" altLang="en-US"/>
           </a:p>
@@ -4984,19 +6428,11 @@
           <a:p>
             <a:r>
               <a:rPr lang="ko-KR" altLang="en-US" sz="2400" b="1"/>
-              <a:t>원근 투영 </a:t>
+              <a:t>투영 </a:t>
             </a:r>
             <a:r>
               <a:rPr lang="en-US" altLang="ko-KR" sz="2400" b="1"/>
-              <a:t>(Perspective Projection) &amp; </a:t>
-            </a:r>
-            <a:r>
-              <a:rPr lang="ko-KR" altLang="en-US" sz="2400" b="1"/>
-              <a:t>직교 투영</a:t>
-            </a:r>
-            <a:r>
-              <a:rPr lang="en-US" altLang="ko-KR" sz="2400" b="1"/>
-              <a:t>(Orthographic Projection)</a:t>
+              <a:t>(Projection)</a:t>
             </a:r>
             <a:endParaRPr lang="ko-KR" altLang="en-US" sz="2400" b="1"/>
           </a:p>
@@ -5237,6 +6673,642 @@
           <a:chExt cx="0" cy="0"/>
         </a:xfrm>
       </p:grpSpPr>
+      <p:sp>
+        <p:nvSpPr>
+          <p:cNvPr id="2" name="제목 1">
+            <a:extLst>
+              <a:ext uri="{FF2B5EF4-FFF2-40B4-BE49-F238E27FC236}">
+                <a16:creationId xmlns:a16="http://schemas.microsoft.com/office/drawing/2014/main" id="{EF56E6B3-2346-491C-ED6A-3C588A93B392}"/>
+              </a:ext>
+            </a:extLst>
+          </p:cNvPr>
+          <p:cNvSpPr txBox="1">
+            <a:spLocks/>
+          </p:cNvSpPr>
+          <p:nvPr/>
+        </p:nvSpPr>
+        <p:spPr>
+          <a:xfrm>
+            <a:off x="186836" y="133385"/>
+            <a:ext cx="10936689" cy="881499"/>
+          </a:xfrm>
+          <a:prstGeom prst="rect">
+            <a:avLst/>
+          </a:prstGeom>
+        </p:spPr>
+        <p:txBody>
+          <a:bodyPr vert="horz" lIns="91440" tIns="45720" rIns="91440" bIns="45720" rtlCol="0" anchor="ctr">
+            <a:normAutofit/>
+          </a:bodyPr>
+          <a:lstStyle>
+            <a:lvl1pPr algn="l" defTabSz="914400" rtl="0" eaLnBrk="1" latinLnBrk="1" hangingPunct="1">
+              <a:lnSpc>
+                <a:spcPct val="90000"/>
+              </a:lnSpc>
+              <a:spcBef>
+                <a:spcPct val="0"/>
+              </a:spcBef>
+              <a:buNone/>
+              <a:defRPr sz="4400" kern="1200">
+                <a:solidFill>
+                  <a:schemeClr val="tx1"/>
+                </a:solidFill>
+                <a:latin typeface="+mj-lt"/>
+                <a:ea typeface="+mj-ea"/>
+                <a:cs typeface="+mj-cs"/>
+              </a:defRPr>
+            </a:lvl1pPr>
+          </a:lstStyle>
+          <a:p>
+            <a:r>
+              <a:rPr lang="ko-KR" altLang="en-US" sz="2400" b="1"/>
+              <a:t>직교 투영</a:t>
+            </a:r>
+            <a:r>
+              <a:rPr lang="en-US" altLang="ko-KR" sz="2400" b="1"/>
+              <a:t>(Orthographic Projection)</a:t>
+            </a:r>
+            <a:endParaRPr lang="ko-KR" altLang="en-US" sz="2400" b="1"/>
+          </a:p>
+        </p:txBody>
+      </p:sp>
+      <p:sp>
+        <p:nvSpPr>
+          <p:cNvPr id="8" name="TextBox 7">
+            <a:extLst>
+              <a:ext uri="{FF2B5EF4-FFF2-40B4-BE49-F238E27FC236}">
+                <a16:creationId xmlns:a16="http://schemas.microsoft.com/office/drawing/2014/main" id="{3BF00BA6-EC10-94B0-F66B-A8663F7293CB}"/>
+              </a:ext>
+            </a:extLst>
+          </p:cNvPr>
+          <p:cNvSpPr txBox="1"/>
+          <p:nvPr/>
+        </p:nvSpPr>
+        <p:spPr>
+          <a:xfrm>
+            <a:off x="485994" y="5125659"/>
+            <a:ext cx="11257367" cy="646331"/>
+          </a:xfrm>
+          <a:prstGeom prst="rect">
+            <a:avLst/>
+          </a:prstGeom>
+          <a:noFill/>
+        </p:spPr>
+        <p:txBody>
+          <a:bodyPr wrap="square">
+            <a:spAutoFit/>
+          </a:bodyPr>
+          <a:lstStyle/>
+          <a:p>
+            <a:pPr algn="l">
+              <a:buFont typeface="Arial" panose="020B0604020202020204" pitchFamily="34" charset="0"/>
+              <a:buChar char="•"/>
+            </a:pPr>
+            <a:r>
+              <a:rPr lang="ko-KR" altLang="en-US" b="1" i="0">
+                <a:effectLst/>
+                <a:latin typeface="Arial" panose="020B0604020202020204" pitchFamily="34" charset="0"/>
+              </a:rPr>
+              <a:t>관찰 방향과 방향을 고정한 채 뷰 볼륨을 원하는 크기와 위치로 조정할 수 있음</a:t>
+            </a:r>
+          </a:p>
+          <a:p>
+            <a:pPr algn="l">
+              <a:buFont typeface="Arial" panose="020B0604020202020204" pitchFamily="34" charset="0"/>
+              <a:buChar char="•"/>
+            </a:pPr>
+            <a:r>
+              <a:rPr lang="ko-KR" altLang="en-US" b="1" i="0">
+                <a:effectLst/>
+                <a:latin typeface="Arial" panose="020B0604020202020204" pitchFamily="34" charset="0"/>
+              </a:rPr>
+              <a:t>직교 투영은 원근적용 </a:t>
+            </a:r>
+            <a:r>
+              <a:rPr lang="en-US" altLang="ko-KR" b="1" i="0">
+                <a:effectLst/>
+                <a:latin typeface="Arial" panose="020B0604020202020204" pitchFamily="34" charset="0"/>
+              </a:rPr>
+              <a:t>X , </a:t>
+            </a:r>
+            <a:r>
+              <a:rPr lang="ko-KR" altLang="en-US" b="1" i="0">
+                <a:effectLst/>
+                <a:latin typeface="Arial" panose="020B0604020202020204" pitchFamily="34" charset="0"/>
+              </a:rPr>
+              <a:t>상자 모양의 뷰 볼륨</a:t>
+            </a:r>
+            <a:endParaRPr lang="en-US" altLang="ko-KR" b="1" i="0">
+              <a:effectLst/>
+              <a:latin typeface="Arial" panose="020B0604020202020204" pitchFamily="34" charset="0"/>
+            </a:endParaRPr>
+          </a:p>
+        </p:txBody>
+      </p:sp>
+      <p:sp>
+        <p:nvSpPr>
+          <p:cNvPr id="12" name="TextBox 11">
+            <a:extLst>
+              <a:ext uri="{FF2B5EF4-FFF2-40B4-BE49-F238E27FC236}">
+                <a16:creationId xmlns:a16="http://schemas.microsoft.com/office/drawing/2014/main" id="{08BDEBBC-FEE8-8B20-4523-DC496FFCA340}"/>
+              </a:ext>
+            </a:extLst>
+          </p:cNvPr>
+          <p:cNvSpPr txBox="1"/>
+          <p:nvPr/>
+        </p:nvSpPr>
+        <p:spPr>
+          <a:xfrm>
+            <a:off x="273759" y="6326525"/>
+            <a:ext cx="6031350" cy="400110"/>
+          </a:xfrm>
+          <a:prstGeom prst="rect">
+            <a:avLst/>
+          </a:prstGeom>
+          <a:noFill/>
+        </p:spPr>
+        <p:txBody>
+          <a:bodyPr wrap="square">
+            <a:spAutoFit/>
+          </a:bodyPr>
+          <a:lstStyle/>
+          <a:p>
+            <a:r>
+              <a:rPr lang="ko-KR" altLang="en-US" sz="1000" b="1"/>
+              <a:t>뷰 볼륨</a:t>
+            </a:r>
+            <a:r>
+              <a:rPr lang="en-US" altLang="ko-KR" sz="1000" b="1"/>
+              <a:t>(View Volume):</a:t>
+            </a:r>
+            <a:r>
+              <a:rPr lang="ko-KR" altLang="en-US" sz="1000" b="1"/>
+              <a:t> </a:t>
+            </a:r>
+            <a:r>
+              <a:rPr lang="en-US" altLang="ko-KR" sz="1000" b="1"/>
+              <a:t>3D </a:t>
+            </a:r>
+            <a:r>
+              <a:rPr lang="ko-KR" altLang="en-US" sz="1000" b="1"/>
+              <a:t>그래픽스에서 카메라 또는 뷰포트가 캡처할 수 있는 공간의 부분을 정의</a:t>
+            </a:r>
+            <a:endParaRPr lang="en-US" altLang="ko-KR" sz="1000" b="1"/>
+          </a:p>
+          <a:p>
+            <a:r>
+              <a:rPr lang="ko-KR" altLang="en-US" sz="1000" b="1"/>
+              <a:t>이 공간은 카메라에 의해 </a:t>
+            </a:r>
+            <a:r>
+              <a:rPr lang="en-US" altLang="ko-KR" sz="1000" b="1"/>
+              <a:t>"</a:t>
+            </a:r>
+            <a:r>
+              <a:rPr lang="ko-KR" altLang="en-US" sz="1000" b="1"/>
+              <a:t>보여질 수 있는</a:t>
+            </a:r>
+            <a:r>
+              <a:rPr lang="en-US" altLang="ko-KR" sz="1000" b="1"/>
+              <a:t>" </a:t>
+            </a:r>
+            <a:r>
+              <a:rPr lang="ko-KR" altLang="en-US" sz="1000" b="1"/>
+              <a:t>모든 객체들이 포함되는 </a:t>
+            </a:r>
+            <a:r>
+              <a:rPr lang="en-US" altLang="ko-KR" sz="1000" b="1"/>
+              <a:t>3</a:t>
+            </a:r>
+            <a:r>
+              <a:rPr lang="ko-KR" altLang="en-US" sz="1000" b="1"/>
+              <a:t>차원의 범위</a:t>
+            </a:r>
+          </a:p>
+        </p:txBody>
+      </p:sp>
+      <p:pic>
+        <p:nvPicPr>
+          <p:cNvPr id="14" name="그림 13">
+            <a:extLst>
+              <a:ext uri="{FF2B5EF4-FFF2-40B4-BE49-F238E27FC236}">
+                <a16:creationId xmlns:a16="http://schemas.microsoft.com/office/drawing/2014/main" id="{8898467A-BC5C-B03E-2BAE-DC9046F548BA}"/>
+              </a:ext>
+            </a:extLst>
+          </p:cNvPr>
+          <p:cNvPicPr>
+            <a:picLocks noChangeAspect="1"/>
+          </p:cNvPicPr>
+          <p:nvPr/>
+        </p:nvPicPr>
+        <p:blipFill>
+          <a:blip r:embed="rId3"/>
+          <a:stretch>
+            <a:fillRect/>
+          </a:stretch>
+        </p:blipFill>
+        <p:spPr>
+          <a:xfrm>
+            <a:off x="6917651" y="1118604"/>
+            <a:ext cx="5031194" cy="3726388"/>
+          </a:xfrm>
+          <a:prstGeom prst="rect">
+            <a:avLst/>
+          </a:prstGeom>
+        </p:spPr>
+      </p:pic>
+      <p:pic>
+        <p:nvPicPr>
+          <p:cNvPr id="16" name="그림 15">
+            <a:extLst>
+              <a:ext uri="{FF2B5EF4-FFF2-40B4-BE49-F238E27FC236}">
+                <a16:creationId xmlns:a16="http://schemas.microsoft.com/office/drawing/2014/main" id="{2FB88556-340D-FFFD-9EA0-94C76BFACC5B}"/>
+              </a:ext>
+            </a:extLst>
+          </p:cNvPr>
+          <p:cNvPicPr>
+            <a:picLocks noChangeAspect="1"/>
+          </p:cNvPicPr>
+          <p:nvPr/>
+        </p:nvPicPr>
+        <p:blipFill>
+          <a:blip r:embed="rId4"/>
+          <a:stretch>
+            <a:fillRect/>
+          </a:stretch>
+        </p:blipFill>
+        <p:spPr>
+          <a:xfrm>
+            <a:off x="638898" y="1035842"/>
+            <a:ext cx="4046117" cy="3475646"/>
+          </a:xfrm>
+          <a:prstGeom prst="rect">
+            <a:avLst/>
+          </a:prstGeom>
+        </p:spPr>
+      </p:pic>
+    </p:spTree>
+    <p:extLst>
+      <p:ext uri="{BB962C8B-B14F-4D97-AF65-F5344CB8AC3E}">
+        <p14:creationId xmlns:p14="http://schemas.microsoft.com/office/powerpoint/2010/main" val="2090821123"/>
+      </p:ext>
+    </p:extLst>
+  </p:cSld>
+  <p:clrMapOvr>
+    <a:masterClrMapping/>
+  </p:clrMapOvr>
+</p:sld>
+</file>
+
+<file path=ppt/slides/slide4.xml><?xml version="1.0" encoding="utf-8"?>
+<p:sld xmlns:a="http://schemas.openxmlformats.org/drawingml/2006/main" xmlns:r="http://schemas.openxmlformats.org/officeDocument/2006/relationships" xmlns:p="http://schemas.openxmlformats.org/presentationml/2006/main">
+  <p:cSld>
+    <p:spTree>
+      <p:nvGrpSpPr>
+        <p:cNvPr id="1" name=""/>
+        <p:cNvGrpSpPr/>
+        <p:nvPr/>
+      </p:nvGrpSpPr>
+      <p:grpSpPr>
+        <a:xfrm>
+          <a:off x="0" y="0"/>
+          <a:ext cx="0" cy="0"/>
+          <a:chOff x="0" y="0"/>
+          <a:chExt cx="0" cy="0"/>
+        </a:xfrm>
+      </p:grpSpPr>
+      <p:sp>
+        <p:nvSpPr>
+          <p:cNvPr id="2" name="제목 1">
+            <a:extLst>
+              <a:ext uri="{FF2B5EF4-FFF2-40B4-BE49-F238E27FC236}">
+                <a16:creationId xmlns:a16="http://schemas.microsoft.com/office/drawing/2014/main" id="{EF56E6B3-2346-491C-ED6A-3C588A93B392}"/>
+              </a:ext>
+            </a:extLst>
+          </p:cNvPr>
+          <p:cNvSpPr txBox="1">
+            <a:spLocks/>
+          </p:cNvSpPr>
+          <p:nvPr/>
+        </p:nvSpPr>
+        <p:spPr>
+          <a:xfrm>
+            <a:off x="186836" y="133385"/>
+            <a:ext cx="10936689" cy="881499"/>
+          </a:xfrm>
+          <a:prstGeom prst="rect">
+            <a:avLst/>
+          </a:prstGeom>
+        </p:spPr>
+        <p:txBody>
+          <a:bodyPr vert="horz" lIns="91440" tIns="45720" rIns="91440" bIns="45720" rtlCol="0" anchor="ctr">
+            <a:normAutofit/>
+          </a:bodyPr>
+          <a:lstStyle>
+            <a:lvl1pPr algn="l" defTabSz="914400" rtl="0" eaLnBrk="1" latinLnBrk="1" hangingPunct="1">
+              <a:lnSpc>
+                <a:spcPct val="90000"/>
+              </a:lnSpc>
+              <a:spcBef>
+                <a:spcPct val="0"/>
+              </a:spcBef>
+              <a:buNone/>
+              <a:defRPr sz="4400" kern="1200">
+                <a:solidFill>
+                  <a:schemeClr val="tx1"/>
+                </a:solidFill>
+                <a:latin typeface="+mj-lt"/>
+                <a:ea typeface="+mj-ea"/>
+                <a:cs typeface="+mj-cs"/>
+              </a:defRPr>
+            </a:lvl1pPr>
+          </a:lstStyle>
+          <a:p>
+            <a:r>
+              <a:rPr lang="ko-KR" altLang="en-US" sz="2400" b="1"/>
+              <a:t>직교 투영 행렬</a:t>
+            </a:r>
+            <a:r>
+              <a:rPr lang="en-US" altLang="ko-KR" sz="2400" b="1"/>
+              <a:t>(Orthographic Projection matrix)</a:t>
+            </a:r>
+            <a:endParaRPr lang="ko-KR" altLang="en-US" sz="2400" b="1"/>
+          </a:p>
+        </p:txBody>
+      </p:sp>
+      <p:pic>
+        <p:nvPicPr>
+          <p:cNvPr id="7" name="그림 6">
+            <a:extLst>
+              <a:ext uri="{FF2B5EF4-FFF2-40B4-BE49-F238E27FC236}">
+                <a16:creationId xmlns:a16="http://schemas.microsoft.com/office/drawing/2014/main" id="{46F6AF43-2C94-AEC9-7792-49DFE6FFC629}"/>
+              </a:ext>
+            </a:extLst>
+          </p:cNvPr>
+          <p:cNvPicPr>
+            <a:picLocks noChangeAspect="1"/>
+          </p:cNvPicPr>
+          <p:nvPr/>
+        </p:nvPicPr>
+        <p:blipFill rotWithShape="1">
+          <a:blip r:embed="rId3"/>
+          <a:srcRect l="1398"/>
+          <a:stretch/>
+        </p:blipFill>
+        <p:spPr>
+          <a:xfrm>
+            <a:off x="486081" y="1209747"/>
+            <a:ext cx="4196765" cy="2735183"/>
+          </a:xfrm>
+          <a:prstGeom prst="rect">
+            <a:avLst/>
+          </a:prstGeom>
+        </p:spPr>
+      </p:pic>
+      <p:pic>
+        <p:nvPicPr>
+          <p:cNvPr id="10" name="그림 9">
+            <a:extLst>
+              <a:ext uri="{FF2B5EF4-FFF2-40B4-BE49-F238E27FC236}">
+                <a16:creationId xmlns:a16="http://schemas.microsoft.com/office/drawing/2014/main" id="{12A50C85-4220-C32A-6592-77FFD4B3850F}"/>
+              </a:ext>
+            </a:extLst>
+          </p:cNvPr>
+          <p:cNvPicPr>
+            <a:picLocks noChangeAspect="1"/>
+          </p:cNvPicPr>
+          <p:nvPr/>
+        </p:nvPicPr>
+        <p:blipFill>
+          <a:blip r:embed="rId4"/>
+          <a:stretch>
+            <a:fillRect/>
+          </a:stretch>
+        </p:blipFill>
+        <p:spPr>
+          <a:xfrm>
+            <a:off x="7509154" y="992860"/>
+            <a:ext cx="3932719" cy="3116803"/>
+          </a:xfrm>
+          <a:prstGeom prst="rect">
+            <a:avLst/>
+          </a:prstGeom>
+        </p:spPr>
+      </p:pic>
+      <p:sp>
+        <p:nvSpPr>
+          <p:cNvPr id="11" name="화살표: 오른쪽 10">
+            <a:extLst>
+              <a:ext uri="{FF2B5EF4-FFF2-40B4-BE49-F238E27FC236}">
+                <a16:creationId xmlns:a16="http://schemas.microsoft.com/office/drawing/2014/main" id="{F9336C88-A061-0A8E-B553-0F78C47FED7E}"/>
+              </a:ext>
+            </a:extLst>
+          </p:cNvPr>
+          <p:cNvSpPr/>
+          <p:nvPr/>
+        </p:nvSpPr>
+        <p:spPr>
+          <a:xfrm>
+            <a:off x="5470245" y="2452123"/>
+            <a:ext cx="1367721" cy="450799"/>
+          </a:xfrm>
+          <a:prstGeom prst="rightArrow">
+            <a:avLst/>
+          </a:prstGeom>
+        </p:spPr>
+        <p:style>
+          <a:lnRef idx="2">
+            <a:schemeClr val="accent5">
+              <a:shade val="15000"/>
+            </a:schemeClr>
+          </a:lnRef>
+          <a:fillRef idx="1">
+            <a:schemeClr val="accent5"/>
+          </a:fillRef>
+          <a:effectRef idx="0">
+            <a:schemeClr val="accent5"/>
+          </a:effectRef>
+          <a:fontRef idx="minor">
+            <a:schemeClr val="lt1"/>
+          </a:fontRef>
+        </p:style>
+        <p:txBody>
+          <a:bodyPr rtlCol="0" anchor="ctr"/>
+          <a:lstStyle/>
+          <a:p>
+            <a:pPr algn="ctr"/>
+            <a:endParaRPr lang="ko-KR" altLang="en-US"/>
+          </a:p>
+        </p:txBody>
+      </p:sp>
+      <p:pic>
+        <p:nvPicPr>
+          <p:cNvPr id="16" name="그림 15">
+            <a:extLst>
+              <a:ext uri="{FF2B5EF4-FFF2-40B4-BE49-F238E27FC236}">
+                <a16:creationId xmlns:a16="http://schemas.microsoft.com/office/drawing/2014/main" id="{0582EB5E-3300-1447-7FE0-D2FA020BAF4D}"/>
+              </a:ext>
+            </a:extLst>
+          </p:cNvPr>
+          <p:cNvPicPr>
+            <a:picLocks noChangeAspect="1"/>
+          </p:cNvPicPr>
+          <p:nvPr/>
+        </p:nvPicPr>
+        <p:blipFill>
+          <a:blip r:embed="rId5"/>
+          <a:stretch>
+            <a:fillRect/>
+          </a:stretch>
+        </p:blipFill>
+        <p:spPr>
+          <a:xfrm>
+            <a:off x="4221310" y="3842000"/>
+            <a:ext cx="3033671" cy="2536233"/>
+          </a:xfrm>
+          <a:prstGeom prst="rect">
+            <a:avLst/>
+          </a:prstGeom>
+        </p:spPr>
+      </p:pic>
+      <p:sp>
+        <p:nvSpPr>
+          <p:cNvPr id="14" name="TextBox 13">
+            <a:extLst>
+              <a:ext uri="{FF2B5EF4-FFF2-40B4-BE49-F238E27FC236}">
+                <a16:creationId xmlns:a16="http://schemas.microsoft.com/office/drawing/2014/main" id="{1124124D-82DD-1A63-061B-CBE00F41BA89}"/>
+              </a:ext>
+            </a:extLst>
+          </p:cNvPr>
+          <p:cNvSpPr txBox="1"/>
+          <p:nvPr/>
+        </p:nvSpPr>
+        <p:spPr>
+          <a:xfrm>
+            <a:off x="7359491" y="5865140"/>
+            <a:ext cx="6097712" cy="369332"/>
+          </a:xfrm>
+          <a:prstGeom prst="rect">
+            <a:avLst/>
+          </a:prstGeom>
+          <a:noFill/>
+        </p:spPr>
+        <p:txBody>
+          <a:bodyPr wrap="square">
+            <a:spAutoFit/>
+          </a:bodyPr>
+          <a:lstStyle/>
+          <a:p>
+            <a:r>
+              <a:rPr lang="en-US" altLang="ko-KR" b="0" i="0">
+                <a:solidFill>
+                  <a:srgbClr val="444444"/>
+                </a:solidFill>
+                <a:effectLst/>
+                <a:highlight>
+                  <a:srgbClr val="FFFFFF"/>
+                </a:highlight>
+                <a:latin typeface="se-nanumgothic"/>
+              </a:rPr>
+              <a:t>R-L = 2R / T - B = 2T</a:t>
+            </a:r>
+            <a:endParaRPr lang="ko-KR" altLang="en-US"/>
+          </a:p>
+        </p:txBody>
+      </p:sp>
+      <p:sp>
+        <p:nvSpPr>
+          <p:cNvPr id="17" name="TextBox 16">
+            <a:extLst>
+              <a:ext uri="{FF2B5EF4-FFF2-40B4-BE49-F238E27FC236}">
+                <a16:creationId xmlns:a16="http://schemas.microsoft.com/office/drawing/2014/main" id="{C80DFD63-6EF1-ECBA-EF58-26D170411287}"/>
+              </a:ext>
+            </a:extLst>
+          </p:cNvPr>
+          <p:cNvSpPr txBox="1"/>
+          <p:nvPr/>
+        </p:nvSpPr>
+        <p:spPr>
+          <a:xfrm>
+            <a:off x="4785174" y="6537367"/>
+            <a:ext cx="8634514" cy="253916"/>
+          </a:xfrm>
+          <a:prstGeom prst="rect">
+            <a:avLst/>
+          </a:prstGeom>
+          <a:noFill/>
+        </p:spPr>
+        <p:txBody>
+          <a:bodyPr wrap="square">
+            <a:spAutoFit/>
+          </a:bodyPr>
+          <a:lstStyle/>
+          <a:p>
+            <a:r>
+              <a:rPr lang="en-US" altLang="ko-KR" sz="1050" b="1"/>
+              <a:t>*NDC(</a:t>
+            </a:r>
+            <a:r>
+              <a:rPr lang="ko-KR" altLang="en-US" sz="1050" b="1"/>
+              <a:t>정규화된 장치 좌표</a:t>
+            </a:r>
+            <a:r>
+              <a:rPr lang="en-US" altLang="ko-KR" sz="1050" b="1"/>
+              <a:t>): 3D </a:t>
+            </a:r>
+            <a:r>
+              <a:rPr lang="ko-KR" altLang="en-US" sz="1050" b="1"/>
+              <a:t>모델을 </a:t>
+            </a:r>
+            <a:r>
+              <a:rPr lang="en-US" altLang="ko-KR" sz="1050" b="1"/>
+              <a:t>2D </a:t>
+            </a:r>
+            <a:r>
+              <a:rPr lang="ko-KR" altLang="en-US" sz="1050" b="1"/>
+              <a:t>화면에 그릴 때 사용하는 좌표 시스템 </a:t>
+            </a:r>
+            <a:r>
+              <a:rPr lang="en-US" altLang="ko-KR" sz="1050" b="1"/>
+              <a:t>/ </a:t>
+            </a:r>
+            <a:r>
+              <a:rPr lang="ko-KR" altLang="en-US" sz="1050" b="1"/>
+              <a:t>장면을 화면에 맞게 정규화하는 단계</a:t>
+            </a:r>
+          </a:p>
+        </p:txBody>
+      </p:sp>
+    </p:spTree>
+    <p:extLst>
+      <p:ext uri="{BB962C8B-B14F-4D97-AF65-F5344CB8AC3E}">
+        <p14:creationId xmlns:p14="http://schemas.microsoft.com/office/powerpoint/2010/main" val="78140350"/>
+      </p:ext>
+    </p:extLst>
+  </p:cSld>
+  <p:clrMapOvr>
+    <a:masterClrMapping/>
+  </p:clrMapOvr>
+</p:sld>
+</file>
+
+<file path=ppt/slides/slide5.xml><?xml version="1.0" encoding="utf-8"?>
+<p:sld xmlns:a="http://schemas.openxmlformats.org/drawingml/2006/main" xmlns:r="http://schemas.openxmlformats.org/officeDocument/2006/relationships" xmlns:p="http://schemas.openxmlformats.org/presentationml/2006/main">
+  <p:cSld>
+    <p:spTree>
+      <p:nvGrpSpPr>
+        <p:cNvPr id="1" name=""/>
+        <p:cNvGrpSpPr/>
+        <p:nvPr/>
+      </p:nvGrpSpPr>
+      <p:grpSpPr>
+        <a:xfrm>
+          <a:off x="0" y="0"/>
+          <a:ext cx="0" cy="0"/>
+          <a:chOff x="0" y="0"/>
+          <a:chExt cx="0" cy="0"/>
+        </a:xfrm>
+      </p:grpSpPr>
       <p:grpSp>
         <p:nvGrpSpPr>
           <p:cNvPr id="7" name="그룹 6">
@@ -5251,7 +7323,7 @@
         </p:nvGrpSpPr>
         <p:grpSpPr>
           <a:xfrm>
-            <a:off x="931626" y="1770461"/>
+            <a:off x="931626" y="1318398"/>
             <a:ext cx="3791834" cy="3471070"/>
             <a:chOff x="1293576" y="1728788"/>
             <a:chExt cx="3137171" cy="2871787"/>
@@ -5343,7 +7415,7 @@
         </p:blipFill>
         <p:spPr>
           <a:xfrm>
-            <a:off x="6859419" y="1770460"/>
+            <a:off x="6859419" y="1318397"/>
             <a:ext cx="3791833" cy="3471070"/>
           </a:xfrm>
           <a:prstGeom prst="rect">
@@ -5428,7 +7500,7 @@
         </p:nvSpPr>
         <p:spPr>
           <a:xfrm>
-            <a:off x="5107579" y="3203600"/>
+            <a:off x="5107579" y="2751537"/>
             <a:ext cx="1367721" cy="450799"/>
           </a:xfrm>
           <a:prstGeom prst="rightArrow">
@@ -5509,17 +7581,11 @@
           <a:p>
             <a:r>
               <a:rPr lang="ko-KR" altLang="en-US" sz="2400" b="1"/>
-              <a:t>원근 투영 행렬 </a:t>
+              <a:t>원근 투영</a:t>
             </a:r>
             <a:r>
               <a:rPr lang="en-US" altLang="ko-KR" sz="2400" b="1"/>
-              <a:t>(Perspective Projection matrix) &amp;</a:t>
-            </a:r>
-          </a:p>
-          <a:p>
-            <a:r>
-              <a:rPr lang="en-US" altLang="ko-KR" sz="2400" b="1"/>
-              <a:t>NDC(Normalized Device Coordinates</a:t>
+              <a:t>(Perspective Projection)</a:t>
             </a:r>
             <a:endParaRPr lang="ko-KR" altLang="en-US" sz="2400" b="1"/>
           </a:p>
@@ -5538,7 +7604,7 @@
 </p:sld>
 </file>
 
-<file path=ppt/slides/slide4.xml><?xml version="1.0" encoding="utf-8"?>
+<file path=ppt/slides/slide6.xml><?xml version="1.0" encoding="utf-8"?>
 <p:sld xmlns:a="http://schemas.openxmlformats.org/drawingml/2006/main" xmlns:r="http://schemas.openxmlformats.org/officeDocument/2006/relationships" xmlns:p="http://schemas.openxmlformats.org/presentationml/2006/main">
   <p:cSld>
     <p:spTree>
@@ -5557,454 +7623,22 @@
       </p:grpSpPr>
       <p:sp>
         <p:nvSpPr>
-          <p:cNvPr id="11" name="TextBox 10">
-            <a:extLst>
-              <a:ext uri="{FF2B5EF4-FFF2-40B4-BE49-F238E27FC236}">
-                <a16:creationId xmlns:a16="http://schemas.microsoft.com/office/drawing/2014/main" id="{078FF7D7-6E72-E99F-8143-EBAB4459677F}"/>
-              </a:ext>
-            </a:extLst>
-          </p:cNvPr>
-          <p:cNvSpPr txBox="1"/>
+          <p:cNvPr id="2" name="제목 1">
+            <a:extLst>
+              <a:ext uri="{FF2B5EF4-FFF2-40B4-BE49-F238E27FC236}">
+                <a16:creationId xmlns:a16="http://schemas.microsoft.com/office/drawing/2014/main" id="{6611F71E-54FC-C73E-1C3B-C533D4136A2F}"/>
+              </a:ext>
+            </a:extLst>
+          </p:cNvPr>
+          <p:cNvSpPr txBox="1">
+            <a:spLocks/>
+          </p:cNvSpPr>
           <p:nvPr/>
         </p:nvSpPr>
         <p:spPr>
           <a:xfrm>
-            <a:off x="107385" y="4524374"/>
-            <a:ext cx="4981575" cy="276999"/>
-          </a:xfrm>
-          <a:prstGeom prst="rect">
-            <a:avLst/>
-          </a:prstGeom>
-          <a:noFill/>
-        </p:spPr>
-        <p:txBody>
-          <a:bodyPr wrap="square" rtlCol="0">
-            <a:spAutoFit/>
-          </a:bodyPr>
-          <a:lstStyle/>
-          <a:p>
-            <a:r>
-              <a:rPr lang="ko-KR" altLang="en-US" sz="1200" b="1"/>
-              <a:t>원근 투영 행렬 </a:t>
-            </a:r>
-            <a:r>
-              <a:rPr lang="en-US" altLang="ko-KR" sz="1200" b="1"/>
-              <a:t>- </a:t>
-            </a:r>
-            <a:r>
-              <a:rPr lang="ko-KR" altLang="en-US" sz="1200" b="1"/>
-              <a:t>프러스텀 내에 있는 공간을 </a:t>
-            </a:r>
-            <a:r>
-              <a:rPr lang="en-US" altLang="ko-KR" sz="1200" b="1"/>
-              <a:t>NDC</a:t>
-            </a:r>
-            <a:r>
-              <a:rPr lang="ko-KR" altLang="en-US" sz="1200" b="1"/>
-              <a:t>로 변환하는 행렬</a:t>
-            </a:r>
-          </a:p>
-        </p:txBody>
-      </p:sp>
-      <p:pic>
-        <p:nvPicPr>
-          <p:cNvPr id="4" name="그림 3">
-            <a:extLst>
-              <a:ext uri="{FF2B5EF4-FFF2-40B4-BE49-F238E27FC236}">
-                <a16:creationId xmlns:a16="http://schemas.microsoft.com/office/drawing/2014/main" id="{1305745B-2A9E-2606-8855-B34313DABE06}"/>
-              </a:ext>
-            </a:extLst>
-          </p:cNvPr>
-          <p:cNvPicPr>
-            <a:picLocks noChangeAspect="1"/>
-          </p:cNvPicPr>
-          <p:nvPr/>
-        </p:nvPicPr>
-        <p:blipFill rotWithShape="1">
-          <a:blip r:embed="rId3"/>
-          <a:srcRect l="50616"/>
-          <a:stretch/>
-        </p:blipFill>
-        <p:spPr>
-          <a:xfrm>
-            <a:off x="6440727" y="1320486"/>
-            <a:ext cx="4795194" cy="3108640"/>
-          </a:xfrm>
-          <a:prstGeom prst="rect">
-            <a:avLst/>
-          </a:prstGeom>
-        </p:spPr>
-      </p:pic>
-      <p:pic>
-        <p:nvPicPr>
-          <p:cNvPr id="8" name="그림 7">
-            <a:extLst>
-              <a:ext uri="{FF2B5EF4-FFF2-40B4-BE49-F238E27FC236}">
-                <a16:creationId xmlns:a16="http://schemas.microsoft.com/office/drawing/2014/main" id="{EE0F66E1-21B6-CAFF-7040-E550EB76E7CE}"/>
-              </a:ext>
-            </a:extLst>
-          </p:cNvPr>
-          <p:cNvPicPr>
-            <a:picLocks noChangeAspect="1"/>
-          </p:cNvPicPr>
-          <p:nvPr/>
-        </p:nvPicPr>
-        <p:blipFill rotWithShape="1">
-          <a:blip r:embed="rId3"/>
-          <a:srcRect r="51782"/>
-          <a:stretch/>
-        </p:blipFill>
-        <p:spPr>
-          <a:xfrm>
-            <a:off x="257176" y="1320486"/>
-            <a:ext cx="4681995" cy="3108640"/>
-          </a:xfrm>
-          <a:prstGeom prst="rect">
-            <a:avLst/>
-          </a:prstGeom>
-          <a:ln w="57150">
-            <a:solidFill>
-              <a:srgbClr val="FF0000"/>
-            </a:solidFill>
-          </a:ln>
-        </p:spPr>
-      </p:pic>
-      <p:sp>
-        <p:nvSpPr>
-          <p:cNvPr id="19" name="직사각형 18">
-            <a:extLst>
-              <a:ext uri="{FF2B5EF4-FFF2-40B4-BE49-F238E27FC236}">
-                <a16:creationId xmlns:a16="http://schemas.microsoft.com/office/drawing/2014/main" id="{9DD1B194-7729-D358-B40B-F374936E09C8}"/>
-              </a:ext>
-            </a:extLst>
-          </p:cNvPr>
-          <p:cNvSpPr/>
-          <p:nvPr/>
-        </p:nvSpPr>
-        <p:spPr>
-          <a:xfrm>
-            <a:off x="2699781" y="1519239"/>
-            <a:ext cx="814944" cy="709612"/>
-          </a:xfrm>
-          <a:prstGeom prst="rect">
-            <a:avLst/>
-          </a:prstGeom>
-          <a:noFill/>
-          <a:ln w="28575">
-            <a:solidFill>
-              <a:schemeClr val="accent4"/>
-            </a:solidFill>
-          </a:ln>
-        </p:spPr>
-        <p:style>
-          <a:lnRef idx="2">
-            <a:schemeClr val="accent1">
-              <a:shade val="15000"/>
-            </a:schemeClr>
-          </a:lnRef>
-          <a:fillRef idx="1">
-            <a:schemeClr val="accent1"/>
-          </a:fillRef>
-          <a:effectRef idx="0">
-            <a:schemeClr val="accent1"/>
-          </a:effectRef>
-          <a:fontRef idx="minor">
-            <a:schemeClr val="lt1"/>
-          </a:fontRef>
-        </p:style>
-        <p:txBody>
-          <a:bodyPr rtlCol="0" anchor="ctr"/>
-          <a:lstStyle/>
-          <a:p>
-            <a:pPr algn="ctr"/>
-            <a:endParaRPr lang="ko-KR" altLang="en-US"/>
-          </a:p>
-        </p:txBody>
-      </p:sp>
-      <p:sp>
-        <p:nvSpPr>
-          <p:cNvPr id="20" name="직사각형 19">
-            <a:extLst>
-              <a:ext uri="{FF2B5EF4-FFF2-40B4-BE49-F238E27FC236}">
-                <a16:creationId xmlns:a16="http://schemas.microsoft.com/office/drawing/2014/main" id="{30B6EE63-4158-3665-9A84-F556796ECEAA}"/>
-              </a:ext>
-            </a:extLst>
-          </p:cNvPr>
-          <p:cNvSpPr/>
-          <p:nvPr/>
-        </p:nvSpPr>
-        <p:spPr>
-          <a:xfrm>
-            <a:off x="2699781" y="2291243"/>
-            <a:ext cx="814944" cy="642457"/>
-          </a:xfrm>
-          <a:prstGeom prst="rect">
-            <a:avLst/>
-          </a:prstGeom>
-          <a:noFill/>
-          <a:ln w="28575">
-            <a:solidFill>
-              <a:schemeClr val="accent3"/>
-            </a:solidFill>
-          </a:ln>
-        </p:spPr>
-        <p:style>
-          <a:lnRef idx="2">
-            <a:schemeClr val="accent1">
-              <a:shade val="15000"/>
-            </a:schemeClr>
-          </a:lnRef>
-          <a:fillRef idx="1">
-            <a:schemeClr val="accent1"/>
-          </a:fillRef>
-          <a:effectRef idx="0">
-            <a:schemeClr val="accent1"/>
-          </a:effectRef>
-          <a:fontRef idx="minor">
-            <a:schemeClr val="lt1"/>
-          </a:fontRef>
-        </p:style>
-        <p:txBody>
-          <a:bodyPr rtlCol="0" anchor="ctr"/>
-          <a:lstStyle/>
-          <a:p>
-            <a:pPr algn="ctr"/>
-            <a:endParaRPr lang="ko-KR" altLang="en-US"/>
-          </a:p>
-        </p:txBody>
-      </p:sp>
-      <p:cxnSp>
-        <p:nvCxnSpPr>
-          <p:cNvPr id="24" name="직선 화살표 연결선 23">
-            <a:extLst>
-              <a:ext uri="{FF2B5EF4-FFF2-40B4-BE49-F238E27FC236}">
-                <a16:creationId xmlns:a16="http://schemas.microsoft.com/office/drawing/2014/main" id="{773C841B-FE82-10ED-E0F8-35A528559FFB}"/>
-              </a:ext>
-            </a:extLst>
-          </p:cNvPr>
-          <p:cNvCxnSpPr/>
-          <p:nvPr/>
-        </p:nvCxnSpPr>
-        <p:spPr>
-          <a:xfrm flipH="1" flipV="1">
-            <a:off x="7267575" y="3238500"/>
-            <a:ext cx="209550" cy="76200"/>
-          </a:xfrm>
-          <a:prstGeom prst="straightConnector1">
-            <a:avLst/>
-          </a:prstGeom>
-          <a:ln>
-            <a:tailEnd type="triangle"/>
-          </a:ln>
-        </p:spPr>
-        <p:style>
-          <a:lnRef idx="2">
-            <a:schemeClr val="accent4"/>
-          </a:lnRef>
-          <a:fillRef idx="0">
-            <a:schemeClr val="accent4"/>
-          </a:fillRef>
-          <a:effectRef idx="1">
-            <a:schemeClr val="accent4"/>
-          </a:effectRef>
-          <a:fontRef idx="minor">
-            <a:schemeClr val="tx1"/>
-          </a:fontRef>
-        </p:style>
-      </p:cxnSp>
-      <p:cxnSp>
-        <p:nvCxnSpPr>
-          <p:cNvPr id="26" name="직선 화살표 연결선 25">
-            <a:extLst>
-              <a:ext uri="{FF2B5EF4-FFF2-40B4-BE49-F238E27FC236}">
-                <a16:creationId xmlns:a16="http://schemas.microsoft.com/office/drawing/2014/main" id="{A9359EA6-8F95-BBE5-E049-DC174D4F0BAC}"/>
-              </a:ext>
-            </a:extLst>
-          </p:cNvPr>
-          <p:cNvCxnSpPr/>
-          <p:nvPr/>
-        </p:nvCxnSpPr>
-        <p:spPr>
-          <a:xfrm>
-            <a:off x="8172450" y="3429000"/>
-            <a:ext cx="247650" cy="114300"/>
-          </a:xfrm>
-          <a:prstGeom prst="straightConnector1">
-            <a:avLst/>
-          </a:prstGeom>
-          <a:ln>
-            <a:tailEnd type="triangle"/>
-          </a:ln>
-        </p:spPr>
-        <p:style>
-          <a:lnRef idx="2">
-            <a:schemeClr val="accent4"/>
-          </a:lnRef>
-          <a:fillRef idx="0">
-            <a:schemeClr val="accent4"/>
-          </a:fillRef>
-          <a:effectRef idx="1">
-            <a:schemeClr val="accent4"/>
-          </a:effectRef>
-          <a:fontRef idx="minor">
-            <a:schemeClr val="tx1"/>
-          </a:fontRef>
-        </p:style>
-      </p:cxnSp>
-      <p:cxnSp>
-        <p:nvCxnSpPr>
-          <p:cNvPr id="28" name="직선 화살표 연결선 27">
-            <a:extLst>
-              <a:ext uri="{FF2B5EF4-FFF2-40B4-BE49-F238E27FC236}">
-                <a16:creationId xmlns:a16="http://schemas.microsoft.com/office/drawing/2014/main" id="{8C453549-BF08-310A-C090-991762FEDC3C}"/>
-              </a:ext>
-            </a:extLst>
-          </p:cNvPr>
-          <p:cNvCxnSpPr/>
-          <p:nvPr/>
-        </p:nvCxnSpPr>
-        <p:spPr>
-          <a:xfrm flipV="1">
-            <a:off x="7915275" y="2646049"/>
-            <a:ext cx="0" cy="287651"/>
-          </a:xfrm>
-          <a:prstGeom prst="straightConnector1">
-            <a:avLst/>
-          </a:prstGeom>
-          <a:ln>
-            <a:tailEnd type="triangle"/>
-          </a:ln>
-        </p:spPr>
-        <p:style>
-          <a:lnRef idx="2">
-            <a:schemeClr val="accent3"/>
-          </a:lnRef>
-          <a:fillRef idx="0">
-            <a:schemeClr val="accent3"/>
-          </a:fillRef>
-          <a:effectRef idx="1">
-            <a:schemeClr val="accent3"/>
-          </a:effectRef>
-          <a:fontRef idx="minor">
-            <a:schemeClr val="tx1"/>
-          </a:fontRef>
-        </p:style>
-      </p:cxnSp>
-      <p:cxnSp>
-        <p:nvCxnSpPr>
-          <p:cNvPr id="30" name="직선 화살표 연결선 29">
-            <a:extLst>
-              <a:ext uri="{FF2B5EF4-FFF2-40B4-BE49-F238E27FC236}">
-                <a16:creationId xmlns:a16="http://schemas.microsoft.com/office/drawing/2014/main" id="{BE0E948D-651A-5A82-F231-8DBC328D51A5}"/>
-              </a:ext>
-            </a:extLst>
-          </p:cNvPr>
-          <p:cNvCxnSpPr/>
-          <p:nvPr/>
-        </p:nvCxnSpPr>
-        <p:spPr>
-          <a:xfrm>
-            <a:off x="7810500" y="3705225"/>
-            <a:ext cx="0" cy="314325"/>
-          </a:xfrm>
-          <a:prstGeom prst="straightConnector1">
-            <a:avLst/>
-          </a:prstGeom>
-          <a:ln>
-            <a:tailEnd type="triangle"/>
-          </a:ln>
-        </p:spPr>
-        <p:style>
-          <a:lnRef idx="2">
-            <a:schemeClr val="accent3"/>
-          </a:lnRef>
-          <a:fillRef idx="0">
-            <a:schemeClr val="accent3"/>
-          </a:fillRef>
-          <a:effectRef idx="1">
-            <a:schemeClr val="accent3"/>
-          </a:effectRef>
-          <a:fontRef idx="minor">
-            <a:schemeClr val="tx1"/>
-          </a:fontRef>
-        </p:style>
-      </p:cxnSp>
-      <p:sp>
-        <p:nvSpPr>
-          <p:cNvPr id="6" name="TextBox 5">
-            <a:extLst>
-              <a:ext uri="{FF2B5EF4-FFF2-40B4-BE49-F238E27FC236}">
-                <a16:creationId xmlns:a16="http://schemas.microsoft.com/office/drawing/2014/main" id="{EC5C71CB-3C6D-DA60-F53C-DACB4C91C334}"/>
-              </a:ext>
-            </a:extLst>
-          </p:cNvPr>
-          <p:cNvSpPr txBox="1"/>
-          <p:nvPr/>
-        </p:nvSpPr>
-        <p:spPr>
-          <a:xfrm>
-            <a:off x="6440727" y="5005210"/>
-            <a:ext cx="6709024" cy="646331"/>
-          </a:xfrm>
-          <a:prstGeom prst="rect">
-            <a:avLst/>
-          </a:prstGeom>
-          <a:noFill/>
-        </p:spPr>
-        <p:txBody>
-          <a:bodyPr wrap="square">
-            <a:spAutoFit/>
-          </a:bodyPr>
-          <a:lstStyle/>
-          <a:p>
-            <a:r>
-              <a:rPr lang="en-US" altLang="ko-KR" b="1"/>
-              <a:t>l = -3</a:t>
-            </a:r>
-            <a:r>
-              <a:rPr lang="ko-KR" altLang="en-US" b="1"/>
-              <a:t> </a:t>
-            </a:r>
-            <a:r>
-              <a:rPr lang="en-US" altLang="ko-KR" b="1"/>
-              <a:t>/</a:t>
-            </a:r>
-            <a:r>
-              <a:rPr lang="ko-KR" altLang="en-US" b="1"/>
-              <a:t> </a:t>
-            </a:r>
-            <a:r>
-              <a:rPr lang="en-US" altLang="ko-KR" b="1"/>
-              <a:t>r = 3</a:t>
-            </a:r>
-          </a:p>
-          <a:p>
-            <a:r>
-              <a:rPr lang="en-US" altLang="ko-KR" b="1"/>
-              <a:t>t = 2 / b = -2</a:t>
-            </a:r>
-            <a:endParaRPr lang="ko-KR" altLang="en-US" b="1"/>
-          </a:p>
-        </p:txBody>
-      </p:sp>
-      <p:sp>
-        <p:nvSpPr>
-          <p:cNvPr id="7" name="제목 1">
-            <a:extLst>
-              <a:ext uri="{FF2B5EF4-FFF2-40B4-BE49-F238E27FC236}">
-                <a16:creationId xmlns:a16="http://schemas.microsoft.com/office/drawing/2014/main" id="{55C5BE2E-3397-8E1F-29DD-C38EF5284BB7}"/>
-              </a:ext>
-            </a:extLst>
-          </p:cNvPr>
-          <p:cNvSpPr txBox="1">
-            <a:spLocks/>
-          </p:cNvSpPr>
-          <p:nvPr/>
-        </p:nvSpPr>
-        <p:spPr>
-          <a:xfrm>
-            <a:off x="186837" y="133385"/>
-            <a:ext cx="10515600" cy="881499"/>
+            <a:off x="186836" y="133385"/>
+            <a:ext cx="10936689" cy="881499"/>
           </a:xfrm>
           <a:prstGeom prst="rect">
             <a:avLst/>
@@ -6036,7 +7670,7 @@
           <a:p>
             <a:r>
               <a:rPr lang="ko-KR" altLang="en-US" sz="2400" b="1"/>
-              <a:t>원근 투영 행렬 </a:t>
+              <a:t>원근 투영 행렬</a:t>
             </a:r>
             <a:r>
               <a:rPr lang="en-US" altLang="ko-KR" sz="2400" b="1"/>
@@ -6046,10 +7680,167 @@
           </a:p>
         </p:txBody>
       </p:sp>
+      <p:pic>
+        <p:nvPicPr>
+          <p:cNvPr id="5" name="그림 4">
+            <a:extLst>
+              <a:ext uri="{FF2B5EF4-FFF2-40B4-BE49-F238E27FC236}">
+                <a16:creationId xmlns:a16="http://schemas.microsoft.com/office/drawing/2014/main" id="{CF7B1E1A-191F-C379-9135-6823140C74E1}"/>
+              </a:ext>
+            </a:extLst>
+          </p:cNvPr>
+          <p:cNvPicPr>
+            <a:picLocks noChangeAspect="1"/>
+          </p:cNvPicPr>
+          <p:nvPr/>
+        </p:nvPicPr>
+        <p:blipFill>
+          <a:blip r:embed="rId3"/>
+          <a:stretch>
+            <a:fillRect/>
+          </a:stretch>
+        </p:blipFill>
+        <p:spPr>
+          <a:xfrm>
+            <a:off x="660599" y="1540405"/>
+            <a:ext cx="4641779" cy="2829274"/>
+          </a:xfrm>
+          <a:prstGeom prst="rect">
+            <a:avLst/>
+          </a:prstGeom>
+        </p:spPr>
+      </p:pic>
+      <p:sp>
+        <p:nvSpPr>
+          <p:cNvPr id="7" name="TextBox 6">
+            <a:extLst>
+              <a:ext uri="{FF2B5EF4-FFF2-40B4-BE49-F238E27FC236}">
+                <a16:creationId xmlns:a16="http://schemas.microsoft.com/office/drawing/2014/main" id="{AF849FDE-0375-284F-8FCC-5653722BA366}"/>
+              </a:ext>
+            </a:extLst>
+          </p:cNvPr>
+          <p:cNvSpPr txBox="1"/>
+          <p:nvPr/>
+        </p:nvSpPr>
+        <p:spPr>
+          <a:xfrm>
+            <a:off x="186836" y="5427742"/>
+            <a:ext cx="4981575" cy="276999"/>
+          </a:xfrm>
+          <a:prstGeom prst="rect">
+            <a:avLst/>
+          </a:prstGeom>
+          <a:noFill/>
+        </p:spPr>
+        <p:txBody>
+          <a:bodyPr wrap="square" rtlCol="0">
+            <a:spAutoFit/>
+          </a:bodyPr>
+          <a:lstStyle/>
+          <a:p>
+            <a:r>
+              <a:rPr lang="ko-KR" altLang="en-US" sz="1200" b="1"/>
+              <a:t>원근 투영 행렬 </a:t>
+            </a:r>
+            <a:r>
+              <a:rPr lang="en-US" altLang="ko-KR" sz="1200" b="1"/>
+              <a:t>- </a:t>
+            </a:r>
+            <a:r>
+              <a:rPr lang="ko-KR" altLang="en-US" sz="1200" b="1"/>
+              <a:t>프러스텀 내에 있는 공간을 </a:t>
+            </a:r>
+            <a:r>
+              <a:rPr lang="en-US" altLang="ko-KR" sz="1200" b="1"/>
+              <a:t>NDC</a:t>
+            </a:r>
+            <a:r>
+              <a:rPr lang="ko-KR" altLang="en-US" sz="1200" b="1"/>
+              <a:t>로 변환하는 행렬</a:t>
+            </a:r>
+          </a:p>
+        </p:txBody>
+      </p:sp>
+      <p:sp>
+        <p:nvSpPr>
+          <p:cNvPr id="8" name="화살표: 오른쪽 7">
+            <a:extLst>
+              <a:ext uri="{FF2B5EF4-FFF2-40B4-BE49-F238E27FC236}">
+                <a16:creationId xmlns:a16="http://schemas.microsoft.com/office/drawing/2014/main" id="{F1F92A9D-68AB-8E4C-6232-2E3C74AD5BD4}"/>
+              </a:ext>
+            </a:extLst>
+          </p:cNvPr>
+          <p:cNvSpPr/>
+          <p:nvPr/>
+        </p:nvSpPr>
+        <p:spPr>
+          <a:xfrm>
+            <a:off x="5412139" y="2658002"/>
+            <a:ext cx="1367721" cy="450799"/>
+          </a:xfrm>
+          <a:prstGeom prst="rightArrow">
+            <a:avLst/>
+          </a:prstGeom>
+        </p:spPr>
+        <p:style>
+          <a:lnRef idx="2">
+            <a:schemeClr val="accent5">
+              <a:shade val="15000"/>
+            </a:schemeClr>
+          </a:lnRef>
+          <a:fillRef idx="1">
+            <a:schemeClr val="accent5"/>
+          </a:fillRef>
+          <a:effectRef idx="0">
+            <a:schemeClr val="accent5"/>
+          </a:effectRef>
+          <a:fontRef idx="minor">
+            <a:schemeClr val="lt1"/>
+          </a:fontRef>
+        </p:style>
+        <p:txBody>
+          <a:bodyPr rtlCol="0" anchor="ctr"/>
+          <a:lstStyle/>
+          <a:p>
+            <a:pPr algn="ctr"/>
+            <a:endParaRPr lang="ko-KR" altLang="en-US"/>
+          </a:p>
+        </p:txBody>
+      </p:sp>
+      <p:pic>
+        <p:nvPicPr>
+          <p:cNvPr id="17" name="그림 16">
+            <a:extLst>
+              <a:ext uri="{FF2B5EF4-FFF2-40B4-BE49-F238E27FC236}">
+                <a16:creationId xmlns:a16="http://schemas.microsoft.com/office/drawing/2014/main" id="{5C68F831-CAE0-7803-74F5-2EE18BCFB2E7}"/>
+              </a:ext>
+            </a:extLst>
+          </p:cNvPr>
+          <p:cNvPicPr>
+            <a:picLocks noChangeAspect="1"/>
+          </p:cNvPicPr>
+          <p:nvPr/>
+        </p:nvPicPr>
+        <p:blipFill>
+          <a:blip r:embed="rId4"/>
+          <a:stretch>
+            <a:fillRect/>
+          </a:stretch>
+        </p:blipFill>
+        <p:spPr>
+          <a:xfrm>
+            <a:off x="7500306" y="2020610"/>
+            <a:ext cx="4369271" cy="1770554"/>
+          </a:xfrm>
+          <a:prstGeom prst="rect">
+            <a:avLst/>
+          </a:prstGeom>
+        </p:spPr>
+      </p:pic>
     </p:spTree>
     <p:extLst>
       <p:ext uri="{BB962C8B-B14F-4D97-AF65-F5344CB8AC3E}">
-        <p14:creationId xmlns:p14="http://schemas.microsoft.com/office/powerpoint/2010/main" val="3083791436"/>
+        <p14:creationId xmlns:p14="http://schemas.microsoft.com/office/powerpoint/2010/main" val="3264696313"/>
       </p:ext>
     </p:extLst>
   </p:cSld>
@@ -6059,7 +7850,7 @@
 </p:sld>
 </file>
 
-<file path=ppt/slides/slide5.xml><?xml version="1.0" encoding="utf-8"?>
+<file path=ppt/slides/slide7.xml><?xml version="1.0" encoding="utf-8"?>
 <p:sld xmlns:a="http://schemas.openxmlformats.org/drawingml/2006/main" xmlns:r="http://schemas.openxmlformats.org/officeDocument/2006/relationships" xmlns:p="http://schemas.openxmlformats.org/presentationml/2006/main">
   <p:cSld>
     <p:spTree>
@@ -6505,7 +8296,7 @@
 </p:sld>
 </file>
 
-<file path=ppt/slides/slide6.xml><?xml version="1.0" encoding="utf-8"?>
+<file path=ppt/slides/slide8.xml><?xml version="1.0" encoding="utf-8"?>
 <p:sld xmlns:a="http://schemas.openxmlformats.org/drawingml/2006/main" xmlns:r="http://schemas.openxmlformats.org/officeDocument/2006/relationships" xmlns:p="http://schemas.openxmlformats.org/presentationml/2006/main">
   <p:cSld>
     <p:spTree>
@@ -6522,10 +8313,131 @@
           <a:chExt cx="0" cy="0"/>
         </a:xfrm>
       </p:grpSpPr>
+      <p:pic>
+        <p:nvPicPr>
+          <p:cNvPr id="1026" name="Picture 2">
+            <a:extLst>
+              <a:ext uri="{FF2B5EF4-FFF2-40B4-BE49-F238E27FC236}">
+                <a16:creationId xmlns:a16="http://schemas.microsoft.com/office/drawing/2014/main" id="{CDA2B877-8CD8-EA0B-EA3D-B52C721B447E}"/>
+              </a:ext>
+            </a:extLst>
+          </p:cNvPr>
+          <p:cNvPicPr>
+            <a:picLocks noChangeAspect="1" noChangeArrowheads="1"/>
+          </p:cNvPicPr>
+          <p:nvPr/>
+        </p:nvPicPr>
+        <p:blipFill>
+          <a:blip r:embed="rId3">
+            <a:extLst>
+              <a:ext uri="{28A0092B-C50C-407E-A947-70E740481C1C}">
+                <a14:useLocalDpi xmlns:a14="http://schemas.microsoft.com/office/drawing/2010/main" val="0"/>
+              </a:ext>
+            </a:extLst>
+          </a:blip>
+          <a:srcRect/>
+          <a:stretch>
+            <a:fillRect/>
+          </a:stretch>
+        </p:blipFill>
+        <p:spPr bwMode="auto">
+          <a:xfrm>
+            <a:off x="543246" y="509427"/>
+            <a:ext cx="5105400" cy="3352800"/>
+          </a:xfrm>
+          <a:prstGeom prst="rect">
+            <a:avLst/>
+          </a:prstGeom>
+          <a:noFill/>
+          <a:extLst>
+            <a:ext uri="{909E8E84-426E-40DD-AFC4-6F175D3DCCD1}">
+              <a14:hiddenFill xmlns:a14="http://schemas.microsoft.com/office/drawing/2010/main">
+                <a:solidFill>
+                  <a:srgbClr val="FFFFFF"/>
+                </a:solidFill>
+              </a14:hiddenFill>
+            </a:ext>
+          </a:extLst>
+        </p:spPr>
+      </p:pic>
+      <p:sp>
+        <p:nvSpPr>
+          <p:cNvPr id="17" name="TextBox 16">
+            <a:extLst>
+              <a:ext uri="{FF2B5EF4-FFF2-40B4-BE49-F238E27FC236}">
+                <a16:creationId xmlns:a16="http://schemas.microsoft.com/office/drawing/2014/main" id="{A81D85E5-0797-332D-817F-6465C8BBFBB8}"/>
+              </a:ext>
+            </a:extLst>
+          </p:cNvPr>
+          <p:cNvSpPr txBox="1"/>
+          <p:nvPr/>
+        </p:nvSpPr>
+        <p:spPr>
+          <a:xfrm>
+            <a:off x="543246" y="4778357"/>
+            <a:ext cx="6097712" cy="646331"/>
+          </a:xfrm>
+          <a:prstGeom prst="rect">
+            <a:avLst/>
+          </a:prstGeom>
+          <a:noFill/>
+        </p:spPr>
+        <p:txBody>
+          <a:bodyPr wrap="square">
+            <a:spAutoFit/>
+          </a:bodyPr>
+          <a:lstStyle/>
+          <a:p>
+            <a:pPr algn="l" fontAlgn="base"/>
+            <a:r>
+              <a:rPr lang="en-US" altLang="ko-KR" b="0" i="0">
+                <a:solidFill>
+                  <a:srgbClr val="444444"/>
+                </a:solidFill>
+                <a:effectLst/>
+                <a:highlight>
+                  <a:srgbClr val="FFFFFF"/>
+                </a:highlight>
+                <a:latin typeface="se-nanumgothic"/>
+              </a:rPr>
+              <a:t>FOV</a:t>
+            </a:r>
+            <a:r>
+              <a:rPr lang="en-US" altLang="ko-KR">
+                <a:solidFill>
+                  <a:srgbClr val="444444"/>
+                </a:solidFill>
+                <a:highlight>
+                  <a:srgbClr val="FFFFFF"/>
+                </a:highlight>
+                <a:latin typeface="se-nanumgothic"/>
+              </a:rPr>
+              <a:t>:</a:t>
+            </a:r>
+            <a:r>
+              <a:rPr lang="ko-KR" altLang="en-US" b="0" i="0">
+                <a:solidFill>
+                  <a:srgbClr val="444444"/>
+                </a:solidFill>
+                <a:effectLst/>
+                <a:highlight>
+                  <a:srgbClr val="FFFFFF"/>
+                </a:highlight>
+                <a:latin typeface="se-nanumgothic"/>
+              </a:rPr>
+              <a:t> 카메라가 볼 수 있는 영역</a:t>
+            </a:r>
+            <a:br>
+              <a:rPr lang="ko-KR" altLang="en-US"/>
+            </a:br>
+            <a:endParaRPr lang="ko-KR" altLang="en-US"/>
+          </a:p>
+        </p:txBody>
+      </p:sp>
     </p:spTree>
     <p:extLst>
       <p:ext uri="{BB962C8B-B14F-4D97-AF65-F5344CB8AC3E}">
-        <p14:creationId xmlns:p14="http://schemas.microsoft.com/office/powerpoint/2010/main" val="2090821123"/>
+        <p14:creationId xmlns:p14="http://schemas.microsoft.com/office/powerpoint/2010/main" val="3083791436"/>
       </p:ext>
     </p:extLst>
   </p:cSld>

--- a/Perspective.pptx
+++ b/Perspective.pptx
@@ -5,17 +5,19 @@
     <p:sldMasterId id="2147483648" r:id="rId1"/>
   </p:sldMasterIdLst>
   <p:notesMasterIdLst>
-    <p:notesMasterId r:id="rId10"/>
+    <p:notesMasterId r:id="rId12"/>
   </p:notesMasterIdLst>
   <p:sldIdLst>
     <p:sldId id="256" r:id="rId2"/>
     <p:sldId id="257" r:id="rId3"/>
-    <p:sldId id="261" r:id="rId4"/>
-    <p:sldId id="262" r:id="rId5"/>
-    <p:sldId id="260" r:id="rId6"/>
-    <p:sldId id="263" r:id="rId7"/>
-    <p:sldId id="258" r:id="rId8"/>
-    <p:sldId id="259" r:id="rId9"/>
+    <p:sldId id="268" r:id="rId4"/>
+    <p:sldId id="264" r:id="rId5"/>
+    <p:sldId id="261" r:id="rId6"/>
+    <p:sldId id="265" r:id="rId7"/>
+    <p:sldId id="260" r:id="rId8"/>
+    <p:sldId id="263" r:id="rId9"/>
+    <p:sldId id="269" r:id="rId10"/>
+    <p:sldId id="267" r:id="rId11"/>
   </p:sldIdLst>
   <p:sldSz cx="12192000" cy="6858000"/>
   <p:notesSz cx="6858000" cy="9144000"/>
@@ -204,7 +206,7 @@
           <a:p>
             <a:fld id="{6B6394A6-053B-457A-ABDC-FB1F1ECDC5D6}" type="datetimeFigureOut">
               <a:rPr lang="ko-KR" altLang="en-US" smtClean="0"/>
-              <a:t>2024-05-07</a:t>
+              <a:t>2024-05-14</a:t>
             </a:fld>
             <a:endParaRPr lang="ko-KR" altLang="en-US"/>
           </a:p>
@@ -861,69 +863,171 @@
           <a:bodyPr/>
           <a:lstStyle/>
           <a:p>
-            <a:pPr algn="l">
-              <a:buFont typeface="Arial" panose="020B0604020202020204" pitchFamily="34" charset="0"/>
-              <a:buNone/>
-            </a:pPr>
-            <a:r>
-              <a:rPr lang="ko-KR" altLang="en-US" b="0" i="0">
-                <a:effectLst/>
-                <a:latin typeface="Arial" panose="020B0604020202020204" pitchFamily="34" charset="0"/>
-              </a:rPr>
-              <a:t>직교 투영은 </a:t>
-            </a:r>
-            <a:r>
-              <a:rPr lang="ko-KR" altLang="en-US" b="1" i="0">
-                <a:effectLst/>
-                <a:latin typeface="Arial" panose="020B0604020202020204" pitchFamily="34" charset="0"/>
-              </a:rPr>
-              <a:t>관찰 방향과 방향을 고정한 채 뷰 볼륨을 원하는 크기와 위치로 조정할 수 있습니다</a:t>
-            </a:r>
-            <a:r>
-              <a:rPr lang="en-US" altLang="ko-KR" b="1" i="0">
-                <a:effectLst/>
-                <a:latin typeface="Arial" panose="020B0604020202020204" pitchFamily="34" charset="0"/>
-              </a:rPr>
+            <a:r>
+              <a:rPr lang="ko-KR" altLang="en-US"/>
+              <a:t>다음은 투영의 일반적인 변환 과정입니다</a:t>
+            </a:r>
+            <a:r>
+              <a:rPr lang="en-US" altLang="ko-KR"/>
               <a:t>.</a:t>
             </a:r>
-            <a:endParaRPr lang="ko-KR" altLang="en-US" b="1" i="0">
-              <a:effectLst/>
-              <a:latin typeface="Arial" panose="020B0604020202020204" pitchFamily="34" charset="0"/>
-            </a:endParaRPr>
-          </a:p>
-          <a:p>
-            <a:pPr algn="l">
-              <a:buFont typeface="Arial" panose="020B0604020202020204" pitchFamily="34" charset="0"/>
-              <a:buNone/>
-            </a:pPr>
-            <a:r>
-              <a:rPr lang="ko-KR" altLang="en-US" b="0" i="0">
-                <a:effectLst/>
-                <a:latin typeface="Arial" panose="020B0604020202020204" pitchFamily="34" charset="0"/>
-              </a:rPr>
-              <a:t>그러므로 직교 투영은 원근을 적용하지 않고</a:t>
-            </a:r>
-            <a:r>
-              <a:rPr lang="en-US" altLang="ko-KR" b="0" i="0">
-                <a:effectLst/>
-                <a:latin typeface="Arial" panose="020B0604020202020204" pitchFamily="34" charset="0"/>
-              </a:rPr>
-              <a:t>, </a:t>
-            </a:r>
-            <a:r>
-              <a:rPr lang="ko-KR" altLang="en-US" b="0" i="0">
-                <a:effectLst/>
-                <a:latin typeface="Arial" panose="020B0604020202020204" pitchFamily="34" charset="0"/>
-              </a:rPr>
-              <a:t>상자 모양의 뷰 볼륨을 요구합니다</a:t>
-            </a:r>
-            <a:r>
-              <a:rPr lang="en-US" altLang="ko-KR" b="0" i="0">
-                <a:effectLst/>
-                <a:latin typeface="Arial" panose="020B0604020202020204" pitchFamily="34" charset="0"/>
-              </a:rPr>
+          </a:p>
+          <a:p>
+            <a:r>
+              <a:rPr lang="ko-KR" altLang="en-US"/>
+              <a:t>정점은 처음에 모델 공간</a:t>
+            </a:r>
+            <a:r>
+              <a:rPr lang="en-US" altLang="ko-KR"/>
+              <a:t>(Model Space </a:t>
+            </a:r>
+            <a:r>
+              <a:rPr lang="ko-KR" altLang="en-US"/>
+              <a:t>혹은 </a:t>
+            </a:r>
+            <a:r>
+              <a:rPr lang="en-US" altLang="ko-KR"/>
+              <a:t>Local Space)</a:t>
+            </a:r>
+            <a:r>
+              <a:rPr lang="ko-KR" altLang="en-US"/>
+              <a:t>에 정의되어 있습니다</a:t>
+            </a:r>
+            <a:r>
+              <a:rPr lang="en-US" altLang="ko-KR"/>
               <a:t>.</a:t>
             </a:r>
+          </a:p>
+          <a:p>
+            <a:r>
+              <a:rPr lang="ko-KR" altLang="en-US"/>
+              <a:t>그 다음은 </a:t>
+            </a:r>
+            <a:r>
+              <a:rPr lang="en-US" altLang="ko-KR"/>
+              <a:t>Model Matrix</a:t>
+            </a:r>
+            <a:r>
+              <a:rPr lang="ko-KR" altLang="en-US"/>
+              <a:t>를 곱해서 월드 공간</a:t>
+            </a:r>
+            <a:r>
+              <a:rPr lang="en-US" altLang="ko-KR"/>
+              <a:t>(World Space)</a:t>
+            </a:r>
+            <a:r>
+              <a:rPr lang="ko-KR" altLang="en-US"/>
+              <a:t>으로 넘어갑니다</a:t>
+            </a:r>
+            <a:r>
+              <a:rPr lang="en-US" altLang="ko-KR"/>
+              <a:t>.</a:t>
+            </a:r>
+          </a:p>
+          <a:p>
+            <a:r>
+              <a:rPr lang="ko-KR" altLang="en-US"/>
+              <a:t>그 다음은 </a:t>
+            </a:r>
+            <a:r>
+              <a:rPr lang="en-US" altLang="ko-KR"/>
+              <a:t>View Matrix</a:t>
+            </a:r>
+            <a:r>
+              <a:rPr lang="ko-KR" altLang="en-US"/>
+              <a:t>를 곱해서 카메라 공간</a:t>
+            </a:r>
+            <a:r>
+              <a:rPr lang="en-US" altLang="ko-KR"/>
+              <a:t>(Camera Space) </a:t>
+            </a:r>
+            <a:r>
+              <a:rPr lang="ko-KR" altLang="en-US"/>
+              <a:t>혹은 뷰 공간</a:t>
+            </a:r>
+            <a:r>
+              <a:rPr lang="en-US" altLang="ko-KR"/>
+              <a:t>(View Space)</a:t>
+            </a:r>
+            <a:r>
+              <a:rPr lang="ko-KR" altLang="en-US"/>
+              <a:t>으로 넘어갑니다</a:t>
+            </a:r>
+            <a:r>
+              <a:rPr lang="en-US" altLang="ko-KR"/>
+              <a:t>.</a:t>
+            </a:r>
+          </a:p>
+          <a:p>
+            <a:r>
+              <a:rPr lang="ko-KR" altLang="en-US"/>
+              <a:t>그 다음은 </a:t>
+            </a:r>
+            <a:r>
+              <a:rPr lang="en-US" altLang="ko-KR"/>
+              <a:t>Projection Matrix</a:t>
+            </a:r>
+            <a:r>
+              <a:rPr lang="ko-KR" altLang="en-US"/>
+              <a:t>를 곱해서 </a:t>
+            </a:r>
+            <a:r>
+              <a:rPr lang="en-US" altLang="ko-KR"/>
+              <a:t>NDC(Normalized Device Coordinate, </a:t>
+            </a:r>
+            <a:r>
+              <a:rPr lang="ko-KR" altLang="en-US"/>
+              <a:t>정규화된 공간</a:t>
+            </a:r>
+            <a:r>
+              <a:rPr lang="en-US" altLang="ko-KR"/>
+              <a:t>) </a:t>
+            </a:r>
+            <a:r>
+              <a:rPr lang="ko-KR" altLang="en-US"/>
+              <a:t>혹은 </a:t>
+            </a:r>
+            <a:r>
+              <a:rPr lang="en-US" altLang="ko-KR"/>
+              <a:t>Clip Space</a:t>
+            </a:r>
+            <a:r>
+              <a:rPr lang="ko-KR" altLang="en-US"/>
+              <a:t>으로 넘어갑니다</a:t>
+            </a:r>
+            <a:r>
+              <a:rPr lang="en-US" altLang="ko-KR"/>
+              <a:t>. </a:t>
+            </a:r>
+          </a:p>
+          <a:p>
+            <a:r>
+              <a:rPr lang="ko-KR" altLang="en-US"/>
+              <a:t>마지막으로는 </a:t>
+            </a:r>
+            <a:r>
+              <a:rPr lang="en-US" altLang="ko-KR"/>
+              <a:t>Viewport Transform</a:t>
+            </a:r>
+            <a:r>
+              <a:rPr lang="ko-KR" altLang="en-US"/>
+              <a:t>을 통해 </a:t>
+            </a:r>
+            <a:r>
+              <a:rPr lang="en-US" altLang="ko-KR"/>
+              <a:t>Screen Space</a:t>
+            </a:r>
+            <a:r>
+              <a:rPr lang="ko-KR" altLang="en-US"/>
+              <a:t>로 넘어갑니다</a:t>
+            </a:r>
+            <a:r>
+              <a:rPr lang="en-US" altLang="ko-KR"/>
+              <a:t>.</a:t>
+            </a:r>
+          </a:p>
+          <a:p>
+            <a:endParaRPr lang="en-US" altLang="ko-KR"/>
           </a:p>
           <a:p>
             <a:pPr marL="0" marR="0" lvl="0" indent="0" algn="l" defTabSz="914400" rtl="0" eaLnBrk="1" fontAlgn="auto" latinLnBrk="1" hangingPunct="1">
@@ -944,310 +1048,169 @@
               <a:defRPr/>
             </a:pPr>
             <a:r>
-              <a:rPr lang="ko-KR" altLang="en-US" b="0" i="0">
-                <a:solidFill>
-                  <a:srgbClr val="0D0D0D"/>
-                </a:solidFill>
-                <a:effectLst/>
-                <a:highlight>
-                  <a:srgbClr val="FFFFFF"/>
-                </a:highlight>
-                <a:latin typeface="Söhne"/>
-              </a:rPr>
-              <a:t>투영은 카메라 또는 관찰 지점에서 객체로 수직으로 그어진 선을 따라 이루어집니다</a:t>
-            </a:r>
-            <a:r>
-              <a:rPr lang="en-US" altLang="ko-KR" b="0" i="0">
-                <a:solidFill>
-                  <a:srgbClr val="0D0D0D"/>
-                </a:solidFill>
-                <a:effectLst/>
-                <a:highlight>
-                  <a:srgbClr val="FFFFFF"/>
-                </a:highlight>
-                <a:latin typeface="Söhne"/>
+              <a:rPr lang="ko-KR" altLang="en-US" sz="1200" b="1"/>
+              <a:t>클리핑 공간</a:t>
+            </a:r>
+            <a:r>
+              <a:rPr lang="en-US" altLang="ko-KR" sz="1200" b="1"/>
+              <a:t>:</a:t>
+            </a:r>
+            <a:r>
+              <a:rPr lang="ko-KR" altLang="en-US" sz="1200" b="1"/>
+              <a:t> </a:t>
+            </a:r>
+            <a:r>
+              <a:rPr lang="en-US" altLang="ko-KR" sz="1200" b="1"/>
+              <a:t>3D </a:t>
+            </a:r>
+            <a:r>
+              <a:rPr lang="ko-KR" altLang="en-US" sz="1200" b="1"/>
+              <a:t>공간에 있는 객체를 </a:t>
+            </a:r>
+            <a:r>
+              <a:rPr lang="en-US" altLang="ko-KR" sz="1200" b="1"/>
+              <a:t>2D </a:t>
+            </a:r>
+            <a:r>
+              <a:rPr lang="ko-KR" altLang="en-US" sz="1200" b="1"/>
+              <a:t>화면으로 투영할 때</a:t>
+            </a:r>
+            <a:r>
+              <a:rPr lang="en-US" altLang="ko-KR" sz="1200" b="1"/>
+              <a:t>, </a:t>
+            </a:r>
+            <a:r>
+              <a:rPr lang="ko-KR" altLang="en-US" sz="1200" b="1"/>
+              <a:t>특정 범위 밖의 객체를 잘라내는 과정</a:t>
+            </a:r>
+          </a:p>
+          <a:p>
+            <a:endParaRPr lang="en-US" altLang="ko-KR"/>
+          </a:p>
+          <a:p>
+            <a:r>
+              <a:rPr lang="ko-KR" altLang="en-US" b="0" i="0">
+                <a:effectLst/>
+                <a:highlight>
+                  <a:srgbClr val="252525"/>
+                </a:highlight>
+                <a:latin typeface="ui-sans-serif"/>
+              </a:rPr>
+              <a:t>로컬 공간은 객체의 기본 좌표를 정의하며</a:t>
+            </a:r>
+            <a:r>
+              <a:rPr lang="en-US" altLang="ko-KR" b="0" i="0">
+                <a:effectLst/>
+                <a:highlight>
+                  <a:srgbClr val="252525"/>
+                </a:highlight>
+                <a:latin typeface="ui-sans-serif"/>
+              </a:rPr>
+              <a:t>, </a:t>
+            </a:r>
+            <a:r>
+              <a:rPr lang="ko-KR" altLang="en-US" b="0" i="0">
+                <a:effectLst/>
+                <a:highlight>
+                  <a:srgbClr val="252525"/>
+                </a:highlight>
+                <a:latin typeface="ui-sans-serif"/>
+              </a:rPr>
+              <a:t>월드 공간은 로컬 공간의 좌표를 세계 좌표계로 변환합니다</a:t>
+            </a:r>
+            <a:r>
+              <a:rPr lang="en-US" altLang="ko-KR" b="0" i="0">
+                <a:effectLst/>
+                <a:highlight>
+                  <a:srgbClr val="252525"/>
+                </a:highlight>
+                <a:latin typeface="ui-sans-serif"/>
               </a:rPr>
               <a:t>. </a:t>
             </a:r>
             <a:r>
               <a:rPr lang="ko-KR" altLang="en-US" b="0" i="0">
-                <a:solidFill>
-                  <a:srgbClr val="0D0D0D"/>
-                </a:solidFill>
-                <a:effectLst/>
-                <a:highlight>
-                  <a:srgbClr val="FFFFFF"/>
-                </a:highlight>
-                <a:latin typeface="Söhne"/>
-              </a:rPr>
-              <a:t>이 선들은 모두 평행하며</a:t>
-            </a:r>
-            <a:r>
-              <a:rPr lang="en-US" altLang="ko-KR" b="0" i="0">
-                <a:solidFill>
-                  <a:srgbClr val="0D0D0D"/>
-                </a:solidFill>
-                <a:effectLst/>
-                <a:highlight>
-                  <a:srgbClr val="FFFFFF"/>
-                </a:highlight>
-                <a:latin typeface="Söhne"/>
+                <a:effectLst/>
+                <a:highlight>
+                  <a:srgbClr val="252525"/>
+                </a:highlight>
+                <a:latin typeface="ui-sans-serif"/>
+              </a:rPr>
+              <a:t>뷰 공간은 월드 공간의 좌표를 카메라의 위치와 방향에 맞게 변환하며</a:t>
+            </a:r>
+            <a:r>
+              <a:rPr lang="en-US" altLang="ko-KR" b="0" i="0">
+                <a:effectLst/>
+                <a:highlight>
+                  <a:srgbClr val="252525"/>
+                </a:highlight>
+                <a:latin typeface="ui-sans-serif"/>
               </a:rPr>
               <a:t>, </a:t>
             </a:r>
             <a:r>
               <a:rPr lang="ko-KR" altLang="en-US" b="0" i="0">
-                <a:solidFill>
-                  <a:srgbClr val="0D0D0D"/>
-                </a:solidFill>
-                <a:effectLst/>
-                <a:highlight>
-                  <a:srgbClr val="FFFFFF"/>
-                </a:highlight>
-                <a:latin typeface="Söhne"/>
-              </a:rPr>
-              <a:t>이로 인해 투영된 이미지에서 원근감이 사라집니다</a:t>
-            </a:r>
-            <a:r>
-              <a:rPr lang="en-US" altLang="ko-KR" b="0" i="0">
-                <a:solidFill>
-                  <a:srgbClr val="0D0D0D"/>
-                </a:solidFill>
-                <a:effectLst/>
-                <a:highlight>
-                  <a:srgbClr val="FFFFFF"/>
-                </a:highlight>
-                <a:latin typeface="Söhne"/>
+                <a:effectLst/>
+                <a:highlight>
+                  <a:srgbClr val="252525"/>
+                </a:highlight>
+                <a:latin typeface="ui-sans-serif"/>
+              </a:rPr>
+              <a:t>클립 공간은 뷰 공간의 좌표를 투영 공간으로 변환하여 화면에 표시될 수 있는지 결정합니다</a:t>
+            </a:r>
+            <a:r>
+              <a:rPr lang="en-US" altLang="ko-KR" b="0" i="0">
+                <a:effectLst/>
+                <a:highlight>
+                  <a:srgbClr val="252525"/>
+                </a:highlight>
+                <a:latin typeface="ui-sans-serif"/>
+              </a:rPr>
+              <a:t>. </a:t>
+            </a:r>
+            <a:r>
+              <a:rPr lang="ko-KR" altLang="en-US" b="0" i="0">
+                <a:effectLst/>
+                <a:highlight>
+                  <a:srgbClr val="252525"/>
+                </a:highlight>
+                <a:latin typeface="ui-sans-serif"/>
+              </a:rPr>
+              <a:t>마지막으로</a:t>
+            </a:r>
+            <a:r>
+              <a:rPr lang="en-US" altLang="ko-KR" b="0" i="0">
+                <a:effectLst/>
+                <a:highlight>
+                  <a:srgbClr val="252525"/>
+                </a:highlight>
+                <a:latin typeface="ui-sans-serif"/>
+              </a:rPr>
+              <a:t>, </a:t>
+            </a:r>
+            <a:r>
+              <a:rPr lang="ko-KR" altLang="en-US" b="0" i="0">
+                <a:effectLst/>
+                <a:highlight>
+                  <a:srgbClr val="252525"/>
+                </a:highlight>
+                <a:latin typeface="ui-sans-serif"/>
+              </a:rPr>
+              <a:t>화면 공간은 클립 공간의 좌표를 실제 화면 좌표로 변환하여 객체가 화면에 어떻게 그려질지 결정합니다</a:t>
+            </a:r>
+            <a:r>
+              <a:rPr lang="en-US" altLang="ko-KR" b="0" i="0">
+                <a:effectLst/>
+                <a:highlight>
+                  <a:srgbClr val="252525"/>
+                </a:highlight>
+                <a:latin typeface="ui-sans-serif"/>
               </a:rPr>
               <a:t>.</a:t>
             </a:r>
-          </a:p>
-          <a:p>
-            <a:pPr marL="0" marR="0" lvl="0" indent="0" algn="l" defTabSz="914400" rtl="0" eaLnBrk="1" fontAlgn="auto" latinLnBrk="1" hangingPunct="1">
-              <a:lnSpc>
-                <a:spcPct val="100000"/>
-              </a:lnSpc>
-              <a:spcBef>
-                <a:spcPts val="0"/>
-              </a:spcBef>
-              <a:spcAft>
-                <a:spcPts val="0"/>
-              </a:spcAft>
-              <a:buClrTx/>
-              <a:buSzTx/>
-              <a:buFontTx/>
-              <a:buNone/>
-              <a:tabLst/>
-              <a:defRPr/>
-            </a:pPr>
-            <a:r>
-              <a:rPr lang="ko-KR" altLang="en-US" b="0" i="0">
-                <a:solidFill>
-                  <a:srgbClr val="444444"/>
-                </a:solidFill>
-                <a:effectLst/>
-                <a:highlight>
-                  <a:srgbClr val="FFFFFF"/>
-                </a:highlight>
-                <a:latin typeface="se-nanumgothic"/>
-              </a:rPr>
-              <a:t>뷰볼륨 내의 각 좌표 셋을 </a:t>
-            </a:r>
-            <a:r>
-              <a:rPr lang="en-US" altLang="ko-KR" b="0" i="0">
-                <a:solidFill>
-                  <a:srgbClr val="444444"/>
-                </a:solidFill>
-                <a:effectLst/>
-                <a:highlight>
-                  <a:srgbClr val="FFFFFF"/>
-                </a:highlight>
-                <a:latin typeface="se-nanumgothic"/>
-              </a:rPr>
-              <a:t>Left, Right, Top, Bottom, Near, Far</a:t>
-            </a:r>
-            <a:r>
-              <a:rPr lang="ko-KR" altLang="en-US" b="0" i="0">
-                <a:solidFill>
-                  <a:srgbClr val="444444"/>
-                </a:solidFill>
-                <a:effectLst/>
-                <a:highlight>
-                  <a:srgbClr val="FFFFFF"/>
-                </a:highlight>
-                <a:latin typeface="se-nanumgothic"/>
-              </a:rPr>
-              <a:t>를 이용하여 표현하고</a:t>
-            </a:r>
-            <a:r>
-              <a:rPr lang="en-US" altLang="ko-KR" b="0" i="0">
-                <a:solidFill>
-                  <a:srgbClr val="444444"/>
-                </a:solidFill>
-                <a:effectLst/>
-                <a:highlight>
-                  <a:srgbClr val="FFFFFF"/>
-                </a:highlight>
-                <a:latin typeface="se-nanumgothic"/>
-              </a:rPr>
-              <a:t>, </a:t>
-            </a:r>
-            <a:r>
-              <a:rPr lang="ko-KR" altLang="en-US" b="0" i="0">
-                <a:solidFill>
-                  <a:srgbClr val="444444"/>
-                </a:solidFill>
-                <a:effectLst/>
-                <a:highlight>
-                  <a:srgbClr val="FFFFFF"/>
-                </a:highlight>
-                <a:latin typeface="se-nanumgothic"/>
-              </a:rPr>
-              <a:t>각각 왼쪽 좌표</a:t>
-            </a:r>
-            <a:r>
-              <a:rPr lang="en-US" altLang="ko-KR" b="0" i="0">
-                <a:solidFill>
-                  <a:srgbClr val="444444"/>
-                </a:solidFill>
-                <a:effectLst/>
-                <a:highlight>
-                  <a:srgbClr val="FFFFFF"/>
-                </a:highlight>
-                <a:latin typeface="se-nanumgothic"/>
-              </a:rPr>
-              <a:t>, </a:t>
-            </a:r>
-            <a:r>
-              <a:rPr lang="ko-KR" altLang="en-US" b="0" i="0">
-                <a:solidFill>
-                  <a:srgbClr val="444444"/>
-                </a:solidFill>
-                <a:effectLst/>
-                <a:highlight>
-                  <a:srgbClr val="FFFFFF"/>
-                </a:highlight>
-                <a:latin typeface="se-nanumgothic"/>
-              </a:rPr>
-              <a:t>오른쪽 좌표</a:t>
-            </a:r>
-            <a:r>
-              <a:rPr lang="en-US" altLang="ko-KR" b="0" i="0">
-                <a:solidFill>
-                  <a:srgbClr val="444444"/>
-                </a:solidFill>
-                <a:effectLst/>
-                <a:highlight>
-                  <a:srgbClr val="FFFFFF"/>
-                </a:highlight>
-                <a:latin typeface="se-nanumgothic"/>
-              </a:rPr>
-              <a:t>, </a:t>
-            </a:r>
-            <a:r>
-              <a:rPr lang="ko-KR" altLang="en-US" b="0" i="0">
-                <a:solidFill>
-                  <a:srgbClr val="444444"/>
-                </a:solidFill>
-                <a:effectLst/>
-                <a:highlight>
-                  <a:srgbClr val="FFFFFF"/>
-                </a:highlight>
-                <a:latin typeface="se-nanumgothic"/>
-              </a:rPr>
-              <a:t>상단 좌표</a:t>
-            </a:r>
-            <a:r>
-              <a:rPr lang="en-US" altLang="ko-KR" b="0" i="0">
-                <a:solidFill>
-                  <a:srgbClr val="444444"/>
-                </a:solidFill>
-                <a:effectLst/>
-                <a:highlight>
-                  <a:srgbClr val="FFFFFF"/>
-                </a:highlight>
-                <a:latin typeface="se-nanumgothic"/>
-              </a:rPr>
-              <a:t>, </a:t>
-            </a:r>
-            <a:r>
-              <a:rPr lang="ko-KR" altLang="en-US" b="0" i="0">
-                <a:solidFill>
-                  <a:srgbClr val="444444"/>
-                </a:solidFill>
-                <a:effectLst/>
-                <a:highlight>
-                  <a:srgbClr val="FFFFFF"/>
-                </a:highlight>
-                <a:latin typeface="se-nanumgothic"/>
-              </a:rPr>
-              <a:t>하단 좌표</a:t>
-            </a:r>
-            <a:r>
-              <a:rPr lang="en-US" altLang="ko-KR" b="0" i="0">
-                <a:solidFill>
-                  <a:srgbClr val="444444"/>
-                </a:solidFill>
-                <a:effectLst/>
-                <a:highlight>
-                  <a:srgbClr val="FFFFFF"/>
-                </a:highlight>
-                <a:latin typeface="se-nanumgothic"/>
-              </a:rPr>
-              <a:t>, </a:t>
-            </a:r>
-            <a:r>
-              <a:rPr lang="ko-KR" altLang="en-US" b="0" i="0">
-                <a:solidFill>
-                  <a:srgbClr val="444444"/>
-                </a:solidFill>
-                <a:effectLst/>
-                <a:highlight>
-                  <a:srgbClr val="FFFFFF"/>
-                </a:highlight>
-                <a:latin typeface="se-nanumgothic"/>
-              </a:rPr>
-              <a:t>가까운 평면 좌표</a:t>
-            </a:r>
-            <a:r>
-              <a:rPr lang="en-US" altLang="ko-KR" b="0" i="0">
-                <a:solidFill>
-                  <a:srgbClr val="444444"/>
-                </a:solidFill>
-                <a:effectLst/>
-                <a:highlight>
-                  <a:srgbClr val="FFFFFF"/>
-                </a:highlight>
-                <a:latin typeface="se-nanumgothic"/>
-              </a:rPr>
-              <a:t>, </a:t>
-            </a:r>
-            <a:r>
-              <a:rPr lang="ko-KR" altLang="en-US" b="0" i="0">
-                <a:solidFill>
-                  <a:srgbClr val="444444"/>
-                </a:solidFill>
-                <a:effectLst/>
-                <a:highlight>
-                  <a:srgbClr val="FFFFFF"/>
-                </a:highlight>
-                <a:latin typeface="se-nanumgothic"/>
-              </a:rPr>
-              <a:t>먼 평면 좌표를 뜻합니다</a:t>
-            </a:r>
-            <a:r>
-              <a:rPr lang="en-US" altLang="ko-KR" b="0" i="0">
-                <a:solidFill>
-                  <a:srgbClr val="444444"/>
-                </a:solidFill>
-                <a:effectLst/>
-                <a:highlight>
-                  <a:srgbClr val="FFFFFF"/>
-                </a:highlight>
-                <a:latin typeface="se-nanumgothic"/>
-              </a:rPr>
-              <a:t>.</a:t>
-            </a:r>
+            <a:endParaRPr lang="ko-KR" altLang="en-US"/>
+          </a:p>
+          <a:p>
             <a:endParaRPr lang="ko-KR" altLang="en-US"/>
           </a:p>
         </p:txBody>
@@ -1278,7 +1241,7 @@
     </p:spTree>
     <p:extLst>
       <p:ext uri="{BB962C8B-B14F-4D97-AF65-F5344CB8AC3E}">
-        <p14:creationId xmlns:p14="http://schemas.microsoft.com/office/powerpoint/2010/main" val="4197124792"/>
+        <p14:creationId xmlns:p14="http://schemas.microsoft.com/office/powerpoint/2010/main" val="1323525570"/>
       </p:ext>
     </p:extLst>
   </p:cSld>
@@ -1338,157 +1301,29 @@
             </a:pPr>
             <a:r>
               <a:rPr lang="ko-KR" altLang="en-US" b="0" i="0">
-                <a:solidFill>
-                  <a:srgbClr val="0D0D0D"/>
-                </a:solidFill>
-                <a:effectLst/>
-                <a:highlight>
-                  <a:srgbClr val="FFFFFF"/>
-                </a:highlight>
-                <a:latin typeface="Söhne"/>
-              </a:rPr>
-              <a:t>직교 투영을 수학적으로 나타내기 위해서는 직교 투영 행렬을 사용합니다</a:t>
-            </a:r>
-            <a:r>
-              <a:rPr lang="en-US" altLang="ko-KR" b="0" i="0">
-                <a:solidFill>
-                  <a:srgbClr val="0D0D0D"/>
-                </a:solidFill>
-                <a:effectLst/>
-                <a:highlight>
-                  <a:srgbClr val="FFFFFF"/>
-                </a:highlight>
-                <a:latin typeface="Söhne"/>
-              </a:rPr>
-              <a:t>. </a:t>
-            </a:r>
-            <a:r>
-              <a:rPr lang="ko-KR" altLang="en-US" b="0" i="0">
-                <a:solidFill>
-                  <a:srgbClr val="0D0D0D"/>
-                </a:solidFill>
-                <a:effectLst/>
-                <a:highlight>
-                  <a:srgbClr val="FFFFFF"/>
-                </a:highlight>
-                <a:latin typeface="Söhne"/>
-              </a:rPr>
-              <a:t>이 행렬은 </a:t>
-            </a:r>
-            <a:r>
-              <a:rPr lang="en-US" altLang="ko-KR" b="0" i="0">
-                <a:solidFill>
-                  <a:srgbClr val="0D0D0D"/>
-                </a:solidFill>
-                <a:effectLst/>
-                <a:highlight>
-                  <a:srgbClr val="FFFFFF"/>
-                </a:highlight>
-                <a:latin typeface="Söhne"/>
-              </a:rPr>
-              <a:t>3D </a:t>
-            </a:r>
-            <a:r>
-              <a:rPr lang="ko-KR" altLang="en-US" b="0" i="0">
-                <a:solidFill>
-                  <a:srgbClr val="0D0D0D"/>
-                </a:solidFill>
-                <a:effectLst/>
-                <a:highlight>
-                  <a:srgbClr val="FFFFFF"/>
-                </a:highlight>
-                <a:latin typeface="Söhne"/>
-              </a:rPr>
-              <a:t>좌표를 </a:t>
-            </a:r>
-            <a:r>
-              <a:rPr lang="en-US" altLang="ko-KR" b="0" i="0">
-                <a:solidFill>
-                  <a:srgbClr val="0D0D0D"/>
-                </a:solidFill>
-                <a:effectLst/>
-                <a:highlight>
-                  <a:srgbClr val="FFFFFF"/>
-                </a:highlight>
-                <a:latin typeface="Söhne"/>
-              </a:rPr>
-              <a:t>2D </a:t>
-            </a:r>
-            <a:r>
-              <a:rPr lang="ko-KR" altLang="en-US" b="0" i="0">
-                <a:solidFill>
-                  <a:srgbClr val="0D0D0D"/>
-                </a:solidFill>
-                <a:effectLst/>
-                <a:highlight>
-                  <a:srgbClr val="FFFFFF"/>
-                </a:highlight>
-                <a:latin typeface="Söhne"/>
-              </a:rPr>
-              <a:t>투영 평면으로 매핑하고</a:t>
-            </a:r>
-            <a:r>
-              <a:rPr lang="en-US" altLang="ko-KR" b="0" i="0">
-                <a:solidFill>
-                  <a:srgbClr val="0D0D0D"/>
-                </a:solidFill>
-                <a:effectLst/>
-                <a:highlight>
-                  <a:srgbClr val="FFFFFF"/>
-                </a:highlight>
-                <a:latin typeface="Söhne"/>
-              </a:rPr>
-              <a:t>, </a:t>
-            </a:r>
-            <a:r>
-              <a:rPr lang="ko-KR" altLang="en-US" b="0" i="0">
-                <a:solidFill>
-                  <a:srgbClr val="0D0D0D"/>
-                </a:solidFill>
-                <a:effectLst/>
-                <a:highlight>
-                  <a:srgbClr val="FFFFFF"/>
-                </a:highlight>
-                <a:latin typeface="Söhne"/>
-              </a:rPr>
-              <a:t>뷰 볼륨 내의 좌표를 표준 정규화 좌표계</a:t>
-            </a:r>
-            <a:r>
-              <a:rPr lang="en-US" altLang="ko-KR" b="0" i="0">
-                <a:solidFill>
-                  <a:srgbClr val="0D0D0D"/>
-                </a:solidFill>
-                <a:effectLst/>
-                <a:highlight>
-                  <a:srgbClr val="FFFFFF"/>
-                </a:highlight>
-                <a:latin typeface="Söhne"/>
-              </a:rPr>
-              <a:t>(NDC)</a:t>
-            </a:r>
-            <a:r>
-              <a:rPr lang="ko-KR" altLang="en-US" b="0" i="0">
-                <a:solidFill>
-                  <a:srgbClr val="0D0D0D"/>
-                </a:solidFill>
-                <a:effectLst/>
-                <a:highlight>
-                  <a:srgbClr val="FFFFFF"/>
-                </a:highlight>
-                <a:latin typeface="Söhne"/>
-              </a:rPr>
-              <a:t>로 변환합니다</a:t>
-            </a:r>
-            <a:r>
-              <a:rPr lang="en-US" altLang="ko-KR" b="0" i="0">
-                <a:solidFill>
-                  <a:srgbClr val="0D0D0D"/>
-                </a:solidFill>
-                <a:effectLst/>
-                <a:highlight>
-                  <a:srgbClr val="FFFFFF"/>
-                </a:highlight>
-                <a:latin typeface="Söhne"/>
+                <a:effectLst/>
+                <a:latin typeface="Arial" panose="020B0604020202020204" pitchFamily="34" charset="0"/>
+              </a:rPr>
+              <a:t>직교 투영은 직육면체 </a:t>
+            </a:r>
+            <a:r>
+              <a:rPr lang="en-US" altLang="ko-KR" b="0" i="0">
+                <a:effectLst/>
+                <a:latin typeface="Arial" panose="020B0604020202020204" pitchFamily="34" charset="0"/>
+              </a:rPr>
+              <a:t>view voulme</a:t>
+            </a:r>
+            <a:r>
+              <a:rPr lang="ko-KR" altLang="en-US" b="0" i="0">
+                <a:effectLst/>
+                <a:latin typeface="Arial" panose="020B0604020202020204" pitchFamily="34" charset="0"/>
+              </a:rPr>
+              <a:t>의 관측공간을 화면에 투영합니다</a:t>
+            </a:r>
+            <a:r>
+              <a:rPr lang="en-US" altLang="ko-KR" b="0" i="0">
+                <a:effectLst/>
+                <a:latin typeface="Arial" panose="020B0604020202020204" pitchFamily="34" charset="0"/>
               </a:rPr>
               <a:t>. </a:t>
             </a:r>
@@ -1500,29 +1335,114 @@
             </a:pPr>
             <a:r>
               <a:rPr lang="ko-KR" altLang="en-US" b="0" i="0">
-                <a:solidFill>
-                  <a:srgbClr val="0D0D0D"/>
-                </a:solidFill>
-                <a:effectLst/>
-                <a:highlight>
-                  <a:srgbClr val="FFFFFF"/>
-                </a:highlight>
-                <a:latin typeface="Söhne"/>
-              </a:rPr>
-              <a:t>일반적인 직교 투영 행렬은 다음과 같습니다</a:t>
-            </a:r>
-            <a:r>
-              <a:rPr lang="en-US" altLang="ko-KR" b="0" i="0">
-                <a:solidFill>
-                  <a:srgbClr val="0D0D0D"/>
-                </a:solidFill>
-                <a:effectLst/>
-                <a:highlight>
-                  <a:srgbClr val="FFFFFF"/>
-                </a:highlight>
-                <a:latin typeface="Söhne"/>
-              </a:rPr>
-              <a:t>:</a:t>
+                <a:effectLst/>
+                <a:latin typeface="Arial" panose="020B0604020202020204" pitchFamily="34" charset="0"/>
+              </a:rPr>
+              <a:t>객체의 크기가 거리에 따라 변하지 않습니다</a:t>
+            </a:r>
+            <a:r>
+              <a:rPr lang="en-US" altLang="ko-KR" b="0" i="0">
+                <a:effectLst/>
+                <a:latin typeface="Arial" panose="020B0604020202020204" pitchFamily="34" charset="0"/>
+              </a:rPr>
+              <a:t>. </a:t>
+            </a:r>
+            <a:r>
+              <a:rPr lang="ko-KR" altLang="en-US" b="0" i="0">
+                <a:effectLst/>
+                <a:latin typeface="Arial" panose="020B0604020202020204" pitchFamily="34" charset="0"/>
+              </a:rPr>
+              <a:t>평행한 투영선을 가지고 있기 때문입니다</a:t>
+            </a:r>
+            <a:r>
+              <a:rPr lang="en-US" altLang="ko-KR" b="0" i="0">
+                <a:effectLst/>
+                <a:latin typeface="Arial" panose="020B0604020202020204" pitchFamily="34" charset="0"/>
+              </a:rPr>
+              <a:t>.</a:t>
+            </a:r>
+            <a:br>
+              <a:rPr lang="en-US" altLang="ko-KR" b="0" i="0">
+                <a:effectLst/>
+                <a:latin typeface="Arial" panose="020B0604020202020204" pitchFamily="34" charset="0"/>
+              </a:rPr>
+            </a:br>
+            <a:r>
+              <a:rPr lang="en-US" altLang="ko-KR" b="0" i="0">
+                <a:effectLst/>
+                <a:latin typeface="Arial" panose="020B0604020202020204" pitchFamily="34" charset="0"/>
+              </a:rPr>
+              <a:t>(</a:t>
+            </a:r>
+            <a:r>
+              <a:rPr lang="ko-KR" altLang="en-US" b="0" i="0">
+                <a:effectLst/>
+                <a:latin typeface="Arial" panose="020B0604020202020204" pitchFamily="34" charset="0"/>
+              </a:rPr>
+              <a:t>투영선</a:t>
+            </a:r>
+            <a:r>
+              <a:rPr lang="en-US" altLang="ko-KR" b="0" i="0">
+                <a:effectLst/>
+                <a:latin typeface="Arial" panose="020B0604020202020204" pitchFamily="34" charset="0"/>
+              </a:rPr>
+              <a:t>: 3</a:t>
+            </a:r>
+            <a:r>
+              <a:rPr lang="ko-KR" altLang="en-US" b="0" i="0">
+                <a:effectLst/>
+                <a:latin typeface="Arial" panose="020B0604020202020204" pitchFamily="34" charset="0"/>
+              </a:rPr>
+              <a:t>차원 공간의 각 점에서 </a:t>
+            </a:r>
+            <a:r>
+              <a:rPr lang="en-US" altLang="ko-KR" b="0" i="0">
+                <a:effectLst/>
+                <a:latin typeface="Arial" panose="020B0604020202020204" pitchFamily="34" charset="0"/>
+              </a:rPr>
+              <a:t>2</a:t>
+            </a:r>
+            <a:r>
+              <a:rPr lang="ko-KR" altLang="en-US" b="0" i="0">
+                <a:effectLst/>
+                <a:latin typeface="Arial" panose="020B0604020202020204" pitchFamily="34" charset="0"/>
+              </a:rPr>
+              <a:t>차원 평면</a:t>
+            </a:r>
+            <a:r>
+              <a:rPr lang="en-US" altLang="ko-KR" b="0" i="0">
+                <a:effectLst/>
+                <a:latin typeface="Arial" panose="020B0604020202020204" pitchFamily="34" charset="0"/>
+              </a:rPr>
+              <a:t>(</a:t>
+            </a:r>
+            <a:r>
+              <a:rPr lang="ko-KR" altLang="en-US" b="0" i="0">
+                <a:effectLst/>
+                <a:latin typeface="Arial" panose="020B0604020202020204" pitchFamily="34" charset="0"/>
+              </a:rPr>
+              <a:t>화면</a:t>
+            </a:r>
+            <a:r>
+              <a:rPr lang="en-US" altLang="ko-KR" b="0" i="0">
+                <a:effectLst/>
+                <a:latin typeface="Arial" panose="020B0604020202020204" pitchFamily="34" charset="0"/>
+              </a:rPr>
+              <a:t>) </a:t>
+            </a:r>
+            <a:r>
+              <a:rPr lang="ko-KR" altLang="en-US" b="0" i="0">
+                <a:effectLst/>
+                <a:latin typeface="Arial" panose="020B0604020202020204" pitchFamily="34" charset="0"/>
+              </a:rPr>
+              <a:t>으로 이어지는 가상의 선</a:t>
+            </a:r>
+            <a:r>
+              <a:rPr lang="en-US" altLang="ko-KR" b="0" i="0">
+                <a:effectLst/>
+                <a:latin typeface="Arial" panose="020B0604020202020204" pitchFamily="34" charset="0"/>
+              </a:rPr>
+              <a:t>,)</a:t>
             </a:r>
           </a:p>
           <a:p>
@@ -1532,386 +1452,99 @@
             </a:pPr>
             <a:r>
               <a:rPr lang="ko-KR" altLang="en-US" b="0" i="0">
-                <a:solidFill>
-                  <a:srgbClr val="0D0D0D"/>
-                </a:solidFill>
-                <a:effectLst/>
-                <a:highlight>
-                  <a:srgbClr val="FFFFFF"/>
-                </a:highlight>
-                <a:latin typeface="Söhne"/>
-              </a:rPr>
-              <a:t>여기서 </a:t>
-            </a:r>
-            <a:r>
-              <a:rPr lang="en-US" altLang="ko-KR" b="0" i="0">
-                <a:solidFill>
-                  <a:srgbClr val="0D0D0D"/>
-                </a:solidFill>
-                <a:effectLst/>
-                <a:highlight>
-                  <a:srgbClr val="FFFFFF"/>
-                </a:highlight>
-                <a:latin typeface="Söhne"/>
-              </a:rPr>
-              <a:t>l</a:t>
-            </a:r>
-            <a:r>
-              <a:rPr lang="en-US" altLang="ko-KR" b="0" i="0">
-                <a:solidFill>
-                  <a:srgbClr val="0D0D0D"/>
-                </a:solidFill>
-                <a:effectLst/>
-                <a:highlight>
-                  <a:srgbClr val="FFFFFF"/>
-                </a:highlight>
-                <a:latin typeface="KaTeX_Main"/>
-              </a:rPr>
-              <a:t>,</a:t>
-            </a:r>
-            <a:r>
-              <a:rPr lang="en-US" altLang="ko-KR" b="0" i="1">
-                <a:solidFill>
-                  <a:srgbClr val="0D0D0D"/>
-                </a:solidFill>
-                <a:effectLst/>
-                <a:highlight>
-                  <a:srgbClr val="FFFFFF"/>
-                </a:highlight>
-                <a:latin typeface="KaTeX_Math"/>
-              </a:rPr>
-              <a:t>r</a:t>
-            </a:r>
-            <a:r>
-              <a:rPr lang="en-US" altLang="ko-KR" b="0" i="0">
-                <a:solidFill>
-                  <a:srgbClr val="0D0D0D"/>
-                </a:solidFill>
-                <a:effectLst/>
-                <a:highlight>
-                  <a:srgbClr val="FFFFFF"/>
-                </a:highlight>
-                <a:latin typeface="KaTeX_Main"/>
-              </a:rPr>
-              <a:t>,</a:t>
-            </a:r>
-            <a:r>
-              <a:rPr lang="en-US" altLang="ko-KR" b="0" i="1">
-                <a:solidFill>
-                  <a:srgbClr val="0D0D0D"/>
-                </a:solidFill>
-                <a:effectLst/>
-                <a:highlight>
-                  <a:srgbClr val="FFFFFF"/>
-                </a:highlight>
-                <a:latin typeface="KaTeX_Math"/>
-              </a:rPr>
-              <a:t>t</a:t>
-            </a:r>
-            <a:r>
-              <a:rPr lang="en-US" altLang="ko-KR" b="0" i="0">
-                <a:solidFill>
-                  <a:srgbClr val="0D0D0D"/>
-                </a:solidFill>
-                <a:effectLst/>
-                <a:highlight>
-                  <a:srgbClr val="FFFFFF"/>
-                </a:highlight>
-                <a:latin typeface="KaTeX_Main"/>
-              </a:rPr>
-              <a:t>,</a:t>
-            </a:r>
-            <a:r>
-              <a:rPr lang="en-US" altLang="ko-KR" b="0" i="1">
-                <a:solidFill>
-                  <a:srgbClr val="0D0D0D"/>
-                </a:solidFill>
-                <a:effectLst/>
-                <a:highlight>
-                  <a:srgbClr val="FFFFFF"/>
-                </a:highlight>
-                <a:latin typeface="KaTeX_Math"/>
-              </a:rPr>
-              <a:t>b</a:t>
-            </a:r>
-            <a:r>
-              <a:rPr lang="en-US" altLang="ko-KR" b="0" i="0">
-                <a:solidFill>
-                  <a:srgbClr val="0D0D0D"/>
-                </a:solidFill>
-                <a:effectLst/>
-                <a:highlight>
-                  <a:srgbClr val="FFFFFF"/>
-                </a:highlight>
-                <a:latin typeface="KaTeX_Main"/>
-              </a:rPr>
-              <a:t>,</a:t>
-            </a:r>
-            <a:r>
-              <a:rPr lang="en-US" altLang="ko-KR" b="0" i="1">
-                <a:solidFill>
-                  <a:srgbClr val="0D0D0D"/>
-                </a:solidFill>
-                <a:effectLst/>
-                <a:highlight>
-                  <a:srgbClr val="FFFFFF"/>
-                </a:highlight>
-                <a:latin typeface="KaTeX_Math"/>
-              </a:rPr>
-              <a:t>n</a:t>
-            </a:r>
-            <a:r>
-              <a:rPr lang="en-US" altLang="ko-KR" b="0" i="0">
-                <a:solidFill>
-                  <a:srgbClr val="0D0D0D"/>
-                </a:solidFill>
-                <a:effectLst/>
-                <a:highlight>
-                  <a:srgbClr val="FFFFFF"/>
-                </a:highlight>
-                <a:latin typeface="KaTeX_Main"/>
-              </a:rPr>
-              <a:t>,</a:t>
-            </a:r>
-            <a:r>
-              <a:rPr lang="en-US" altLang="ko-KR" b="0" i="1">
-                <a:solidFill>
-                  <a:srgbClr val="0D0D0D"/>
-                </a:solidFill>
-                <a:effectLst/>
-                <a:highlight>
-                  <a:srgbClr val="FFFFFF"/>
-                </a:highlight>
-                <a:latin typeface="KaTeX_Math"/>
-              </a:rPr>
-              <a:t>f</a:t>
-            </a:r>
-            <a:r>
-              <a:rPr lang="ko-KR" altLang="en-US" b="0" i="0">
-                <a:solidFill>
-                  <a:srgbClr val="0D0D0D"/>
-                </a:solidFill>
-                <a:effectLst/>
-                <a:highlight>
-                  <a:srgbClr val="FFFFFF"/>
-                </a:highlight>
-                <a:latin typeface="Söhne"/>
-              </a:rPr>
-              <a:t>는 각각 클리핑 볼륨의 왼쪽</a:t>
-            </a:r>
-            <a:r>
-              <a:rPr lang="en-US" altLang="ko-KR" b="0" i="0">
-                <a:solidFill>
-                  <a:srgbClr val="0D0D0D"/>
-                </a:solidFill>
-                <a:effectLst/>
-                <a:highlight>
-                  <a:srgbClr val="FFFFFF"/>
-                </a:highlight>
-                <a:latin typeface="Söhne"/>
+                <a:effectLst/>
+                <a:latin typeface="Arial" panose="020B0604020202020204" pitchFamily="34" charset="0"/>
+              </a:rPr>
+              <a:t>직교투영은 이 선들이 모든 방향에서 평면에 수직이며</a:t>
+            </a:r>
+            <a:r>
+              <a:rPr lang="en-US" altLang="ko-KR" b="0" i="0">
+                <a:effectLst/>
+                <a:latin typeface="Arial" panose="020B0604020202020204" pitchFamily="34" charset="0"/>
               </a:rPr>
               <a:t>, </a:t>
             </a:r>
             <a:r>
               <a:rPr lang="ko-KR" altLang="en-US" b="0" i="0">
-                <a:solidFill>
-                  <a:srgbClr val="0D0D0D"/>
-                </a:solidFill>
-                <a:effectLst/>
-                <a:highlight>
-                  <a:srgbClr val="FFFFFF"/>
-                </a:highlight>
-                <a:latin typeface="Söhne"/>
-              </a:rPr>
-              <a:t>오른쪽</a:t>
-            </a:r>
-            <a:r>
-              <a:rPr lang="en-US" altLang="ko-KR" b="0" i="0">
-                <a:solidFill>
-                  <a:srgbClr val="0D0D0D"/>
-                </a:solidFill>
-                <a:effectLst/>
-                <a:highlight>
-                  <a:srgbClr val="FFFFFF"/>
-                </a:highlight>
-                <a:latin typeface="Söhne"/>
-              </a:rPr>
-              <a:t>, </a:t>
-            </a:r>
-            <a:r>
-              <a:rPr lang="ko-KR" altLang="en-US" b="0" i="0">
-                <a:solidFill>
-                  <a:srgbClr val="0D0D0D"/>
-                </a:solidFill>
-                <a:effectLst/>
-                <a:highlight>
-                  <a:srgbClr val="FFFFFF"/>
-                </a:highlight>
-                <a:latin typeface="Söhne"/>
-              </a:rPr>
-              <a:t>위쪽</a:t>
-            </a:r>
-            <a:r>
-              <a:rPr lang="en-US" altLang="ko-KR" b="0" i="0">
-                <a:solidFill>
-                  <a:srgbClr val="0D0D0D"/>
-                </a:solidFill>
-                <a:effectLst/>
-                <a:highlight>
-                  <a:srgbClr val="FFFFFF"/>
-                </a:highlight>
-                <a:latin typeface="Söhne"/>
-              </a:rPr>
-              <a:t>, </a:t>
-            </a:r>
-            <a:r>
-              <a:rPr lang="ko-KR" altLang="en-US" b="0" i="0">
-                <a:solidFill>
-                  <a:srgbClr val="0D0D0D"/>
-                </a:solidFill>
-                <a:effectLst/>
-                <a:highlight>
-                  <a:srgbClr val="FFFFFF"/>
-                </a:highlight>
-                <a:latin typeface="Söhne"/>
-              </a:rPr>
-              <a:t>아래쪽</a:t>
-            </a:r>
-            <a:r>
-              <a:rPr lang="en-US" altLang="ko-KR" b="0" i="0">
-                <a:solidFill>
-                  <a:srgbClr val="0D0D0D"/>
-                </a:solidFill>
-                <a:effectLst/>
-                <a:highlight>
-                  <a:srgbClr val="FFFFFF"/>
-                </a:highlight>
-                <a:latin typeface="Söhne"/>
-              </a:rPr>
-              <a:t>, </a:t>
-            </a:r>
-            <a:r>
-              <a:rPr lang="ko-KR" altLang="en-US" b="0" i="0">
-                <a:solidFill>
-                  <a:srgbClr val="0D0D0D"/>
-                </a:solidFill>
-                <a:effectLst/>
-                <a:highlight>
-                  <a:srgbClr val="FFFFFF"/>
-                </a:highlight>
-                <a:latin typeface="Söhne"/>
-              </a:rPr>
-              <a:t>가까운</a:t>
-            </a:r>
-            <a:r>
-              <a:rPr lang="en-US" altLang="ko-KR" b="0" i="0">
-                <a:solidFill>
-                  <a:srgbClr val="0D0D0D"/>
-                </a:solidFill>
-                <a:effectLst/>
-                <a:highlight>
-                  <a:srgbClr val="FFFFFF"/>
-                </a:highlight>
-                <a:latin typeface="Söhne"/>
-              </a:rPr>
-              <a:t>, </a:t>
-            </a:r>
-            <a:r>
-              <a:rPr lang="ko-KR" altLang="en-US" b="0" i="0">
-                <a:solidFill>
-                  <a:srgbClr val="0D0D0D"/>
-                </a:solidFill>
-                <a:effectLst/>
-                <a:highlight>
-                  <a:srgbClr val="FFFFFF"/>
-                </a:highlight>
-                <a:latin typeface="Söhne"/>
-              </a:rPr>
-              <a:t>먼 클리핑 평면의 경계를 나타냅니다</a:t>
-            </a:r>
-            <a:r>
-              <a:rPr lang="en-US" altLang="ko-KR" b="0" i="0">
-                <a:solidFill>
-                  <a:srgbClr val="0D0D0D"/>
-                </a:solidFill>
-                <a:effectLst/>
-                <a:highlight>
-                  <a:srgbClr val="FFFFFF"/>
-                </a:highlight>
-                <a:latin typeface="Söhne"/>
+                <a:effectLst/>
+                <a:latin typeface="Arial" panose="020B0604020202020204" pitchFamily="34" charset="0"/>
+              </a:rPr>
+              <a:t>서로 평행하게 유지됩니다</a:t>
+            </a:r>
+            <a:r>
+              <a:rPr lang="en-US" altLang="ko-KR" b="0" i="0">
+                <a:effectLst/>
+                <a:latin typeface="Arial" panose="020B0604020202020204" pitchFamily="34" charset="0"/>
+              </a:rPr>
+              <a:t>. </a:t>
+            </a:r>
+            <a:r>
+              <a:rPr lang="ko-KR" altLang="en-US" b="0" i="0">
+                <a:effectLst/>
+                <a:latin typeface="Arial" panose="020B0604020202020204" pitchFamily="34" charset="0"/>
+              </a:rPr>
+              <a:t>즉 평행하므로 소실점이 없기때문에 원근감이 없어 보입니다</a:t>
+            </a:r>
+            <a:r>
+              <a:rPr lang="en-US" altLang="ko-KR" b="0" i="0">
+                <a:effectLst/>
+                <a:latin typeface="Arial" panose="020B0604020202020204" pitchFamily="34" charset="0"/>
               </a:rPr>
               <a:t>.</a:t>
             </a:r>
           </a:p>
           <a:p>
-            <a:pPr algn="l" fontAlgn="base"/>
-            <a:r>
-              <a:rPr lang="ko-KR" altLang="en-US" b="0" i="0">
-                <a:solidFill>
-                  <a:srgbClr val="0D0D0D"/>
-                </a:solidFill>
-                <a:effectLst/>
-                <a:highlight>
-                  <a:srgbClr val="FFFFFF"/>
-                </a:highlight>
-                <a:latin typeface="Söhne"/>
-              </a:rPr>
-              <a:t>원점을 카메라 중앙에 둔다면</a:t>
-            </a:r>
-            <a:r>
-              <a:rPr lang="en-US" altLang="ko-KR" b="0" i="0">
-                <a:solidFill>
-                  <a:srgbClr val="444444"/>
-                </a:solidFill>
-                <a:effectLst/>
-                <a:highlight>
-                  <a:srgbClr val="FFFFFF"/>
-                </a:highlight>
-                <a:latin typeface="se-nanumgothic"/>
-              </a:rPr>
-              <a:t>, R-L = 2R / T - B = 2T</a:t>
-            </a:r>
-            <a:r>
-              <a:rPr lang="ko-KR" altLang="en-US" b="0" i="0">
-                <a:solidFill>
-                  <a:srgbClr val="444444"/>
-                </a:solidFill>
-                <a:effectLst/>
-                <a:highlight>
-                  <a:srgbClr val="FFFFFF"/>
-                </a:highlight>
-                <a:latin typeface="se-nanumgothic"/>
-              </a:rPr>
-              <a:t>가 적용 가능하므로 이런식으로 간략화가 가능합니다</a:t>
-            </a:r>
-            <a:r>
-              <a:rPr lang="en-US" altLang="ko-KR" b="0" i="0">
-                <a:solidFill>
-                  <a:srgbClr val="444444"/>
-                </a:solidFill>
-                <a:effectLst/>
-                <a:highlight>
-                  <a:srgbClr val="FFFFFF"/>
-                </a:highlight>
-                <a:latin typeface="se-nanumgothic"/>
-              </a:rPr>
-              <a:t>.</a:t>
-            </a:r>
-            <a:endParaRPr lang="ko-KR" altLang="en-US" b="0" i="0">
-              <a:solidFill>
-                <a:srgbClr val="444444"/>
-              </a:solidFill>
-              <a:effectLst/>
-              <a:highlight>
-                <a:srgbClr val="FFFFFF"/>
-              </a:highlight>
-              <a:latin typeface="inherit"/>
-            </a:endParaRPr>
-          </a:p>
-          <a:p>
-            <a:br>
-              <a:rPr lang="ko-KR" altLang="en-US"/>
-            </a:br>
+            <a:pPr algn="l">
+              <a:buFont typeface="Arial" panose="020B0604020202020204" pitchFamily="34" charset="0"/>
+              <a:buNone/>
+            </a:pPr>
+            <a:r>
+              <a:rPr lang="en-US" altLang="ko-KR" b="0" i="0">
+                <a:effectLst/>
+                <a:latin typeface="Arial" panose="020B0604020202020204" pitchFamily="34" charset="0"/>
+              </a:rPr>
+              <a:t>(</a:t>
+            </a:r>
+            <a:r>
+              <a:rPr lang="ko-KR" altLang="en-US" b="0" i="0">
+                <a:effectLst/>
+                <a:latin typeface="Arial" panose="020B0604020202020204" pitchFamily="34" charset="0"/>
+              </a:rPr>
+              <a:t>소실점</a:t>
+            </a:r>
+            <a:r>
+              <a:rPr lang="en-US" altLang="ko-KR" b="0" i="0">
+                <a:effectLst/>
+                <a:latin typeface="Arial" panose="020B0604020202020204" pitchFamily="34" charset="0"/>
+              </a:rPr>
+              <a:t>:</a:t>
+            </a:r>
+            <a:r>
+              <a:rPr lang="ko-KR" altLang="en-US" b="0" i="0">
+                <a:solidFill>
+                  <a:srgbClr val="E8E8E8"/>
+                </a:solidFill>
+                <a:effectLst/>
+                <a:highlight>
+                  <a:srgbClr val="1F1F1F"/>
+                </a:highlight>
+                <a:latin typeface="Apple SD Gothic Neo"/>
+              </a:rPr>
+              <a:t>멀리서 바라볼 때 평행한 두 직선이 한 점에서 만난 것같이 보이는 점</a:t>
+            </a:r>
+            <a:r>
+              <a:rPr lang="en-US" altLang="ko-KR" b="0" i="0">
+                <a:solidFill>
+                  <a:srgbClr val="E8E8E8"/>
+                </a:solidFill>
+                <a:effectLst/>
+                <a:highlight>
+                  <a:srgbClr val="1F1F1F"/>
+                </a:highlight>
+                <a:latin typeface="Apple SD Gothic Neo"/>
+              </a:rPr>
+              <a:t>)</a:t>
+            </a:r>
             <a:endParaRPr lang="ko-KR" altLang="en-US"/>
           </a:p>
         </p:txBody>
@@ -1942,7 +1575,7 @@
     </p:spTree>
     <p:extLst>
       <p:ext uri="{BB962C8B-B14F-4D97-AF65-F5344CB8AC3E}">
-        <p14:creationId xmlns:p14="http://schemas.microsoft.com/office/powerpoint/2010/main" val="3281830117"/>
+        <p14:creationId xmlns:p14="http://schemas.microsoft.com/office/powerpoint/2010/main" val="3197018636"/>
       </p:ext>
     </p:extLst>
   </p:cSld>
@@ -1996,352 +1629,464 @@
           <a:bodyPr/>
           <a:lstStyle/>
           <a:p>
-            <a:pPr marL="0" marR="0" lvl="0" indent="0" algn="l" defTabSz="914400" rtl="0" eaLnBrk="1" fontAlgn="auto" latinLnBrk="1" hangingPunct="1">
-              <a:lnSpc>
-                <a:spcPct val="100000"/>
-              </a:lnSpc>
-              <a:spcBef>
-                <a:spcPts val="0"/>
-              </a:spcBef>
-              <a:spcAft>
-                <a:spcPts val="0"/>
-              </a:spcAft>
-              <a:buClrTx/>
-              <a:buSzTx/>
-              <a:buFontTx/>
+            <a:pPr algn="l">
+              <a:buFont typeface="Arial" panose="020B0604020202020204" pitchFamily="34" charset="0"/>
               <a:buNone/>
-              <a:tabLst/>
-              <a:defRPr/>
             </a:pPr>
             <a:r>
-              <a:rPr lang="ko-KR" altLang="en-US"/>
-              <a:t>원근</a:t>
-            </a:r>
-            <a:r>
-              <a:rPr lang="en-US" altLang="ko-KR"/>
-              <a:t> </a:t>
-            </a:r>
-            <a:r>
-              <a:rPr lang="ko-KR" altLang="en-US"/>
-              <a:t>투영은 뷰 볼륨이 원금감 있는 절두체</a:t>
-            </a:r>
-            <a:r>
-              <a:rPr lang="en-US" altLang="ko-KR"/>
+              <a:rPr lang="ko-KR" altLang="en-US" b="0" i="0">
+                <a:solidFill>
+                  <a:srgbClr val="0D0D0D"/>
+                </a:solidFill>
+                <a:effectLst/>
+                <a:highlight>
+                  <a:srgbClr val="FFFFFF"/>
+                </a:highlight>
+                <a:latin typeface="Söhne"/>
+              </a:rPr>
+              <a:t>직교 투영 행렬은 </a:t>
+            </a:r>
+            <a:r>
+              <a:rPr lang="en-US" altLang="ko-KR" b="0" i="0">
+                <a:solidFill>
+                  <a:srgbClr val="0D0D0D"/>
+                </a:solidFill>
+                <a:effectLst/>
+                <a:highlight>
+                  <a:srgbClr val="FFFFFF"/>
+                </a:highlight>
+                <a:latin typeface="Söhne"/>
+              </a:rPr>
+              <a:t>3D </a:t>
+            </a:r>
+            <a:r>
+              <a:rPr lang="ko-KR" altLang="en-US" b="0" i="0">
+                <a:solidFill>
+                  <a:srgbClr val="0D0D0D"/>
+                </a:solidFill>
+                <a:effectLst/>
+                <a:highlight>
+                  <a:srgbClr val="FFFFFF"/>
+                </a:highlight>
+                <a:latin typeface="Söhne"/>
+              </a:rPr>
+              <a:t>공간의 객체를 </a:t>
+            </a:r>
+            <a:r>
+              <a:rPr lang="en-US" altLang="ko-KR" b="0" i="0">
+                <a:solidFill>
+                  <a:srgbClr val="0D0D0D"/>
+                </a:solidFill>
+                <a:effectLst/>
+                <a:highlight>
+                  <a:srgbClr val="FFFFFF"/>
+                </a:highlight>
+                <a:latin typeface="Söhne"/>
+              </a:rPr>
+              <a:t>2D </a:t>
+            </a:r>
+            <a:r>
+              <a:rPr lang="ko-KR" altLang="en-US" b="0" i="0">
+                <a:solidFill>
+                  <a:srgbClr val="0D0D0D"/>
+                </a:solidFill>
+                <a:effectLst/>
+                <a:highlight>
+                  <a:srgbClr val="FFFFFF"/>
+                </a:highlight>
+                <a:latin typeface="Söhne"/>
+              </a:rPr>
+              <a:t>평면에 투영하기 위해 사용됩니다</a:t>
+            </a:r>
+            <a:r>
+              <a:rPr lang="en-US" altLang="ko-KR" b="0" i="0">
+                <a:solidFill>
+                  <a:srgbClr val="0D0D0D"/>
+                </a:solidFill>
+                <a:effectLst/>
+                <a:highlight>
+                  <a:srgbClr val="FFFFFF"/>
+                </a:highlight>
+                <a:latin typeface="Söhne"/>
+              </a:rPr>
+              <a:t>. </a:t>
+            </a:r>
+          </a:p>
+          <a:p>
+            <a:pPr algn="l">
+              <a:buFont typeface="Arial" panose="020B0604020202020204" pitchFamily="34" charset="0"/>
+              <a:buNone/>
+            </a:pPr>
+            <a:r>
+              <a:rPr lang="ko-KR" altLang="en-US" b="0" i="0">
+                <a:solidFill>
+                  <a:srgbClr val="0D0D0D"/>
+                </a:solidFill>
+                <a:effectLst/>
+                <a:highlight>
+                  <a:srgbClr val="FFFFFF"/>
+                </a:highlight>
+                <a:latin typeface="Söhne"/>
+              </a:rPr>
+              <a:t>이 행렬은 주로 </a:t>
+            </a:r>
+            <a:r>
+              <a:rPr lang="en-US" altLang="ko-KR" b="0" i="0">
+                <a:solidFill>
+                  <a:srgbClr val="0D0D0D"/>
+                </a:solidFill>
+                <a:effectLst/>
+                <a:highlight>
+                  <a:srgbClr val="FFFFFF"/>
+                </a:highlight>
+                <a:latin typeface="Söhne"/>
+              </a:rPr>
+              <a:t>3</a:t>
+            </a:r>
+            <a:r>
+              <a:rPr lang="ko-KR" altLang="en-US" b="0" i="0">
+                <a:solidFill>
+                  <a:srgbClr val="0D0D0D"/>
+                </a:solidFill>
+                <a:effectLst/>
+                <a:highlight>
+                  <a:srgbClr val="FFFFFF"/>
+                </a:highlight>
+                <a:latin typeface="Söhne"/>
+              </a:rPr>
+              <a:t>차원 좌표에서 </a:t>
+            </a:r>
+            <a:r>
+              <a:rPr lang="ko-KR" altLang="en-US" b="0" i="0">
+                <a:solidFill>
+                  <a:srgbClr val="0D0D0D"/>
+                </a:solidFill>
+                <a:effectLst/>
+                <a:highlight>
+                  <a:srgbClr val="FFFFFF"/>
+                </a:highlight>
+                <a:latin typeface="KaTeX_Main"/>
+              </a:rPr>
+              <a:t>𝑧</a:t>
+            </a:r>
+            <a:r>
+              <a:rPr lang="ko-KR" altLang="en-US" b="0" i="0">
+                <a:solidFill>
+                  <a:srgbClr val="0D0D0D"/>
+                </a:solidFill>
+                <a:effectLst/>
+                <a:highlight>
+                  <a:srgbClr val="FFFFFF"/>
+                </a:highlight>
+                <a:latin typeface="Söhne"/>
+              </a:rPr>
+              <a:t> 축 정보를 제거하거나 무시하여 원근감을 없애고</a:t>
+            </a:r>
+            <a:r>
+              <a:rPr lang="en-US" altLang="ko-KR" b="0" i="0">
+                <a:solidFill>
+                  <a:srgbClr val="0D0D0D"/>
+                </a:solidFill>
+                <a:effectLst/>
+                <a:highlight>
+                  <a:srgbClr val="FFFFFF"/>
+                </a:highlight>
+                <a:latin typeface="Söhne"/>
+              </a:rPr>
+              <a:t>, </a:t>
+            </a:r>
+            <a:r>
+              <a:rPr lang="ko-KR" altLang="en-US" b="0" i="0">
+                <a:solidFill>
+                  <a:srgbClr val="0D0D0D"/>
+                </a:solidFill>
+                <a:effectLst/>
+                <a:highlight>
+                  <a:srgbClr val="FFFFFF"/>
+                </a:highlight>
+                <a:latin typeface="Söhne"/>
+              </a:rPr>
+              <a:t>모든 객체를 동일한 크기로 평면에 표현하기 위해 사용됩니다</a:t>
+            </a:r>
+            <a:r>
+              <a:rPr lang="en-US" altLang="ko-KR" b="0" i="0">
+                <a:solidFill>
+                  <a:srgbClr val="0D0D0D"/>
+                </a:solidFill>
+                <a:effectLst/>
+                <a:highlight>
+                  <a:srgbClr val="FFFFFF"/>
+                </a:highlight>
+                <a:latin typeface="Söhne"/>
+              </a:rPr>
+              <a:t>.</a:t>
+            </a:r>
+          </a:p>
+          <a:p>
+            <a:pPr algn="l">
+              <a:buFont typeface="Arial" panose="020B0604020202020204" pitchFamily="34" charset="0"/>
+              <a:buNone/>
+            </a:pPr>
+            <a:r>
+              <a:rPr lang="ko-KR" altLang="en-US" b="0" i="0">
+                <a:solidFill>
+                  <a:srgbClr val="0D0D0D"/>
+                </a:solidFill>
+                <a:effectLst/>
+                <a:highlight>
+                  <a:srgbClr val="FFFFFF"/>
+                </a:highlight>
+                <a:latin typeface="Söhne"/>
+              </a:rPr>
+              <a:t>해당 행렬이 직교 투영 행렬인데 다음과 같이 </a:t>
+            </a:r>
+            <a:r>
+              <a:rPr lang="en-US" altLang="ko-KR" b="0" i="0">
+                <a:solidFill>
+                  <a:srgbClr val="0D0D0D"/>
+                </a:solidFill>
+                <a:effectLst/>
+                <a:highlight>
+                  <a:srgbClr val="FFFFFF"/>
+                </a:highlight>
+                <a:latin typeface="Söhne"/>
+              </a:rPr>
+              <a:t>3</a:t>
+            </a:r>
+            <a:r>
+              <a:rPr lang="ko-KR" altLang="en-US" b="0" i="0">
+                <a:solidFill>
+                  <a:srgbClr val="0D0D0D"/>
+                </a:solidFill>
+                <a:effectLst/>
+                <a:highlight>
+                  <a:srgbClr val="FFFFFF"/>
+                </a:highlight>
+                <a:latin typeface="Söhne"/>
+              </a:rPr>
+              <a:t>차원 점 </a:t>
+            </a:r>
+            <a:r>
+              <a:rPr lang="en-US" altLang="ko-KR" b="0" i="0">
+                <a:solidFill>
+                  <a:srgbClr val="0D0D0D"/>
+                </a:solidFill>
+                <a:effectLst/>
+                <a:highlight>
+                  <a:srgbClr val="FFFFFF"/>
+                </a:highlight>
+                <a:latin typeface="KaTeX_Main"/>
+              </a:rPr>
               <a:t>(</a:t>
             </a:r>
             <a:r>
-              <a:rPr lang="ko-KR" altLang="en-US"/>
-              <a:t>프러스텀</a:t>
-            </a:r>
-            <a:r>
-              <a:rPr lang="en-US" altLang="ko-KR"/>
-              <a:t>)</a:t>
-            </a:r>
-            <a:r>
-              <a:rPr lang="ko-KR" altLang="en-US"/>
-              <a:t>형태로 정의가 되어있습니다</a:t>
-            </a:r>
-            <a:r>
-              <a:rPr lang="en-US" altLang="ko-KR"/>
+              <a:rPr lang="ko-KR" altLang="en-US" b="0" i="0">
+                <a:solidFill>
+                  <a:srgbClr val="0D0D0D"/>
+                </a:solidFill>
+                <a:effectLst/>
+                <a:highlight>
+                  <a:srgbClr val="FFFFFF"/>
+                </a:highlight>
+                <a:latin typeface="KaTeX_Main"/>
+              </a:rPr>
+              <a:t>𝑥</a:t>
+            </a:r>
+            <a:r>
+              <a:rPr lang="en-US" altLang="ko-KR" b="0" i="0">
+                <a:solidFill>
+                  <a:srgbClr val="0D0D0D"/>
+                </a:solidFill>
+                <a:effectLst/>
+                <a:highlight>
+                  <a:srgbClr val="FFFFFF"/>
+                </a:highlight>
+                <a:latin typeface="KaTeX_Main"/>
+              </a:rPr>
+              <a:t>,</a:t>
+            </a:r>
+            <a:r>
+              <a:rPr lang="ko-KR" altLang="en-US" b="0" i="0">
+                <a:solidFill>
+                  <a:srgbClr val="0D0D0D"/>
+                </a:solidFill>
+                <a:effectLst/>
+                <a:highlight>
+                  <a:srgbClr val="FFFFFF"/>
+                </a:highlight>
+                <a:latin typeface="KaTeX_Main"/>
+              </a:rPr>
+              <a:t>𝑦</a:t>
+            </a:r>
+            <a:r>
+              <a:rPr lang="en-US" altLang="ko-KR" b="0" i="0">
+                <a:solidFill>
+                  <a:srgbClr val="0D0D0D"/>
+                </a:solidFill>
+                <a:effectLst/>
+                <a:highlight>
+                  <a:srgbClr val="FFFFFF"/>
+                </a:highlight>
+                <a:latin typeface="KaTeX_Main"/>
+              </a:rPr>
+              <a:t>,</a:t>
+            </a:r>
+            <a:r>
+              <a:rPr lang="ko-KR" altLang="en-US" b="0" i="0">
+                <a:solidFill>
+                  <a:srgbClr val="0D0D0D"/>
+                </a:solidFill>
+                <a:effectLst/>
+                <a:highlight>
+                  <a:srgbClr val="FFFFFF"/>
+                </a:highlight>
+                <a:latin typeface="KaTeX_Main"/>
+              </a:rPr>
+              <a:t>𝑧</a:t>
+            </a:r>
+            <a:r>
+              <a:rPr lang="en-US" altLang="ko-KR" b="0" i="0">
+                <a:solidFill>
+                  <a:srgbClr val="0D0D0D"/>
+                </a:solidFill>
+                <a:effectLst/>
+                <a:highlight>
+                  <a:srgbClr val="FFFFFF"/>
+                </a:highlight>
+                <a:latin typeface="KaTeX_Main"/>
+              </a:rPr>
+              <a:t>,1)</a:t>
+            </a:r>
+            <a:r>
+              <a:rPr lang="ko-KR" altLang="en-US" b="0" i="0">
+                <a:solidFill>
+                  <a:srgbClr val="0D0D0D"/>
+                </a:solidFill>
+                <a:effectLst/>
+                <a:highlight>
+                  <a:srgbClr val="FFFFFF"/>
+                </a:highlight>
+                <a:latin typeface="Söhne"/>
+              </a:rPr>
+              <a:t>을 </a:t>
+            </a:r>
+            <a:r>
+              <a:rPr lang="en-US" altLang="ko-KR" b="0" i="0">
+                <a:solidFill>
+                  <a:srgbClr val="0D0D0D"/>
+                </a:solidFill>
+                <a:effectLst/>
+                <a:highlight>
+                  <a:srgbClr val="FFFFFF"/>
+                </a:highlight>
+                <a:latin typeface="Söhne"/>
+              </a:rPr>
+              <a:t>2</a:t>
+            </a:r>
+            <a:r>
+              <a:rPr lang="ko-KR" altLang="en-US" b="0" i="0">
+                <a:solidFill>
+                  <a:srgbClr val="0D0D0D"/>
+                </a:solidFill>
+                <a:effectLst/>
+                <a:highlight>
+                  <a:srgbClr val="FFFFFF"/>
+                </a:highlight>
+                <a:latin typeface="Söhne"/>
+              </a:rPr>
+              <a:t>차원 평면 </a:t>
+            </a:r>
+            <a:r>
+              <a:rPr lang="en-US" altLang="ko-KR" b="0" i="0">
+                <a:solidFill>
+                  <a:srgbClr val="0D0D0D"/>
+                </a:solidFill>
+                <a:effectLst/>
+                <a:highlight>
+                  <a:srgbClr val="FFFFFF"/>
+                </a:highlight>
+                <a:latin typeface="KaTeX_Main"/>
+              </a:rPr>
+              <a:t>(</a:t>
+            </a:r>
+            <a:r>
+              <a:rPr lang="en-US" altLang="ko-KR" b="0" i="1">
+                <a:solidFill>
+                  <a:srgbClr val="0D0D0D"/>
+                </a:solidFill>
+                <a:effectLst/>
+                <a:highlight>
+                  <a:srgbClr val="FFFFFF"/>
+                </a:highlight>
+                <a:latin typeface="KaTeX_Math"/>
+              </a:rPr>
+              <a:t>x</a:t>
+            </a:r>
+            <a:r>
+              <a:rPr lang="en-US" altLang="ko-KR" b="0" i="0">
+                <a:solidFill>
+                  <a:srgbClr val="0D0D0D"/>
+                </a:solidFill>
+                <a:effectLst/>
+                <a:highlight>
+                  <a:srgbClr val="FFFFFF"/>
+                </a:highlight>
+                <a:latin typeface="KaTeX_Main"/>
+              </a:rPr>
+              <a:t>,</a:t>
+            </a:r>
+            <a:r>
+              <a:rPr lang="en-US" altLang="ko-KR" b="0" i="1">
+                <a:solidFill>
+                  <a:srgbClr val="0D0D0D"/>
+                </a:solidFill>
+                <a:effectLst/>
+                <a:highlight>
+                  <a:srgbClr val="FFFFFF"/>
+                </a:highlight>
+                <a:latin typeface="KaTeX_Math"/>
+              </a:rPr>
+              <a:t>y</a:t>
+            </a:r>
+            <a:r>
+              <a:rPr lang="en-US" altLang="ko-KR" b="0" i="0">
+                <a:solidFill>
+                  <a:srgbClr val="0D0D0D"/>
+                </a:solidFill>
+                <a:effectLst/>
+                <a:highlight>
+                  <a:srgbClr val="FFFFFF"/>
+                </a:highlight>
+                <a:latin typeface="KaTeX_Main"/>
+              </a:rPr>
+              <a:t>,0,1)</a:t>
+            </a:r>
+            <a:r>
+              <a:rPr lang="ko-KR" altLang="en-US" b="0" i="0">
+                <a:solidFill>
+                  <a:srgbClr val="0D0D0D"/>
+                </a:solidFill>
+                <a:effectLst/>
+                <a:highlight>
+                  <a:srgbClr val="FFFFFF"/>
+                </a:highlight>
+                <a:latin typeface="Söhne"/>
+              </a:rPr>
+              <a:t>으로 투영하는 과정입니다</a:t>
+            </a:r>
+            <a:r>
+              <a:rPr lang="en-US" altLang="ko-KR" b="0" i="0">
+                <a:solidFill>
+                  <a:srgbClr val="0D0D0D"/>
+                </a:solidFill>
+                <a:effectLst/>
+                <a:highlight>
+                  <a:srgbClr val="FFFFFF"/>
+                </a:highlight>
+                <a:latin typeface="Söhne"/>
+              </a:rPr>
               <a:t>.</a:t>
             </a:r>
-          </a:p>
-          <a:p>
-            <a:pPr marL="0" marR="0" lvl="0" indent="0" algn="l" defTabSz="914400" rtl="0" eaLnBrk="1" fontAlgn="auto" latinLnBrk="1" hangingPunct="1">
-              <a:lnSpc>
-                <a:spcPct val="100000"/>
-              </a:lnSpc>
-              <a:spcBef>
-                <a:spcPts val="0"/>
-              </a:spcBef>
-              <a:spcAft>
-                <a:spcPts val="0"/>
-              </a:spcAft>
-              <a:buClrTx/>
-              <a:buSzTx/>
-              <a:buFontTx/>
-              <a:buNone/>
-              <a:tabLst/>
-              <a:defRPr/>
-            </a:pPr>
-            <a:r>
-              <a:rPr lang="ko-KR" altLang="en-US"/>
-              <a:t>원근투영 행렬은 기본적으로 해당 프러스텀을 다루는 행렬입니다</a:t>
-            </a:r>
-            <a:r>
-              <a:rPr lang="en-US" altLang="ko-KR"/>
-              <a:t>. </a:t>
-            </a:r>
-          </a:p>
-          <a:p>
-            <a:pPr marL="0" marR="0" lvl="0" indent="0" algn="l" defTabSz="914400" rtl="0" eaLnBrk="1" fontAlgn="auto" latinLnBrk="1" hangingPunct="1">
-              <a:lnSpc>
-                <a:spcPct val="100000"/>
-              </a:lnSpc>
-              <a:spcBef>
-                <a:spcPts val="0"/>
-              </a:spcBef>
-              <a:spcAft>
-                <a:spcPts val="0"/>
-              </a:spcAft>
-              <a:buClrTx/>
-              <a:buSzTx/>
-              <a:buFontTx/>
-              <a:buNone/>
-              <a:tabLst/>
-              <a:defRPr/>
-            </a:pPr>
-            <a:r>
-              <a:rPr lang="ko-KR" altLang="en-US"/>
-              <a:t>프러스텀 내에 있는 공간을 </a:t>
-            </a:r>
-            <a:r>
-              <a:rPr lang="en-US" altLang="ko-KR"/>
-              <a:t>NDC</a:t>
-            </a:r>
-            <a:r>
-              <a:rPr lang="ko-KR" altLang="en-US"/>
-              <a:t>라 하는 정육면체 공간으로 변형을 해주는것이 원근 투영 행렬입니다</a:t>
-            </a:r>
-            <a:r>
-              <a:rPr lang="en-US" altLang="ko-KR"/>
-              <a:t>.</a:t>
-            </a:r>
-            <a:endParaRPr lang="ko-KR" altLang="en-US"/>
-          </a:p>
-          <a:p>
-            <a:pPr marL="0" marR="0" lvl="0" indent="0" algn="l" defTabSz="914400" rtl="0" eaLnBrk="1" fontAlgn="auto" latinLnBrk="1" hangingPunct="1">
-              <a:lnSpc>
-                <a:spcPct val="100000"/>
-              </a:lnSpc>
-              <a:spcBef>
-                <a:spcPts val="0"/>
-              </a:spcBef>
-              <a:spcAft>
-                <a:spcPts val="0"/>
-              </a:spcAft>
-              <a:buClrTx/>
-              <a:buSzTx/>
-              <a:buFontTx/>
-              <a:buNone/>
-              <a:tabLst/>
-              <a:defRPr/>
-            </a:pPr>
-            <a:r>
-              <a:rPr lang="ko-KR" altLang="en-US"/>
-              <a:t>해당 투영 또한 </a:t>
-            </a:r>
-            <a:r>
-              <a:rPr lang="ko-KR" altLang="en-US" b="0" i="0">
-                <a:solidFill>
-                  <a:srgbClr val="444444"/>
-                </a:solidFill>
-                <a:effectLst/>
-                <a:highlight>
-                  <a:srgbClr val="FFFFFF"/>
-                </a:highlight>
-                <a:latin typeface="se-nanumgothic"/>
-              </a:rPr>
-              <a:t>뷰볼륨 내의 각 좌표 셋을 </a:t>
-            </a:r>
-            <a:r>
-              <a:rPr lang="en-US" altLang="ko-KR" b="0" i="0">
-                <a:solidFill>
-                  <a:srgbClr val="444444"/>
-                </a:solidFill>
-                <a:effectLst/>
-                <a:highlight>
-                  <a:srgbClr val="FFFFFF"/>
-                </a:highlight>
-                <a:latin typeface="se-nanumgothic"/>
-              </a:rPr>
-              <a:t>Left, Right, Top, Bottom, Near, Far</a:t>
-            </a:r>
-            <a:r>
-              <a:rPr lang="ko-KR" altLang="en-US" b="0" i="0">
-                <a:solidFill>
-                  <a:srgbClr val="444444"/>
-                </a:solidFill>
-                <a:effectLst/>
-                <a:highlight>
-                  <a:srgbClr val="FFFFFF"/>
-                </a:highlight>
-                <a:latin typeface="se-nanumgothic"/>
-              </a:rPr>
-              <a:t>를 이용하여 표현하고</a:t>
-            </a:r>
-            <a:r>
-              <a:rPr lang="en-US" altLang="ko-KR" b="0" i="0">
-                <a:solidFill>
-                  <a:srgbClr val="444444"/>
-                </a:solidFill>
-                <a:effectLst/>
-                <a:highlight>
-                  <a:srgbClr val="FFFFFF"/>
-                </a:highlight>
-                <a:latin typeface="se-nanumgothic"/>
-              </a:rPr>
-              <a:t>, </a:t>
-            </a:r>
-            <a:r>
-              <a:rPr lang="ko-KR" altLang="en-US" b="0" i="0">
-                <a:solidFill>
-                  <a:srgbClr val="444444"/>
-                </a:solidFill>
-                <a:effectLst/>
-                <a:highlight>
-                  <a:srgbClr val="FFFFFF"/>
-                </a:highlight>
-                <a:latin typeface="se-nanumgothic"/>
-              </a:rPr>
-              <a:t>각각 왼쪽 좌표</a:t>
-            </a:r>
-            <a:r>
-              <a:rPr lang="en-US" altLang="ko-KR" b="0" i="0">
-                <a:solidFill>
-                  <a:srgbClr val="444444"/>
-                </a:solidFill>
-                <a:effectLst/>
-                <a:highlight>
-                  <a:srgbClr val="FFFFFF"/>
-                </a:highlight>
-                <a:latin typeface="se-nanumgothic"/>
-              </a:rPr>
-              <a:t>, </a:t>
-            </a:r>
-            <a:r>
-              <a:rPr lang="ko-KR" altLang="en-US" b="0" i="0">
-                <a:solidFill>
-                  <a:srgbClr val="444444"/>
-                </a:solidFill>
-                <a:effectLst/>
-                <a:highlight>
-                  <a:srgbClr val="FFFFFF"/>
-                </a:highlight>
-                <a:latin typeface="se-nanumgothic"/>
-              </a:rPr>
-              <a:t>오른쪽 좌표</a:t>
-            </a:r>
-            <a:r>
-              <a:rPr lang="en-US" altLang="ko-KR" b="0" i="0">
-                <a:solidFill>
-                  <a:srgbClr val="444444"/>
-                </a:solidFill>
-                <a:effectLst/>
-                <a:highlight>
-                  <a:srgbClr val="FFFFFF"/>
-                </a:highlight>
-                <a:latin typeface="se-nanumgothic"/>
-              </a:rPr>
-              <a:t>, </a:t>
-            </a:r>
-            <a:r>
-              <a:rPr lang="ko-KR" altLang="en-US" b="0" i="0">
-                <a:solidFill>
-                  <a:srgbClr val="444444"/>
-                </a:solidFill>
-                <a:effectLst/>
-                <a:highlight>
-                  <a:srgbClr val="FFFFFF"/>
-                </a:highlight>
-                <a:latin typeface="se-nanumgothic"/>
-              </a:rPr>
-              <a:t>상단 좌표</a:t>
-            </a:r>
-            <a:r>
-              <a:rPr lang="en-US" altLang="ko-KR" b="0" i="0">
-                <a:solidFill>
-                  <a:srgbClr val="444444"/>
-                </a:solidFill>
-                <a:effectLst/>
-                <a:highlight>
-                  <a:srgbClr val="FFFFFF"/>
-                </a:highlight>
-                <a:latin typeface="se-nanumgothic"/>
-              </a:rPr>
-              <a:t>, </a:t>
-            </a:r>
-            <a:r>
-              <a:rPr lang="ko-KR" altLang="en-US" b="0" i="0">
-                <a:solidFill>
-                  <a:srgbClr val="444444"/>
-                </a:solidFill>
-                <a:effectLst/>
-                <a:highlight>
-                  <a:srgbClr val="FFFFFF"/>
-                </a:highlight>
-                <a:latin typeface="se-nanumgothic"/>
-              </a:rPr>
-              <a:t>하단 좌표</a:t>
-            </a:r>
-            <a:r>
-              <a:rPr lang="en-US" altLang="ko-KR" b="0" i="0">
-                <a:solidFill>
-                  <a:srgbClr val="444444"/>
-                </a:solidFill>
-                <a:effectLst/>
-                <a:highlight>
-                  <a:srgbClr val="FFFFFF"/>
-                </a:highlight>
-                <a:latin typeface="se-nanumgothic"/>
-              </a:rPr>
-              <a:t>, </a:t>
-            </a:r>
-            <a:r>
-              <a:rPr lang="ko-KR" altLang="en-US" b="0" i="0">
-                <a:solidFill>
-                  <a:srgbClr val="444444"/>
-                </a:solidFill>
-                <a:effectLst/>
-                <a:highlight>
-                  <a:srgbClr val="FFFFFF"/>
-                </a:highlight>
-                <a:latin typeface="se-nanumgothic"/>
-              </a:rPr>
-              <a:t>가까운 평면 좌표</a:t>
-            </a:r>
-            <a:r>
-              <a:rPr lang="en-US" altLang="ko-KR" b="0" i="0">
-                <a:solidFill>
-                  <a:srgbClr val="444444"/>
-                </a:solidFill>
-                <a:effectLst/>
-                <a:highlight>
-                  <a:srgbClr val="FFFFFF"/>
-                </a:highlight>
-                <a:latin typeface="se-nanumgothic"/>
-              </a:rPr>
-              <a:t>, </a:t>
-            </a:r>
-            <a:r>
-              <a:rPr lang="ko-KR" altLang="en-US" b="0" i="0">
-                <a:solidFill>
-                  <a:srgbClr val="444444"/>
-                </a:solidFill>
-                <a:effectLst/>
-                <a:highlight>
-                  <a:srgbClr val="FFFFFF"/>
-                </a:highlight>
-                <a:latin typeface="se-nanumgothic"/>
-              </a:rPr>
-              <a:t>먼 평면 좌표를 뜻합니다</a:t>
-            </a:r>
-            <a:r>
-              <a:rPr lang="en-US" altLang="ko-KR" b="0" i="0">
-                <a:solidFill>
-                  <a:srgbClr val="444444"/>
-                </a:solidFill>
-                <a:effectLst/>
-                <a:highlight>
-                  <a:srgbClr val="FFFFFF"/>
-                </a:highlight>
-                <a:latin typeface="se-nanumgothic"/>
-              </a:rPr>
-              <a:t>.</a:t>
-            </a:r>
-            <a:endParaRPr lang="ko-KR" altLang="en-US"/>
-          </a:p>
-          <a:p>
             <a:endParaRPr lang="ko-KR" altLang="en-US"/>
           </a:p>
         </p:txBody>
@@ -2372,7 +2117,7 @@
     </p:spTree>
     <p:extLst>
       <p:ext uri="{BB962C8B-B14F-4D97-AF65-F5344CB8AC3E}">
-        <p14:creationId xmlns:p14="http://schemas.microsoft.com/office/powerpoint/2010/main" val="4188000605"/>
+        <p14:creationId xmlns:p14="http://schemas.microsoft.com/office/powerpoint/2010/main" val="4197124792"/>
       </p:ext>
     </p:extLst>
   </p:cSld>
@@ -2426,53 +2171,109 @@
           <a:bodyPr/>
           <a:lstStyle/>
           <a:p>
-            <a:r>
-              <a:rPr lang="ko-KR" altLang="en-US" b="0" i="0">
-                <a:solidFill>
-                  <a:srgbClr val="ECECEC"/>
-                </a:solidFill>
-                <a:effectLst/>
-                <a:highlight>
-                  <a:srgbClr val="212121"/>
-                </a:highlight>
-                <a:latin typeface="Söhne"/>
-              </a:rPr>
-              <a:t>해당 행렬이 프러스텀 내에 있는 공간을 </a:t>
-            </a:r>
-            <a:r>
-              <a:rPr lang="en-US" altLang="ko-KR" b="0" i="0">
-                <a:solidFill>
-                  <a:srgbClr val="ECECEC"/>
-                </a:solidFill>
-                <a:effectLst/>
-                <a:highlight>
-                  <a:srgbClr val="212121"/>
-                </a:highlight>
-                <a:latin typeface="Söhne"/>
-              </a:rPr>
-              <a:t>NDC</a:t>
-            </a:r>
-            <a:r>
-              <a:rPr lang="ko-KR" altLang="en-US" b="0" i="0">
-                <a:solidFill>
-                  <a:srgbClr val="ECECEC"/>
-                </a:solidFill>
-                <a:effectLst/>
-                <a:highlight>
-                  <a:srgbClr val="212121"/>
-                </a:highlight>
-                <a:latin typeface="Söhne"/>
-              </a:rPr>
-              <a:t>로 변환하는 행렬인 원근 투영 행렬입니다</a:t>
-            </a:r>
-            <a:r>
-              <a:rPr lang="en-US" altLang="ko-KR" b="0" i="0">
-                <a:solidFill>
-                  <a:srgbClr val="ECECEC"/>
-                </a:solidFill>
-                <a:effectLst/>
-                <a:highlight>
-                  <a:srgbClr val="212121"/>
+            <a:pPr algn="l">
+              <a:buFont typeface="Arial" panose="020B0604020202020204" pitchFamily="34" charset="0"/>
+              <a:buNone/>
+            </a:pPr>
+            <a:r>
+              <a:rPr lang="ko-KR" altLang="en-US" b="0" i="0">
+                <a:solidFill>
+                  <a:srgbClr val="0D0D0D"/>
+                </a:solidFill>
+                <a:effectLst/>
+                <a:highlight>
+                  <a:srgbClr val="FFFFFF"/>
+                </a:highlight>
+                <a:latin typeface="Söhne"/>
+              </a:rPr>
+              <a:t>뷰 볼륨</a:t>
+            </a:r>
+            <a:r>
+              <a:rPr lang="en-US" altLang="ko-KR" b="0" i="0">
+                <a:solidFill>
+                  <a:srgbClr val="0D0D0D"/>
+                </a:solidFill>
+                <a:effectLst/>
+                <a:highlight>
+                  <a:srgbClr val="FFFFFF"/>
+                </a:highlight>
+                <a:latin typeface="Söhne"/>
+              </a:rPr>
+              <a:t>(viewing volume)</a:t>
+            </a:r>
+            <a:r>
+              <a:rPr lang="ko-KR" altLang="en-US" b="0" i="0">
+                <a:solidFill>
+                  <a:srgbClr val="0D0D0D"/>
+                </a:solidFill>
+                <a:effectLst/>
+                <a:highlight>
+                  <a:srgbClr val="FFFFFF"/>
+                </a:highlight>
+                <a:latin typeface="Söhne"/>
+              </a:rPr>
+              <a:t>을 정규화된 뷰 볼륨</a:t>
+            </a:r>
+            <a:r>
+              <a:rPr lang="en-US" altLang="ko-KR" b="0" i="0">
+                <a:solidFill>
+                  <a:srgbClr val="0D0D0D"/>
+                </a:solidFill>
+                <a:effectLst/>
+                <a:highlight>
+                  <a:srgbClr val="FFFFFF"/>
+                </a:highlight>
+                <a:latin typeface="Söhne"/>
+              </a:rPr>
+              <a:t>(normalized viewing volume)</a:t>
+            </a:r>
+            <a:r>
+              <a:rPr lang="ko-KR" altLang="en-US" b="0" i="0">
+                <a:solidFill>
+                  <a:srgbClr val="0D0D0D"/>
+                </a:solidFill>
+                <a:effectLst/>
+                <a:highlight>
+                  <a:srgbClr val="FFFFFF"/>
+                </a:highlight>
+                <a:latin typeface="Söhne"/>
+              </a:rPr>
+              <a:t>으로 변환하여 </a:t>
+            </a:r>
+            <a:r>
+              <a:rPr lang="en-US" altLang="ko-KR" b="0" i="0">
+                <a:solidFill>
+                  <a:srgbClr val="0D0D0D"/>
+                </a:solidFill>
+                <a:effectLst/>
+                <a:highlight>
+                  <a:srgbClr val="FFFFFF"/>
+                </a:highlight>
+                <a:latin typeface="Söhne"/>
+              </a:rPr>
+              <a:t>2</a:t>
+            </a:r>
+            <a:r>
+              <a:rPr lang="ko-KR" altLang="en-US" b="0" i="0">
+                <a:solidFill>
+                  <a:srgbClr val="0D0D0D"/>
+                </a:solidFill>
+                <a:effectLst/>
+                <a:highlight>
+                  <a:srgbClr val="FFFFFF"/>
+                </a:highlight>
+                <a:latin typeface="Söhne"/>
+              </a:rPr>
+              <a:t>차원 평면에 투영하는 과정입니다</a:t>
+            </a:r>
+            <a:r>
+              <a:rPr lang="en-US" altLang="ko-KR" b="0" i="0">
+                <a:solidFill>
+                  <a:srgbClr val="0D0D0D"/>
+                </a:solidFill>
+                <a:effectLst/>
+                <a:highlight>
+                  <a:srgbClr val="FFFFFF"/>
                 </a:highlight>
                 <a:latin typeface="Söhne"/>
               </a:rPr>
@@ -2480,32 +2281,345 @@
             </a:r>
           </a:p>
           <a:p>
-            <a:r>
-              <a:rPr lang="ko-KR" altLang="en-US" b="0" i="0">
-                <a:solidFill>
-                  <a:srgbClr val="ECECEC"/>
-                </a:solidFill>
-                <a:effectLst/>
-                <a:highlight>
-                  <a:srgbClr val="212121"/>
-                </a:highlight>
-                <a:latin typeface="Söhne"/>
-              </a:rPr>
-              <a:t>해당 행렬또한 간략화 시킨다면 다음과 같은 행렬의 모습을 보입니다</a:t>
-            </a:r>
-            <a:r>
-              <a:rPr lang="en-US" altLang="ko-KR" b="0" i="0">
-                <a:solidFill>
-                  <a:srgbClr val="ECECEC"/>
-                </a:solidFill>
-                <a:effectLst/>
-                <a:highlight>
-                  <a:srgbClr val="212121"/>
+            <a:pPr algn="l">
+              <a:buFont typeface="Arial" panose="020B0604020202020204" pitchFamily="34" charset="0"/>
+              <a:buNone/>
+            </a:pPr>
+            <a:r>
+              <a:rPr lang="ko-KR" altLang="en-US" b="0" i="0">
+                <a:solidFill>
+                  <a:srgbClr val="0D0D0D"/>
+                </a:solidFill>
+                <a:effectLst/>
+                <a:highlight>
+                  <a:srgbClr val="FFFFFF"/>
+                </a:highlight>
+                <a:latin typeface="Söhne"/>
+              </a:rPr>
+              <a:t>관측 공간의 중심을 원점으로 이동시키기 위해 이동 행렬을 곱하고</a:t>
+            </a:r>
+            <a:r>
+              <a:rPr lang="en-US" altLang="ko-KR" b="0" i="0">
+                <a:solidFill>
+                  <a:srgbClr val="0D0D0D"/>
+                </a:solidFill>
+                <a:effectLst/>
+                <a:highlight>
+                  <a:srgbClr val="FFFFFF"/>
+                </a:highlight>
+                <a:latin typeface="Söhne"/>
+              </a:rPr>
+              <a:t>, </a:t>
+            </a:r>
+            <a:r>
+              <a:rPr lang="ko-KR" altLang="en-US" b="0" i="0">
+                <a:solidFill>
+                  <a:srgbClr val="0D0D0D"/>
+                </a:solidFill>
+                <a:effectLst/>
+                <a:highlight>
+                  <a:srgbClr val="FFFFFF"/>
+                </a:highlight>
+                <a:latin typeface="Söhne"/>
+              </a:rPr>
+              <a:t>관측 공간의 변을 길이가 </a:t>
+            </a:r>
+            <a:r>
+              <a:rPr lang="en-US" altLang="ko-KR" b="0" i="0">
+                <a:solidFill>
+                  <a:srgbClr val="0D0D0D"/>
+                </a:solidFill>
+                <a:effectLst/>
+                <a:highlight>
+                  <a:srgbClr val="FFFFFF"/>
+                </a:highlight>
+                <a:latin typeface="Söhne"/>
+              </a:rPr>
+              <a:t>2</a:t>
+            </a:r>
+            <a:r>
+              <a:rPr lang="ko-KR" altLang="en-US" b="0" i="0">
+                <a:solidFill>
+                  <a:srgbClr val="0D0D0D"/>
+                </a:solidFill>
+                <a:effectLst/>
+                <a:highlight>
+                  <a:srgbClr val="FFFFFF"/>
+                </a:highlight>
+                <a:latin typeface="Söhne"/>
+              </a:rPr>
+              <a:t>가 되도록 크기 행렬을 곱합니다</a:t>
+            </a:r>
+            <a:r>
+              <a:rPr lang="en-US" altLang="ko-KR" b="0" i="0">
+                <a:solidFill>
+                  <a:srgbClr val="0D0D0D"/>
+                </a:solidFill>
+                <a:effectLst/>
+                <a:highlight>
+                  <a:srgbClr val="FFFFFF"/>
                 </a:highlight>
                 <a:latin typeface="Söhne"/>
               </a:rPr>
               <a:t>.</a:t>
             </a:r>
+          </a:p>
+          <a:p>
+            <a:pPr algn="l">
+              <a:buFont typeface="Arial" panose="020B0604020202020204" pitchFamily="34" charset="0"/>
+              <a:buNone/>
+            </a:pPr>
+            <a:r>
+              <a:rPr lang="ko-KR" altLang="en-US" b="0" i="0">
+                <a:solidFill>
+                  <a:srgbClr val="0D0D0D"/>
+                </a:solidFill>
+                <a:effectLst/>
+                <a:highlight>
+                  <a:srgbClr val="FFFFFF"/>
+                </a:highlight>
+                <a:latin typeface="Söhne"/>
+              </a:rPr>
+              <a:t>이렇게 정규화 한다면 </a:t>
+            </a:r>
+            <a:r>
+              <a:rPr lang="en-US" altLang="ko-KR" b="0" i="0">
+                <a:solidFill>
+                  <a:srgbClr val="0D0D0D"/>
+                </a:solidFill>
+                <a:effectLst/>
+                <a:highlight>
+                  <a:srgbClr val="FFFFFF"/>
+                </a:highlight>
+                <a:latin typeface="Söhne"/>
+              </a:rPr>
+              <a:t>-1,0,1</a:t>
+            </a:r>
+            <a:r>
+              <a:rPr lang="ko-KR" altLang="en-US" b="0" i="0">
+                <a:solidFill>
+                  <a:srgbClr val="0D0D0D"/>
+                </a:solidFill>
+                <a:effectLst/>
+                <a:highlight>
+                  <a:srgbClr val="FFFFFF"/>
+                </a:highlight>
+                <a:latin typeface="Söhne"/>
+              </a:rPr>
+              <a:t>의 범위를 가지고 있는 정육면체 모양을 이루고</a:t>
+            </a:r>
+            <a:r>
+              <a:rPr lang="en-US" altLang="ko-KR" b="0" i="0">
+                <a:solidFill>
+                  <a:srgbClr val="0D0D0D"/>
+                </a:solidFill>
+                <a:effectLst/>
+                <a:highlight>
+                  <a:srgbClr val="FFFFFF"/>
+                </a:highlight>
+                <a:latin typeface="Söhne"/>
+              </a:rPr>
+              <a:t>, -1,1 </a:t>
+            </a:r>
+            <a:r>
+              <a:rPr lang="ko-KR" altLang="en-US" b="0" i="0">
+                <a:solidFill>
+                  <a:srgbClr val="0D0D0D"/>
+                </a:solidFill>
+                <a:effectLst/>
+                <a:highlight>
+                  <a:srgbClr val="FFFFFF"/>
+                </a:highlight>
+                <a:latin typeface="Söhne"/>
+              </a:rPr>
+              <a:t>범위를 벗어나는 좌표는 쉽게 제거 즉 클리핑이 가능하고 조금 더 쉽게 계산될 수 있습니다</a:t>
+            </a:r>
+            <a:r>
+              <a:rPr lang="en-US" altLang="ko-KR" b="0" i="0">
+                <a:solidFill>
+                  <a:srgbClr val="0D0D0D"/>
+                </a:solidFill>
+                <a:effectLst/>
+                <a:highlight>
+                  <a:srgbClr val="FFFFFF"/>
+                </a:highlight>
+                <a:latin typeface="Söhne"/>
+              </a:rPr>
+              <a:t>.</a:t>
+            </a:r>
+          </a:p>
+          <a:p>
+            <a:pPr algn="l">
+              <a:buFont typeface="Arial" panose="020B0604020202020204" pitchFamily="34" charset="0"/>
+              <a:buNone/>
+            </a:pPr>
+            <a:endParaRPr lang="en-US" altLang="ko-KR" b="0" i="0">
+              <a:solidFill>
+                <a:srgbClr val="0D0D0D"/>
+              </a:solidFill>
+              <a:effectLst/>
+              <a:highlight>
+                <a:srgbClr val="FFFFFF"/>
+              </a:highlight>
+              <a:latin typeface="Söhne"/>
+            </a:endParaRPr>
+          </a:p>
+          <a:p>
+            <a:endParaRPr lang="en-US" altLang="ko-KR"/>
+          </a:p>
+          <a:p>
+            <a:r>
+              <a:rPr lang="en-US" altLang="ko-KR"/>
+              <a:t>(</a:t>
+            </a:r>
+            <a:r>
+              <a:rPr lang="ko-KR" altLang="en-US"/>
+              <a:t>클리핑 공간</a:t>
+            </a:r>
+            <a:r>
+              <a:rPr lang="en-US" altLang="ko-KR"/>
+              <a:t>:  3D </a:t>
+            </a:r>
+            <a:r>
+              <a:rPr lang="ko-KR" altLang="en-US"/>
+              <a:t>공간에 있는 객체를 </a:t>
+            </a:r>
+            <a:r>
+              <a:rPr lang="en-US" altLang="ko-KR"/>
+              <a:t>2D </a:t>
+            </a:r>
+            <a:r>
+              <a:rPr lang="ko-KR" altLang="en-US"/>
+              <a:t>화면으로 투영할 때</a:t>
+            </a:r>
+            <a:r>
+              <a:rPr lang="en-US" altLang="ko-KR"/>
+              <a:t>, </a:t>
+            </a:r>
+            <a:r>
+              <a:rPr lang="ko-KR" altLang="en-US"/>
+              <a:t>특정 범위 밖의 객체를 잘라내는 과정을 의미합니다</a:t>
+            </a:r>
+            <a:r>
+              <a:rPr lang="en-US" altLang="ko-KR"/>
+              <a:t>1. </a:t>
+            </a:r>
+            <a:r>
+              <a:rPr lang="ko-KR" altLang="en-US"/>
+              <a:t>이 과정은 불필요한 렌더링을 방지하고</a:t>
+            </a:r>
+            <a:r>
+              <a:rPr lang="en-US" altLang="ko-KR"/>
+              <a:t>, </a:t>
+            </a:r>
+            <a:r>
+              <a:rPr lang="ko-KR" altLang="en-US"/>
+              <a:t>시야 밖의 객체를 제거하여 계산 효율성을 높이는 데 도움이 됩니다</a:t>
+            </a:r>
+            <a:endParaRPr lang="en-US" altLang="ko-KR"/>
+          </a:p>
+          <a:p>
+            <a:r>
+              <a:rPr lang="ko-KR" altLang="en-US"/>
+              <a:t>클리핑 공간은 보통 투영 행렬을 적용한 후에 생성되며</a:t>
+            </a:r>
+            <a:r>
+              <a:rPr lang="en-US" altLang="ko-KR"/>
+              <a:t>, </a:t>
+            </a:r>
+            <a:r>
+              <a:rPr lang="ko-KR" altLang="en-US"/>
+              <a:t>이 공간에서 벗어난 모든 좌표는 클리핑</a:t>
+            </a:r>
+            <a:r>
+              <a:rPr lang="en-US" altLang="ko-KR"/>
+              <a:t>(</a:t>
+            </a:r>
+            <a:r>
+              <a:rPr lang="ko-KR" altLang="en-US"/>
+              <a:t>자르기</a:t>
+            </a:r>
+            <a:r>
+              <a:rPr lang="en-US" altLang="ko-KR"/>
+              <a:t>)</a:t>
+            </a:r>
+            <a:r>
+              <a:rPr lang="ko-KR" altLang="en-US"/>
+              <a:t>되어 폐기됩니다</a:t>
+            </a:r>
+            <a:r>
+              <a:rPr lang="en-US" altLang="ko-KR"/>
+              <a:t> </a:t>
+            </a:r>
+            <a:r>
+              <a:rPr lang="ko-KR" altLang="en-US"/>
+              <a:t>남은 좌표들은 최종적으로 프래그먼트가 되어 화면에 보이게 됩니다</a:t>
+            </a:r>
+            <a:r>
+              <a:rPr lang="en-US" altLang="ko-KR"/>
+              <a:t>)</a:t>
+            </a:r>
+          </a:p>
+          <a:p>
+            <a:endParaRPr lang="en-US" altLang="ko-KR"/>
+          </a:p>
+          <a:p>
+            <a:r>
+              <a:rPr lang="ko-KR" altLang="en-US"/>
+              <a:t>프래그먼트</a:t>
+            </a:r>
+            <a:r>
+              <a:rPr lang="en-US" altLang="ko-KR"/>
+              <a:t>: </a:t>
+            </a:r>
+            <a:r>
+              <a:rPr lang="ko-KR" altLang="en-US"/>
+              <a:t>렌더링 파이프라인의 마지막 단계에서 픽셀 단위로 처리되는 데이터</a:t>
+            </a:r>
+            <a:r>
+              <a:rPr lang="en-US" altLang="ko-KR"/>
+              <a:t>( </a:t>
+            </a:r>
+            <a:r>
+              <a:rPr lang="ko-KR" altLang="en-US"/>
+              <a:t>픽셀에 대한 색상</a:t>
+            </a:r>
+            <a:r>
+              <a:rPr lang="en-US" altLang="ko-KR"/>
+              <a:t>, </a:t>
+            </a:r>
+            <a:r>
+              <a:rPr lang="ko-KR" altLang="en-US"/>
+              <a:t>깊이 등등</a:t>
+            </a:r>
+            <a:r>
+              <a:rPr lang="en-US" altLang="ko-KR"/>
+              <a:t>)</a:t>
+            </a:r>
+            <a:endParaRPr lang="ko-KR" altLang="en-US"/>
+          </a:p>
+          <a:p>
+            <a:pPr algn="l">
+              <a:buFont typeface="Arial" panose="020B0604020202020204" pitchFamily="34" charset="0"/>
+              <a:buNone/>
+            </a:pPr>
+            <a:endParaRPr lang="ko-KR" altLang="en-US"/>
+          </a:p>
+          <a:p>
+            <a:pPr algn="l">
+              <a:buFont typeface="Arial" panose="020B0604020202020204" pitchFamily="34" charset="0"/>
+              <a:buNone/>
+            </a:pPr>
+            <a:endParaRPr lang="en-US" altLang="ko-KR" b="0" i="0">
+              <a:solidFill>
+                <a:srgbClr val="0D0D0D"/>
+              </a:solidFill>
+              <a:effectLst/>
+              <a:highlight>
+                <a:srgbClr val="FFFFFF"/>
+              </a:highlight>
+              <a:latin typeface="Söhne"/>
+            </a:endParaRPr>
           </a:p>
         </p:txBody>
       </p:sp>
@@ -2535,7 +2649,7 @@
     </p:spTree>
     <p:extLst>
       <p:ext uri="{BB962C8B-B14F-4D97-AF65-F5344CB8AC3E}">
-        <p14:creationId xmlns:p14="http://schemas.microsoft.com/office/powerpoint/2010/main" val="348992165"/>
+        <p14:creationId xmlns:p14="http://schemas.microsoft.com/office/powerpoint/2010/main" val="4097756520"/>
       </p:ext>
     </p:extLst>
   </p:cSld>
@@ -2589,9 +2703,69 @@
           <a:bodyPr/>
           <a:lstStyle/>
           <a:p>
+            <a:pPr marL="0" marR="0" lvl="0" indent="0" algn="l" defTabSz="914400" rtl="0" eaLnBrk="1" fontAlgn="auto" latinLnBrk="1" hangingPunct="1">
+              <a:lnSpc>
+                <a:spcPct val="100000"/>
+              </a:lnSpc>
+              <a:spcBef>
+                <a:spcPts val="0"/>
+              </a:spcBef>
+              <a:spcAft>
+                <a:spcPts val="0"/>
+              </a:spcAft>
+              <a:buClrTx/>
+              <a:buSzTx/>
+              <a:buFontTx/>
+              <a:buNone/>
+              <a:tabLst/>
+              <a:defRPr/>
+            </a:pPr>
             <a:r>
               <a:rPr lang="ko-KR" altLang="en-US"/>
-              <a:t>이러한 행렬이 존재하고</a:t>
+              <a:t>원근</a:t>
+            </a:r>
+            <a:r>
+              <a:rPr lang="en-US" altLang="ko-KR"/>
+              <a:t> </a:t>
+            </a:r>
+            <a:r>
+              <a:rPr lang="ko-KR" altLang="en-US"/>
+              <a:t>투영은 절두체 라는 피라미드 형태의 관측 공간을 화면에 투영합니다</a:t>
+            </a:r>
+            <a:r>
+              <a:rPr lang="en-US" altLang="ko-KR"/>
+              <a:t>.</a:t>
+            </a:r>
+          </a:p>
+          <a:p>
+            <a:pPr marL="0" marR="0" lvl="0" indent="0" algn="l" defTabSz="914400" rtl="0" eaLnBrk="1" fontAlgn="auto" latinLnBrk="1" hangingPunct="1">
+              <a:lnSpc>
+                <a:spcPct val="100000"/>
+              </a:lnSpc>
+              <a:spcBef>
+                <a:spcPts val="0"/>
+              </a:spcBef>
+              <a:spcAft>
+                <a:spcPts val="0"/>
+              </a:spcAft>
+              <a:buClrTx/>
+              <a:buSzTx/>
+              <a:buFontTx/>
+              <a:buNone/>
+              <a:tabLst/>
+              <a:defRPr/>
+            </a:pPr>
+            <a:r>
+              <a:rPr lang="ko-KR" altLang="en-US"/>
+              <a:t>객체의 크기는 거리에 따라 변하게 됩니다</a:t>
+            </a:r>
+            <a:r>
+              <a:rPr lang="en-US" altLang="ko-KR"/>
+              <a:t>. </a:t>
+            </a:r>
+            <a:r>
+              <a:rPr lang="ko-KR" altLang="en-US"/>
+              <a:t>이는 투영선이 평행하지 않고</a:t>
             </a:r>
             <a:r>
               <a:rPr lang="en-US" altLang="ko-KR"/>
@@ -2599,23 +2773,7 @@
             </a:r>
             <a:r>
               <a:rPr lang="ko-KR" altLang="en-US"/>
-              <a:t>어떤 벡터인 </a:t>
-            </a:r>
-            <a:r>
-              <a:rPr lang="en-US" altLang="ko-KR"/>
-              <a:t>V</a:t>
-            </a:r>
-            <a:r>
-              <a:rPr lang="ko-KR" altLang="en-US"/>
-              <a:t>를 곱한다면 결과값은 </a:t>
-            </a:r>
-            <a:r>
-              <a:rPr lang="en-US" altLang="ko-KR"/>
-              <a:t>x,y, az+b, -z</a:t>
-            </a:r>
-            <a:r>
-              <a:rPr lang="ko-KR" altLang="en-US"/>
-              <a:t>가 될것입니다</a:t>
+              <a:t>소실점이 존재하기 때문에 먼곳에 있는 객체는 가까이 있는 객체보다 작게 보이는 원근감이 생깁니다</a:t>
             </a:r>
             <a:r>
               <a:rPr lang="en-US" altLang="ko-KR"/>
@@ -2623,71 +2781,24 @@
             </a:r>
           </a:p>
           <a:p>
-            <a:r>
-              <a:rPr lang="en-US" altLang="ko-KR"/>
-              <a:t>-n</a:t>
-            </a:r>
-            <a:r>
-              <a:rPr lang="ko-KR" altLang="en-US"/>
-              <a:t>과 </a:t>
-            </a:r>
-            <a:r>
-              <a:rPr lang="en-US" altLang="ko-KR"/>
-              <a:t>v, f </a:t>
-            </a:r>
-            <a:r>
-              <a:rPr lang="ko-KR" altLang="en-US"/>
-              <a:t>과 </a:t>
-            </a:r>
-            <a:r>
-              <a:rPr lang="en-US" altLang="ko-KR"/>
-              <a:t>ndc </a:t>
-            </a:r>
-            <a:r>
-              <a:rPr lang="ko-KR" altLang="en-US"/>
-              <a:t>공간에 온다면 해당 공간에 존재할것입니다</a:t>
-            </a:r>
-            <a:r>
-              <a:rPr lang="en-US" altLang="ko-KR"/>
-              <a:t>.</a:t>
-            </a:r>
-          </a:p>
-          <a:p>
-            <a:r>
-              <a:rPr lang="ko-KR" altLang="en-US"/>
-              <a:t>해당 행렬은 프러스텀에 해당형태로 존재하는 사각형이 </a:t>
-            </a:r>
-            <a:r>
-              <a:rPr lang="en-US" altLang="ko-KR"/>
-              <a:t>ndc</a:t>
-            </a:r>
-            <a:r>
-              <a:rPr lang="ko-KR" altLang="en-US"/>
-              <a:t>공간으로 이동하게 된다면 뒤쪽이 찌그러진 형태 즉 원근법이 적용된채로 </a:t>
-            </a:r>
-            <a:r>
-              <a:rPr lang="en-US" altLang="ko-KR"/>
-              <a:t>ndc </a:t>
-            </a:r>
-            <a:r>
-              <a:rPr lang="ko-KR" altLang="en-US"/>
-              <a:t>공간에 이동을 하게 하기 위해 구하는 행렬입니다</a:t>
-            </a:r>
-            <a:r>
-              <a:rPr lang="en-US" altLang="ko-KR"/>
-              <a:t>.</a:t>
-            </a:r>
-          </a:p>
-          <a:p>
-            <a:r>
-              <a:rPr lang="ko-KR" altLang="en-US"/>
-              <a:t>방정식은 해당 행렬의 풀이 과정입니다</a:t>
-            </a:r>
-            <a:r>
-              <a:rPr lang="en-US" altLang="ko-KR"/>
-              <a:t>.</a:t>
-            </a:r>
-            <a:endParaRPr lang="ko-KR" altLang="en-US"/>
+            <a:pPr marL="0" marR="0" lvl="0" indent="0" algn="l" defTabSz="914400" rtl="0" eaLnBrk="1" fontAlgn="auto" latinLnBrk="1" hangingPunct="1">
+              <a:lnSpc>
+                <a:spcPct val="100000"/>
+              </a:lnSpc>
+              <a:spcBef>
+                <a:spcPts val="0"/>
+              </a:spcBef>
+              <a:spcAft>
+                <a:spcPts val="0"/>
+              </a:spcAft>
+              <a:buClrTx/>
+              <a:buSzTx/>
+              <a:buFontTx/>
+              <a:buNone/>
+              <a:tabLst/>
+              <a:defRPr/>
+            </a:pPr>
+            <a:endParaRPr lang="en-US" altLang="ko-KR"/>
           </a:p>
         </p:txBody>
       </p:sp>
@@ -2717,7 +2828,7 @@
     </p:spTree>
     <p:extLst>
       <p:ext uri="{BB962C8B-B14F-4D97-AF65-F5344CB8AC3E}">
-        <p14:creationId xmlns:p14="http://schemas.microsoft.com/office/powerpoint/2010/main" val="3112911875"/>
+        <p14:creationId xmlns:p14="http://schemas.microsoft.com/office/powerpoint/2010/main" val="4188000605"/>
       </p:ext>
     </p:extLst>
   </p:cSld>
@@ -2771,235 +2882,1174 @@
           <a:bodyPr/>
           <a:lstStyle/>
           <a:p>
-            <a:pPr algn="l" fontAlgn="base"/>
-            <a:r>
-              <a:rPr lang="en-US" altLang="ko-KR" b="0" i="0">
-                <a:solidFill>
-                  <a:srgbClr val="444444"/>
-                </a:solidFill>
-                <a:effectLst/>
-                <a:highlight>
-                  <a:srgbClr val="FFFFFF"/>
-                </a:highlight>
-                <a:latin typeface="se-nanumgothic"/>
-              </a:rPr>
-              <a:t>FOV</a:t>
-            </a:r>
-            <a:r>
-              <a:rPr lang="ko-KR" altLang="en-US" b="0" i="0">
-                <a:solidFill>
-                  <a:srgbClr val="444444"/>
-                </a:solidFill>
-                <a:effectLst/>
-                <a:highlight>
-                  <a:srgbClr val="FFFFFF"/>
-                </a:highlight>
-                <a:latin typeface="se-nanumgothic"/>
-              </a:rPr>
-              <a:t>의 설정에 따라 화상의 크기가 달라집니다</a:t>
-            </a:r>
-            <a:r>
-              <a:rPr lang="en-US" altLang="ko-KR" b="0" i="0">
-                <a:solidFill>
-                  <a:srgbClr val="444444"/>
-                </a:solidFill>
-                <a:effectLst/>
-                <a:highlight>
-                  <a:srgbClr val="FFFFFF"/>
-                </a:highlight>
-                <a:latin typeface="se-nanumgothic"/>
+            <a:r>
+              <a:rPr lang="ko-KR" altLang="en-US" b="0" i="0">
+                <a:solidFill>
+                  <a:srgbClr val="ECECEC"/>
+                </a:solidFill>
+                <a:effectLst/>
+                <a:highlight>
+                  <a:srgbClr val="212121"/>
+                </a:highlight>
+                <a:latin typeface="Söhne"/>
+              </a:rPr>
+              <a:t>해당 그림은 원근 투영에 대한 설명입니다</a:t>
+            </a:r>
+            <a:r>
+              <a:rPr lang="en-US" altLang="ko-KR" b="0" i="0">
+                <a:solidFill>
+                  <a:srgbClr val="ECECEC"/>
+                </a:solidFill>
+                <a:effectLst/>
+                <a:highlight>
+                  <a:srgbClr val="212121"/>
+                </a:highlight>
+                <a:latin typeface="Söhne"/>
               </a:rPr>
               <a:t>.</a:t>
             </a:r>
           </a:p>
           <a:p>
-            <a:pPr algn="l" fontAlgn="base"/>
+            <a:r>
+              <a:rPr lang="ko-KR" altLang="en-US" b="0" i="0">
+                <a:solidFill>
+                  <a:srgbClr val="ECECEC"/>
+                </a:solidFill>
+                <a:effectLst/>
+                <a:highlight>
+                  <a:srgbClr val="212121"/>
+                </a:highlight>
+                <a:latin typeface="Söhne"/>
+              </a:rPr>
+              <a:t>투영의 중심인 </a:t>
+            </a:r>
+            <a:r>
+              <a:rPr lang="en-US" altLang="ko-KR" b="0" i="0">
+                <a:solidFill>
+                  <a:srgbClr val="ECECEC"/>
+                </a:solidFill>
+                <a:effectLst/>
+                <a:highlight>
+                  <a:srgbClr val="212121"/>
+                </a:highlight>
+                <a:latin typeface="Söhne"/>
+              </a:rPr>
+              <a:t>COP</a:t>
+            </a:r>
+            <a:r>
+              <a:rPr lang="ko-KR" altLang="en-US" b="0" i="0">
+                <a:solidFill>
+                  <a:srgbClr val="ECECEC"/>
+                </a:solidFill>
+                <a:effectLst/>
+                <a:highlight>
+                  <a:srgbClr val="212121"/>
+                </a:highlight>
+                <a:latin typeface="Söhne"/>
+              </a:rPr>
+              <a:t>는 투영의 출발점이고</a:t>
+            </a:r>
+            <a:r>
+              <a:rPr lang="en-US" altLang="ko-KR" b="0" i="0">
+                <a:solidFill>
+                  <a:srgbClr val="ECECEC"/>
+                </a:solidFill>
+                <a:effectLst/>
+                <a:highlight>
+                  <a:srgbClr val="212121"/>
+                </a:highlight>
+                <a:latin typeface="Söhne"/>
+              </a:rPr>
+              <a:t>, </a:t>
+            </a:r>
+            <a:r>
+              <a:rPr lang="ko-KR" altLang="en-US" b="0" i="0">
+                <a:solidFill>
+                  <a:srgbClr val="ECECEC"/>
+                </a:solidFill>
+                <a:effectLst/>
+                <a:highlight>
+                  <a:srgbClr val="212121"/>
+                </a:highlight>
+                <a:latin typeface="Söhne"/>
+              </a:rPr>
+              <a:t>모든 투영선은 이 점에서 시작합니다</a:t>
+            </a:r>
+            <a:r>
+              <a:rPr lang="en-US" altLang="ko-KR" b="0" i="0">
+                <a:solidFill>
+                  <a:srgbClr val="ECECEC"/>
+                </a:solidFill>
+                <a:effectLst/>
+                <a:highlight>
+                  <a:srgbClr val="212121"/>
+                </a:highlight>
+                <a:latin typeface="Söhne"/>
+              </a:rPr>
+              <a:t>.</a:t>
+            </a:r>
+          </a:p>
+          <a:p>
+            <a:r>
+              <a:rPr lang="ko-KR" altLang="en-US" b="0" i="0">
+                <a:solidFill>
+                  <a:srgbClr val="ECECEC"/>
+                </a:solidFill>
+                <a:effectLst/>
+                <a:highlight>
+                  <a:srgbClr val="212121"/>
+                </a:highlight>
+                <a:latin typeface="Söhne"/>
+              </a:rPr>
+              <a:t>투영면은 투영된 점들이 위치하게 되는 </a:t>
+            </a:r>
+            <a:r>
+              <a:rPr lang="en-US" altLang="ko-KR" b="0" i="0">
+                <a:solidFill>
+                  <a:srgbClr val="ECECEC"/>
+                </a:solidFill>
+                <a:effectLst/>
+                <a:highlight>
+                  <a:srgbClr val="212121"/>
+                </a:highlight>
+                <a:latin typeface="Söhne"/>
+              </a:rPr>
+              <a:t>2D </a:t>
+            </a:r>
+            <a:r>
+              <a:rPr lang="ko-KR" altLang="en-US" b="0" i="0">
+                <a:solidFill>
+                  <a:srgbClr val="ECECEC"/>
+                </a:solidFill>
+                <a:effectLst/>
+                <a:highlight>
+                  <a:srgbClr val="212121"/>
+                </a:highlight>
+                <a:latin typeface="Söhne"/>
+              </a:rPr>
+              <a:t>평면입니다</a:t>
+            </a:r>
+            <a:r>
+              <a:rPr lang="en-US" altLang="ko-KR" b="0" i="0">
+                <a:solidFill>
+                  <a:srgbClr val="ECECEC"/>
+                </a:solidFill>
+                <a:effectLst/>
+                <a:highlight>
+                  <a:srgbClr val="212121"/>
+                </a:highlight>
+                <a:latin typeface="Söhne"/>
+              </a:rPr>
+              <a:t>. </a:t>
+            </a:r>
+            <a:r>
+              <a:rPr lang="ko-KR" altLang="en-US" b="0" i="0">
+                <a:solidFill>
+                  <a:srgbClr val="ECECEC"/>
+                </a:solidFill>
+                <a:effectLst/>
+                <a:highlight>
+                  <a:srgbClr val="212121"/>
+                </a:highlight>
+                <a:latin typeface="Söhne"/>
+              </a:rPr>
+              <a:t>이 그림에서는 </a:t>
+            </a:r>
+            <a:r>
+              <a:rPr lang="en-US" altLang="ko-KR" b="0" i="0">
+                <a:solidFill>
+                  <a:srgbClr val="ECECEC"/>
+                </a:solidFill>
+                <a:effectLst/>
+                <a:highlight>
+                  <a:srgbClr val="212121"/>
+                </a:highlight>
+                <a:latin typeface="Söhne"/>
+              </a:rPr>
+              <a:t>z=d</a:t>
+            </a:r>
+            <a:r>
+              <a:rPr lang="ko-KR" altLang="en-US" b="0" i="0">
+                <a:solidFill>
+                  <a:srgbClr val="ECECEC"/>
+                </a:solidFill>
+                <a:effectLst/>
+                <a:highlight>
+                  <a:srgbClr val="212121"/>
+                </a:highlight>
+                <a:latin typeface="Söhne"/>
+              </a:rPr>
+              <a:t> 에 위치하고 있습니다</a:t>
+            </a:r>
+            <a:r>
+              <a:rPr lang="en-US" altLang="ko-KR" b="0" i="0">
+                <a:solidFill>
+                  <a:srgbClr val="ECECEC"/>
+                </a:solidFill>
+                <a:effectLst/>
+                <a:highlight>
+                  <a:srgbClr val="212121"/>
+                </a:highlight>
+                <a:latin typeface="Söhne"/>
+              </a:rPr>
+              <a:t>. </a:t>
+            </a:r>
+            <a:r>
+              <a:rPr lang="ko-KR" altLang="en-US" b="0" i="0">
+                <a:solidFill>
+                  <a:srgbClr val="ECECEC"/>
+                </a:solidFill>
+                <a:effectLst/>
+                <a:highlight>
+                  <a:srgbClr val="212121"/>
+                </a:highlight>
+                <a:latin typeface="Söhne"/>
+              </a:rPr>
+              <a:t>즉 </a:t>
+            </a:r>
+            <a:r>
+              <a:rPr lang="en-US" altLang="ko-KR" b="0" i="0">
+                <a:solidFill>
+                  <a:srgbClr val="ECECEC"/>
+                </a:solidFill>
+                <a:effectLst/>
+                <a:highlight>
+                  <a:srgbClr val="212121"/>
+                </a:highlight>
+                <a:latin typeface="Söhne"/>
+              </a:rPr>
+              <a:t>z</a:t>
+            </a:r>
+            <a:r>
+              <a:rPr lang="ko-KR" altLang="en-US" b="0" i="0">
+                <a:solidFill>
+                  <a:srgbClr val="ECECEC"/>
+                </a:solidFill>
+                <a:effectLst/>
+                <a:highlight>
+                  <a:srgbClr val="212121"/>
+                </a:highlight>
+                <a:latin typeface="Söhne"/>
+              </a:rPr>
+              <a:t>축을 따라 원점으로부터 </a:t>
+            </a:r>
+            <a:r>
+              <a:rPr lang="en-US" altLang="ko-KR" b="0" i="0">
+                <a:solidFill>
+                  <a:srgbClr val="ECECEC"/>
+                </a:solidFill>
+                <a:effectLst/>
+                <a:highlight>
+                  <a:srgbClr val="212121"/>
+                </a:highlight>
+                <a:latin typeface="Söhne"/>
+              </a:rPr>
+              <a:t>d</a:t>
+            </a:r>
+            <a:r>
+              <a:rPr lang="ko-KR" altLang="en-US" b="0" i="0">
+                <a:solidFill>
+                  <a:srgbClr val="ECECEC"/>
+                </a:solidFill>
+                <a:effectLst/>
+                <a:highlight>
+                  <a:srgbClr val="212121"/>
+                </a:highlight>
+                <a:latin typeface="Söhne"/>
+              </a:rPr>
+              <a:t>만큼 떨어진 위치에 투영면이 존재한다는 의미입니다</a:t>
+            </a:r>
+            <a:r>
+              <a:rPr lang="en-US" altLang="ko-KR" b="0" i="0">
+                <a:solidFill>
+                  <a:srgbClr val="ECECEC"/>
+                </a:solidFill>
+                <a:effectLst/>
+                <a:highlight>
+                  <a:srgbClr val="212121"/>
+                </a:highlight>
+                <a:latin typeface="Söhne"/>
+              </a:rPr>
+              <a:t>.</a:t>
+            </a:r>
+          </a:p>
+          <a:p>
+            <a:r>
+              <a:rPr lang="ko-KR" altLang="en-US" b="0" i="0">
+                <a:solidFill>
+                  <a:srgbClr val="ECECEC"/>
+                </a:solidFill>
+                <a:effectLst/>
+                <a:highlight>
+                  <a:srgbClr val="212121"/>
+                </a:highlight>
+                <a:latin typeface="Söhne"/>
+              </a:rPr>
+              <a:t>좌측그림은 투영 과정으로 </a:t>
+            </a:r>
+            <a:r>
+              <a:rPr lang="en-US" altLang="ko-KR" b="0" i="0">
+                <a:solidFill>
+                  <a:srgbClr val="ECECEC"/>
+                </a:solidFill>
+                <a:effectLst/>
+                <a:highlight>
+                  <a:srgbClr val="212121"/>
+                </a:highlight>
+                <a:latin typeface="Söhne"/>
+              </a:rPr>
+              <a:t>3D </a:t>
+            </a:r>
+            <a:r>
+              <a:rPr lang="ko-KR" altLang="en-US" b="0" i="0">
+                <a:solidFill>
+                  <a:srgbClr val="ECECEC"/>
+                </a:solidFill>
+                <a:effectLst/>
+                <a:highlight>
+                  <a:srgbClr val="212121"/>
+                </a:highlight>
+                <a:latin typeface="Söhne"/>
+              </a:rPr>
+              <a:t>공간의 점인 </a:t>
+            </a:r>
+            <a:r>
+              <a:rPr lang="en-US" altLang="ko-KR" b="0" i="0">
+                <a:solidFill>
+                  <a:srgbClr val="ECECEC"/>
+                </a:solidFill>
+                <a:effectLst/>
+                <a:highlight>
+                  <a:srgbClr val="212121"/>
+                </a:highlight>
+                <a:latin typeface="Söhne"/>
+              </a:rPr>
+              <a:t>(x,y,z)</a:t>
+            </a:r>
+            <a:r>
+              <a:rPr lang="ko-KR" altLang="en-US" b="0" i="0">
+                <a:solidFill>
+                  <a:srgbClr val="ECECEC"/>
+                </a:solidFill>
+                <a:effectLst/>
+                <a:highlight>
+                  <a:srgbClr val="212121"/>
+                </a:highlight>
+                <a:latin typeface="Söhne"/>
+              </a:rPr>
+              <a:t>가 투영되어 투영면에</a:t>
+            </a:r>
+            <a:r>
+              <a:rPr lang="en-US" altLang="ko-KR" b="0" i="0">
+                <a:solidFill>
+                  <a:srgbClr val="0D0D0D"/>
+                </a:solidFill>
+                <a:effectLst/>
+                <a:highlight>
+                  <a:srgbClr val="FFFFFF"/>
+                </a:highlight>
+                <a:latin typeface="KaTeX_Main"/>
+              </a:rPr>
+              <a:t> (</a:t>
+            </a:r>
+            <a:r>
+              <a:rPr lang="en-US" altLang="ko-KR" b="0" i="1">
+                <a:solidFill>
+                  <a:srgbClr val="0D0D0D"/>
+                </a:solidFill>
+                <a:effectLst/>
+                <a:highlight>
+                  <a:srgbClr val="FFFFFF"/>
+                </a:highlight>
+                <a:latin typeface="KaTeX_Math"/>
+              </a:rPr>
+              <a:t>xp</a:t>
+            </a:r>
+            <a:r>
+              <a:rPr lang="ko-KR" altLang="en-US" b="0" i="0">
+                <a:solidFill>
+                  <a:srgbClr val="0D0D0D"/>
+                </a:solidFill>
+                <a:effectLst/>
+                <a:highlight>
+                  <a:srgbClr val="FFFFFF"/>
+                </a:highlight>
+                <a:latin typeface="KaTeX_Main"/>
+              </a:rPr>
+              <a:t>​</a:t>
+            </a:r>
+            <a:r>
+              <a:rPr lang="en-US" altLang="ko-KR" b="0" i="0">
+                <a:solidFill>
+                  <a:srgbClr val="0D0D0D"/>
+                </a:solidFill>
+                <a:effectLst/>
+                <a:highlight>
+                  <a:srgbClr val="FFFFFF"/>
+                </a:highlight>
+                <a:latin typeface="KaTeX_Main"/>
+              </a:rPr>
+              <a:t>,</a:t>
+            </a:r>
+            <a:r>
+              <a:rPr lang="en-US" altLang="ko-KR" b="0" i="1">
+                <a:solidFill>
+                  <a:srgbClr val="0D0D0D"/>
+                </a:solidFill>
+                <a:effectLst/>
+                <a:highlight>
+                  <a:srgbClr val="FFFFFF"/>
+                </a:highlight>
+                <a:latin typeface="KaTeX_Math"/>
+              </a:rPr>
+              <a:t>yp</a:t>
+            </a:r>
+            <a:r>
+              <a:rPr lang="ko-KR" altLang="en-US" b="0" i="0">
+                <a:solidFill>
+                  <a:srgbClr val="0D0D0D"/>
+                </a:solidFill>
+                <a:effectLst/>
+                <a:highlight>
+                  <a:srgbClr val="FFFFFF"/>
+                </a:highlight>
+                <a:latin typeface="KaTeX_Main"/>
+              </a:rPr>
+              <a:t>​</a:t>
+            </a:r>
+            <a:r>
+              <a:rPr lang="en-US" altLang="ko-KR" b="0" i="0">
+                <a:solidFill>
+                  <a:srgbClr val="0D0D0D"/>
+                </a:solidFill>
+                <a:effectLst/>
+                <a:highlight>
+                  <a:srgbClr val="FFFFFF"/>
+                </a:highlight>
+                <a:latin typeface="KaTeX_Main"/>
+              </a:rPr>
+              <a:t>,</a:t>
+            </a:r>
+            <a:r>
+              <a:rPr lang="en-US" altLang="ko-KR" b="0" i="1">
+                <a:solidFill>
+                  <a:srgbClr val="0D0D0D"/>
+                </a:solidFill>
+                <a:effectLst/>
+                <a:highlight>
+                  <a:srgbClr val="FFFFFF"/>
+                </a:highlight>
+                <a:latin typeface="KaTeX_Math"/>
+              </a:rPr>
+              <a:t>zp</a:t>
+            </a:r>
+            <a:r>
+              <a:rPr lang="ko-KR" altLang="en-US" b="0" i="0">
+                <a:solidFill>
+                  <a:srgbClr val="0D0D0D"/>
+                </a:solidFill>
+                <a:effectLst/>
+                <a:highlight>
+                  <a:srgbClr val="FFFFFF"/>
+                </a:highlight>
+                <a:latin typeface="KaTeX_Main"/>
+              </a:rPr>
+              <a:t>​</a:t>
+            </a:r>
+            <a:r>
+              <a:rPr lang="en-US" altLang="ko-KR" b="0" i="0">
+                <a:solidFill>
+                  <a:srgbClr val="0D0D0D"/>
+                </a:solidFill>
+                <a:effectLst/>
+                <a:highlight>
+                  <a:srgbClr val="FFFFFF"/>
+                </a:highlight>
+                <a:latin typeface="KaTeX_Main"/>
+              </a:rPr>
+              <a:t>)</a:t>
+            </a:r>
+            <a:r>
+              <a:rPr lang="ko-KR" altLang="en-US" b="0" i="0">
+                <a:solidFill>
+                  <a:srgbClr val="0D0D0D"/>
+                </a:solidFill>
+                <a:effectLst/>
+                <a:highlight>
+                  <a:srgbClr val="FFFFFF"/>
+                </a:highlight>
+                <a:latin typeface="Söhne"/>
+              </a:rPr>
+              <a:t>로 변환되는 과정을 보여줍니다</a:t>
+            </a:r>
+            <a:r>
+              <a:rPr lang="en-US" altLang="ko-KR" b="0" i="0">
+                <a:solidFill>
+                  <a:srgbClr val="0D0D0D"/>
+                </a:solidFill>
+                <a:effectLst/>
+                <a:highlight>
+                  <a:srgbClr val="FFFFFF"/>
+                </a:highlight>
+                <a:latin typeface="Söhne"/>
+              </a:rPr>
+              <a:t>.</a:t>
+            </a:r>
+          </a:p>
+          <a:p>
+            <a:r>
+              <a:rPr lang="ko-KR" altLang="en-US" b="0" i="0">
+                <a:solidFill>
+                  <a:srgbClr val="0D0D0D"/>
+                </a:solidFill>
+                <a:effectLst/>
+                <a:highlight>
+                  <a:srgbClr val="FFFFFF"/>
+                </a:highlight>
+                <a:latin typeface="Söhne"/>
+              </a:rPr>
+              <a:t>중앙 그림은 </a:t>
+            </a:r>
+            <a:r>
+              <a:rPr lang="en-US" altLang="ko-KR" b="0" i="0">
+                <a:solidFill>
+                  <a:srgbClr val="0D0D0D"/>
+                </a:solidFill>
+                <a:effectLst/>
+                <a:highlight>
+                  <a:srgbClr val="FFFFFF"/>
+                </a:highlight>
+                <a:latin typeface="Söhne"/>
+              </a:rPr>
+              <a:t>x</a:t>
+            </a:r>
+            <a:r>
+              <a:rPr lang="ko-KR" altLang="en-US" b="0" i="0">
+                <a:solidFill>
+                  <a:srgbClr val="0D0D0D"/>
+                </a:solidFill>
+                <a:effectLst/>
+                <a:highlight>
+                  <a:srgbClr val="FFFFFF"/>
+                </a:highlight>
+                <a:latin typeface="Söhne"/>
+              </a:rPr>
+              <a:t>축 방향이 투영되는 과정입니다</a:t>
+            </a:r>
+            <a:r>
+              <a:rPr lang="en-US" altLang="ko-KR" b="0" i="0">
+                <a:solidFill>
+                  <a:srgbClr val="0D0D0D"/>
+                </a:solidFill>
+                <a:effectLst/>
+                <a:highlight>
+                  <a:srgbClr val="FFFFFF"/>
+                </a:highlight>
+                <a:latin typeface="Söhne"/>
+              </a:rPr>
+              <a:t>. </a:t>
+            </a:r>
+            <a:r>
+              <a:rPr lang="ko-KR" altLang="en-US" b="0" i="0">
+                <a:solidFill>
+                  <a:srgbClr val="0D0D0D"/>
+                </a:solidFill>
+                <a:effectLst/>
+                <a:highlight>
+                  <a:srgbClr val="FFFFFF"/>
+                </a:highlight>
+                <a:latin typeface="Söhne"/>
+              </a:rPr>
+              <a:t>원래 점 </a:t>
+            </a:r>
+            <a:r>
+              <a:rPr lang="en-US" altLang="ko-KR" b="0" i="0">
+                <a:solidFill>
+                  <a:srgbClr val="0D0D0D"/>
+                </a:solidFill>
+                <a:effectLst/>
+                <a:highlight>
+                  <a:srgbClr val="FFFFFF"/>
+                </a:highlight>
+                <a:latin typeface="Söhne"/>
+              </a:rPr>
+              <a:t>(x,z)</a:t>
+            </a:r>
+            <a:r>
+              <a:rPr lang="ko-KR" altLang="en-US" b="0" i="0">
+                <a:solidFill>
+                  <a:srgbClr val="0D0D0D"/>
+                </a:solidFill>
+                <a:effectLst/>
+                <a:highlight>
+                  <a:srgbClr val="FFFFFF"/>
+                </a:highlight>
+                <a:latin typeface="Söhne"/>
+              </a:rPr>
+              <a:t>가 투영면인 </a:t>
+            </a:r>
+            <a:r>
+              <a:rPr lang="en-US" altLang="ko-KR" b="0" i="0">
+                <a:solidFill>
+                  <a:srgbClr val="0D0D0D"/>
+                </a:solidFill>
+                <a:effectLst/>
+                <a:highlight>
+                  <a:srgbClr val="FFFFFF"/>
+                </a:highlight>
+                <a:latin typeface="Söhne"/>
+              </a:rPr>
+              <a:t>z=d</a:t>
+            </a:r>
+            <a:r>
+              <a:rPr lang="ko-KR" altLang="en-US" b="0" i="0">
+                <a:solidFill>
+                  <a:srgbClr val="0D0D0D"/>
+                </a:solidFill>
+                <a:effectLst/>
+                <a:highlight>
+                  <a:srgbClr val="FFFFFF"/>
+                </a:highlight>
+                <a:latin typeface="Söhne"/>
+              </a:rPr>
+              <a:t>에 </a:t>
+            </a:r>
+            <a:r>
+              <a:rPr lang="en-US" altLang="ko-KR" b="0" i="0">
+                <a:solidFill>
+                  <a:srgbClr val="0D0D0D"/>
+                </a:solidFill>
+                <a:effectLst/>
+                <a:highlight>
+                  <a:srgbClr val="FFFFFF"/>
+                </a:highlight>
+                <a:latin typeface="Söhne"/>
+              </a:rPr>
+              <a:t>(x</a:t>
+            </a:r>
+            <a:r>
+              <a:rPr lang="en-US" altLang="ko-KR" b="0" i="0">
+                <a:solidFill>
+                  <a:srgbClr val="000000"/>
+                </a:solidFill>
+                <a:effectLst/>
+                <a:highlight>
+                  <a:srgbClr val="FFFFFF"/>
+                </a:highlight>
+                <a:latin typeface="Helvetica Neue"/>
+              </a:rPr>
+              <a:t>ₚ,d)</a:t>
+            </a:r>
+            <a:r>
+              <a:rPr lang="ko-KR" altLang="en-US" b="0" i="0">
+                <a:solidFill>
+                  <a:srgbClr val="000000"/>
+                </a:solidFill>
+                <a:effectLst/>
+                <a:highlight>
+                  <a:srgbClr val="FFFFFF"/>
+                </a:highlight>
+                <a:latin typeface="Helvetica Neue"/>
+              </a:rPr>
+              <a:t>로 변환됩니다</a:t>
+            </a:r>
+            <a:r>
+              <a:rPr lang="en-US" altLang="ko-KR" b="0" i="0">
+                <a:solidFill>
+                  <a:srgbClr val="000000"/>
+                </a:solidFill>
+                <a:effectLst/>
+                <a:highlight>
+                  <a:srgbClr val="FFFFFF"/>
+                </a:highlight>
+                <a:latin typeface="Helvetica Neue"/>
+              </a:rPr>
+              <a:t>. </a:t>
+            </a:r>
+            <a:r>
+              <a:rPr lang="ko-KR" altLang="en-US" b="0" i="0">
+                <a:solidFill>
+                  <a:srgbClr val="000000"/>
+                </a:solidFill>
+                <a:effectLst/>
+                <a:highlight>
+                  <a:srgbClr val="FFFFFF"/>
+                </a:highlight>
+                <a:latin typeface="Helvetica Neue"/>
+              </a:rPr>
+              <a:t>식으로 표현하면 </a:t>
+            </a:r>
+            <a:r>
+              <a:rPr lang="en-US" altLang="ko-KR" b="0" i="0">
+                <a:solidFill>
+                  <a:srgbClr val="000000"/>
+                </a:solidFill>
+                <a:effectLst/>
+                <a:highlight>
+                  <a:srgbClr val="FFFFFF"/>
+                </a:highlight>
+                <a:latin typeface="Helvetica Neue"/>
+              </a:rPr>
+              <a:t>Xₚ</a:t>
+            </a:r>
+            <a:r>
+              <a:rPr lang="en-US" altLang="ko-KR" b="1" i="0">
+                <a:solidFill>
+                  <a:srgbClr val="000000"/>
+                </a:solidFill>
+                <a:effectLst/>
+                <a:highlight>
+                  <a:srgbClr val="FFFFFF"/>
+                </a:highlight>
+                <a:latin typeface="Helvetica Neue"/>
+              </a:rPr>
+              <a:t> = x/(z/d) </a:t>
+            </a:r>
+            <a:r>
+              <a:rPr lang="ko-KR" altLang="en-US" b="1" i="0">
+                <a:solidFill>
+                  <a:srgbClr val="000000"/>
+                </a:solidFill>
+                <a:effectLst/>
+                <a:highlight>
+                  <a:srgbClr val="FFFFFF"/>
+                </a:highlight>
+                <a:latin typeface="Helvetica Neue"/>
+              </a:rPr>
+              <a:t>입니다</a:t>
+            </a:r>
+            <a:r>
+              <a:rPr lang="en-US" altLang="ko-KR" b="1" i="0">
+                <a:solidFill>
+                  <a:srgbClr val="000000"/>
+                </a:solidFill>
+                <a:effectLst/>
+                <a:highlight>
+                  <a:srgbClr val="FFFFFF"/>
+                </a:highlight>
+                <a:latin typeface="Helvetica Neue"/>
+              </a:rPr>
+              <a:t>.</a:t>
+            </a:r>
             <a:endParaRPr lang="en-US" altLang="ko-KR" b="0" i="0">
               <a:solidFill>
-                <a:srgbClr val="444444"/>
+                <a:srgbClr val="ECECEC"/>
               </a:solidFill>
               <a:effectLst/>
               <a:highlight>
-                <a:srgbClr val="FFFFFF"/>
+                <a:srgbClr val="212121"/>
               </a:highlight>
-              <a:latin typeface="se-nanumgothic"/>
+              <a:latin typeface="Söhne"/>
             </a:endParaRPr>
           </a:p>
           <a:p>
-            <a:pPr algn="l" fontAlgn="base"/>
-            <a:r>
-              <a:rPr lang="en-US" altLang="ko-KR" b="0" i="0">
-                <a:solidFill>
-                  <a:srgbClr val="444444"/>
-                </a:solidFill>
-                <a:effectLst/>
-                <a:highlight>
-                  <a:srgbClr val="FFFFFF"/>
-                </a:highlight>
-                <a:latin typeface="se-nanumgothic"/>
-              </a:rPr>
-              <a:t>Near </a:t>
-            </a:r>
-            <a:r>
-              <a:rPr lang="ko-KR" altLang="en-US" b="0" i="0">
-                <a:solidFill>
-                  <a:srgbClr val="444444"/>
-                </a:solidFill>
-                <a:effectLst/>
-                <a:highlight>
-                  <a:srgbClr val="FFFFFF"/>
-                </a:highlight>
-                <a:latin typeface="se-nanumgothic"/>
-              </a:rPr>
-              <a:t>평면에 매핑된 것을 정규화하여 보여주는 것이 </a:t>
-            </a:r>
-            <a:r>
-              <a:rPr lang="en-US" altLang="ko-KR" b="0" i="0">
-                <a:solidFill>
-                  <a:srgbClr val="444444"/>
-                </a:solidFill>
-                <a:effectLst/>
-                <a:highlight>
-                  <a:srgbClr val="FFFFFF"/>
-                </a:highlight>
-                <a:latin typeface="se-nanumgothic"/>
-              </a:rPr>
-              <a:t>Orthographic</a:t>
-            </a:r>
-            <a:r>
-              <a:rPr lang="ko-KR" altLang="en-US" b="0" i="0">
-                <a:solidFill>
-                  <a:srgbClr val="444444"/>
-                </a:solidFill>
-                <a:effectLst/>
-                <a:highlight>
-                  <a:srgbClr val="FFFFFF"/>
-                </a:highlight>
-                <a:latin typeface="se-nanumgothic"/>
+            <a:pPr marL="0" marR="0" lvl="0" indent="0" algn="l" defTabSz="914400" rtl="0" eaLnBrk="1" fontAlgn="auto" latinLnBrk="1" hangingPunct="1">
+              <a:lnSpc>
+                <a:spcPct val="100000"/>
+              </a:lnSpc>
+              <a:spcBef>
+                <a:spcPts val="0"/>
+              </a:spcBef>
+              <a:spcAft>
+                <a:spcPts val="0"/>
+              </a:spcAft>
+              <a:buClrTx/>
+              <a:buSzTx/>
+              <a:buFontTx/>
+              <a:buNone/>
+              <a:tabLst/>
+              <a:defRPr/>
+            </a:pPr>
+            <a:r>
+              <a:rPr lang="ko-KR" altLang="en-US" b="0" i="0">
+                <a:solidFill>
+                  <a:srgbClr val="0D0D0D"/>
+                </a:solidFill>
+                <a:effectLst/>
+                <a:highlight>
+                  <a:srgbClr val="FFFFFF"/>
+                </a:highlight>
+                <a:latin typeface="Söhne"/>
+              </a:rPr>
+              <a:t>우측 그림은 </a:t>
+            </a:r>
+            <a:r>
+              <a:rPr lang="en-US" altLang="ko-KR" b="0" i="0">
+                <a:solidFill>
+                  <a:srgbClr val="0D0D0D"/>
+                </a:solidFill>
+                <a:effectLst/>
+                <a:highlight>
+                  <a:srgbClr val="FFFFFF"/>
+                </a:highlight>
+                <a:latin typeface="Söhne"/>
+              </a:rPr>
+              <a:t>y</a:t>
+            </a:r>
+            <a:r>
+              <a:rPr lang="ko-KR" altLang="en-US" b="0" i="0">
+                <a:solidFill>
+                  <a:srgbClr val="0D0D0D"/>
+                </a:solidFill>
+                <a:effectLst/>
+                <a:highlight>
+                  <a:srgbClr val="FFFFFF"/>
+                </a:highlight>
+                <a:latin typeface="Söhne"/>
+              </a:rPr>
+              <a:t>축 방향이 투영되는 과정입니다</a:t>
+            </a:r>
+            <a:r>
+              <a:rPr lang="en-US" altLang="ko-KR" b="0" i="0">
+                <a:solidFill>
+                  <a:srgbClr val="0D0D0D"/>
+                </a:solidFill>
+                <a:effectLst/>
+                <a:highlight>
+                  <a:srgbClr val="FFFFFF"/>
+                </a:highlight>
+                <a:latin typeface="Söhne"/>
+              </a:rPr>
+              <a:t>. </a:t>
+            </a:r>
+            <a:r>
+              <a:rPr lang="ko-KR" altLang="en-US" b="0" i="0">
+                <a:solidFill>
+                  <a:srgbClr val="0D0D0D"/>
+                </a:solidFill>
+                <a:effectLst/>
+                <a:highlight>
+                  <a:srgbClr val="FFFFFF"/>
+                </a:highlight>
+                <a:latin typeface="Söhne"/>
+              </a:rPr>
+              <a:t>원래 점 </a:t>
+            </a:r>
+            <a:r>
+              <a:rPr lang="en-US" altLang="ko-KR" b="0" i="0">
+                <a:solidFill>
+                  <a:srgbClr val="0D0D0D"/>
+                </a:solidFill>
+                <a:effectLst/>
+                <a:highlight>
+                  <a:srgbClr val="FFFFFF"/>
+                </a:highlight>
+                <a:latin typeface="Söhne"/>
+              </a:rPr>
+              <a:t>(y,z)</a:t>
+            </a:r>
+            <a:r>
+              <a:rPr lang="ko-KR" altLang="en-US" b="0" i="0">
+                <a:solidFill>
+                  <a:srgbClr val="0D0D0D"/>
+                </a:solidFill>
+                <a:effectLst/>
+                <a:highlight>
+                  <a:srgbClr val="FFFFFF"/>
+                </a:highlight>
+                <a:latin typeface="Söhne"/>
+              </a:rPr>
+              <a:t>가 투영면인 </a:t>
+            </a:r>
+            <a:r>
+              <a:rPr lang="en-US" altLang="ko-KR" b="0" i="0">
+                <a:solidFill>
+                  <a:srgbClr val="0D0D0D"/>
+                </a:solidFill>
+                <a:effectLst/>
+                <a:highlight>
+                  <a:srgbClr val="FFFFFF"/>
+                </a:highlight>
+                <a:latin typeface="Söhne"/>
+              </a:rPr>
+              <a:t>z=d</a:t>
+            </a:r>
+            <a:r>
+              <a:rPr lang="ko-KR" altLang="en-US" b="0" i="0">
+                <a:solidFill>
+                  <a:srgbClr val="0D0D0D"/>
+                </a:solidFill>
+                <a:effectLst/>
+                <a:highlight>
+                  <a:srgbClr val="FFFFFF"/>
+                </a:highlight>
+                <a:latin typeface="Söhne"/>
+              </a:rPr>
+              <a:t>에 </a:t>
+            </a:r>
+            <a:r>
+              <a:rPr lang="en-US" altLang="ko-KR" b="0" i="0">
+                <a:solidFill>
+                  <a:srgbClr val="0D0D0D"/>
+                </a:solidFill>
+                <a:effectLst/>
+                <a:highlight>
+                  <a:srgbClr val="FFFFFF"/>
+                </a:highlight>
+                <a:latin typeface="Söhne"/>
+              </a:rPr>
+              <a:t>(y</a:t>
+            </a:r>
+            <a:r>
+              <a:rPr lang="en-US" altLang="ko-KR" b="0" i="0">
+                <a:solidFill>
+                  <a:srgbClr val="000000"/>
+                </a:solidFill>
+                <a:effectLst/>
+                <a:highlight>
+                  <a:srgbClr val="FFFFFF"/>
+                </a:highlight>
+                <a:latin typeface="Helvetica Neue"/>
+              </a:rPr>
+              <a:t>ₚ,d)</a:t>
+            </a:r>
+            <a:r>
+              <a:rPr lang="ko-KR" altLang="en-US" b="0" i="0">
+                <a:solidFill>
+                  <a:srgbClr val="000000"/>
+                </a:solidFill>
+                <a:effectLst/>
+                <a:highlight>
+                  <a:srgbClr val="FFFFFF"/>
+                </a:highlight>
+                <a:latin typeface="Helvetica Neue"/>
+              </a:rPr>
+              <a:t>로 변환됩니다</a:t>
+            </a:r>
+            <a:r>
+              <a:rPr lang="en-US" altLang="ko-KR" b="0" i="0">
+                <a:solidFill>
+                  <a:srgbClr val="000000"/>
+                </a:solidFill>
+                <a:effectLst/>
+                <a:highlight>
+                  <a:srgbClr val="FFFFFF"/>
+                </a:highlight>
+                <a:latin typeface="Helvetica Neue"/>
+              </a:rPr>
+              <a:t>. </a:t>
+            </a:r>
+            <a:r>
+              <a:rPr lang="ko-KR" altLang="en-US" b="0" i="0">
+                <a:solidFill>
+                  <a:srgbClr val="000000"/>
+                </a:solidFill>
+                <a:effectLst/>
+                <a:highlight>
+                  <a:srgbClr val="FFFFFF"/>
+                </a:highlight>
+                <a:latin typeface="Helvetica Neue"/>
+              </a:rPr>
+              <a:t>식으로 표현하면 </a:t>
+            </a:r>
+            <a:r>
+              <a:rPr lang="en-US" altLang="ko-KR" b="0" i="0">
+                <a:solidFill>
+                  <a:srgbClr val="000000"/>
+                </a:solidFill>
+                <a:effectLst/>
+                <a:highlight>
+                  <a:srgbClr val="FFFFFF"/>
+                </a:highlight>
+                <a:latin typeface="Helvetica Neue"/>
+              </a:rPr>
+              <a:t>yₚ</a:t>
+            </a:r>
+            <a:r>
+              <a:rPr lang="en-US" altLang="ko-KR" b="1" i="0">
+                <a:solidFill>
+                  <a:srgbClr val="000000"/>
+                </a:solidFill>
+                <a:effectLst/>
+                <a:highlight>
+                  <a:srgbClr val="FFFFFF"/>
+                </a:highlight>
+                <a:latin typeface="Helvetica Neue"/>
+              </a:rPr>
+              <a:t> = y/(z/d) </a:t>
+            </a:r>
+            <a:r>
+              <a:rPr lang="ko-KR" altLang="en-US" b="1" i="0">
+                <a:solidFill>
+                  <a:srgbClr val="000000"/>
+                </a:solidFill>
+                <a:effectLst/>
+                <a:highlight>
+                  <a:srgbClr val="FFFFFF"/>
+                </a:highlight>
+                <a:latin typeface="Helvetica Neue"/>
               </a:rPr>
               <a:t>입니다</a:t>
             </a:r>
             <a:r>
-              <a:rPr lang="en-US" altLang="ko-KR" b="0" i="0">
-                <a:solidFill>
-                  <a:srgbClr val="444444"/>
-                </a:solidFill>
-                <a:effectLst/>
-                <a:highlight>
-                  <a:srgbClr val="FFFFFF"/>
-                </a:highlight>
-                <a:latin typeface="se-nanumgothic"/>
-              </a:rPr>
-              <a:t>,</a:t>
-            </a:r>
-          </a:p>
-          <a:p>
-            <a:pPr algn="l" fontAlgn="base"/>
-            <a:r>
-              <a:rPr lang="ko-KR" altLang="en-US" b="0" i="0">
-                <a:solidFill>
-                  <a:srgbClr val="444444"/>
-                </a:solidFill>
-                <a:effectLst/>
-                <a:highlight>
-                  <a:srgbClr val="FFFFFF"/>
-                </a:highlight>
-                <a:latin typeface="se-nanumgothic"/>
-              </a:rPr>
-              <a:t>하지만 </a:t>
-            </a:r>
-            <a:r>
-              <a:rPr lang="en-US" altLang="ko-KR" b="0" i="0">
-                <a:solidFill>
-                  <a:srgbClr val="444444"/>
-                </a:solidFill>
-                <a:effectLst/>
-                <a:highlight>
-                  <a:srgbClr val="FFFFFF"/>
-                </a:highlight>
-                <a:latin typeface="se-nanumgothic"/>
-              </a:rPr>
-              <a:t>Perspective</a:t>
-            </a:r>
-            <a:r>
-              <a:rPr lang="ko-KR" altLang="en-US" b="0" i="0">
-                <a:solidFill>
-                  <a:srgbClr val="444444"/>
-                </a:solidFill>
-                <a:effectLst/>
-                <a:highlight>
-                  <a:srgbClr val="FFFFFF"/>
-                </a:highlight>
-                <a:latin typeface="se-nanumgothic"/>
-              </a:rPr>
-              <a:t>는 </a:t>
-            </a:r>
-            <a:r>
-              <a:rPr lang="en-US" altLang="ko-KR" b="0" i="0">
-                <a:solidFill>
-                  <a:srgbClr val="444444"/>
-                </a:solidFill>
-                <a:effectLst/>
-                <a:highlight>
-                  <a:srgbClr val="FFFFFF"/>
-                </a:highlight>
-                <a:latin typeface="se-nanumgothic"/>
-              </a:rPr>
-              <a:t>FOV</a:t>
-            </a:r>
-            <a:r>
-              <a:rPr lang="ko-KR" altLang="en-US" b="0" i="0">
-                <a:solidFill>
-                  <a:srgbClr val="444444"/>
-                </a:solidFill>
-                <a:effectLst/>
-                <a:highlight>
-                  <a:srgbClr val="FFFFFF"/>
-                </a:highlight>
-                <a:latin typeface="se-nanumgothic"/>
-              </a:rPr>
-              <a:t>각도만큼 </a:t>
-            </a:r>
-            <a:r>
-              <a:rPr lang="en-US" altLang="ko-KR" b="0" i="0">
-                <a:solidFill>
-                  <a:srgbClr val="444444"/>
-                </a:solidFill>
-                <a:effectLst/>
-                <a:highlight>
-                  <a:srgbClr val="FFFFFF"/>
-                </a:highlight>
-                <a:latin typeface="se-nanumgothic"/>
-              </a:rPr>
-              <a:t>screen</a:t>
-            </a:r>
-            <a:r>
-              <a:rPr lang="ko-KR" altLang="en-US" b="0" i="0">
-                <a:solidFill>
-                  <a:srgbClr val="444444"/>
-                </a:solidFill>
-                <a:effectLst/>
-                <a:highlight>
-                  <a:srgbClr val="FFFFFF"/>
-                </a:highlight>
-                <a:latin typeface="se-nanumgothic"/>
-              </a:rPr>
-              <a:t>에도 적용이 되어야 합니다</a:t>
-            </a:r>
-            <a:r>
-              <a:rPr lang="en-US" altLang="ko-KR" b="0" i="0">
-                <a:solidFill>
-                  <a:srgbClr val="444444"/>
-                </a:solidFill>
-                <a:effectLst/>
-                <a:highlight>
-                  <a:srgbClr val="FFFFFF"/>
-                </a:highlight>
-                <a:latin typeface="se-nanumgothic"/>
+              <a:rPr lang="en-US" altLang="ko-KR" b="1" i="0">
+                <a:solidFill>
+                  <a:srgbClr val="000000"/>
+                </a:solidFill>
+                <a:effectLst/>
+                <a:highlight>
+                  <a:srgbClr val="FFFFFF"/>
+                </a:highlight>
+                <a:latin typeface="Helvetica Neue"/>
               </a:rPr>
               <a:t>.</a:t>
             </a:r>
-            <a:endParaRPr lang="ko-KR" altLang="en-US"/>
+            <a:endParaRPr lang="en-US" altLang="ko-KR" b="0" i="0">
+              <a:solidFill>
+                <a:srgbClr val="ECECEC"/>
+              </a:solidFill>
+              <a:effectLst/>
+              <a:highlight>
+                <a:srgbClr val="212121"/>
+              </a:highlight>
+              <a:latin typeface="Söhne"/>
+            </a:endParaRPr>
+          </a:p>
+          <a:p>
+            <a:endParaRPr lang="en-US" altLang="ko-KR" b="0" i="0">
+              <a:solidFill>
+                <a:srgbClr val="ECECEC"/>
+              </a:solidFill>
+              <a:effectLst/>
+              <a:highlight>
+                <a:srgbClr val="212121"/>
+              </a:highlight>
+              <a:latin typeface="Söhne"/>
+            </a:endParaRPr>
+          </a:p>
+          <a:p>
+            <a:r>
+              <a:rPr lang="ko-KR" altLang="en-US" b="0" i="0">
+                <a:solidFill>
+                  <a:srgbClr val="ECECEC"/>
+                </a:solidFill>
+                <a:effectLst/>
+                <a:highlight>
+                  <a:srgbClr val="212121"/>
+                </a:highlight>
+                <a:latin typeface="Söhne"/>
+              </a:rPr>
+              <a:t>해당 투영 변환을 행렬로 표현한다만 이런 행렬이고 점</a:t>
+            </a:r>
+            <a:r>
+              <a:rPr lang="en-US" altLang="ko-KR" b="0" i="0">
+                <a:solidFill>
+                  <a:srgbClr val="ECECEC"/>
+                </a:solidFill>
+                <a:effectLst/>
+                <a:highlight>
+                  <a:srgbClr val="212121"/>
+                </a:highlight>
+                <a:latin typeface="Söhne"/>
+              </a:rPr>
+              <a:t>p(3</a:t>
+            </a:r>
+            <a:r>
+              <a:rPr lang="ko-KR" altLang="en-US" b="0" i="0">
+                <a:solidFill>
+                  <a:srgbClr val="ECECEC"/>
+                </a:solidFill>
+                <a:effectLst/>
+                <a:highlight>
+                  <a:srgbClr val="212121"/>
+                </a:highlight>
+                <a:latin typeface="Söhne"/>
+              </a:rPr>
+              <a:t>차원 공간에서의 좌표를 동차좌표 형태로 나타낸것</a:t>
+            </a:r>
+            <a:r>
+              <a:rPr lang="en-US" altLang="ko-KR" b="0" i="0">
+                <a:solidFill>
+                  <a:srgbClr val="ECECEC"/>
+                </a:solidFill>
+                <a:effectLst/>
+                <a:highlight>
+                  <a:srgbClr val="212121"/>
+                </a:highlight>
+                <a:latin typeface="Söhne"/>
+              </a:rPr>
+              <a:t>)</a:t>
+            </a:r>
+            <a:r>
+              <a:rPr lang="ko-KR" altLang="en-US" b="0" i="0">
+                <a:solidFill>
+                  <a:srgbClr val="ECECEC"/>
+                </a:solidFill>
+                <a:effectLst/>
+                <a:highlight>
+                  <a:srgbClr val="212121"/>
+                </a:highlight>
+                <a:latin typeface="Söhne"/>
+              </a:rPr>
+              <a:t>와 곱해준다면 변환된 점인 </a:t>
+            </a:r>
+            <a:r>
+              <a:rPr lang="en-US" altLang="ko-KR" b="0" i="0">
+                <a:solidFill>
+                  <a:srgbClr val="ECECEC"/>
+                </a:solidFill>
+                <a:effectLst/>
+                <a:highlight>
+                  <a:srgbClr val="212121"/>
+                </a:highlight>
+                <a:latin typeface="Söhne"/>
+              </a:rPr>
+              <a:t>q</a:t>
+            </a:r>
+            <a:r>
+              <a:rPr lang="ko-KR" altLang="en-US" b="0" i="0">
+                <a:solidFill>
+                  <a:srgbClr val="ECECEC"/>
+                </a:solidFill>
+                <a:effectLst/>
+                <a:highlight>
+                  <a:srgbClr val="212121"/>
+                </a:highlight>
+                <a:latin typeface="Söhne"/>
+              </a:rPr>
+              <a:t>를 얻을 수 있습니다</a:t>
+            </a:r>
+            <a:r>
+              <a:rPr lang="en-US" altLang="ko-KR" b="0" i="0">
+                <a:solidFill>
+                  <a:srgbClr val="ECECEC"/>
+                </a:solidFill>
+                <a:effectLst/>
+                <a:highlight>
+                  <a:srgbClr val="212121"/>
+                </a:highlight>
+                <a:latin typeface="Söhne"/>
+              </a:rPr>
+              <a:t>.</a:t>
+            </a:r>
+          </a:p>
+          <a:p>
+            <a:r>
+              <a:rPr lang="ko-KR" altLang="en-US" b="0" i="0">
+                <a:solidFill>
+                  <a:srgbClr val="ECECEC"/>
+                </a:solidFill>
+                <a:effectLst/>
+                <a:highlight>
+                  <a:srgbClr val="212121"/>
+                </a:highlight>
+                <a:latin typeface="Söhne"/>
+              </a:rPr>
+              <a:t>해당 행렬이 원근 투영 행렬입니다</a:t>
+            </a:r>
+            <a:r>
+              <a:rPr lang="en-US" altLang="ko-KR" b="0" i="0">
+                <a:solidFill>
+                  <a:srgbClr val="ECECEC"/>
+                </a:solidFill>
+                <a:effectLst/>
+                <a:highlight>
+                  <a:srgbClr val="212121"/>
+                </a:highlight>
+                <a:latin typeface="Söhne"/>
+              </a:rPr>
+              <a:t>.</a:t>
+            </a:r>
           </a:p>
         </p:txBody>
       </p:sp>
@@ -3029,7 +4079,1926 @@
     </p:spTree>
     <p:extLst>
       <p:ext uri="{BB962C8B-B14F-4D97-AF65-F5344CB8AC3E}">
-        <p14:creationId xmlns:p14="http://schemas.microsoft.com/office/powerpoint/2010/main" val="522626019"/>
+        <p14:creationId xmlns:p14="http://schemas.microsoft.com/office/powerpoint/2010/main" val="348992165"/>
+      </p:ext>
+    </p:extLst>
+  </p:cSld>
+  <p:clrMapOvr>
+    <a:masterClrMapping/>
+  </p:clrMapOvr>
+</p:notes>
+</file>
+
+<file path=ppt/notesSlides/notesSlide8.xml><?xml version="1.0" encoding="utf-8"?>
+<p:notes xmlns:a="http://schemas.openxmlformats.org/drawingml/2006/main" xmlns:r="http://schemas.openxmlformats.org/officeDocument/2006/relationships" xmlns:p="http://schemas.openxmlformats.org/presentationml/2006/main">
+  <p:cSld>
+    <p:spTree>
+      <p:nvGrpSpPr>
+        <p:cNvPr id="1" name=""/>
+        <p:cNvGrpSpPr/>
+        <p:nvPr/>
+      </p:nvGrpSpPr>
+      <p:grpSpPr>
+        <a:xfrm>
+          <a:off x="0" y="0"/>
+          <a:ext cx="0" cy="0"/>
+          <a:chOff x="0" y="0"/>
+          <a:chExt cx="0" cy="0"/>
+        </a:xfrm>
+      </p:grpSpPr>
+      <p:sp>
+        <p:nvSpPr>
+          <p:cNvPr id="2" name="슬라이드 이미지 개체 틀 1"/>
+          <p:cNvSpPr>
+            <a:spLocks noGrp="1" noRot="1" noChangeAspect="1"/>
+          </p:cNvSpPr>
+          <p:nvPr>
+            <p:ph type="sldImg"/>
+          </p:nvPr>
+        </p:nvSpPr>
+        <p:spPr/>
+      </p:sp>
+      <p:sp>
+        <p:nvSpPr>
+          <p:cNvPr id="3" name="슬라이드 노트 개체 틀 2"/>
+          <p:cNvSpPr>
+            <a:spLocks noGrp="1"/>
+          </p:cNvSpPr>
+          <p:nvPr>
+            <p:ph type="body" idx="1"/>
+          </p:nvPr>
+        </p:nvSpPr>
+        <p:spPr/>
+        <p:txBody>
+          <a:bodyPr/>
+          <a:lstStyle/>
+          <a:p>
+            <a:pPr marL="0" marR="0" lvl="0" indent="0" algn="l" defTabSz="914400" rtl="0" eaLnBrk="1" fontAlgn="auto" latinLnBrk="1" hangingPunct="1">
+              <a:lnSpc>
+                <a:spcPct val="100000"/>
+              </a:lnSpc>
+              <a:spcBef>
+                <a:spcPts val="0"/>
+              </a:spcBef>
+              <a:spcAft>
+                <a:spcPts val="0"/>
+              </a:spcAft>
+              <a:buClrTx/>
+              <a:buSzTx/>
+              <a:buFontTx/>
+              <a:buNone/>
+              <a:tabLst/>
+              <a:defRPr/>
+            </a:pPr>
+            <a:r>
+              <a:rPr lang="ko-KR" altLang="en-US" b="0" i="0">
+                <a:solidFill>
+                  <a:srgbClr val="0D0D0D"/>
+                </a:solidFill>
+                <a:effectLst/>
+                <a:highlight>
+                  <a:srgbClr val="FFFFFF"/>
+                </a:highlight>
+                <a:latin typeface="Söhne"/>
+              </a:rPr>
+              <a:t>원근 투영 변환을 설명하고 있으며</a:t>
+            </a:r>
+            <a:r>
+              <a:rPr lang="en-US" altLang="ko-KR" b="0" i="0">
+                <a:solidFill>
+                  <a:srgbClr val="0D0D0D"/>
+                </a:solidFill>
+                <a:effectLst/>
+                <a:highlight>
+                  <a:srgbClr val="FFFFFF"/>
+                </a:highlight>
+                <a:latin typeface="Söhne"/>
+              </a:rPr>
+              <a:t>, 3D </a:t>
+            </a:r>
+            <a:r>
+              <a:rPr lang="ko-KR" altLang="en-US" b="0" i="0">
+                <a:solidFill>
+                  <a:srgbClr val="0D0D0D"/>
+                </a:solidFill>
+                <a:effectLst/>
+                <a:highlight>
+                  <a:srgbClr val="FFFFFF"/>
+                </a:highlight>
+                <a:latin typeface="Söhne"/>
+              </a:rPr>
+              <a:t>공간의 객체가 </a:t>
+            </a:r>
+            <a:r>
+              <a:rPr lang="en-US" altLang="ko-KR" b="0" i="0">
+                <a:solidFill>
+                  <a:srgbClr val="0D0D0D"/>
+                </a:solidFill>
+                <a:effectLst/>
+                <a:highlight>
+                  <a:srgbClr val="FFFFFF"/>
+                </a:highlight>
+                <a:latin typeface="Söhne"/>
+              </a:rPr>
+              <a:t>2D </a:t>
+            </a:r>
+            <a:r>
+              <a:rPr lang="ko-KR" altLang="en-US" b="0" i="0">
+                <a:solidFill>
+                  <a:srgbClr val="0D0D0D"/>
+                </a:solidFill>
+                <a:effectLst/>
+                <a:highlight>
+                  <a:srgbClr val="FFFFFF"/>
+                </a:highlight>
+                <a:latin typeface="Söhne"/>
+              </a:rPr>
+              <a:t>화면 공간으로 어떻게 매핑되는지 보여주고</a:t>
+            </a:r>
+            <a:r>
+              <a:rPr lang="en-US" altLang="ko-KR" b="0" i="0">
+                <a:solidFill>
+                  <a:srgbClr val="0D0D0D"/>
+                </a:solidFill>
+                <a:effectLst/>
+                <a:highlight>
+                  <a:srgbClr val="FFFFFF"/>
+                </a:highlight>
+                <a:latin typeface="Söhne"/>
+              </a:rPr>
+              <a:t>, </a:t>
+            </a:r>
+            <a:r>
+              <a:rPr lang="ko-KR" altLang="en-US" b="0" i="0">
+                <a:solidFill>
+                  <a:srgbClr val="0D0D0D"/>
+                </a:solidFill>
+                <a:effectLst/>
+                <a:highlight>
+                  <a:srgbClr val="FFFFFF"/>
+                </a:highlight>
+                <a:latin typeface="Söhne"/>
+              </a:rPr>
+              <a:t>객체의 좌표를 정규화하는 과정입니다</a:t>
+            </a:r>
+            <a:r>
+              <a:rPr lang="en-US" altLang="ko-KR" b="0" i="0">
+                <a:solidFill>
+                  <a:srgbClr val="0D0D0D"/>
+                </a:solidFill>
+                <a:effectLst/>
+                <a:highlight>
+                  <a:srgbClr val="FFFFFF"/>
+                </a:highlight>
+                <a:latin typeface="Söhne"/>
+              </a:rPr>
+              <a:t>. </a:t>
+            </a:r>
+            <a:r>
+              <a:rPr lang="ko-KR" altLang="en-US" b="0" i="0">
+                <a:solidFill>
+                  <a:srgbClr val="0D0D0D"/>
+                </a:solidFill>
+                <a:effectLst/>
+                <a:highlight>
+                  <a:srgbClr val="FFFFFF"/>
+                </a:highlight>
+                <a:latin typeface="Söhne"/>
+              </a:rPr>
+              <a:t>이 과정을 통해 왜곡된 객체가 올바르게 투영되고</a:t>
+            </a:r>
+            <a:r>
+              <a:rPr lang="en-US" altLang="ko-KR" b="0" i="0">
+                <a:solidFill>
+                  <a:srgbClr val="0D0D0D"/>
+                </a:solidFill>
+                <a:effectLst/>
+                <a:highlight>
+                  <a:srgbClr val="FFFFFF"/>
+                </a:highlight>
+                <a:latin typeface="Söhne"/>
+              </a:rPr>
+              <a:t>, </a:t>
+            </a:r>
+            <a:r>
+              <a:rPr lang="ko-KR" altLang="en-US" b="0" i="0">
+                <a:solidFill>
+                  <a:srgbClr val="0D0D0D"/>
+                </a:solidFill>
+                <a:effectLst/>
+                <a:highlight>
+                  <a:srgbClr val="FFFFFF"/>
+                </a:highlight>
+                <a:latin typeface="Söhne"/>
+              </a:rPr>
+              <a:t>새로운 정규화된 뷰 볼륨 내에서의 좌표로 변환됩니다</a:t>
+            </a:r>
+            <a:r>
+              <a:rPr lang="en-US" altLang="ko-KR" b="0" i="0">
+                <a:solidFill>
+                  <a:srgbClr val="0D0D0D"/>
+                </a:solidFill>
+                <a:effectLst/>
+                <a:highlight>
+                  <a:srgbClr val="FFFFFF"/>
+                </a:highlight>
+                <a:latin typeface="Söhne"/>
+              </a:rPr>
+              <a:t>.</a:t>
+            </a:r>
+          </a:p>
+          <a:p>
+            <a:pPr algn="l">
+              <a:buFont typeface="Arial" panose="020B0604020202020204" pitchFamily="34" charset="0"/>
+              <a:buChar char="•"/>
+            </a:pPr>
+            <a:r>
+              <a:rPr lang="en-US" altLang="ko-KR" b="1" i="0">
+                <a:solidFill>
+                  <a:srgbClr val="0D0D0D"/>
+                </a:solidFill>
+                <a:effectLst/>
+                <a:highlight>
+                  <a:srgbClr val="FFFFFF"/>
+                </a:highlight>
+                <a:latin typeface="Söhne"/>
+              </a:rPr>
+              <a:t>COP (Center of Projection)</a:t>
+            </a:r>
+            <a:r>
+              <a:rPr lang="en-US" altLang="ko-KR" b="0" i="0">
+                <a:solidFill>
+                  <a:srgbClr val="0D0D0D"/>
+                </a:solidFill>
+                <a:effectLst/>
+                <a:highlight>
+                  <a:srgbClr val="FFFFFF"/>
+                </a:highlight>
+                <a:latin typeface="Söhne"/>
+              </a:rPr>
+              <a:t>: </a:t>
+            </a:r>
+            <a:r>
+              <a:rPr lang="ko-KR" altLang="en-US" b="0" i="0">
+                <a:solidFill>
+                  <a:srgbClr val="0D0D0D"/>
+                </a:solidFill>
+                <a:effectLst/>
+                <a:highlight>
+                  <a:srgbClr val="FFFFFF"/>
+                </a:highlight>
+                <a:latin typeface="Söhne"/>
+              </a:rPr>
+              <a:t>투영의 중심점입니다</a:t>
+            </a:r>
+            <a:r>
+              <a:rPr lang="en-US" altLang="ko-KR" b="0" i="0">
+                <a:solidFill>
+                  <a:srgbClr val="0D0D0D"/>
+                </a:solidFill>
+                <a:effectLst/>
+                <a:highlight>
+                  <a:srgbClr val="FFFFFF"/>
+                </a:highlight>
+                <a:latin typeface="Söhne"/>
+              </a:rPr>
+              <a:t>. 3</a:t>
+            </a:r>
+            <a:r>
+              <a:rPr lang="ko-KR" altLang="en-US" b="0" i="0">
+                <a:solidFill>
+                  <a:srgbClr val="0D0D0D"/>
+                </a:solidFill>
+                <a:effectLst/>
+                <a:highlight>
+                  <a:srgbClr val="FFFFFF"/>
+                </a:highlight>
+                <a:latin typeface="Söhne"/>
+              </a:rPr>
+              <a:t>차원 객체가 이 지점을 기준으로 </a:t>
+            </a:r>
+            <a:r>
+              <a:rPr lang="en-US" altLang="ko-KR" b="0" i="0">
+                <a:solidFill>
+                  <a:srgbClr val="0D0D0D"/>
+                </a:solidFill>
+                <a:effectLst/>
+                <a:highlight>
+                  <a:srgbClr val="FFFFFF"/>
+                </a:highlight>
+                <a:latin typeface="Söhne"/>
+              </a:rPr>
+              <a:t>2</a:t>
+            </a:r>
+            <a:r>
+              <a:rPr lang="ko-KR" altLang="en-US" b="0" i="0">
+                <a:solidFill>
+                  <a:srgbClr val="0D0D0D"/>
+                </a:solidFill>
+                <a:effectLst/>
+                <a:highlight>
+                  <a:srgbClr val="FFFFFF"/>
+                </a:highlight>
+                <a:latin typeface="Söhne"/>
+              </a:rPr>
+              <a:t>차원 평면에 투영됩니다</a:t>
+            </a:r>
+            <a:r>
+              <a:rPr lang="en-US" altLang="ko-KR" b="0" i="0">
+                <a:solidFill>
+                  <a:srgbClr val="0D0D0D"/>
+                </a:solidFill>
+                <a:effectLst/>
+                <a:highlight>
+                  <a:srgbClr val="FFFFFF"/>
+                </a:highlight>
+                <a:latin typeface="Söhne"/>
+              </a:rPr>
+              <a:t>.</a:t>
+            </a:r>
+          </a:p>
+          <a:p>
+            <a:pPr algn="l">
+              <a:buFont typeface="Arial" panose="020B0604020202020204" pitchFamily="34" charset="0"/>
+              <a:buChar char="•"/>
+            </a:pPr>
+            <a:r>
+              <a:rPr lang="ko-KR" altLang="en-US" b="1" i="0">
+                <a:solidFill>
+                  <a:srgbClr val="0D0D0D"/>
+                </a:solidFill>
+                <a:effectLst/>
+                <a:highlight>
+                  <a:srgbClr val="FFFFFF"/>
+                </a:highlight>
+                <a:latin typeface="Söhne"/>
+              </a:rPr>
+              <a:t>원근 투영 체계</a:t>
+            </a:r>
+            <a:r>
+              <a:rPr lang="en-US" altLang="ko-KR" b="0" i="0">
+                <a:solidFill>
+                  <a:srgbClr val="0D0D0D"/>
+                </a:solidFill>
+                <a:effectLst/>
+                <a:highlight>
+                  <a:srgbClr val="FFFFFF"/>
+                </a:highlight>
+                <a:latin typeface="Söhne"/>
+              </a:rPr>
+              <a:t>: </a:t>
+            </a:r>
+            <a:r>
+              <a:rPr lang="ko-KR" altLang="en-US" b="0" i="0">
+                <a:solidFill>
+                  <a:srgbClr val="0D0D0D"/>
+                </a:solidFill>
+                <a:effectLst/>
+                <a:highlight>
+                  <a:srgbClr val="FFFFFF"/>
+                </a:highlight>
+                <a:latin typeface="Söhne"/>
+              </a:rPr>
+              <a:t>파란색 삼각형 형태로 표시된 원근 투영 체계는 </a:t>
+            </a:r>
+            <a:r>
+              <a:rPr lang="en-US" altLang="ko-KR" b="0" i="0">
+                <a:solidFill>
+                  <a:srgbClr val="0D0D0D"/>
+                </a:solidFill>
+                <a:effectLst/>
+                <a:highlight>
+                  <a:srgbClr val="FFFFFF"/>
+                </a:highlight>
+                <a:latin typeface="Söhne"/>
+              </a:rPr>
+              <a:t>z</a:t>
+            </a:r>
+            <a:r>
+              <a:rPr lang="ko-KR" altLang="en-US" b="0" i="0">
+                <a:solidFill>
+                  <a:srgbClr val="0D0D0D"/>
+                </a:solidFill>
+                <a:effectLst/>
+                <a:highlight>
+                  <a:srgbClr val="FFFFFF"/>
+                </a:highlight>
+                <a:latin typeface="Söhne"/>
+              </a:rPr>
+              <a:t>축을 따라 멀어지는 객체가 투영되는 방식을 보여줍니다</a:t>
+            </a:r>
+            <a:r>
+              <a:rPr lang="en-US" altLang="ko-KR" b="0" i="0">
+                <a:solidFill>
+                  <a:srgbClr val="0D0D0D"/>
+                </a:solidFill>
+                <a:effectLst/>
+                <a:highlight>
+                  <a:srgbClr val="FFFFFF"/>
+                </a:highlight>
+                <a:latin typeface="Söhne"/>
+              </a:rPr>
+              <a:t>.</a:t>
+            </a:r>
+          </a:p>
+          <a:p>
+            <a:pPr marL="742950" lvl="1" indent="-285750" algn="l">
+              <a:buFont typeface="Arial" panose="020B0604020202020204" pitchFamily="34" charset="0"/>
+              <a:buChar char="•"/>
+            </a:pPr>
+            <a:r>
+              <a:rPr lang="en-US" altLang="ko-KR" b="0" i="0">
+                <a:solidFill>
+                  <a:srgbClr val="0D0D0D"/>
+                </a:solidFill>
+                <a:effectLst/>
+                <a:highlight>
+                  <a:srgbClr val="FFFFFF"/>
+                </a:highlight>
+                <a:latin typeface="Söhne"/>
+              </a:rPr>
+              <a:t>z = -near: </a:t>
+            </a:r>
+            <a:r>
+              <a:rPr lang="ko-KR" altLang="en-US" b="0" i="0">
+                <a:solidFill>
+                  <a:srgbClr val="0D0D0D"/>
+                </a:solidFill>
+                <a:effectLst/>
+                <a:highlight>
+                  <a:srgbClr val="FFFFFF"/>
+                </a:highlight>
+                <a:latin typeface="Söhne"/>
+              </a:rPr>
+              <a:t>투영 체계의 근접한 평면입니다</a:t>
+            </a:r>
+            <a:r>
+              <a:rPr lang="en-US" altLang="ko-KR" b="0" i="0">
+                <a:solidFill>
+                  <a:srgbClr val="0D0D0D"/>
+                </a:solidFill>
+                <a:effectLst/>
+                <a:highlight>
+                  <a:srgbClr val="FFFFFF"/>
+                </a:highlight>
+                <a:latin typeface="Söhne"/>
+              </a:rPr>
+              <a:t>.</a:t>
+            </a:r>
+          </a:p>
+          <a:p>
+            <a:pPr marL="742950" lvl="1" indent="-285750" algn="l">
+              <a:buFont typeface="Arial" panose="020B0604020202020204" pitchFamily="34" charset="0"/>
+              <a:buChar char="•"/>
+            </a:pPr>
+            <a:r>
+              <a:rPr lang="en-US" altLang="ko-KR" b="0" i="0">
+                <a:solidFill>
+                  <a:srgbClr val="0D0D0D"/>
+                </a:solidFill>
+                <a:effectLst/>
+                <a:highlight>
+                  <a:srgbClr val="FFFFFF"/>
+                </a:highlight>
+                <a:latin typeface="Söhne"/>
+              </a:rPr>
+              <a:t>z = -far: </a:t>
+            </a:r>
+            <a:r>
+              <a:rPr lang="ko-KR" altLang="en-US" b="0" i="0">
+                <a:solidFill>
+                  <a:srgbClr val="0D0D0D"/>
+                </a:solidFill>
+                <a:effectLst/>
+                <a:highlight>
+                  <a:srgbClr val="FFFFFF"/>
+                </a:highlight>
+                <a:latin typeface="Söhne"/>
+              </a:rPr>
+              <a:t>투영 체계의 먼 평면입니다</a:t>
+            </a:r>
+            <a:r>
+              <a:rPr lang="en-US" altLang="ko-KR" b="0" i="0">
+                <a:solidFill>
+                  <a:srgbClr val="0D0D0D"/>
+                </a:solidFill>
+                <a:effectLst/>
+                <a:highlight>
+                  <a:srgbClr val="FFFFFF"/>
+                </a:highlight>
+                <a:latin typeface="Söhne"/>
+              </a:rPr>
+              <a:t>.</a:t>
+            </a:r>
+          </a:p>
+          <a:p>
+            <a:pPr marL="742950" lvl="1" indent="-285750" algn="l">
+              <a:buFont typeface="Arial" panose="020B0604020202020204" pitchFamily="34" charset="0"/>
+              <a:buChar char="•"/>
+            </a:pPr>
+            <a:r>
+              <a:rPr lang="en-US" altLang="ko-KR" b="1" i="0">
+                <a:solidFill>
+                  <a:srgbClr val="0D0D0D"/>
+                </a:solidFill>
+                <a:effectLst/>
+                <a:highlight>
+                  <a:srgbClr val="FFFFFF"/>
+                </a:highlight>
+                <a:latin typeface="Söhne"/>
+              </a:rPr>
+              <a:t>x = ±z → ±1</a:t>
+            </a:r>
+            <a:r>
+              <a:rPr lang="en-US" altLang="ko-KR" b="0" i="0">
+                <a:solidFill>
+                  <a:srgbClr val="0D0D0D"/>
+                </a:solidFill>
+                <a:effectLst/>
+                <a:highlight>
+                  <a:srgbClr val="FFFFFF"/>
+                </a:highlight>
+                <a:latin typeface="Söhne"/>
+              </a:rPr>
+              <a:t>: </a:t>
+            </a:r>
+            <a:r>
+              <a:rPr lang="ko-KR" altLang="en-US" b="0" i="0">
+                <a:solidFill>
+                  <a:srgbClr val="0D0D0D"/>
+                </a:solidFill>
+                <a:effectLst/>
+                <a:highlight>
+                  <a:srgbClr val="FFFFFF"/>
+                </a:highlight>
+                <a:latin typeface="Söhne"/>
+              </a:rPr>
+              <a:t>원근 투영 후</a:t>
+            </a:r>
+            <a:r>
+              <a:rPr lang="en-US" altLang="ko-KR" b="0" i="0">
+                <a:solidFill>
+                  <a:srgbClr val="0D0D0D"/>
+                </a:solidFill>
+                <a:effectLst/>
+                <a:highlight>
+                  <a:srgbClr val="FFFFFF"/>
+                </a:highlight>
+                <a:latin typeface="Söhne"/>
+              </a:rPr>
+              <a:t>, x</a:t>
+            </a:r>
+            <a:r>
+              <a:rPr lang="ko-KR" altLang="en-US" b="0" i="0">
+                <a:solidFill>
+                  <a:srgbClr val="0D0D0D"/>
+                </a:solidFill>
+                <a:effectLst/>
+                <a:highlight>
+                  <a:srgbClr val="FFFFFF"/>
+                </a:highlight>
+                <a:latin typeface="Söhne"/>
+              </a:rPr>
+              <a:t>좌표가 </a:t>
+            </a:r>
+            <a:r>
+              <a:rPr lang="en-US" altLang="ko-KR" b="0" i="0">
+                <a:solidFill>
+                  <a:srgbClr val="0D0D0D"/>
+                </a:solidFill>
+                <a:effectLst/>
+                <a:highlight>
+                  <a:srgbClr val="FFFFFF"/>
+                </a:highlight>
+                <a:latin typeface="Söhne"/>
+              </a:rPr>
+              <a:t>±1</a:t>
+            </a:r>
+            <a:r>
+              <a:rPr lang="ko-KR" altLang="en-US" b="0" i="0">
+                <a:solidFill>
+                  <a:srgbClr val="0D0D0D"/>
+                </a:solidFill>
+                <a:effectLst/>
+                <a:highlight>
+                  <a:srgbClr val="FFFFFF"/>
+                </a:highlight>
+                <a:latin typeface="Söhne"/>
+              </a:rPr>
+              <a:t>로 정규화된다는 의미입니다</a:t>
+            </a:r>
+            <a:r>
+              <a:rPr lang="en-US" altLang="ko-KR" b="0" i="0">
+                <a:solidFill>
+                  <a:srgbClr val="0D0D0D"/>
+                </a:solidFill>
+                <a:effectLst/>
+                <a:highlight>
+                  <a:srgbClr val="FFFFFF"/>
+                </a:highlight>
+                <a:latin typeface="Söhne"/>
+              </a:rPr>
+              <a:t>.</a:t>
+            </a:r>
+          </a:p>
+          <a:p>
+            <a:pPr marL="742950" lvl="1" indent="-285750" algn="l">
+              <a:buFont typeface="Arial" panose="020B0604020202020204" pitchFamily="34" charset="0"/>
+              <a:buChar char="•"/>
+            </a:pPr>
+            <a:r>
+              <a:rPr lang="en-US" altLang="ko-KR" b="1" i="0">
+                <a:solidFill>
+                  <a:srgbClr val="0D0D0D"/>
+                </a:solidFill>
+                <a:effectLst/>
+                <a:highlight>
+                  <a:srgbClr val="FFFFFF"/>
+                </a:highlight>
+                <a:latin typeface="Söhne"/>
+              </a:rPr>
+              <a:t>y = ±z → ±1</a:t>
+            </a:r>
+            <a:r>
+              <a:rPr lang="en-US" altLang="ko-KR" b="0" i="0">
+                <a:solidFill>
+                  <a:srgbClr val="0D0D0D"/>
+                </a:solidFill>
+                <a:effectLst/>
+                <a:highlight>
+                  <a:srgbClr val="FFFFFF"/>
+                </a:highlight>
+                <a:latin typeface="Söhne"/>
+              </a:rPr>
+              <a:t>: </a:t>
+            </a:r>
+            <a:r>
+              <a:rPr lang="ko-KR" altLang="en-US" b="0" i="0">
+                <a:solidFill>
+                  <a:srgbClr val="0D0D0D"/>
+                </a:solidFill>
+                <a:effectLst/>
+                <a:highlight>
+                  <a:srgbClr val="FFFFFF"/>
+                </a:highlight>
+                <a:latin typeface="Söhne"/>
+              </a:rPr>
+              <a:t>원근 투영 후</a:t>
+            </a:r>
+            <a:r>
+              <a:rPr lang="en-US" altLang="ko-KR" b="0" i="0">
+                <a:solidFill>
+                  <a:srgbClr val="0D0D0D"/>
+                </a:solidFill>
+                <a:effectLst/>
+                <a:highlight>
+                  <a:srgbClr val="FFFFFF"/>
+                </a:highlight>
+                <a:latin typeface="Söhne"/>
+              </a:rPr>
+              <a:t>, y</a:t>
+            </a:r>
+            <a:r>
+              <a:rPr lang="ko-KR" altLang="en-US" b="0" i="0">
+                <a:solidFill>
+                  <a:srgbClr val="0D0D0D"/>
+                </a:solidFill>
+                <a:effectLst/>
+                <a:highlight>
+                  <a:srgbClr val="FFFFFF"/>
+                </a:highlight>
+                <a:latin typeface="Söhne"/>
+              </a:rPr>
+              <a:t>좌표가 </a:t>
+            </a:r>
+            <a:r>
+              <a:rPr lang="en-US" altLang="ko-KR" b="0" i="0">
+                <a:solidFill>
+                  <a:srgbClr val="0D0D0D"/>
+                </a:solidFill>
+                <a:effectLst/>
+                <a:highlight>
+                  <a:srgbClr val="FFFFFF"/>
+                </a:highlight>
+                <a:latin typeface="Söhne"/>
+              </a:rPr>
+              <a:t>±1</a:t>
+            </a:r>
+            <a:r>
+              <a:rPr lang="ko-KR" altLang="en-US" b="0" i="0">
+                <a:solidFill>
+                  <a:srgbClr val="0D0D0D"/>
+                </a:solidFill>
+                <a:effectLst/>
+                <a:highlight>
+                  <a:srgbClr val="FFFFFF"/>
+                </a:highlight>
+                <a:latin typeface="Söhne"/>
+              </a:rPr>
+              <a:t>로 정규화된다는 의미입니다</a:t>
+            </a:r>
+            <a:r>
+              <a:rPr lang="en-US" altLang="ko-KR" b="0" i="0">
+                <a:solidFill>
+                  <a:srgbClr val="0D0D0D"/>
+                </a:solidFill>
+                <a:effectLst/>
+                <a:highlight>
+                  <a:srgbClr val="FFFFFF"/>
+                </a:highlight>
+                <a:latin typeface="Söhne"/>
+              </a:rPr>
+              <a:t>.</a:t>
+            </a:r>
+          </a:p>
+          <a:p>
+            <a:pPr marL="742950" lvl="1" indent="-285750" algn="l">
+              <a:buFont typeface="Arial" panose="020B0604020202020204" pitchFamily="34" charset="0"/>
+              <a:buChar char="•"/>
+            </a:pPr>
+            <a:r>
+              <a:rPr lang="en-US" altLang="ko-KR" b="1" i="0">
+                <a:solidFill>
+                  <a:srgbClr val="0D0D0D"/>
+                </a:solidFill>
+                <a:effectLst/>
+                <a:highlight>
+                  <a:srgbClr val="FFFFFF"/>
+                </a:highlight>
+                <a:latin typeface="Söhne"/>
+              </a:rPr>
+              <a:t>z = near/far → ±1</a:t>
+            </a:r>
+            <a:r>
+              <a:rPr lang="en-US" altLang="ko-KR" b="0" i="0">
+                <a:solidFill>
+                  <a:srgbClr val="0D0D0D"/>
+                </a:solidFill>
+                <a:effectLst/>
+                <a:highlight>
+                  <a:srgbClr val="FFFFFF"/>
+                </a:highlight>
+                <a:latin typeface="Söhne"/>
+              </a:rPr>
+              <a:t>: </a:t>
+            </a:r>
+            <a:r>
+              <a:rPr lang="ko-KR" altLang="en-US" b="0" i="0">
+                <a:solidFill>
+                  <a:srgbClr val="0D0D0D"/>
+                </a:solidFill>
+                <a:effectLst/>
+                <a:highlight>
+                  <a:srgbClr val="FFFFFF"/>
+                </a:highlight>
+                <a:latin typeface="Söhne"/>
+              </a:rPr>
+              <a:t>원근 투영 후</a:t>
+            </a:r>
+            <a:r>
+              <a:rPr lang="en-US" altLang="ko-KR" b="0" i="0">
+                <a:solidFill>
+                  <a:srgbClr val="0D0D0D"/>
+                </a:solidFill>
+                <a:effectLst/>
+                <a:highlight>
+                  <a:srgbClr val="FFFFFF"/>
+                </a:highlight>
+                <a:latin typeface="Söhne"/>
+              </a:rPr>
+              <a:t>, z</a:t>
+            </a:r>
+            <a:r>
+              <a:rPr lang="ko-KR" altLang="en-US" b="0" i="0">
+                <a:solidFill>
+                  <a:srgbClr val="0D0D0D"/>
+                </a:solidFill>
+                <a:effectLst/>
+                <a:highlight>
+                  <a:srgbClr val="FFFFFF"/>
+                </a:highlight>
+                <a:latin typeface="Söhne"/>
+              </a:rPr>
+              <a:t>좌표가 </a:t>
+            </a:r>
+            <a:r>
+              <a:rPr lang="en-US" altLang="ko-KR" b="0" i="0">
+                <a:solidFill>
+                  <a:srgbClr val="0D0D0D"/>
+                </a:solidFill>
+                <a:effectLst/>
+                <a:highlight>
+                  <a:srgbClr val="FFFFFF"/>
+                </a:highlight>
+                <a:latin typeface="Söhne"/>
+              </a:rPr>
+              <a:t>±1</a:t>
+            </a:r>
+            <a:r>
+              <a:rPr lang="ko-KR" altLang="en-US" b="0" i="0">
+                <a:solidFill>
+                  <a:srgbClr val="0D0D0D"/>
+                </a:solidFill>
+                <a:effectLst/>
+                <a:highlight>
+                  <a:srgbClr val="FFFFFF"/>
+                </a:highlight>
+                <a:latin typeface="Söhne"/>
+              </a:rPr>
+              <a:t>로 정규화된다는 의미입니다</a:t>
+            </a:r>
+            <a:r>
+              <a:rPr lang="en-US" altLang="ko-KR" b="0" i="0">
+                <a:solidFill>
+                  <a:srgbClr val="0D0D0D"/>
+                </a:solidFill>
+                <a:effectLst/>
+                <a:highlight>
+                  <a:srgbClr val="FFFFFF"/>
+                </a:highlight>
+                <a:latin typeface="Söhne"/>
+              </a:rPr>
+              <a:t>.</a:t>
+            </a:r>
+          </a:p>
+          <a:p>
+            <a:pPr algn="l"/>
+            <a:endParaRPr lang="ko-KR" altLang="en-US" b="1" i="0">
+              <a:solidFill>
+                <a:srgbClr val="0D0D0D"/>
+              </a:solidFill>
+              <a:effectLst/>
+              <a:highlight>
+                <a:srgbClr val="FFFFFF"/>
+              </a:highlight>
+              <a:latin typeface="Söhne"/>
+            </a:endParaRPr>
+          </a:p>
+          <a:p>
+            <a:pPr algn="l">
+              <a:buFont typeface="Arial" panose="020B0604020202020204" pitchFamily="34" charset="0"/>
+              <a:buChar char="•"/>
+            </a:pPr>
+            <a:r>
+              <a:rPr lang="en-US" altLang="ko-KR" b="1" i="0">
+                <a:solidFill>
+                  <a:srgbClr val="0D0D0D"/>
+                </a:solidFill>
+                <a:effectLst/>
+                <a:highlight>
+                  <a:srgbClr val="FFFFFF"/>
+                </a:highlight>
+                <a:latin typeface="Söhne"/>
+              </a:rPr>
+              <a:t>New clipping volume</a:t>
+            </a:r>
+            <a:r>
+              <a:rPr lang="en-US" altLang="ko-KR" b="0" i="0">
+                <a:solidFill>
+                  <a:srgbClr val="0D0D0D"/>
+                </a:solidFill>
+                <a:effectLst/>
+                <a:highlight>
+                  <a:srgbClr val="FFFFFF"/>
+                </a:highlight>
+                <a:latin typeface="Söhne"/>
+              </a:rPr>
+              <a:t>: </a:t>
+            </a:r>
+            <a:r>
+              <a:rPr lang="ko-KR" altLang="en-US" b="0" i="0">
+                <a:solidFill>
+                  <a:srgbClr val="0D0D0D"/>
+                </a:solidFill>
+                <a:effectLst/>
+                <a:highlight>
+                  <a:srgbClr val="FFFFFF"/>
+                </a:highlight>
+                <a:latin typeface="Söhne"/>
+              </a:rPr>
+              <a:t>새로운 클리핑 볼륨은 원근 투영 후의 정규화된 공간을 나타냅니다</a:t>
+            </a:r>
+            <a:r>
+              <a:rPr lang="en-US" altLang="ko-KR" b="0" i="0">
+                <a:solidFill>
+                  <a:srgbClr val="0D0D0D"/>
+                </a:solidFill>
+                <a:effectLst/>
+                <a:highlight>
+                  <a:srgbClr val="FFFFFF"/>
+                </a:highlight>
+                <a:latin typeface="Söhne"/>
+              </a:rPr>
+              <a:t>.</a:t>
+            </a:r>
+          </a:p>
+          <a:p>
+            <a:pPr marL="742950" lvl="1" indent="-285750" algn="l">
+              <a:buFont typeface="Arial" panose="020B0604020202020204" pitchFamily="34" charset="0"/>
+              <a:buChar char="•"/>
+            </a:pPr>
+            <a:r>
+              <a:rPr lang="en-US" altLang="ko-KR" b="0" i="0">
+                <a:solidFill>
+                  <a:srgbClr val="0D0D0D"/>
+                </a:solidFill>
+                <a:effectLst/>
+                <a:highlight>
+                  <a:srgbClr val="FFFFFF"/>
+                </a:highlight>
+                <a:latin typeface="Söhne"/>
+              </a:rPr>
+              <a:t>x = 1 </a:t>
+            </a:r>
+            <a:r>
+              <a:rPr lang="ko-KR" altLang="en-US" b="0" i="0">
+                <a:solidFill>
+                  <a:srgbClr val="0D0D0D"/>
+                </a:solidFill>
+                <a:effectLst/>
+                <a:highlight>
+                  <a:srgbClr val="FFFFFF"/>
+                </a:highlight>
+                <a:latin typeface="Söhne"/>
+              </a:rPr>
+              <a:t>및 </a:t>
+            </a:r>
+            <a:r>
+              <a:rPr lang="en-US" altLang="ko-KR" b="0" i="0">
+                <a:solidFill>
+                  <a:srgbClr val="0D0D0D"/>
+                </a:solidFill>
+                <a:effectLst/>
+                <a:highlight>
+                  <a:srgbClr val="FFFFFF"/>
+                </a:highlight>
+                <a:latin typeface="Söhne"/>
+              </a:rPr>
+              <a:t>x = -1: </a:t>
+            </a:r>
+            <a:r>
+              <a:rPr lang="ko-KR" altLang="en-US" b="0" i="0">
+                <a:solidFill>
+                  <a:srgbClr val="0D0D0D"/>
+                </a:solidFill>
+                <a:effectLst/>
+                <a:highlight>
+                  <a:srgbClr val="FFFFFF"/>
+                </a:highlight>
+                <a:latin typeface="Söhne"/>
+              </a:rPr>
+              <a:t>클리핑 볼륨의 좌우 경계를 나타냅니다</a:t>
+            </a:r>
+            <a:r>
+              <a:rPr lang="en-US" altLang="ko-KR" b="0" i="0">
+                <a:solidFill>
+                  <a:srgbClr val="0D0D0D"/>
+                </a:solidFill>
+                <a:effectLst/>
+                <a:highlight>
+                  <a:srgbClr val="FFFFFF"/>
+                </a:highlight>
+                <a:latin typeface="Söhne"/>
+              </a:rPr>
+              <a:t>.</a:t>
+            </a:r>
+          </a:p>
+          <a:p>
+            <a:pPr marL="742950" lvl="1" indent="-285750" algn="l">
+              <a:buFont typeface="Arial" panose="020B0604020202020204" pitchFamily="34" charset="0"/>
+              <a:buChar char="•"/>
+            </a:pPr>
+            <a:r>
+              <a:rPr lang="en-US" altLang="ko-KR" b="0" i="0">
+                <a:solidFill>
+                  <a:srgbClr val="0D0D0D"/>
+                </a:solidFill>
+                <a:effectLst/>
+                <a:highlight>
+                  <a:srgbClr val="FFFFFF"/>
+                </a:highlight>
+                <a:latin typeface="Söhne"/>
+              </a:rPr>
+              <a:t>z = -1: </a:t>
+            </a:r>
+            <a:r>
+              <a:rPr lang="ko-KR" altLang="en-US" b="0" i="0">
+                <a:solidFill>
+                  <a:srgbClr val="0D0D0D"/>
+                </a:solidFill>
+                <a:effectLst/>
+                <a:highlight>
+                  <a:srgbClr val="FFFFFF"/>
+                </a:highlight>
+                <a:latin typeface="Söhne"/>
+              </a:rPr>
+              <a:t>클리핑 볼륨의 앞면을 나타냅니다</a:t>
+            </a:r>
+            <a:r>
+              <a:rPr lang="en-US" altLang="ko-KR" b="0" i="0">
+                <a:solidFill>
+                  <a:srgbClr val="0D0D0D"/>
+                </a:solidFill>
+                <a:effectLst/>
+                <a:highlight>
+                  <a:srgbClr val="FFFFFF"/>
+                </a:highlight>
+                <a:latin typeface="Söhne"/>
+              </a:rPr>
+              <a:t>.</a:t>
+            </a:r>
+          </a:p>
+          <a:p>
+            <a:pPr marL="742950" lvl="1" indent="-285750" algn="l">
+              <a:buFont typeface="Arial" panose="020B0604020202020204" pitchFamily="34" charset="0"/>
+              <a:buChar char="•"/>
+            </a:pPr>
+            <a:r>
+              <a:rPr lang="ko-KR" altLang="en-US" b="1" i="0">
+                <a:solidFill>
+                  <a:srgbClr val="0D0D0D"/>
+                </a:solidFill>
+                <a:effectLst/>
+                <a:highlight>
+                  <a:srgbClr val="FFFFFF"/>
+                </a:highlight>
+                <a:latin typeface="Söhne"/>
+              </a:rPr>
+              <a:t>왜곡된 객체 </a:t>
+            </a:r>
+            <a:r>
+              <a:rPr lang="en-US" altLang="ko-KR" b="1" i="0">
+                <a:solidFill>
+                  <a:srgbClr val="0D0D0D"/>
+                </a:solidFill>
+                <a:effectLst/>
+                <a:highlight>
+                  <a:srgbClr val="FFFFFF"/>
+                </a:highlight>
+                <a:latin typeface="Söhne"/>
+              </a:rPr>
+              <a:t>(Distorted object projects correctly)</a:t>
+            </a:r>
+            <a:r>
+              <a:rPr lang="en-US" altLang="ko-KR" b="0" i="0">
+                <a:solidFill>
+                  <a:srgbClr val="0D0D0D"/>
+                </a:solidFill>
+                <a:effectLst/>
+                <a:highlight>
+                  <a:srgbClr val="FFFFFF"/>
+                </a:highlight>
+                <a:latin typeface="Söhne"/>
+              </a:rPr>
+              <a:t>: </a:t>
+            </a:r>
+            <a:r>
+              <a:rPr lang="ko-KR" altLang="en-US" b="0" i="0">
+                <a:solidFill>
+                  <a:srgbClr val="0D0D0D"/>
+                </a:solidFill>
+                <a:effectLst/>
+                <a:highlight>
+                  <a:srgbClr val="FFFFFF"/>
+                </a:highlight>
+                <a:latin typeface="Söhne"/>
+              </a:rPr>
+              <a:t>원근 투영 전에 왜곡된 객체가 투영 후 올바르게 보이는 예시입니다</a:t>
+            </a:r>
+            <a:r>
+              <a:rPr lang="en-US" altLang="ko-KR" b="0" i="0">
+                <a:solidFill>
+                  <a:srgbClr val="0D0D0D"/>
+                </a:solidFill>
+                <a:effectLst/>
+                <a:highlight>
+                  <a:srgbClr val="FFFFFF"/>
+                </a:highlight>
+                <a:latin typeface="Söhne"/>
+              </a:rPr>
+              <a:t>.</a:t>
+            </a:r>
+          </a:p>
+          <a:p>
+            <a:pPr marL="0" marR="0" lvl="0" indent="0" algn="l" defTabSz="914400" rtl="0" eaLnBrk="1" fontAlgn="auto" latinLnBrk="1" hangingPunct="1">
+              <a:lnSpc>
+                <a:spcPct val="100000"/>
+              </a:lnSpc>
+              <a:spcBef>
+                <a:spcPts val="0"/>
+              </a:spcBef>
+              <a:spcAft>
+                <a:spcPts val="0"/>
+              </a:spcAft>
+              <a:buClrTx/>
+              <a:buSzTx/>
+              <a:buFontTx/>
+              <a:buNone/>
+              <a:tabLst/>
+              <a:defRPr/>
+            </a:pPr>
+            <a:endParaRPr lang="en-US" altLang="ko-KR" b="0" i="0">
+              <a:solidFill>
+                <a:srgbClr val="0D0D0D"/>
+              </a:solidFill>
+              <a:effectLst/>
+              <a:highlight>
+                <a:srgbClr val="FFFFFF"/>
+              </a:highlight>
+              <a:latin typeface="Söhne"/>
+            </a:endParaRPr>
+          </a:p>
+          <a:p>
+            <a:pPr marL="0" marR="0" lvl="0" indent="0" algn="l" defTabSz="914400" rtl="0" eaLnBrk="1" fontAlgn="auto" latinLnBrk="1" hangingPunct="1">
+              <a:lnSpc>
+                <a:spcPct val="100000"/>
+              </a:lnSpc>
+              <a:spcBef>
+                <a:spcPts val="0"/>
+              </a:spcBef>
+              <a:spcAft>
+                <a:spcPts val="0"/>
+              </a:spcAft>
+              <a:buClrTx/>
+              <a:buSzTx/>
+              <a:buFontTx/>
+              <a:buNone/>
+              <a:tabLst/>
+              <a:defRPr/>
+            </a:pPr>
+            <a:r>
+              <a:rPr lang="ko-KR" altLang="en-US" b="0" i="0">
+                <a:solidFill>
+                  <a:srgbClr val="0D0D0D"/>
+                </a:solidFill>
+                <a:effectLst/>
+                <a:highlight>
+                  <a:srgbClr val="FFFFFF"/>
+                </a:highlight>
+                <a:latin typeface="Söhne"/>
+              </a:rPr>
+              <a:t>원근 투영 행렬은 </a:t>
+            </a:r>
+            <a:r>
+              <a:rPr lang="en-US" altLang="ko-KR" b="0" i="0">
+                <a:solidFill>
+                  <a:srgbClr val="0D0D0D"/>
+                </a:solidFill>
+                <a:effectLst/>
+                <a:highlight>
+                  <a:srgbClr val="FFFFFF"/>
+                </a:highlight>
+                <a:latin typeface="Söhne"/>
+              </a:rPr>
+              <a:t>3D </a:t>
+            </a:r>
+            <a:r>
+              <a:rPr lang="ko-KR" altLang="en-US" b="0" i="0">
+                <a:solidFill>
+                  <a:srgbClr val="0D0D0D"/>
+                </a:solidFill>
+                <a:effectLst/>
+                <a:highlight>
+                  <a:srgbClr val="FFFFFF"/>
+                </a:highlight>
+                <a:latin typeface="Söhne"/>
+              </a:rPr>
+              <a:t>좌표를 </a:t>
+            </a:r>
+            <a:r>
+              <a:rPr lang="en-US" altLang="ko-KR" b="0" i="0">
+                <a:solidFill>
+                  <a:srgbClr val="0D0D0D"/>
+                </a:solidFill>
+                <a:effectLst/>
+                <a:highlight>
+                  <a:srgbClr val="FFFFFF"/>
+                </a:highlight>
+                <a:latin typeface="Söhne"/>
+              </a:rPr>
+              <a:t>2D </a:t>
+            </a:r>
+            <a:r>
+              <a:rPr lang="ko-KR" altLang="en-US" b="0" i="0">
+                <a:solidFill>
+                  <a:srgbClr val="0D0D0D"/>
+                </a:solidFill>
+                <a:effectLst/>
+                <a:highlight>
+                  <a:srgbClr val="FFFFFF"/>
+                </a:highlight>
+                <a:latin typeface="Söhne"/>
+              </a:rPr>
+              <a:t>평면으로 변환하는데</a:t>
+            </a:r>
+            <a:r>
+              <a:rPr lang="en-US" altLang="ko-KR" b="0" i="0">
+                <a:solidFill>
+                  <a:srgbClr val="0D0D0D"/>
+                </a:solidFill>
+                <a:effectLst/>
+                <a:highlight>
+                  <a:srgbClr val="FFFFFF"/>
+                </a:highlight>
+                <a:latin typeface="Söhne"/>
+              </a:rPr>
+              <a:t>, </a:t>
+            </a:r>
+            <a:r>
+              <a:rPr lang="ko-KR" altLang="en-US" b="0" i="0">
+                <a:solidFill>
+                  <a:srgbClr val="0D0D0D"/>
+                </a:solidFill>
+                <a:effectLst/>
+                <a:highlight>
+                  <a:srgbClr val="FFFFFF"/>
+                </a:highlight>
+                <a:latin typeface="Söhne"/>
+              </a:rPr>
+              <a:t>원근감을 유지하면서 좌표를 정규화합니다</a:t>
+            </a:r>
+            <a:r>
+              <a:rPr lang="en-US" altLang="ko-KR" b="0" i="0">
+                <a:solidFill>
+                  <a:srgbClr val="0D0D0D"/>
+                </a:solidFill>
+                <a:effectLst/>
+                <a:highlight>
+                  <a:srgbClr val="FFFFFF"/>
+                </a:highlight>
+                <a:latin typeface="Söhne"/>
+              </a:rPr>
+              <a:t>.</a:t>
+            </a:r>
+          </a:p>
+          <a:p>
+            <a:pPr algn="l">
+              <a:buFont typeface="Arial" panose="020B0604020202020204" pitchFamily="34" charset="0"/>
+              <a:buChar char="•"/>
+            </a:pPr>
+            <a:r>
+              <a:rPr lang="ko-KR" altLang="en-US" b="0" i="0">
+                <a:solidFill>
+                  <a:srgbClr val="0D0D0D"/>
+                </a:solidFill>
+                <a:effectLst/>
+                <a:highlight>
+                  <a:srgbClr val="FFFFFF"/>
+                </a:highlight>
+                <a:latin typeface="Söhne"/>
+              </a:rPr>
+              <a:t>정규화된 좌표는 </a:t>
+            </a:r>
+            <a:r>
+              <a:rPr lang="en-US" altLang="ko-KR" b="0" i="0">
+                <a:solidFill>
+                  <a:srgbClr val="0D0D0D"/>
+                </a:solidFill>
+                <a:effectLst/>
+                <a:highlight>
+                  <a:srgbClr val="FFFFFF"/>
+                </a:highlight>
+                <a:latin typeface="Söhne"/>
+              </a:rPr>
+              <a:t>NDC </a:t>
+            </a:r>
+            <a:r>
+              <a:rPr lang="ko-KR" altLang="en-US" b="0" i="0">
+                <a:solidFill>
+                  <a:srgbClr val="0D0D0D"/>
+                </a:solidFill>
+                <a:effectLst/>
+                <a:highlight>
+                  <a:srgbClr val="FFFFFF"/>
+                </a:highlight>
+                <a:latin typeface="Söhne"/>
+              </a:rPr>
+              <a:t>좌표계로 변환되어</a:t>
+            </a:r>
+            <a:r>
+              <a:rPr lang="en-US" altLang="ko-KR" b="0" i="0">
+                <a:solidFill>
+                  <a:srgbClr val="0D0D0D"/>
+                </a:solidFill>
+                <a:effectLst/>
+                <a:highlight>
+                  <a:srgbClr val="FFFFFF"/>
+                </a:highlight>
+                <a:latin typeface="Söhne"/>
+              </a:rPr>
+              <a:t>, </a:t>
+            </a:r>
+            <a:r>
+              <a:rPr lang="ko-KR" altLang="en-US" b="0" i="0">
+                <a:solidFill>
+                  <a:srgbClr val="0D0D0D"/>
+                </a:solidFill>
+                <a:effectLst/>
+                <a:highlight>
+                  <a:srgbClr val="FFFFFF"/>
+                </a:highlight>
+                <a:latin typeface="Söhne"/>
+              </a:rPr>
+              <a:t>모든 좌표가 </a:t>
+            </a:r>
+            <a:r>
+              <a:rPr lang="en-US" altLang="ko-KR" b="0" i="0">
+                <a:solidFill>
+                  <a:srgbClr val="0D0D0D"/>
+                </a:solidFill>
+                <a:effectLst/>
+                <a:highlight>
+                  <a:srgbClr val="FFFFFF"/>
+                </a:highlight>
+                <a:latin typeface="Söhne"/>
+              </a:rPr>
+              <a:t>[-1, 1] </a:t>
+            </a:r>
+            <a:r>
+              <a:rPr lang="ko-KR" altLang="en-US" b="0" i="0">
+                <a:solidFill>
+                  <a:srgbClr val="0D0D0D"/>
+                </a:solidFill>
+                <a:effectLst/>
+                <a:highlight>
+                  <a:srgbClr val="FFFFFF"/>
+                </a:highlight>
+                <a:latin typeface="Söhne"/>
+              </a:rPr>
+              <a:t>범위 내에 위치하게 됩니다</a:t>
+            </a:r>
+            <a:r>
+              <a:rPr lang="en-US" altLang="ko-KR" b="0" i="0">
+                <a:solidFill>
+                  <a:srgbClr val="0D0D0D"/>
+                </a:solidFill>
+                <a:effectLst/>
+                <a:highlight>
+                  <a:srgbClr val="FFFFFF"/>
+                </a:highlight>
+                <a:latin typeface="Söhne"/>
+              </a:rPr>
+              <a:t>.</a:t>
+            </a:r>
+          </a:p>
+          <a:p>
+            <a:br>
+              <a:rPr lang="ko-KR" altLang="en-US"/>
+            </a:br>
+            <a:endParaRPr lang="en-US" altLang="ko-KR" b="0" i="0">
+              <a:solidFill>
+                <a:srgbClr val="0D0D0D"/>
+              </a:solidFill>
+              <a:effectLst/>
+              <a:highlight>
+                <a:srgbClr val="FFFFFF"/>
+              </a:highlight>
+              <a:latin typeface="Söhne"/>
+            </a:endParaRPr>
+          </a:p>
+          <a:p>
+            <a:endParaRPr lang="en-US" altLang="ko-KR" b="0" i="0">
+              <a:solidFill>
+                <a:srgbClr val="ECECEC"/>
+              </a:solidFill>
+              <a:effectLst/>
+              <a:highlight>
+                <a:srgbClr val="212121"/>
+              </a:highlight>
+              <a:latin typeface="Söhne"/>
+            </a:endParaRPr>
+          </a:p>
+        </p:txBody>
+      </p:sp>
+      <p:sp>
+        <p:nvSpPr>
+          <p:cNvPr id="4" name="슬라이드 번호 개체 틀 3"/>
+          <p:cNvSpPr>
+            <a:spLocks noGrp="1"/>
+          </p:cNvSpPr>
+          <p:nvPr>
+            <p:ph type="sldNum" sz="quarter" idx="5"/>
+          </p:nvPr>
+        </p:nvSpPr>
+        <p:spPr/>
+        <p:txBody>
+          <a:bodyPr/>
+          <a:lstStyle/>
+          <a:p>
+            <a:fld id="{7C693DA0-B09C-45C5-8731-C76367726215}" type="slidenum">
+              <a:rPr lang="ko-KR" altLang="en-US" smtClean="0"/>
+              <a:t>9</a:t>
+            </a:fld>
+            <a:endParaRPr lang="ko-KR" altLang="en-US"/>
+          </a:p>
+        </p:txBody>
+      </p:sp>
+    </p:spTree>
+    <p:extLst>
+      <p:ext uri="{BB962C8B-B14F-4D97-AF65-F5344CB8AC3E}">
+        <p14:creationId xmlns:p14="http://schemas.microsoft.com/office/powerpoint/2010/main" val="2929655733"/>
+      </p:ext>
+    </p:extLst>
+  </p:cSld>
+  <p:clrMapOvr>
+    <a:masterClrMapping/>
+  </p:clrMapOvr>
+</p:notes>
+</file>
+
+<file path=ppt/notesSlides/notesSlide9.xml><?xml version="1.0" encoding="utf-8"?>
+<p:notes xmlns:a="http://schemas.openxmlformats.org/drawingml/2006/main" xmlns:r="http://schemas.openxmlformats.org/officeDocument/2006/relationships" xmlns:p="http://schemas.openxmlformats.org/presentationml/2006/main">
+  <p:cSld>
+    <p:spTree>
+      <p:nvGrpSpPr>
+        <p:cNvPr id="1" name=""/>
+        <p:cNvGrpSpPr/>
+        <p:nvPr/>
+      </p:nvGrpSpPr>
+      <p:grpSpPr>
+        <a:xfrm>
+          <a:off x="0" y="0"/>
+          <a:ext cx="0" cy="0"/>
+          <a:chOff x="0" y="0"/>
+          <a:chExt cx="0" cy="0"/>
+        </a:xfrm>
+      </p:grpSpPr>
+      <p:sp>
+        <p:nvSpPr>
+          <p:cNvPr id="2" name="슬라이드 이미지 개체 틀 1"/>
+          <p:cNvSpPr>
+            <a:spLocks noGrp="1" noRot="1" noChangeAspect="1"/>
+          </p:cNvSpPr>
+          <p:nvPr>
+            <p:ph type="sldImg"/>
+          </p:nvPr>
+        </p:nvSpPr>
+        <p:spPr/>
+      </p:sp>
+      <p:sp>
+        <p:nvSpPr>
+          <p:cNvPr id="3" name="슬라이드 노트 개체 틀 2"/>
+          <p:cNvSpPr>
+            <a:spLocks noGrp="1"/>
+          </p:cNvSpPr>
+          <p:nvPr>
+            <p:ph type="body" idx="1"/>
+          </p:nvPr>
+        </p:nvSpPr>
+        <p:spPr/>
+        <p:txBody>
+          <a:bodyPr/>
+          <a:lstStyle/>
+          <a:p>
+            <a:pPr algn="l"/>
+            <a:r>
+              <a:rPr lang="ko-KR" altLang="en-US" b="1" i="0">
+                <a:solidFill>
+                  <a:srgbClr val="0D0D0D"/>
+                </a:solidFill>
+                <a:effectLst/>
+                <a:highlight>
+                  <a:srgbClr val="FFFFFF"/>
+                </a:highlight>
+                <a:latin typeface="Söhne"/>
+              </a:rPr>
+              <a:t>원근 투영을 직교 투영으로 변환하는 이유로는 원근 투영에서 계산을 한다면 훨씬 복잡하기 때문에 직교 투영으로 변환 후 사용합니다</a:t>
+            </a:r>
+            <a:r>
+              <a:rPr lang="en-US" altLang="ko-KR" b="1" i="0">
+                <a:solidFill>
+                  <a:srgbClr val="0D0D0D"/>
+                </a:solidFill>
+                <a:effectLst/>
+                <a:highlight>
+                  <a:srgbClr val="FFFFFF"/>
+                </a:highlight>
+                <a:latin typeface="Söhne"/>
+              </a:rPr>
+              <a:t>.</a:t>
+            </a:r>
+            <a:endParaRPr lang="en-US" altLang="ko-KR" b="0" i="0">
+              <a:solidFill>
+                <a:srgbClr val="0D0D0D"/>
+              </a:solidFill>
+              <a:effectLst/>
+              <a:highlight>
+                <a:srgbClr val="FFFFFF"/>
+              </a:highlight>
+              <a:latin typeface="Söhne"/>
+            </a:endParaRPr>
+          </a:p>
+          <a:p>
+            <a:pPr algn="l"/>
+            <a:r>
+              <a:rPr lang="ko-KR" altLang="en-US" b="0" i="0">
+                <a:solidFill>
+                  <a:srgbClr val="0D0D0D"/>
+                </a:solidFill>
+                <a:effectLst/>
+                <a:highlight>
+                  <a:srgbClr val="FFFFFF"/>
+                </a:highlight>
+                <a:latin typeface="Söhne"/>
+              </a:rPr>
+              <a:t>행렬의 의미는 다음과 같습니다</a:t>
+            </a:r>
+            <a:r>
+              <a:rPr lang="en-US" altLang="ko-KR" b="0" i="0">
+                <a:solidFill>
+                  <a:srgbClr val="0D0D0D"/>
+                </a:solidFill>
+                <a:effectLst/>
+                <a:highlight>
+                  <a:srgbClr val="FFFFFF"/>
+                </a:highlight>
+                <a:latin typeface="Söhne"/>
+              </a:rPr>
+              <a:t>:</a:t>
+            </a:r>
+          </a:p>
+          <a:p>
+            <a:pPr algn="l">
+              <a:buFont typeface="+mj-lt"/>
+              <a:buAutoNum type="arabicPeriod"/>
+            </a:pPr>
+            <a:r>
+              <a:rPr lang="ko-KR" altLang="en-US" b="0" i="0">
+                <a:solidFill>
+                  <a:srgbClr val="0D0D0D"/>
+                </a:solidFill>
+                <a:effectLst/>
+                <a:highlight>
+                  <a:srgbClr val="FFFFFF"/>
+                </a:highlight>
+                <a:latin typeface="Söhne"/>
+              </a:rPr>
+              <a:t>행렬은 </a:t>
+            </a:r>
+            <a:r>
+              <a:rPr lang="en-US" altLang="ko-KR" b="0" i="0">
+                <a:solidFill>
+                  <a:srgbClr val="0D0D0D"/>
+                </a:solidFill>
+                <a:effectLst/>
+                <a:highlight>
+                  <a:srgbClr val="FFFFFF"/>
+                </a:highlight>
+                <a:latin typeface="Söhne"/>
+              </a:rPr>
+              <a:t>3D </a:t>
+            </a:r>
+            <a:r>
+              <a:rPr lang="ko-KR" altLang="en-US" b="0" i="0">
+                <a:solidFill>
+                  <a:srgbClr val="0D0D0D"/>
+                </a:solidFill>
+                <a:effectLst/>
+                <a:highlight>
+                  <a:srgbClr val="FFFFFF"/>
+                </a:highlight>
+                <a:latin typeface="Söhne"/>
+              </a:rPr>
+              <a:t>공간에서의 원근 투영을 설명합니다</a:t>
+            </a:r>
+            <a:r>
+              <a:rPr lang="en-US" altLang="ko-KR" b="0" i="0">
+                <a:solidFill>
+                  <a:srgbClr val="0D0D0D"/>
+                </a:solidFill>
+                <a:effectLst/>
+                <a:highlight>
+                  <a:srgbClr val="FFFFFF"/>
+                </a:highlight>
+                <a:latin typeface="Söhne"/>
+              </a:rPr>
+              <a:t>. </a:t>
+            </a:r>
+            <a:r>
+              <a:rPr lang="ko-KR" altLang="en-US" b="0" i="0">
+                <a:solidFill>
+                  <a:srgbClr val="0D0D0D"/>
+                </a:solidFill>
+                <a:effectLst/>
+                <a:highlight>
+                  <a:srgbClr val="FFFFFF"/>
+                </a:highlight>
+                <a:latin typeface="Söhne"/>
+              </a:rPr>
+              <a:t>원점에서 보는 시야를 나타내며</a:t>
+            </a:r>
+            <a:r>
+              <a:rPr lang="en-US" altLang="ko-KR" b="0" i="0">
+                <a:solidFill>
+                  <a:srgbClr val="0D0D0D"/>
+                </a:solidFill>
+                <a:effectLst/>
+                <a:highlight>
+                  <a:srgbClr val="FFFFFF"/>
+                </a:highlight>
+                <a:latin typeface="Söhne"/>
+              </a:rPr>
+              <a:t>, </a:t>
+            </a:r>
+            <a:r>
+              <a:rPr lang="ko-KR" altLang="en-US" b="0" i="0">
+                <a:solidFill>
+                  <a:srgbClr val="0D0D0D"/>
+                </a:solidFill>
+                <a:effectLst/>
+                <a:highlight>
+                  <a:srgbClr val="FFFFFF"/>
+                </a:highlight>
+                <a:latin typeface="KaTeX_Main"/>
+              </a:rPr>
+              <a:t>𝑧</a:t>
+            </a:r>
+            <a:r>
+              <a:rPr lang="en-US" altLang="ko-KR" b="0" i="0">
+                <a:solidFill>
+                  <a:srgbClr val="0D0D0D"/>
+                </a:solidFill>
+                <a:effectLst/>
+                <a:highlight>
+                  <a:srgbClr val="FFFFFF"/>
+                </a:highlight>
+                <a:latin typeface="KaTeX_Main"/>
+              </a:rPr>
+              <a:t>=−1</a:t>
+            </a:r>
+            <a:r>
+              <a:rPr lang="ko-KR" altLang="en-US" b="0" i="0">
+                <a:solidFill>
+                  <a:srgbClr val="0D0D0D"/>
+                </a:solidFill>
+                <a:effectLst/>
+                <a:highlight>
+                  <a:srgbClr val="FFFFFF"/>
+                </a:highlight>
+                <a:latin typeface="Söhne"/>
+              </a:rPr>
+              <a:t>인 투영면</a:t>
+            </a:r>
+            <a:r>
+              <a:rPr lang="en-US" altLang="ko-KR" b="0" i="0">
+                <a:solidFill>
+                  <a:srgbClr val="0D0D0D"/>
+                </a:solidFill>
+                <a:effectLst/>
+                <a:highlight>
+                  <a:srgbClr val="FFFFFF"/>
+                </a:highlight>
+                <a:latin typeface="Söhne"/>
+              </a:rPr>
+              <a:t>(PP)</a:t>
+            </a:r>
+            <a:r>
+              <a:rPr lang="ko-KR" altLang="en-US" b="0" i="0">
+                <a:solidFill>
+                  <a:srgbClr val="0D0D0D"/>
+                </a:solidFill>
+                <a:effectLst/>
+                <a:highlight>
+                  <a:srgbClr val="FFFFFF"/>
+                </a:highlight>
+                <a:latin typeface="Söhne"/>
+              </a:rPr>
+              <a:t>을 나타냅니다</a:t>
+            </a:r>
+            <a:r>
+              <a:rPr lang="en-US" altLang="ko-KR" b="0" i="0">
+                <a:solidFill>
+                  <a:srgbClr val="0D0D0D"/>
+                </a:solidFill>
+                <a:effectLst/>
+                <a:highlight>
+                  <a:srgbClr val="FFFFFF"/>
+                </a:highlight>
+                <a:latin typeface="Söhne"/>
+              </a:rPr>
+              <a:t>. OpenGL</a:t>
+            </a:r>
+            <a:r>
+              <a:rPr lang="ko-KR" altLang="en-US" b="0" i="0">
+                <a:solidFill>
+                  <a:srgbClr val="0D0D0D"/>
+                </a:solidFill>
+                <a:effectLst/>
+                <a:highlight>
+                  <a:srgbClr val="FFFFFF"/>
+                </a:highlight>
+                <a:latin typeface="Söhne"/>
+              </a:rPr>
+              <a:t>의 기본 설정으로 일반적으로 투영 평면이 </a:t>
+            </a:r>
+            <a:r>
+              <a:rPr lang="en-US" altLang="ko-KR" b="0" i="0">
+                <a:solidFill>
+                  <a:srgbClr val="0D0D0D"/>
+                </a:solidFill>
+                <a:effectLst/>
+                <a:highlight>
+                  <a:srgbClr val="FFFFFF"/>
+                </a:highlight>
+                <a:latin typeface="Söhne"/>
+              </a:rPr>
+              <a:t>z=-1</a:t>
+            </a:r>
+            <a:r>
+              <a:rPr lang="ko-KR" altLang="en-US" b="0" i="0">
+                <a:solidFill>
+                  <a:srgbClr val="0D0D0D"/>
+                </a:solidFill>
+                <a:effectLst/>
+                <a:highlight>
+                  <a:srgbClr val="FFFFFF"/>
+                </a:highlight>
+                <a:latin typeface="Söhne"/>
+              </a:rPr>
+              <a:t>에 위치에 있습니다</a:t>
+            </a:r>
+            <a:r>
+              <a:rPr lang="en-US" altLang="ko-KR" b="0" i="0">
+                <a:solidFill>
+                  <a:srgbClr val="0D0D0D"/>
+                </a:solidFill>
+                <a:effectLst/>
+                <a:highlight>
+                  <a:srgbClr val="FFFFFF"/>
+                </a:highlight>
+                <a:latin typeface="Söhne"/>
+              </a:rPr>
+              <a:t>.</a:t>
+            </a:r>
+          </a:p>
+          <a:p>
+            <a:pPr algn="l">
+              <a:buFont typeface="+mj-lt"/>
+              <a:buAutoNum type="arabicPeriod"/>
+            </a:pPr>
+            <a:r>
+              <a:rPr lang="ko-KR" altLang="en-US" b="0" i="0">
+                <a:solidFill>
+                  <a:srgbClr val="0D0D0D"/>
+                </a:solidFill>
+                <a:effectLst/>
+                <a:highlight>
+                  <a:srgbClr val="FFFFFF"/>
+                </a:highlight>
+                <a:latin typeface="Söhne"/>
+              </a:rPr>
+              <a:t>이 행렬을 사용하면 </a:t>
+            </a:r>
+            <a:r>
+              <a:rPr lang="en-US" altLang="ko-KR" b="0" i="0">
+                <a:solidFill>
+                  <a:srgbClr val="0D0D0D"/>
+                </a:solidFill>
+                <a:effectLst/>
+                <a:highlight>
+                  <a:srgbClr val="FFFFFF"/>
+                </a:highlight>
+                <a:latin typeface="Söhne"/>
+              </a:rPr>
+              <a:t>3D </a:t>
+            </a:r>
+            <a:r>
+              <a:rPr lang="ko-KR" altLang="en-US" b="0" i="0">
+                <a:solidFill>
+                  <a:srgbClr val="0D0D0D"/>
+                </a:solidFill>
+                <a:effectLst/>
+                <a:highlight>
+                  <a:srgbClr val="FFFFFF"/>
+                </a:highlight>
+                <a:latin typeface="Söhne"/>
+              </a:rPr>
+              <a:t>좌표가 원근투영된 </a:t>
+            </a:r>
+            <a:r>
+              <a:rPr lang="en-US" altLang="ko-KR" b="0" i="0">
+                <a:solidFill>
+                  <a:srgbClr val="0D0D0D"/>
+                </a:solidFill>
+                <a:effectLst/>
+                <a:highlight>
+                  <a:srgbClr val="FFFFFF"/>
+                </a:highlight>
+                <a:latin typeface="Söhne"/>
+              </a:rPr>
+              <a:t>2D </a:t>
+            </a:r>
+            <a:r>
+              <a:rPr lang="ko-KR" altLang="en-US" b="0" i="0">
+                <a:solidFill>
+                  <a:srgbClr val="0D0D0D"/>
+                </a:solidFill>
+                <a:effectLst/>
+                <a:highlight>
+                  <a:srgbClr val="FFFFFF"/>
+                </a:highlight>
+                <a:latin typeface="Söhne"/>
+              </a:rPr>
+              <a:t>좌표로 변환됩니다</a:t>
+            </a:r>
+            <a:r>
+              <a:rPr lang="en-US" altLang="ko-KR" b="0" i="0">
+                <a:solidFill>
+                  <a:srgbClr val="0D0D0D"/>
+                </a:solidFill>
+                <a:effectLst/>
+                <a:highlight>
+                  <a:srgbClr val="FFFFFF"/>
+                </a:highlight>
+                <a:latin typeface="Söhne"/>
+              </a:rPr>
+              <a:t>. </a:t>
+            </a:r>
+            <a:r>
+              <a:rPr lang="ko-KR" altLang="en-US" b="0" i="0">
+                <a:solidFill>
+                  <a:srgbClr val="0D0D0D"/>
+                </a:solidFill>
+                <a:effectLst/>
+                <a:highlight>
+                  <a:srgbClr val="FFFFFF"/>
+                </a:highlight>
+                <a:latin typeface="Söhne"/>
+              </a:rPr>
+              <a:t>즉</a:t>
+            </a:r>
+            <a:r>
+              <a:rPr lang="en-US" altLang="ko-KR" b="0" i="0">
+                <a:solidFill>
+                  <a:srgbClr val="0D0D0D"/>
+                </a:solidFill>
+                <a:effectLst/>
+                <a:highlight>
+                  <a:srgbClr val="FFFFFF"/>
+                </a:highlight>
+                <a:latin typeface="Söhne"/>
+              </a:rPr>
+              <a:t>, </a:t>
+            </a:r>
+            <a:r>
+              <a:rPr lang="ko-KR" altLang="en-US" b="0" i="0">
+                <a:solidFill>
+                  <a:srgbClr val="0D0D0D"/>
+                </a:solidFill>
+                <a:effectLst/>
+                <a:highlight>
+                  <a:srgbClr val="FFFFFF"/>
+                </a:highlight>
+                <a:latin typeface="Söhne"/>
+              </a:rPr>
+              <a:t>관찰자가 원점에 있을 때 원근법을 통해 물체가 어떻게 보이는지를 나타냅니다</a:t>
+            </a:r>
+            <a:r>
+              <a:rPr lang="en-US" altLang="ko-KR" b="0" i="0">
+                <a:solidFill>
+                  <a:srgbClr val="0D0D0D"/>
+                </a:solidFill>
+                <a:effectLst/>
+                <a:highlight>
+                  <a:srgbClr val="FFFFFF"/>
+                </a:highlight>
+                <a:latin typeface="Söhne"/>
+              </a:rPr>
+              <a:t>.</a:t>
+            </a:r>
+          </a:p>
+          <a:p>
+            <a:endParaRPr lang="ko-KR" altLang="en-US"/>
+          </a:p>
+        </p:txBody>
+      </p:sp>
+      <p:sp>
+        <p:nvSpPr>
+          <p:cNvPr id="4" name="슬라이드 번호 개체 틀 3"/>
+          <p:cNvSpPr>
+            <a:spLocks noGrp="1"/>
+          </p:cNvSpPr>
+          <p:nvPr>
+            <p:ph type="sldNum" sz="quarter" idx="5"/>
+          </p:nvPr>
+        </p:nvSpPr>
+        <p:spPr/>
+        <p:txBody>
+          <a:bodyPr/>
+          <a:lstStyle/>
+          <a:p>
+            <a:fld id="{7C693DA0-B09C-45C5-8731-C76367726215}" type="slidenum">
+              <a:rPr lang="ko-KR" altLang="en-US" smtClean="0"/>
+              <a:t>10</a:t>
+            </a:fld>
+            <a:endParaRPr lang="ko-KR" altLang="en-US"/>
+          </a:p>
+        </p:txBody>
+      </p:sp>
+    </p:spTree>
+    <p:extLst>
+      <p:ext uri="{BB962C8B-B14F-4D97-AF65-F5344CB8AC3E}">
+        <p14:creationId xmlns:p14="http://schemas.microsoft.com/office/powerpoint/2010/main" val="160377666"/>
       </p:ext>
     </p:extLst>
   </p:cSld>
@@ -3186,7 +6155,7 @@
           <a:p>
             <a:fld id="{F3A70782-3C84-4060-BC83-54A57C66AEEC}" type="datetimeFigureOut">
               <a:rPr lang="ko-KR" altLang="en-US" smtClean="0"/>
-              <a:t>2024-05-07</a:t>
+              <a:t>2024-05-14</a:t>
             </a:fld>
             <a:endParaRPr lang="ko-KR" altLang="en-US"/>
           </a:p>
@@ -3384,7 +6353,7 @@
           <a:p>
             <a:fld id="{F3A70782-3C84-4060-BC83-54A57C66AEEC}" type="datetimeFigureOut">
               <a:rPr lang="ko-KR" altLang="en-US" smtClean="0"/>
-              <a:t>2024-05-07</a:t>
+              <a:t>2024-05-14</a:t>
             </a:fld>
             <a:endParaRPr lang="ko-KR" altLang="en-US"/>
           </a:p>
@@ -3592,7 +6561,7 @@
           <a:p>
             <a:fld id="{F3A70782-3C84-4060-BC83-54A57C66AEEC}" type="datetimeFigureOut">
               <a:rPr lang="ko-KR" altLang="en-US" smtClean="0"/>
-              <a:t>2024-05-07</a:t>
+              <a:t>2024-05-14</a:t>
             </a:fld>
             <a:endParaRPr lang="ko-KR" altLang="en-US"/>
           </a:p>
@@ -3790,7 +6759,7 @@
           <a:p>
             <a:fld id="{F3A70782-3C84-4060-BC83-54A57C66AEEC}" type="datetimeFigureOut">
               <a:rPr lang="ko-KR" altLang="en-US" smtClean="0"/>
-              <a:t>2024-05-07</a:t>
+              <a:t>2024-05-14</a:t>
             </a:fld>
             <a:endParaRPr lang="ko-KR" altLang="en-US"/>
           </a:p>
@@ -4065,7 +7034,7 @@
           <a:p>
             <a:fld id="{F3A70782-3C84-4060-BC83-54A57C66AEEC}" type="datetimeFigureOut">
               <a:rPr lang="ko-KR" altLang="en-US" smtClean="0"/>
-              <a:t>2024-05-07</a:t>
+              <a:t>2024-05-14</a:t>
             </a:fld>
             <a:endParaRPr lang="ko-KR" altLang="en-US"/>
           </a:p>
@@ -4330,7 +7299,7 @@
           <a:p>
             <a:fld id="{F3A70782-3C84-4060-BC83-54A57C66AEEC}" type="datetimeFigureOut">
               <a:rPr lang="ko-KR" altLang="en-US" smtClean="0"/>
-              <a:t>2024-05-07</a:t>
+              <a:t>2024-05-14</a:t>
             </a:fld>
             <a:endParaRPr lang="ko-KR" altLang="en-US"/>
           </a:p>
@@ -4742,7 +7711,7 @@
           <a:p>
             <a:fld id="{F3A70782-3C84-4060-BC83-54A57C66AEEC}" type="datetimeFigureOut">
               <a:rPr lang="ko-KR" altLang="en-US" smtClean="0"/>
-              <a:t>2024-05-07</a:t>
+              <a:t>2024-05-14</a:t>
             </a:fld>
             <a:endParaRPr lang="ko-KR" altLang="en-US"/>
           </a:p>
@@ -4883,7 +7852,7 @@
           <a:p>
             <a:fld id="{F3A70782-3C84-4060-BC83-54A57C66AEEC}" type="datetimeFigureOut">
               <a:rPr lang="ko-KR" altLang="en-US" smtClean="0"/>
-              <a:t>2024-05-07</a:t>
+              <a:t>2024-05-14</a:t>
             </a:fld>
             <a:endParaRPr lang="ko-KR" altLang="en-US"/>
           </a:p>
@@ -4996,7 +7965,7 @@
           <a:p>
             <a:fld id="{F3A70782-3C84-4060-BC83-54A57C66AEEC}" type="datetimeFigureOut">
               <a:rPr lang="ko-KR" altLang="en-US" smtClean="0"/>
-              <a:t>2024-05-07</a:t>
+              <a:t>2024-05-14</a:t>
             </a:fld>
             <a:endParaRPr lang="ko-KR" altLang="en-US"/>
           </a:p>
@@ -5307,7 +8276,7 @@
           <a:p>
             <a:fld id="{F3A70782-3C84-4060-BC83-54A57C66AEEC}" type="datetimeFigureOut">
               <a:rPr lang="ko-KR" altLang="en-US" smtClean="0"/>
-              <a:t>2024-05-07</a:t>
+              <a:t>2024-05-14</a:t>
             </a:fld>
             <a:endParaRPr lang="ko-KR" altLang="en-US"/>
           </a:p>
@@ -5595,7 +8564,7 @@
           <a:p>
             <a:fld id="{F3A70782-3C84-4060-BC83-54A57C66AEEC}" type="datetimeFigureOut">
               <a:rPr lang="ko-KR" altLang="en-US" smtClean="0"/>
-              <a:t>2024-05-07</a:t>
+              <a:t>2024-05-14</a:t>
             </a:fld>
             <a:endParaRPr lang="ko-KR" altLang="en-US"/>
           </a:p>
@@ -5836,7 +8805,7 @@
           <a:p>
             <a:fld id="{F3A70782-3C84-4060-BC83-54A57C66AEEC}" type="datetimeFigureOut">
               <a:rPr lang="ko-KR" altLang="en-US" smtClean="0"/>
-              <a:t>2024-05-07</a:t>
+              <a:t>2024-05-14</a:t>
             </a:fld>
             <a:endParaRPr lang="ko-KR" altLang="en-US"/>
           </a:p>
@@ -6294,6 +9263,9 @@
               <a:rPr lang="en-US" altLang="ko-KR"/>
               <a:t>Orthogonal (Projection)</a:t>
             </a:r>
+            <a:br>
+              <a:rPr lang="en-US" altLang="ko-KR"/>
+            </a:br>
             <a:endParaRPr lang="ko-KR" altLang="en-US"/>
           </a:p>
         </p:txBody>
@@ -6342,6 +9314,158 @@
     <p:extLst>
       <p:ext uri="{BB962C8B-B14F-4D97-AF65-F5344CB8AC3E}">
         <p14:creationId xmlns:p14="http://schemas.microsoft.com/office/powerpoint/2010/main" val="1654950101"/>
+      </p:ext>
+    </p:extLst>
+  </p:cSld>
+  <p:clrMapOvr>
+    <a:masterClrMapping/>
+  </p:clrMapOvr>
+</p:sld>
+</file>
+
+<file path=ppt/slides/slide10.xml><?xml version="1.0" encoding="utf-8"?>
+<p:sld xmlns:a="http://schemas.openxmlformats.org/drawingml/2006/main" xmlns:r="http://schemas.openxmlformats.org/officeDocument/2006/relationships" xmlns:p="http://schemas.openxmlformats.org/presentationml/2006/main">
+  <p:cSld>
+    <p:spTree>
+      <p:nvGrpSpPr>
+        <p:cNvPr id="1" name=""/>
+        <p:cNvGrpSpPr/>
+        <p:nvPr/>
+      </p:nvGrpSpPr>
+      <p:grpSpPr>
+        <a:xfrm>
+          <a:off x="0" y="0"/>
+          <a:ext cx="0" cy="0"/>
+          <a:chOff x="0" y="0"/>
+          <a:chExt cx="0" cy="0"/>
+        </a:xfrm>
+      </p:grpSpPr>
+      <p:pic>
+        <p:nvPicPr>
+          <p:cNvPr id="2050" name="Picture 2" descr="업로드한 이미지">
+            <a:extLst>
+              <a:ext uri="{FF2B5EF4-FFF2-40B4-BE49-F238E27FC236}">
+                <a16:creationId xmlns:a16="http://schemas.microsoft.com/office/drawing/2014/main" id="{D74A016B-5B8D-372D-3C41-F24DA14AB992}"/>
+              </a:ext>
+            </a:extLst>
+          </p:cNvPr>
+          <p:cNvPicPr>
+            <a:picLocks noChangeAspect="1" noChangeArrowheads="1"/>
+          </p:cNvPicPr>
+          <p:nvPr/>
+        </p:nvPicPr>
+        <p:blipFill>
+          <a:blip r:embed="rId3">
+            <a:extLst>
+              <a:ext uri="{28A0092B-C50C-407E-A947-70E740481C1C}">
+                <a14:useLocalDpi xmlns:a14="http://schemas.microsoft.com/office/drawing/2010/main" val="0"/>
+              </a:ext>
+            </a:extLst>
+          </a:blip>
+          <a:srcRect/>
+          <a:stretch>
+            <a:fillRect/>
+          </a:stretch>
+        </p:blipFill>
+        <p:spPr bwMode="auto">
+          <a:xfrm>
+            <a:off x="432413" y="222546"/>
+            <a:ext cx="4771463" cy="2971700"/>
+          </a:xfrm>
+          <a:prstGeom prst="rect">
+            <a:avLst/>
+          </a:prstGeom>
+          <a:noFill/>
+          <a:ln w="19050">
+            <a:solidFill>
+              <a:schemeClr val="tx1"/>
+            </a:solidFill>
+          </a:ln>
+          <a:extLst>
+            <a:ext uri="{909E8E84-426E-40DD-AFC4-6F175D3DCCD1}">
+              <a14:hiddenFill xmlns:a14="http://schemas.microsoft.com/office/drawing/2010/main">
+                <a:solidFill>
+                  <a:srgbClr val="FFFFFF"/>
+                </a:solidFill>
+              </a14:hiddenFill>
+            </a:ext>
+          </a:extLst>
+        </p:spPr>
+      </p:pic>
+      <p:pic>
+        <p:nvPicPr>
+          <p:cNvPr id="7" name="그림 6">
+            <a:extLst>
+              <a:ext uri="{FF2B5EF4-FFF2-40B4-BE49-F238E27FC236}">
+                <a16:creationId xmlns:a16="http://schemas.microsoft.com/office/drawing/2014/main" id="{1160674A-7993-C691-8DFE-AFF05AD24A4E}"/>
+              </a:ext>
+            </a:extLst>
+          </p:cNvPr>
+          <p:cNvPicPr>
+            <a:picLocks noChangeAspect="1"/>
+          </p:cNvPicPr>
+          <p:nvPr/>
+        </p:nvPicPr>
+        <p:blipFill>
+          <a:blip r:embed="rId4"/>
+          <a:stretch>
+            <a:fillRect/>
+          </a:stretch>
+        </p:blipFill>
+        <p:spPr>
+          <a:xfrm>
+            <a:off x="5913122" y="222546"/>
+            <a:ext cx="4504219" cy="2888393"/>
+          </a:xfrm>
+          <a:prstGeom prst="rect">
+            <a:avLst/>
+          </a:prstGeom>
+          <a:ln w="19050">
+            <a:solidFill>
+              <a:schemeClr val="tx1"/>
+            </a:solidFill>
+          </a:ln>
+        </p:spPr>
+      </p:pic>
+      <p:pic>
+        <p:nvPicPr>
+          <p:cNvPr id="9" name="그림 8">
+            <a:extLst>
+              <a:ext uri="{FF2B5EF4-FFF2-40B4-BE49-F238E27FC236}">
+                <a16:creationId xmlns:a16="http://schemas.microsoft.com/office/drawing/2014/main" id="{F4D64A85-5A27-8931-208D-0A335B853FC1}"/>
+              </a:ext>
+            </a:extLst>
+          </p:cNvPr>
+          <p:cNvPicPr>
+            <a:picLocks noChangeAspect="1"/>
+          </p:cNvPicPr>
+          <p:nvPr/>
+        </p:nvPicPr>
+        <p:blipFill>
+          <a:blip r:embed="rId5"/>
+          <a:stretch>
+            <a:fillRect/>
+          </a:stretch>
+        </p:blipFill>
+        <p:spPr>
+          <a:xfrm>
+            <a:off x="432413" y="3663754"/>
+            <a:ext cx="4319126" cy="2736946"/>
+          </a:xfrm>
+          <a:prstGeom prst="rect">
+            <a:avLst/>
+          </a:prstGeom>
+          <a:ln w="19050">
+            <a:solidFill>
+              <a:schemeClr val="tx1"/>
+            </a:solidFill>
+          </a:ln>
+        </p:spPr>
+      </p:pic>
+    </p:spTree>
+    <p:extLst>
+      <p:ext uri="{BB962C8B-B14F-4D97-AF65-F5344CB8AC3E}">
+        <p14:creationId xmlns:p14="http://schemas.microsoft.com/office/powerpoint/2010/main" val="3409057677"/>
       </p:ext>
     </p:extLst>
   </p:cSld>
@@ -6675,224 +9799,50 @@
       </p:grpSpPr>
       <p:sp>
         <p:nvSpPr>
-          <p:cNvPr id="2" name="제목 1">
+          <p:cNvPr id="20" name="제목 1">
             <a:extLst>
               <a:ext uri="{FF2B5EF4-FFF2-40B4-BE49-F238E27FC236}">
-                <a16:creationId xmlns:a16="http://schemas.microsoft.com/office/drawing/2014/main" id="{EF56E6B3-2346-491C-ED6A-3C588A93B392}"/>
+                <a16:creationId xmlns:a16="http://schemas.microsoft.com/office/drawing/2014/main" id="{24E41153-0826-CD64-9076-F232CB7D96B1}"/>
               </a:ext>
             </a:extLst>
           </p:cNvPr>
-          <p:cNvSpPr txBox="1">
-            <a:spLocks/>
+          <p:cNvSpPr>
+            <a:spLocks noGrp="1"/>
           </p:cNvSpPr>
-          <p:nvPr/>
+          <p:nvPr>
+            <p:ph type="title"/>
+          </p:nvPr>
         </p:nvSpPr>
         <p:spPr>
           <a:xfrm>
-            <a:off x="186836" y="133385"/>
-            <a:ext cx="10936689" cy="881499"/>
+            <a:off x="186837" y="133385"/>
+            <a:ext cx="10515600" cy="881499"/>
           </a:xfrm>
-          <a:prstGeom prst="rect">
-            <a:avLst/>
-          </a:prstGeom>
         </p:spPr>
         <p:txBody>
-          <a:bodyPr vert="horz" lIns="91440" tIns="45720" rIns="91440" bIns="45720" rtlCol="0" anchor="ctr">
+          <a:bodyPr>
             <a:normAutofit/>
           </a:bodyPr>
-          <a:lstStyle>
-            <a:lvl1pPr algn="l" defTabSz="914400" rtl="0" eaLnBrk="1" latinLnBrk="1" hangingPunct="1">
-              <a:lnSpc>
-                <a:spcPct val="90000"/>
-              </a:lnSpc>
-              <a:spcBef>
-                <a:spcPct val="0"/>
-              </a:spcBef>
-              <a:buNone/>
-              <a:defRPr sz="4400" kern="1200">
-                <a:solidFill>
-                  <a:schemeClr val="tx1"/>
-                </a:solidFill>
-                <a:latin typeface="+mj-lt"/>
-                <a:ea typeface="+mj-ea"/>
-                <a:cs typeface="+mj-cs"/>
-              </a:defRPr>
-            </a:lvl1pPr>
-          </a:lstStyle>
+          <a:lstStyle/>
           <a:p>
             <a:r>
               <a:rPr lang="ko-KR" altLang="en-US" sz="2400" b="1"/>
-              <a:t>직교 투영</a:t>
+              <a:t>투영 </a:t>
             </a:r>
             <a:r>
               <a:rPr lang="en-US" altLang="ko-KR" sz="2400" b="1"/>
-              <a:t>(Orthographic Projection)</a:t>
+              <a:t>(Projection)</a:t>
             </a:r>
             <a:endParaRPr lang="ko-KR" altLang="en-US" sz="2400" b="1"/>
-          </a:p>
-        </p:txBody>
-      </p:sp>
-      <p:sp>
-        <p:nvSpPr>
-          <p:cNvPr id="8" name="TextBox 7">
-            <a:extLst>
-              <a:ext uri="{FF2B5EF4-FFF2-40B4-BE49-F238E27FC236}">
-                <a16:creationId xmlns:a16="http://schemas.microsoft.com/office/drawing/2014/main" id="{3BF00BA6-EC10-94B0-F66B-A8663F7293CB}"/>
-              </a:ext>
-            </a:extLst>
-          </p:cNvPr>
-          <p:cNvSpPr txBox="1"/>
-          <p:nvPr/>
-        </p:nvSpPr>
-        <p:spPr>
-          <a:xfrm>
-            <a:off x="485994" y="5125659"/>
-            <a:ext cx="11257367" cy="646331"/>
-          </a:xfrm>
-          <a:prstGeom prst="rect">
-            <a:avLst/>
-          </a:prstGeom>
-          <a:noFill/>
-        </p:spPr>
-        <p:txBody>
-          <a:bodyPr wrap="square">
-            <a:spAutoFit/>
-          </a:bodyPr>
-          <a:lstStyle/>
-          <a:p>
-            <a:pPr algn="l">
-              <a:buFont typeface="Arial" panose="020B0604020202020204" pitchFamily="34" charset="0"/>
-              <a:buChar char="•"/>
-            </a:pPr>
-            <a:r>
-              <a:rPr lang="ko-KR" altLang="en-US" b="1" i="0">
-                <a:effectLst/>
-                <a:latin typeface="Arial" panose="020B0604020202020204" pitchFamily="34" charset="0"/>
-              </a:rPr>
-              <a:t>관찰 방향과 방향을 고정한 채 뷰 볼륨을 원하는 크기와 위치로 조정할 수 있음</a:t>
-            </a:r>
-          </a:p>
-          <a:p>
-            <a:pPr algn="l">
-              <a:buFont typeface="Arial" panose="020B0604020202020204" pitchFamily="34" charset="0"/>
-              <a:buChar char="•"/>
-            </a:pPr>
-            <a:r>
-              <a:rPr lang="ko-KR" altLang="en-US" b="1" i="0">
-                <a:effectLst/>
-                <a:latin typeface="Arial" panose="020B0604020202020204" pitchFamily="34" charset="0"/>
-              </a:rPr>
-              <a:t>직교 투영은 원근적용 </a:t>
-            </a:r>
-            <a:r>
-              <a:rPr lang="en-US" altLang="ko-KR" b="1" i="0">
-                <a:effectLst/>
-                <a:latin typeface="Arial" panose="020B0604020202020204" pitchFamily="34" charset="0"/>
-              </a:rPr>
-              <a:t>X , </a:t>
-            </a:r>
-            <a:r>
-              <a:rPr lang="ko-KR" altLang="en-US" b="1" i="0">
-                <a:effectLst/>
-                <a:latin typeface="Arial" panose="020B0604020202020204" pitchFamily="34" charset="0"/>
-              </a:rPr>
-              <a:t>상자 모양의 뷰 볼륨</a:t>
-            </a:r>
-            <a:endParaRPr lang="en-US" altLang="ko-KR" b="1" i="0">
-              <a:effectLst/>
-              <a:latin typeface="Arial" panose="020B0604020202020204" pitchFamily="34" charset="0"/>
-            </a:endParaRPr>
-          </a:p>
-        </p:txBody>
-      </p:sp>
-      <p:sp>
-        <p:nvSpPr>
-          <p:cNvPr id="12" name="TextBox 11">
-            <a:extLst>
-              <a:ext uri="{FF2B5EF4-FFF2-40B4-BE49-F238E27FC236}">
-                <a16:creationId xmlns:a16="http://schemas.microsoft.com/office/drawing/2014/main" id="{08BDEBBC-FEE8-8B20-4523-DC496FFCA340}"/>
-              </a:ext>
-            </a:extLst>
-          </p:cNvPr>
-          <p:cNvSpPr txBox="1"/>
-          <p:nvPr/>
-        </p:nvSpPr>
-        <p:spPr>
-          <a:xfrm>
-            <a:off x="273759" y="6326525"/>
-            <a:ext cx="6031350" cy="400110"/>
-          </a:xfrm>
-          <a:prstGeom prst="rect">
-            <a:avLst/>
-          </a:prstGeom>
-          <a:noFill/>
-        </p:spPr>
-        <p:txBody>
-          <a:bodyPr wrap="square">
-            <a:spAutoFit/>
-          </a:bodyPr>
-          <a:lstStyle/>
-          <a:p>
-            <a:r>
-              <a:rPr lang="ko-KR" altLang="en-US" sz="1000" b="1"/>
-              <a:t>뷰 볼륨</a:t>
-            </a:r>
-            <a:r>
-              <a:rPr lang="en-US" altLang="ko-KR" sz="1000" b="1"/>
-              <a:t>(View Volume):</a:t>
-            </a:r>
-            <a:r>
-              <a:rPr lang="ko-KR" altLang="en-US" sz="1000" b="1"/>
-              <a:t> </a:t>
-            </a:r>
-            <a:r>
-              <a:rPr lang="en-US" altLang="ko-KR" sz="1000" b="1"/>
-              <a:t>3D </a:t>
-            </a:r>
-            <a:r>
-              <a:rPr lang="ko-KR" altLang="en-US" sz="1000" b="1"/>
-              <a:t>그래픽스에서 카메라 또는 뷰포트가 캡처할 수 있는 공간의 부분을 정의</a:t>
-            </a:r>
-            <a:endParaRPr lang="en-US" altLang="ko-KR" sz="1000" b="1"/>
-          </a:p>
-          <a:p>
-            <a:r>
-              <a:rPr lang="ko-KR" altLang="en-US" sz="1000" b="1"/>
-              <a:t>이 공간은 카메라에 의해 </a:t>
-            </a:r>
-            <a:r>
-              <a:rPr lang="en-US" altLang="ko-KR" sz="1000" b="1"/>
-              <a:t>"</a:t>
-            </a:r>
-            <a:r>
-              <a:rPr lang="ko-KR" altLang="en-US" sz="1000" b="1"/>
-              <a:t>보여질 수 있는</a:t>
-            </a:r>
-            <a:r>
-              <a:rPr lang="en-US" altLang="ko-KR" sz="1000" b="1"/>
-              <a:t>" </a:t>
-            </a:r>
-            <a:r>
-              <a:rPr lang="ko-KR" altLang="en-US" sz="1000" b="1"/>
-              <a:t>모든 객체들이 포함되는 </a:t>
-            </a:r>
-            <a:r>
-              <a:rPr lang="en-US" altLang="ko-KR" sz="1000" b="1"/>
-              <a:t>3</a:t>
-            </a:r>
-            <a:r>
-              <a:rPr lang="ko-KR" altLang="en-US" sz="1000" b="1"/>
-              <a:t>차원의 범위</a:t>
-            </a:r>
           </a:p>
         </p:txBody>
       </p:sp>
       <p:pic>
         <p:nvPicPr>
-          <p:cNvPr id="14" name="그림 13">
+          <p:cNvPr id="3" name="그림 2">
             <a:extLst>
               <a:ext uri="{FF2B5EF4-FFF2-40B4-BE49-F238E27FC236}">
-                <a16:creationId xmlns:a16="http://schemas.microsoft.com/office/drawing/2014/main" id="{8898467A-BC5C-B03E-2BAE-DC9046F548BA}"/>
+                <a16:creationId xmlns:a16="http://schemas.microsoft.com/office/drawing/2014/main" id="{EDC50F69-7B91-81EB-4B80-FEF3B34B8956}"/>
               </a:ext>
             </a:extLst>
           </p:cNvPr>
@@ -6909,48 +9859,50 @@
         </p:blipFill>
         <p:spPr>
           <a:xfrm>
-            <a:off x="6917651" y="1118604"/>
-            <a:ext cx="5031194" cy="3726388"/>
+            <a:off x="796531" y="1014884"/>
+            <a:ext cx="9642012" cy="4827358"/>
           </a:xfrm>
           <a:prstGeom prst="rect">
             <a:avLst/>
           </a:prstGeom>
         </p:spPr>
       </p:pic>
-      <p:pic>
-        <p:nvPicPr>
-          <p:cNvPr id="16" name="그림 15">
+      <p:sp>
+        <p:nvSpPr>
+          <p:cNvPr id="17" name="TextBox 16">
             <a:extLst>
               <a:ext uri="{FF2B5EF4-FFF2-40B4-BE49-F238E27FC236}">
-                <a16:creationId xmlns:a16="http://schemas.microsoft.com/office/drawing/2014/main" id="{2FB88556-340D-FFFD-9EA0-94C76BFACC5B}"/>
+                <a16:creationId xmlns:a16="http://schemas.microsoft.com/office/drawing/2014/main" id="{11C5EA0A-C28F-EDA8-F782-A0894D697CEC}"/>
               </a:ext>
             </a:extLst>
           </p:cNvPr>
-          <p:cNvPicPr>
-            <a:picLocks noChangeAspect="1"/>
-          </p:cNvPicPr>
+          <p:cNvSpPr txBox="1"/>
           <p:nvPr/>
-        </p:nvPicPr>
-        <p:blipFill>
-          <a:blip r:embed="rId4"/>
-          <a:stretch>
-            <a:fillRect/>
-          </a:stretch>
-        </p:blipFill>
+        </p:nvSpPr>
         <p:spPr>
           <a:xfrm>
-            <a:off x="638898" y="1035842"/>
-            <a:ext cx="4046117" cy="3475646"/>
+            <a:off x="3048856" y="2277406"/>
+            <a:ext cx="6097712" cy="369332"/>
           </a:xfrm>
           <a:prstGeom prst="rect">
             <a:avLst/>
           </a:prstGeom>
+          <a:noFill/>
         </p:spPr>
-      </p:pic>
+        <p:txBody>
+          <a:bodyPr wrap="square">
+            <a:spAutoFit/>
+          </a:bodyPr>
+          <a:lstStyle/>
+          <a:p>
+            <a:endParaRPr lang="ko-KR" altLang="en-US"/>
+          </a:p>
+        </p:txBody>
+      </p:sp>
     </p:spTree>
     <p:extLst>
       <p:ext uri="{BB962C8B-B14F-4D97-AF65-F5344CB8AC3E}">
-        <p14:creationId xmlns:p14="http://schemas.microsoft.com/office/powerpoint/2010/main" val="2090821123"/>
+        <p14:creationId xmlns:p14="http://schemas.microsoft.com/office/powerpoint/2010/main" val="3051193057"/>
       </p:ext>
     </p:extLst>
   </p:cSld>
@@ -7026,157 +9978,22 @@
           <a:p>
             <a:r>
               <a:rPr lang="ko-KR" altLang="en-US" sz="2400" b="1"/>
-              <a:t>직교 투영 행렬</a:t>
+              <a:t>직교 투영</a:t>
             </a:r>
             <a:r>
               <a:rPr lang="en-US" altLang="ko-KR" sz="2400" b="1"/>
-              <a:t>(Orthographic Projection matrix)</a:t>
+              <a:t>(Orthographic Projection)</a:t>
             </a:r>
             <a:endParaRPr lang="ko-KR" altLang="en-US" sz="2400" b="1"/>
           </a:p>
         </p:txBody>
       </p:sp>
-      <p:pic>
-        <p:nvPicPr>
-          <p:cNvPr id="7" name="그림 6">
+      <p:sp>
+        <p:nvSpPr>
+          <p:cNvPr id="8" name="TextBox 7">
             <a:extLst>
               <a:ext uri="{FF2B5EF4-FFF2-40B4-BE49-F238E27FC236}">
-                <a16:creationId xmlns:a16="http://schemas.microsoft.com/office/drawing/2014/main" id="{46F6AF43-2C94-AEC9-7792-49DFE6FFC629}"/>
-              </a:ext>
-            </a:extLst>
-          </p:cNvPr>
-          <p:cNvPicPr>
-            <a:picLocks noChangeAspect="1"/>
-          </p:cNvPicPr>
-          <p:nvPr/>
-        </p:nvPicPr>
-        <p:blipFill rotWithShape="1">
-          <a:blip r:embed="rId3"/>
-          <a:srcRect l="1398"/>
-          <a:stretch/>
-        </p:blipFill>
-        <p:spPr>
-          <a:xfrm>
-            <a:off x="486081" y="1209747"/>
-            <a:ext cx="4196765" cy="2735183"/>
-          </a:xfrm>
-          <a:prstGeom prst="rect">
-            <a:avLst/>
-          </a:prstGeom>
-        </p:spPr>
-      </p:pic>
-      <p:pic>
-        <p:nvPicPr>
-          <p:cNvPr id="10" name="그림 9">
-            <a:extLst>
-              <a:ext uri="{FF2B5EF4-FFF2-40B4-BE49-F238E27FC236}">
-                <a16:creationId xmlns:a16="http://schemas.microsoft.com/office/drawing/2014/main" id="{12A50C85-4220-C32A-6592-77FFD4B3850F}"/>
-              </a:ext>
-            </a:extLst>
-          </p:cNvPr>
-          <p:cNvPicPr>
-            <a:picLocks noChangeAspect="1"/>
-          </p:cNvPicPr>
-          <p:nvPr/>
-        </p:nvPicPr>
-        <p:blipFill>
-          <a:blip r:embed="rId4"/>
-          <a:stretch>
-            <a:fillRect/>
-          </a:stretch>
-        </p:blipFill>
-        <p:spPr>
-          <a:xfrm>
-            <a:off x="7509154" y="992860"/>
-            <a:ext cx="3932719" cy="3116803"/>
-          </a:xfrm>
-          <a:prstGeom prst="rect">
-            <a:avLst/>
-          </a:prstGeom>
-        </p:spPr>
-      </p:pic>
-      <p:sp>
-        <p:nvSpPr>
-          <p:cNvPr id="11" name="화살표: 오른쪽 10">
-            <a:extLst>
-              <a:ext uri="{FF2B5EF4-FFF2-40B4-BE49-F238E27FC236}">
-                <a16:creationId xmlns:a16="http://schemas.microsoft.com/office/drawing/2014/main" id="{F9336C88-A061-0A8E-B553-0F78C47FED7E}"/>
-              </a:ext>
-            </a:extLst>
-          </p:cNvPr>
-          <p:cNvSpPr/>
-          <p:nvPr/>
-        </p:nvSpPr>
-        <p:spPr>
-          <a:xfrm>
-            <a:off x="5470245" y="2452123"/>
-            <a:ext cx="1367721" cy="450799"/>
-          </a:xfrm>
-          <a:prstGeom prst="rightArrow">
-            <a:avLst/>
-          </a:prstGeom>
-        </p:spPr>
-        <p:style>
-          <a:lnRef idx="2">
-            <a:schemeClr val="accent5">
-              <a:shade val="15000"/>
-            </a:schemeClr>
-          </a:lnRef>
-          <a:fillRef idx="1">
-            <a:schemeClr val="accent5"/>
-          </a:fillRef>
-          <a:effectRef idx="0">
-            <a:schemeClr val="accent5"/>
-          </a:effectRef>
-          <a:fontRef idx="minor">
-            <a:schemeClr val="lt1"/>
-          </a:fontRef>
-        </p:style>
-        <p:txBody>
-          <a:bodyPr rtlCol="0" anchor="ctr"/>
-          <a:lstStyle/>
-          <a:p>
-            <a:pPr algn="ctr"/>
-            <a:endParaRPr lang="ko-KR" altLang="en-US"/>
-          </a:p>
-        </p:txBody>
-      </p:sp>
-      <p:pic>
-        <p:nvPicPr>
-          <p:cNvPr id="16" name="그림 15">
-            <a:extLst>
-              <a:ext uri="{FF2B5EF4-FFF2-40B4-BE49-F238E27FC236}">
-                <a16:creationId xmlns:a16="http://schemas.microsoft.com/office/drawing/2014/main" id="{0582EB5E-3300-1447-7FE0-D2FA020BAF4D}"/>
-              </a:ext>
-            </a:extLst>
-          </p:cNvPr>
-          <p:cNvPicPr>
-            <a:picLocks noChangeAspect="1"/>
-          </p:cNvPicPr>
-          <p:nvPr/>
-        </p:nvPicPr>
-        <p:blipFill>
-          <a:blip r:embed="rId5"/>
-          <a:stretch>
-            <a:fillRect/>
-          </a:stretch>
-        </p:blipFill>
-        <p:spPr>
-          <a:xfrm>
-            <a:off x="4221310" y="3842000"/>
-            <a:ext cx="3033671" cy="2536233"/>
-          </a:xfrm>
-          <a:prstGeom prst="rect">
-            <a:avLst/>
-          </a:prstGeom>
-        </p:spPr>
-      </p:pic>
-      <p:sp>
-        <p:nvSpPr>
-          <p:cNvPr id="14" name="TextBox 13">
-            <a:extLst>
-              <a:ext uri="{FF2B5EF4-FFF2-40B4-BE49-F238E27FC236}">
-                <a16:creationId xmlns:a16="http://schemas.microsoft.com/office/drawing/2014/main" id="{1124124D-82DD-1A63-061B-CBE00F41BA89}"/>
+                <a16:creationId xmlns:a16="http://schemas.microsoft.com/office/drawing/2014/main" id="{3BF00BA6-EC10-94B0-F66B-A8663F7293CB}"/>
               </a:ext>
             </a:extLst>
           </p:cNvPr>
@@ -7185,8 +10002,8 @@
         </p:nvSpPr>
         <p:spPr>
           <a:xfrm>
-            <a:off x="7359491" y="5865140"/>
-            <a:ext cx="6097712" cy="369332"/>
+            <a:off x="485994" y="5125659"/>
+            <a:ext cx="11257367" cy="646331"/>
           </a:xfrm>
           <a:prstGeom prst="rect">
             <a:avLst/>
@@ -7199,29 +10016,75 @@
           </a:bodyPr>
           <a:lstStyle/>
           <a:p>
-            <a:r>
-              <a:rPr lang="en-US" altLang="ko-KR" b="0" i="0">
-                <a:solidFill>
-                  <a:srgbClr val="444444"/>
-                </a:solidFill>
-                <a:effectLst/>
-                <a:highlight>
-                  <a:srgbClr val="FFFFFF"/>
-                </a:highlight>
-                <a:latin typeface="se-nanumgothic"/>
-              </a:rPr>
-              <a:t>R-L = 2R / T - B = 2T</a:t>
-            </a:r>
-            <a:endParaRPr lang="ko-KR" altLang="en-US"/>
+            <a:pPr algn="l">
+              <a:buFont typeface="Arial" panose="020B0604020202020204" pitchFamily="34" charset="0"/>
+              <a:buChar char="•"/>
+            </a:pPr>
+            <a:r>
+              <a:rPr lang="ko-KR" altLang="en-US" b="1" i="0">
+                <a:effectLst/>
+                <a:latin typeface="Arial" panose="020B0604020202020204" pitchFamily="34" charset="0"/>
+              </a:rPr>
+              <a:t>직교 투영 </a:t>
+            </a:r>
+            <a:r>
+              <a:rPr lang="en-US" altLang="ko-KR" b="1" i="0">
+                <a:effectLst/>
+                <a:latin typeface="Arial" panose="020B0604020202020204" pitchFamily="34" charset="0"/>
+              </a:rPr>
+              <a:t>(Orthographic projection)</a:t>
+            </a:r>
+            <a:r>
+              <a:rPr lang="ko-KR" altLang="en-US" b="1" i="0">
+                <a:effectLst/>
+                <a:latin typeface="Arial" panose="020B0604020202020204" pitchFamily="34" charset="0"/>
+              </a:rPr>
+              <a:t>은 직육면체 </a:t>
+            </a:r>
+            <a:r>
+              <a:rPr lang="ko-KR" altLang="en-US" b="1">
+                <a:latin typeface="Arial" panose="020B0604020202020204" pitchFamily="34" charset="0"/>
+              </a:rPr>
+              <a:t>뷰 볼륨</a:t>
+            </a:r>
+            <a:r>
+              <a:rPr lang="ko-KR" altLang="en-US" b="1" i="0">
+                <a:effectLst/>
+                <a:latin typeface="Arial" panose="020B0604020202020204" pitchFamily="34" charset="0"/>
+              </a:rPr>
+              <a:t>의 관측공간을 화면에 투영한다</a:t>
+            </a:r>
+            <a:endParaRPr lang="en-US" altLang="ko-KR" b="1" i="0">
+              <a:effectLst/>
+              <a:latin typeface="Arial" panose="020B0604020202020204" pitchFamily="34" charset="0"/>
+            </a:endParaRPr>
+          </a:p>
+          <a:p>
+            <a:pPr algn="l">
+              <a:buFont typeface="Arial" panose="020B0604020202020204" pitchFamily="34" charset="0"/>
+              <a:buChar char="•"/>
+            </a:pPr>
+            <a:r>
+              <a:rPr lang="ko-KR" altLang="en-US" b="1"/>
+              <a:t>객체의 크기가 거리에 따라 변하지 않는다</a:t>
+            </a:r>
+            <a:r>
+              <a:rPr lang="en-US" altLang="ko-KR" b="1"/>
+              <a:t>.</a:t>
+            </a:r>
+            <a:endParaRPr lang="en-US" altLang="ko-KR" b="1" i="0">
+              <a:effectLst/>
+              <a:latin typeface="Arial" panose="020B0604020202020204" pitchFamily="34" charset="0"/>
+            </a:endParaRPr>
           </a:p>
         </p:txBody>
       </p:sp>
       <p:sp>
         <p:nvSpPr>
-          <p:cNvPr id="17" name="TextBox 16">
+          <p:cNvPr id="12" name="TextBox 11">
             <a:extLst>
               <a:ext uri="{FF2B5EF4-FFF2-40B4-BE49-F238E27FC236}">
-                <a16:creationId xmlns:a16="http://schemas.microsoft.com/office/drawing/2014/main" id="{C80DFD63-6EF1-ECBA-EF58-26D170411287}"/>
+                <a16:creationId xmlns:a16="http://schemas.microsoft.com/office/drawing/2014/main" id="{08BDEBBC-FEE8-8B20-4523-DC496FFCA340}"/>
               </a:ext>
             </a:extLst>
           </p:cNvPr>
@@ -7230,8 +10093,8 @@
         </p:nvSpPr>
         <p:spPr>
           <a:xfrm>
-            <a:off x="4785174" y="6537367"/>
-            <a:ext cx="8634514" cy="253916"/>
+            <a:off x="273759" y="6326525"/>
+            <a:ext cx="6031350" cy="400110"/>
           </a:xfrm>
           <a:prstGeom prst="rect">
             <a:avLst/>
@@ -7245,44 +10108,140 @@
           <a:lstStyle/>
           <a:p>
             <a:r>
-              <a:rPr lang="en-US" altLang="ko-KR" sz="1050" b="1"/>
-              <a:t>*NDC(</a:t>
-            </a:r>
-            <a:r>
-              <a:rPr lang="ko-KR" altLang="en-US" sz="1050" b="1"/>
-              <a:t>정규화된 장치 좌표</a:t>
-            </a:r>
-            <a:r>
-              <a:rPr lang="en-US" altLang="ko-KR" sz="1050" b="1"/>
-              <a:t>): 3D </a:t>
-            </a:r>
-            <a:r>
-              <a:rPr lang="ko-KR" altLang="en-US" sz="1050" b="1"/>
-              <a:t>모델을 </a:t>
-            </a:r>
-            <a:r>
-              <a:rPr lang="en-US" altLang="ko-KR" sz="1050" b="1"/>
-              <a:t>2D </a:t>
-            </a:r>
-            <a:r>
-              <a:rPr lang="ko-KR" altLang="en-US" sz="1050" b="1"/>
-              <a:t>화면에 그릴 때 사용하는 좌표 시스템 </a:t>
-            </a:r>
-            <a:r>
-              <a:rPr lang="en-US" altLang="ko-KR" sz="1050" b="1"/>
-              <a:t>/ </a:t>
-            </a:r>
-            <a:r>
-              <a:rPr lang="ko-KR" altLang="en-US" sz="1050" b="1"/>
-              <a:t>장면을 화면에 맞게 정규화하는 단계</a:t>
+              <a:rPr lang="ko-KR" altLang="en-US" sz="1000" b="1"/>
+              <a:t>뷰 볼륨</a:t>
+            </a:r>
+            <a:r>
+              <a:rPr lang="en-US" altLang="ko-KR" sz="1000" b="1"/>
+              <a:t>(View Volume):</a:t>
+            </a:r>
+            <a:r>
+              <a:rPr lang="ko-KR" altLang="en-US" sz="1000" b="1"/>
+              <a:t> </a:t>
+            </a:r>
+            <a:r>
+              <a:rPr lang="en-US" altLang="ko-KR" sz="1000" b="1"/>
+              <a:t>3D </a:t>
+            </a:r>
+            <a:r>
+              <a:rPr lang="ko-KR" altLang="en-US" sz="1000" b="1"/>
+              <a:t>그래픽스에서 카메라 또는 뷰포트가 캡처할 수 있는 공간의 부분을 정의</a:t>
+            </a:r>
+            <a:endParaRPr lang="en-US" altLang="ko-KR" sz="1000" b="1"/>
+          </a:p>
+          <a:p>
+            <a:r>
+              <a:rPr lang="ko-KR" altLang="en-US" sz="1000" b="1"/>
+              <a:t>이 공간은 카메라에 의해 </a:t>
+            </a:r>
+            <a:r>
+              <a:rPr lang="en-US" altLang="ko-KR" sz="1000" b="1"/>
+              <a:t>"</a:t>
+            </a:r>
+            <a:r>
+              <a:rPr lang="ko-KR" altLang="en-US" sz="1000" b="1"/>
+              <a:t>보여질 수 있는</a:t>
+            </a:r>
+            <a:r>
+              <a:rPr lang="en-US" altLang="ko-KR" sz="1000" b="1"/>
+              <a:t>" </a:t>
+            </a:r>
+            <a:r>
+              <a:rPr lang="ko-KR" altLang="en-US" sz="1000" b="1"/>
+              <a:t>모든 객체들이 포함되는 </a:t>
+            </a:r>
+            <a:r>
+              <a:rPr lang="en-US" altLang="ko-KR" sz="1000" b="1"/>
+              <a:t>3</a:t>
+            </a:r>
+            <a:r>
+              <a:rPr lang="ko-KR" altLang="en-US" sz="1000" b="1"/>
+              <a:t>차원의 범위</a:t>
             </a:r>
           </a:p>
         </p:txBody>
       </p:sp>
+      <p:pic>
+        <p:nvPicPr>
+          <p:cNvPr id="6" name="그림 5">
+            <a:extLst>
+              <a:ext uri="{FF2B5EF4-FFF2-40B4-BE49-F238E27FC236}">
+                <a16:creationId xmlns:a16="http://schemas.microsoft.com/office/drawing/2014/main" id="{7F3DF227-E4ED-1160-204B-85368FEC0387}"/>
+              </a:ext>
+            </a:extLst>
+          </p:cNvPr>
+          <p:cNvPicPr>
+            <a:picLocks noChangeAspect="1"/>
+          </p:cNvPicPr>
+          <p:nvPr/>
+        </p:nvPicPr>
+        <p:blipFill>
+          <a:blip r:embed="rId3"/>
+          <a:stretch>
+            <a:fillRect/>
+          </a:stretch>
+        </p:blipFill>
+        <p:spPr>
+          <a:xfrm>
+            <a:off x="0" y="1086010"/>
+            <a:ext cx="7066594" cy="3281679"/>
+          </a:xfrm>
+          <a:prstGeom prst="rect">
+            <a:avLst/>
+          </a:prstGeom>
+        </p:spPr>
+      </p:pic>
+      <p:pic>
+        <p:nvPicPr>
+          <p:cNvPr id="1026" name="Picture 2" descr="Uploaded image">
+            <a:extLst>
+              <a:ext uri="{FF2B5EF4-FFF2-40B4-BE49-F238E27FC236}">
+                <a16:creationId xmlns:a16="http://schemas.microsoft.com/office/drawing/2014/main" id="{D252DD31-5828-EA80-8E00-403F626356C8}"/>
+              </a:ext>
+            </a:extLst>
+          </p:cNvPr>
+          <p:cNvPicPr>
+            <a:picLocks noChangeAspect="1" noChangeArrowheads="1"/>
+          </p:cNvPicPr>
+          <p:nvPr/>
+        </p:nvPicPr>
+        <p:blipFill>
+          <a:blip r:embed="rId4">
+            <a:extLst>
+              <a:ext uri="{28A0092B-C50C-407E-A947-70E740481C1C}">
+                <a14:useLocalDpi xmlns:a14="http://schemas.microsoft.com/office/drawing/2010/main" val="0"/>
+              </a:ext>
+            </a:extLst>
+          </a:blip>
+          <a:srcRect/>
+          <a:stretch>
+            <a:fillRect/>
+          </a:stretch>
+        </p:blipFill>
+        <p:spPr bwMode="auto">
+          <a:xfrm>
+            <a:off x="6802455" y="1453039"/>
+            <a:ext cx="5162550" cy="2914650"/>
+          </a:xfrm>
+          <a:prstGeom prst="rect">
+            <a:avLst/>
+          </a:prstGeom>
+          <a:noFill/>
+          <a:extLst>
+            <a:ext uri="{909E8E84-426E-40DD-AFC4-6F175D3DCCD1}">
+              <a14:hiddenFill xmlns:a14="http://schemas.microsoft.com/office/drawing/2010/main">
+                <a:solidFill>
+                  <a:srgbClr val="FFFFFF"/>
+                </a:solidFill>
+              </a14:hiddenFill>
+            </a:ext>
+          </a:extLst>
+        </p:spPr>
+      </p:pic>
     </p:spTree>
     <p:extLst>
       <p:ext uri="{BB962C8B-B14F-4D97-AF65-F5344CB8AC3E}">
-        <p14:creationId xmlns:p14="http://schemas.microsoft.com/office/powerpoint/2010/main" val="78140350"/>
+        <p14:creationId xmlns:p14="http://schemas.microsoft.com/office/powerpoint/2010/main" val="87132586"/>
       </p:ext>
     </p:extLst>
   </p:cSld>
@@ -7309,12 +10268,274 @@
           <a:chExt cx="0" cy="0"/>
         </a:xfrm>
       </p:grpSpPr>
+      <p:sp>
+        <p:nvSpPr>
+          <p:cNvPr id="2" name="제목 1">
+            <a:extLst>
+              <a:ext uri="{FF2B5EF4-FFF2-40B4-BE49-F238E27FC236}">
+                <a16:creationId xmlns:a16="http://schemas.microsoft.com/office/drawing/2014/main" id="{EF56E6B3-2346-491C-ED6A-3C588A93B392}"/>
+              </a:ext>
+            </a:extLst>
+          </p:cNvPr>
+          <p:cNvSpPr txBox="1">
+            <a:spLocks/>
+          </p:cNvSpPr>
+          <p:nvPr/>
+        </p:nvSpPr>
+        <p:spPr>
+          <a:xfrm>
+            <a:off x="186836" y="142910"/>
+            <a:ext cx="10936689" cy="881499"/>
+          </a:xfrm>
+          <a:prstGeom prst="rect">
+            <a:avLst/>
+          </a:prstGeom>
+        </p:spPr>
+        <p:txBody>
+          <a:bodyPr vert="horz" lIns="91440" tIns="45720" rIns="91440" bIns="45720" rtlCol="0" anchor="ctr">
+            <a:normAutofit/>
+          </a:bodyPr>
+          <a:lstStyle>
+            <a:lvl1pPr algn="l" defTabSz="914400" rtl="0" eaLnBrk="1" latinLnBrk="1" hangingPunct="1">
+              <a:lnSpc>
+                <a:spcPct val="90000"/>
+              </a:lnSpc>
+              <a:spcBef>
+                <a:spcPct val="0"/>
+              </a:spcBef>
+              <a:buNone/>
+              <a:defRPr sz="4400" kern="1200">
+                <a:solidFill>
+                  <a:schemeClr val="tx1"/>
+                </a:solidFill>
+                <a:latin typeface="+mj-lt"/>
+                <a:ea typeface="+mj-ea"/>
+                <a:cs typeface="+mj-cs"/>
+              </a:defRPr>
+            </a:lvl1pPr>
+          </a:lstStyle>
+          <a:p>
+            <a:r>
+              <a:rPr lang="ko-KR" altLang="en-US" sz="2400" b="1"/>
+              <a:t>직교 투영 행렬</a:t>
+            </a:r>
+            <a:r>
+              <a:rPr lang="en-US" altLang="ko-KR" sz="2400" b="1"/>
+              <a:t>(Orthographic Projection matrix)</a:t>
+            </a:r>
+            <a:endParaRPr lang="ko-KR" altLang="en-US" sz="2400" b="1"/>
+          </a:p>
+        </p:txBody>
+      </p:sp>
+      <p:sp>
+        <p:nvSpPr>
+          <p:cNvPr id="7" name="TextBox 6">
+            <a:extLst>
+              <a:ext uri="{FF2B5EF4-FFF2-40B4-BE49-F238E27FC236}">
+                <a16:creationId xmlns:a16="http://schemas.microsoft.com/office/drawing/2014/main" id="{AE916EE1-DFE7-3DA7-CE9D-7B20711B8C3C}"/>
+              </a:ext>
+            </a:extLst>
+          </p:cNvPr>
+          <p:cNvSpPr txBox="1"/>
+          <p:nvPr/>
+        </p:nvSpPr>
+        <p:spPr>
+          <a:xfrm>
+            <a:off x="526738" y="4898094"/>
+            <a:ext cx="10936689" cy="584775"/>
+          </a:xfrm>
+          <a:prstGeom prst="rect">
+            <a:avLst/>
+          </a:prstGeom>
+          <a:noFill/>
+        </p:spPr>
+        <p:txBody>
+          <a:bodyPr wrap="square">
+            <a:spAutoFit/>
+          </a:bodyPr>
+          <a:lstStyle/>
+          <a:p>
+            <a:r>
+              <a:rPr lang="ko-KR" altLang="en-US" sz="1600" b="1" i="0">
+                <a:solidFill>
+                  <a:srgbClr val="0D0D0D"/>
+                </a:solidFill>
+                <a:effectLst/>
+                <a:highlight>
+                  <a:srgbClr val="FFFFFF"/>
+                </a:highlight>
+                <a:latin typeface="Söhne"/>
+              </a:rPr>
+              <a:t>직교 투영 행렬</a:t>
+            </a:r>
+            <a:r>
+              <a:rPr lang="en-US" altLang="ko-KR" sz="1600" b="0" i="0">
+                <a:solidFill>
+                  <a:srgbClr val="0D0D0D"/>
+                </a:solidFill>
+                <a:effectLst/>
+                <a:highlight>
+                  <a:srgbClr val="FFFFFF"/>
+                </a:highlight>
+                <a:latin typeface="Söhne"/>
+              </a:rPr>
+              <a:t>: 3D </a:t>
+            </a:r>
+            <a:r>
+              <a:rPr lang="ko-KR" altLang="en-US" sz="1600" b="0" i="0">
+                <a:solidFill>
+                  <a:srgbClr val="0D0D0D"/>
+                </a:solidFill>
+                <a:effectLst/>
+                <a:highlight>
+                  <a:srgbClr val="FFFFFF"/>
+                </a:highlight>
+                <a:latin typeface="Söhne"/>
+              </a:rPr>
+              <a:t>공간의 객체를 </a:t>
+            </a:r>
+            <a:r>
+              <a:rPr lang="en-US" altLang="ko-KR" sz="1600" b="0" i="0">
+                <a:solidFill>
+                  <a:srgbClr val="0D0D0D"/>
+                </a:solidFill>
+                <a:effectLst/>
+                <a:highlight>
+                  <a:srgbClr val="FFFFFF"/>
+                </a:highlight>
+                <a:latin typeface="Söhne"/>
+              </a:rPr>
+              <a:t>2D </a:t>
+            </a:r>
+            <a:r>
+              <a:rPr lang="ko-KR" altLang="en-US" sz="1600" b="0" i="0">
+                <a:solidFill>
+                  <a:srgbClr val="0D0D0D"/>
+                </a:solidFill>
+                <a:effectLst/>
+                <a:highlight>
+                  <a:srgbClr val="FFFFFF"/>
+                </a:highlight>
+                <a:latin typeface="Söhne"/>
+              </a:rPr>
+              <a:t>평면에 투영하기 위해 사용</a:t>
+            </a:r>
+            <a:r>
+              <a:rPr lang="en-US" altLang="ko-KR" sz="1600" b="0" i="0">
+                <a:solidFill>
+                  <a:srgbClr val="0D0D0D"/>
+                </a:solidFill>
+                <a:effectLst/>
+                <a:highlight>
+                  <a:srgbClr val="FFFFFF"/>
+                </a:highlight>
+                <a:latin typeface="Söhne"/>
+              </a:rPr>
+              <a:t>, </a:t>
+            </a:r>
+          </a:p>
+          <a:p>
+            <a:r>
+              <a:rPr lang="ko-KR" altLang="en-US" sz="1600" b="0" i="0">
+                <a:solidFill>
+                  <a:srgbClr val="0D0D0D"/>
+                </a:solidFill>
+                <a:effectLst/>
+                <a:highlight>
+                  <a:srgbClr val="FFFFFF"/>
+                </a:highlight>
+                <a:latin typeface="Söhne"/>
+              </a:rPr>
+              <a:t>이 행렬은 주로 </a:t>
+            </a:r>
+            <a:r>
+              <a:rPr lang="en-US" altLang="ko-KR" sz="1600" b="0" i="0">
+                <a:solidFill>
+                  <a:srgbClr val="0D0D0D"/>
+                </a:solidFill>
+                <a:effectLst/>
+                <a:highlight>
+                  <a:srgbClr val="FFFFFF"/>
+                </a:highlight>
+                <a:latin typeface="Söhne"/>
+              </a:rPr>
+              <a:t>3</a:t>
+            </a:r>
+            <a:r>
+              <a:rPr lang="ko-KR" altLang="en-US" sz="1600" b="0" i="0">
+                <a:solidFill>
+                  <a:srgbClr val="0D0D0D"/>
+                </a:solidFill>
+                <a:effectLst/>
+                <a:highlight>
+                  <a:srgbClr val="FFFFFF"/>
+                </a:highlight>
+                <a:latin typeface="Söhne"/>
+              </a:rPr>
+              <a:t>차원 좌표에서 </a:t>
+            </a:r>
+            <a:r>
+              <a:rPr lang="en-US" altLang="ko-KR" sz="1600" b="0" i="1">
+                <a:solidFill>
+                  <a:srgbClr val="0D0D0D"/>
+                </a:solidFill>
+                <a:effectLst/>
+                <a:highlight>
+                  <a:srgbClr val="FFFFFF"/>
+                </a:highlight>
+                <a:latin typeface="KaTeX_Math"/>
+              </a:rPr>
+              <a:t>z</a:t>
+            </a:r>
+            <a:r>
+              <a:rPr lang="ko-KR" altLang="en-US" sz="1600" b="0" i="0">
+                <a:solidFill>
+                  <a:srgbClr val="0D0D0D"/>
+                </a:solidFill>
+                <a:effectLst/>
+                <a:highlight>
+                  <a:srgbClr val="FFFFFF"/>
+                </a:highlight>
+                <a:latin typeface="Söhne"/>
+              </a:rPr>
+              <a:t> 축 정보를 제거하여 원근감을 없애고</a:t>
+            </a:r>
+            <a:r>
+              <a:rPr lang="en-US" altLang="ko-KR" sz="1600" b="0" i="0">
+                <a:solidFill>
+                  <a:srgbClr val="0D0D0D"/>
+                </a:solidFill>
+                <a:effectLst/>
+                <a:highlight>
+                  <a:srgbClr val="FFFFFF"/>
+                </a:highlight>
+                <a:latin typeface="Söhne"/>
+              </a:rPr>
+              <a:t>, </a:t>
+            </a:r>
+            <a:r>
+              <a:rPr lang="ko-KR" altLang="en-US" sz="1600" b="0" i="0">
+                <a:solidFill>
+                  <a:srgbClr val="0D0D0D"/>
+                </a:solidFill>
+                <a:effectLst/>
+                <a:highlight>
+                  <a:srgbClr val="FFFFFF"/>
+                </a:highlight>
+                <a:latin typeface="Söhne"/>
+              </a:rPr>
+              <a:t>모든 객체를 동일한 크기로 평면에 표현</a:t>
+            </a:r>
+            <a:endParaRPr lang="ko-KR" altLang="en-US" sz="1600"/>
+          </a:p>
+        </p:txBody>
+      </p:sp>
       <p:grpSp>
         <p:nvGrpSpPr>
-          <p:cNvPr id="7" name="그룹 6">
+          <p:cNvPr id="22" name="그룹 21">
             <a:extLst>
               <a:ext uri="{FF2B5EF4-FFF2-40B4-BE49-F238E27FC236}">
-                <a16:creationId xmlns:a16="http://schemas.microsoft.com/office/drawing/2014/main" id="{46E51C4A-CD19-060F-F452-5B331A911DC7}"/>
+                <a16:creationId xmlns:a16="http://schemas.microsoft.com/office/drawing/2014/main" id="{E870A912-9E44-1F7A-C6BE-CA8E815A5D3C}"/>
               </a:ext>
             </a:extLst>
           </p:cNvPr>
@@ -7323,18 +10544,18 @@
         </p:nvGrpSpPr>
         <p:grpSpPr>
           <a:xfrm>
-            <a:off x="931626" y="1318398"/>
-            <a:ext cx="3791834" cy="3471070"/>
-            <a:chOff x="1293576" y="1728788"/>
-            <a:chExt cx="3137171" cy="2871787"/>
+            <a:off x="1074419" y="1955491"/>
+            <a:ext cx="9633548" cy="2467011"/>
+            <a:chOff x="521413" y="2084441"/>
+            <a:chExt cx="7700360" cy="1971950"/>
           </a:xfrm>
         </p:grpSpPr>
         <p:pic>
           <p:nvPicPr>
-            <p:cNvPr id="5" name="그림 4">
+            <p:cNvPr id="17" name="그림 16">
               <a:extLst>
                 <a:ext uri="{FF2B5EF4-FFF2-40B4-BE49-F238E27FC236}">
-                  <a16:creationId xmlns:a16="http://schemas.microsoft.com/office/drawing/2014/main" id="{B192091B-B00F-8B70-9FF5-451BE57B77F9}"/>
+                  <a16:creationId xmlns:a16="http://schemas.microsoft.com/office/drawing/2014/main" id="{D541208A-AD07-01F6-653F-CE0AE70DD904}"/>
                 </a:ext>
               </a:extLst>
             </p:cNvPr>
@@ -7343,63 +10564,407 @@
             </p:cNvPicPr>
             <p:nvPr/>
           </p:nvPicPr>
-          <p:blipFill rotWithShape="1">
+          <p:blipFill>
             <a:blip r:embed="rId3"/>
-            <a:srcRect r="49834"/>
-            <a:stretch/>
+            <a:stretch>
+              <a:fillRect/>
+            </a:stretch>
           </p:blipFill>
           <p:spPr>
             <a:xfrm>
-              <a:off x="1293576" y="1728788"/>
-              <a:ext cx="3137171" cy="2871787"/>
+              <a:off x="521413" y="2216538"/>
+              <a:ext cx="2750453" cy="1569771"/>
             </a:xfrm>
             <a:prstGeom prst="rect">
               <a:avLst/>
             </a:prstGeom>
           </p:spPr>
         </p:pic>
-        <p:sp>
-          <p:nvSpPr>
-            <p:cNvPr id="6" name="TextBox 5">
+        <p:pic>
+          <p:nvPicPr>
+            <p:cNvPr id="19" name="그림 18">
               <a:extLst>
                 <a:ext uri="{FF2B5EF4-FFF2-40B4-BE49-F238E27FC236}">
-                  <a16:creationId xmlns:a16="http://schemas.microsoft.com/office/drawing/2014/main" id="{4C791600-95DC-7EB6-1C3F-C6285A7CF786}"/>
+                  <a16:creationId xmlns:a16="http://schemas.microsoft.com/office/drawing/2014/main" id="{814DC869-51D9-0188-3283-DAA4E75AB694}"/>
                 </a:ext>
               </a:extLst>
             </p:cNvPr>
-            <p:cNvSpPr txBox="1"/>
+            <p:cNvPicPr>
+              <a:picLocks noChangeAspect="1"/>
+            </p:cNvPicPr>
             <p:nvPr/>
-          </p:nvSpPr>
+          </p:nvPicPr>
+          <p:blipFill>
+            <a:blip r:embed="rId4"/>
+            <a:stretch>
+              <a:fillRect/>
+            </a:stretch>
+          </p:blipFill>
           <p:spPr>
             <a:xfrm>
-              <a:off x="2261321" y="3657600"/>
-              <a:ext cx="417709" cy="369332"/>
+              <a:off x="3289434" y="2084441"/>
+              <a:ext cx="1295581" cy="1971950"/>
             </a:xfrm>
             <a:prstGeom prst="rect">
               <a:avLst/>
             </a:prstGeom>
-            <a:noFill/>
           </p:spPr>
-          <p:txBody>
-            <a:bodyPr wrap="square" rtlCol="0">
-              <a:spAutoFit/>
-            </a:bodyPr>
-            <a:lstStyle/>
-            <a:p>
-              <a:r>
-                <a:rPr lang="ko-KR" altLang="en-US" sz="900" b="1"/>
-                <a:t>음의 방향</a:t>
-              </a:r>
-            </a:p>
-          </p:txBody>
-        </p:sp>
+        </p:pic>
+        <p:pic>
+          <p:nvPicPr>
+            <p:cNvPr id="21" name="그림 20">
+              <a:extLst>
+                <a:ext uri="{FF2B5EF4-FFF2-40B4-BE49-F238E27FC236}">
+                  <a16:creationId xmlns:a16="http://schemas.microsoft.com/office/drawing/2014/main" id="{F32931E7-3B08-4E8D-4C24-D52041E20ECF}"/>
+                </a:ext>
+              </a:extLst>
+            </p:cNvPr>
+            <p:cNvPicPr>
+              <a:picLocks noChangeAspect="1"/>
+            </p:cNvPicPr>
+            <p:nvPr/>
+          </p:nvPicPr>
+          <p:blipFill>
+            <a:blip r:embed="rId5"/>
+            <a:stretch>
+              <a:fillRect/>
+            </a:stretch>
+          </p:blipFill>
+          <p:spPr>
+            <a:xfrm>
+              <a:off x="4454635" y="2255547"/>
+              <a:ext cx="3767138" cy="1733828"/>
+            </a:xfrm>
+            <a:prstGeom prst="rect">
+              <a:avLst/>
+            </a:prstGeom>
+          </p:spPr>
+        </p:pic>
       </p:grpSp>
+    </p:spTree>
+    <p:extLst>
+      <p:ext uri="{BB962C8B-B14F-4D97-AF65-F5344CB8AC3E}">
+        <p14:creationId xmlns:p14="http://schemas.microsoft.com/office/powerpoint/2010/main" val="2090821123"/>
+      </p:ext>
+    </p:extLst>
+  </p:cSld>
+  <p:clrMapOvr>
+    <a:masterClrMapping/>
+  </p:clrMapOvr>
+</p:sld>
+</file>
+
+<file path=ppt/slides/slide6.xml><?xml version="1.0" encoding="utf-8"?>
+<p:sld xmlns:a="http://schemas.openxmlformats.org/drawingml/2006/main" xmlns:r="http://schemas.openxmlformats.org/officeDocument/2006/relationships" xmlns:p="http://schemas.openxmlformats.org/presentationml/2006/main">
+  <p:cSld>
+    <p:spTree>
+      <p:nvGrpSpPr>
+        <p:cNvPr id="1" name=""/>
+        <p:cNvGrpSpPr/>
+        <p:nvPr/>
+      </p:nvGrpSpPr>
+      <p:grpSpPr>
+        <a:xfrm>
+          <a:off x="0" y="0"/>
+          <a:ext cx="0" cy="0"/>
+          <a:chOff x="0" y="0"/>
+          <a:chExt cx="0" cy="0"/>
+        </a:xfrm>
+      </p:grpSpPr>
+      <p:sp>
+        <p:nvSpPr>
+          <p:cNvPr id="12" name="TextBox 11">
+            <a:extLst>
+              <a:ext uri="{FF2B5EF4-FFF2-40B4-BE49-F238E27FC236}">
+                <a16:creationId xmlns:a16="http://schemas.microsoft.com/office/drawing/2014/main" id="{08BDEBBC-FEE8-8B20-4523-DC496FFCA340}"/>
+              </a:ext>
+            </a:extLst>
+          </p:cNvPr>
+          <p:cNvSpPr txBox="1"/>
+          <p:nvPr/>
+        </p:nvSpPr>
+        <p:spPr>
+          <a:xfrm>
+            <a:off x="367544" y="5979228"/>
+            <a:ext cx="6031350" cy="400110"/>
+          </a:xfrm>
+          <a:prstGeom prst="rect">
+            <a:avLst/>
+          </a:prstGeom>
+          <a:noFill/>
+        </p:spPr>
+        <p:txBody>
+          <a:bodyPr wrap="square">
+            <a:spAutoFit/>
+          </a:bodyPr>
+          <a:lstStyle/>
+          <a:p>
+            <a:r>
+              <a:rPr lang="ko-KR" altLang="en-US" sz="1000" b="1"/>
+              <a:t>뷰 볼륨</a:t>
+            </a:r>
+            <a:r>
+              <a:rPr lang="en-US" altLang="ko-KR" sz="1000" b="1"/>
+              <a:t>(View Volume):</a:t>
+            </a:r>
+            <a:r>
+              <a:rPr lang="ko-KR" altLang="en-US" sz="1000" b="1"/>
+              <a:t> </a:t>
+            </a:r>
+            <a:r>
+              <a:rPr lang="en-US" altLang="ko-KR" sz="1000" b="1"/>
+              <a:t>3D </a:t>
+            </a:r>
+            <a:r>
+              <a:rPr lang="ko-KR" altLang="en-US" sz="1000" b="1"/>
+              <a:t>그래픽스에서 카메라 또는 뷰포트가 캡처할 수 있는 공간의 부분을 정의</a:t>
+            </a:r>
+            <a:endParaRPr lang="en-US" altLang="ko-KR" sz="1000" b="1"/>
+          </a:p>
+          <a:p>
+            <a:r>
+              <a:rPr lang="ko-KR" altLang="en-US" sz="1000" b="1"/>
+              <a:t>이 공간은 카메라에 의해 </a:t>
+            </a:r>
+            <a:r>
+              <a:rPr lang="en-US" altLang="ko-KR" sz="1000" b="1"/>
+              <a:t>"</a:t>
+            </a:r>
+            <a:r>
+              <a:rPr lang="ko-KR" altLang="en-US" sz="1000" b="1"/>
+              <a:t>보여질 수 있는</a:t>
+            </a:r>
+            <a:r>
+              <a:rPr lang="en-US" altLang="ko-KR" sz="1000" b="1"/>
+              <a:t>" </a:t>
+            </a:r>
+            <a:r>
+              <a:rPr lang="ko-KR" altLang="en-US" sz="1000" b="1"/>
+              <a:t>모든 객체들이 포함되는 </a:t>
+            </a:r>
+            <a:r>
+              <a:rPr lang="en-US" altLang="ko-KR" sz="1000" b="1"/>
+              <a:t>3</a:t>
+            </a:r>
+            <a:r>
+              <a:rPr lang="ko-KR" altLang="en-US" sz="1000" b="1"/>
+              <a:t>차원의 범위</a:t>
+            </a:r>
+          </a:p>
+        </p:txBody>
+      </p:sp>
       <p:pic>
         <p:nvPicPr>
-          <p:cNvPr id="9" name="그림 8">
+          <p:cNvPr id="5" name="그림 4">
             <a:extLst>
               <a:ext uri="{FF2B5EF4-FFF2-40B4-BE49-F238E27FC236}">
-                <a16:creationId xmlns:a16="http://schemas.microsoft.com/office/drawing/2014/main" id="{D2441A79-6D4C-2D42-9AAB-FFD6D49ADE56}"/>
+                <a16:creationId xmlns:a16="http://schemas.microsoft.com/office/drawing/2014/main" id="{975741DC-EFD6-C564-8711-969EB9B9BC7C}"/>
+              </a:ext>
+            </a:extLst>
+          </p:cNvPr>
+          <p:cNvPicPr>
+            <a:picLocks noChangeAspect="1"/>
+          </p:cNvPicPr>
+          <p:nvPr/>
+        </p:nvPicPr>
+        <p:blipFill>
+          <a:blip r:embed="rId3"/>
+          <a:stretch>
+            <a:fillRect/>
+          </a:stretch>
+        </p:blipFill>
+        <p:spPr>
+          <a:xfrm>
+            <a:off x="727324" y="644035"/>
+            <a:ext cx="5462461" cy="3061700"/>
+          </a:xfrm>
+          <a:prstGeom prst="rect">
+            <a:avLst/>
+          </a:prstGeom>
+        </p:spPr>
+      </p:pic>
+      <p:pic>
+        <p:nvPicPr>
+          <p:cNvPr id="4" name="그림 3">
+            <a:extLst>
+              <a:ext uri="{FF2B5EF4-FFF2-40B4-BE49-F238E27FC236}">
+                <a16:creationId xmlns:a16="http://schemas.microsoft.com/office/drawing/2014/main" id="{51E22F19-7747-01F4-3843-25A6F0992744}"/>
+              </a:ext>
+            </a:extLst>
+          </p:cNvPr>
+          <p:cNvPicPr>
+            <a:picLocks noChangeAspect="1"/>
+          </p:cNvPicPr>
+          <p:nvPr/>
+        </p:nvPicPr>
+        <p:blipFill>
+          <a:blip r:embed="rId4"/>
+          <a:stretch>
+            <a:fillRect/>
+          </a:stretch>
+        </p:blipFill>
+        <p:spPr>
+          <a:xfrm>
+            <a:off x="6902875" y="1080723"/>
+            <a:ext cx="2600688" cy="1095528"/>
+          </a:xfrm>
+          <a:prstGeom prst="rect">
+            <a:avLst/>
+          </a:prstGeom>
+        </p:spPr>
+      </p:pic>
+      <p:pic>
+        <p:nvPicPr>
+          <p:cNvPr id="8" name="그림 7">
+            <a:extLst>
+              <a:ext uri="{FF2B5EF4-FFF2-40B4-BE49-F238E27FC236}">
+                <a16:creationId xmlns:a16="http://schemas.microsoft.com/office/drawing/2014/main" id="{60961E8F-B595-564C-F89E-BFFE1215ABFC}"/>
+              </a:ext>
+            </a:extLst>
+          </p:cNvPr>
+          <p:cNvPicPr>
+            <a:picLocks noChangeAspect="1"/>
+          </p:cNvPicPr>
+          <p:nvPr/>
+        </p:nvPicPr>
+        <p:blipFill>
+          <a:blip r:embed="rId5"/>
+          <a:stretch>
+            <a:fillRect/>
+          </a:stretch>
+        </p:blipFill>
+        <p:spPr>
+          <a:xfrm>
+            <a:off x="6918629" y="2695944"/>
+            <a:ext cx="3248478" cy="1009791"/>
+          </a:xfrm>
+          <a:prstGeom prst="rect">
+            <a:avLst/>
+          </a:prstGeom>
+        </p:spPr>
+      </p:pic>
+      <p:pic>
+        <p:nvPicPr>
+          <p:cNvPr id="10" name="그림 9">
+            <a:extLst>
+              <a:ext uri="{FF2B5EF4-FFF2-40B4-BE49-F238E27FC236}">
+                <a16:creationId xmlns:a16="http://schemas.microsoft.com/office/drawing/2014/main" id="{10D49F3B-BEAD-C238-4E68-6773C33C8F1E}"/>
+              </a:ext>
+            </a:extLst>
+          </p:cNvPr>
+          <p:cNvPicPr>
+            <a:picLocks noChangeAspect="1"/>
+          </p:cNvPicPr>
+          <p:nvPr/>
+        </p:nvPicPr>
+        <p:blipFill>
+          <a:blip r:embed="rId6"/>
+          <a:stretch>
+            <a:fillRect/>
+          </a:stretch>
+        </p:blipFill>
+        <p:spPr>
+          <a:xfrm>
+            <a:off x="6189785" y="4170479"/>
+            <a:ext cx="5574508" cy="1370591"/>
+          </a:xfrm>
+          <a:prstGeom prst="rect">
+            <a:avLst/>
+          </a:prstGeom>
+        </p:spPr>
+      </p:pic>
+      <p:sp>
+        <p:nvSpPr>
+          <p:cNvPr id="15" name="TextBox 14">
+            <a:extLst>
+              <a:ext uri="{FF2B5EF4-FFF2-40B4-BE49-F238E27FC236}">
+                <a16:creationId xmlns:a16="http://schemas.microsoft.com/office/drawing/2014/main" id="{A290FBBB-EA9C-7023-F805-7F40A07F2225}"/>
+              </a:ext>
+            </a:extLst>
+          </p:cNvPr>
+          <p:cNvSpPr txBox="1"/>
+          <p:nvPr/>
+        </p:nvSpPr>
+        <p:spPr>
+          <a:xfrm>
+            <a:off x="6918629" y="622336"/>
+            <a:ext cx="5088277" cy="276999"/>
+          </a:xfrm>
+          <a:prstGeom prst="rect">
+            <a:avLst/>
+          </a:prstGeom>
+          <a:noFill/>
+        </p:spPr>
+        <p:txBody>
+          <a:bodyPr wrap="square">
+            <a:spAutoFit/>
+          </a:bodyPr>
+          <a:lstStyle/>
+          <a:p>
+            <a:r>
+              <a:rPr lang="ko-KR" altLang="en-US" sz="1200" b="1"/>
+              <a:t>뷰 볼륨의 중심을 원점으로 이동</a:t>
+            </a:r>
+          </a:p>
+        </p:txBody>
+      </p:sp>
+      <p:sp>
+        <p:nvSpPr>
+          <p:cNvPr id="20" name="TextBox 19">
+            <a:extLst>
+              <a:ext uri="{FF2B5EF4-FFF2-40B4-BE49-F238E27FC236}">
+                <a16:creationId xmlns:a16="http://schemas.microsoft.com/office/drawing/2014/main" id="{048D5E1A-8D11-B78D-1615-14CCCB56925C}"/>
+              </a:ext>
+            </a:extLst>
+          </p:cNvPr>
+          <p:cNvSpPr txBox="1"/>
+          <p:nvPr/>
+        </p:nvSpPr>
+        <p:spPr>
+          <a:xfrm>
+            <a:off x="6959425" y="2450808"/>
+            <a:ext cx="5088277" cy="276999"/>
+          </a:xfrm>
+          <a:prstGeom prst="rect">
+            <a:avLst/>
+          </a:prstGeom>
+          <a:noFill/>
+        </p:spPr>
+        <p:txBody>
+          <a:bodyPr wrap="square">
+            <a:spAutoFit/>
+          </a:bodyPr>
+          <a:lstStyle/>
+          <a:p>
+            <a:r>
+              <a:rPr lang="ko-KR" altLang="en-US" sz="1200" b="1"/>
+              <a:t>뷰 볼륨을 </a:t>
+            </a:r>
+            <a:r>
+              <a:rPr lang="en-US" altLang="ko-KR" sz="1200" b="1"/>
+              <a:t>-1</a:t>
+            </a:r>
+            <a:r>
+              <a:rPr lang="ko-KR" altLang="en-US" sz="1200" b="1"/>
+              <a:t>에서 </a:t>
+            </a:r>
+            <a:r>
+              <a:rPr lang="en-US" altLang="ko-KR" sz="1200" b="1"/>
+              <a:t>1</a:t>
+            </a:r>
+            <a:r>
+              <a:rPr lang="ko-KR" altLang="en-US" sz="1200" b="1"/>
+              <a:t>까지의 정규화된 크기로 조정</a:t>
+            </a:r>
+          </a:p>
+        </p:txBody>
+      </p:sp>
+      <p:pic>
+        <p:nvPicPr>
+          <p:cNvPr id="24" name="그림 23">
+            <a:extLst>
+              <a:ext uri="{FF2B5EF4-FFF2-40B4-BE49-F238E27FC236}">
+                <a16:creationId xmlns:a16="http://schemas.microsoft.com/office/drawing/2014/main" id="{EEB92DB7-7227-0382-B86D-199C3125E67A}"/>
               </a:ext>
             </a:extLst>
           </p:cNvPr>
@@ -7409,20 +10974,101 @@
           <p:nvPr/>
         </p:nvPicPr>
         <p:blipFill rotWithShape="1">
-          <a:blip r:embed="rId3"/>
-          <a:srcRect l="49835"/>
+          <a:blip r:embed="rId7"/>
+          <a:srcRect l="60723"/>
           <a:stretch/>
         </p:blipFill>
         <p:spPr>
           <a:xfrm>
-            <a:off x="6859419" y="1318397"/>
-            <a:ext cx="3791833" cy="3471070"/>
+            <a:off x="1090379" y="3299541"/>
+            <a:ext cx="1324542" cy="2086266"/>
           </a:xfrm>
           <a:prstGeom prst="rect">
             <a:avLst/>
           </a:prstGeom>
         </p:spPr>
       </p:pic>
+      <p:sp>
+        <p:nvSpPr>
+          <p:cNvPr id="25" name="TextBox 24">
+            <a:extLst>
+              <a:ext uri="{FF2B5EF4-FFF2-40B4-BE49-F238E27FC236}">
+                <a16:creationId xmlns:a16="http://schemas.microsoft.com/office/drawing/2014/main" id="{EF5C4755-F7F4-000D-F783-1FB1BD7FC65C}"/>
+              </a:ext>
+            </a:extLst>
+          </p:cNvPr>
+          <p:cNvSpPr txBox="1"/>
+          <p:nvPr/>
+        </p:nvSpPr>
+        <p:spPr>
+          <a:xfrm>
+            <a:off x="6959425" y="3902697"/>
+            <a:ext cx="5088277" cy="276999"/>
+          </a:xfrm>
+          <a:prstGeom prst="rect">
+            <a:avLst/>
+          </a:prstGeom>
+          <a:noFill/>
+        </p:spPr>
+        <p:txBody>
+          <a:bodyPr wrap="square">
+            <a:spAutoFit/>
+          </a:bodyPr>
+          <a:lstStyle/>
+          <a:p>
+            <a:r>
+              <a:rPr lang="ko-KR" altLang="en-US" sz="1200" b="1"/>
+              <a:t>뷰 볼륨을 </a:t>
+            </a:r>
+            <a:r>
+              <a:rPr lang="en-US" altLang="ko-KR" sz="1200" b="1"/>
+              <a:t>-1</a:t>
+            </a:r>
+            <a:r>
+              <a:rPr lang="ko-KR" altLang="en-US" sz="1200" b="1"/>
+              <a:t>에서 </a:t>
+            </a:r>
+            <a:r>
+              <a:rPr lang="en-US" altLang="ko-KR" sz="1200" b="1"/>
+              <a:t>1</a:t>
+            </a:r>
+            <a:r>
+              <a:rPr lang="ko-KR" altLang="en-US" sz="1200" b="1"/>
+              <a:t>까지의 정규화된 크기로 조정</a:t>
+            </a:r>
+          </a:p>
+        </p:txBody>
+      </p:sp>
+    </p:spTree>
+    <p:extLst>
+      <p:ext uri="{BB962C8B-B14F-4D97-AF65-F5344CB8AC3E}">
+        <p14:creationId xmlns:p14="http://schemas.microsoft.com/office/powerpoint/2010/main" val="1873566212"/>
+      </p:ext>
+    </p:extLst>
+  </p:cSld>
+  <p:clrMapOvr>
+    <a:masterClrMapping/>
+  </p:clrMapOvr>
+</p:sld>
+</file>
+
+<file path=ppt/slides/slide7.xml><?xml version="1.0" encoding="utf-8"?>
+<p:sld xmlns:a="http://schemas.openxmlformats.org/drawingml/2006/main" xmlns:r="http://schemas.openxmlformats.org/officeDocument/2006/relationships" xmlns:p="http://schemas.openxmlformats.org/presentationml/2006/main">
+  <p:cSld>
+    <p:spTree>
+      <p:nvGrpSpPr>
+        <p:cNvPr id="1" name=""/>
+        <p:cNvGrpSpPr/>
+        <p:nvPr/>
+      </p:nvGrpSpPr>
+      <p:grpSpPr>
+        <a:xfrm>
+          <a:off x="0" y="0"/>
+          <a:ext cx="0" cy="0"/>
+          <a:chOff x="0" y="0"/>
+          <a:chExt cx="0" cy="0"/>
+        </a:xfrm>
+      </p:grpSpPr>
       <p:sp>
         <p:nvSpPr>
           <p:cNvPr id="13" name="TextBox 12">
@@ -7483,52 +11129,6 @@
               <a:rPr lang="ko-KR" altLang="en-US" sz="1050" b="1"/>
               <a:t>장면을 화면에 맞게 정규화하는 단계</a:t>
             </a:r>
-          </a:p>
-        </p:txBody>
-      </p:sp>
-      <p:sp>
-        <p:nvSpPr>
-          <p:cNvPr id="14" name="화살표: 오른쪽 13">
-            <a:extLst>
-              <a:ext uri="{FF2B5EF4-FFF2-40B4-BE49-F238E27FC236}">
-                <a16:creationId xmlns:a16="http://schemas.microsoft.com/office/drawing/2014/main" id="{6CFA8F45-3C9A-7EEA-C9F9-483698B109CC}"/>
-              </a:ext>
-            </a:extLst>
-          </p:cNvPr>
-          <p:cNvSpPr/>
-          <p:nvPr/>
-        </p:nvSpPr>
-        <p:spPr>
-          <a:xfrm>
-            <a:off x="5107579" y="2751537"/>
-            <a:ext cx="1367721" cy="450799"/>
-          </a:xfrm>
-          <a:prstGeom prst="rightArrow">
-            <a:avLst/>
-          </a:prstGeom>
-        </p:spPr>
-        <p:style>
-          <a:lnRef idx="2">
-            <a:schemeClr val="accent5">
-              <a:shade val="15000"/>
-            </a:schemeClr>
-          </a:lnRef>
-          <a:fillRef idx="1">
-            <a:schemeClr val="accent5"/>
-          </a:fillRef>
-          <a:effectRef idx="0">
-            <a:schemeClr val="accent5"/>
-          </a:effectRef>
-          <a:fontRef idx="minor">
-            <a:schemeClr val="lt1"/>
-          </a:fontRef>
-        </p:style>
-        <p:txBody>
-          <a:bodyPr rtlCol="0" anchor="ctr"/>
-          <a:lstStyle/>
-          <a:p>
-            <a:pPr algn="ctr"/>
-            <a:endParaRPr lang="ko-KR" altLang="en-US"/>
           </a:p>
         </p:txBody>
       </p:sp>
@@ -7591,6 +11191,246 @@
           </a:p>
         </p:txBody>
       </p:sp>
+      <p:pic>
+        <p:nvPicPr>
+          <p:cNvPr id="3" name="그림 2">
+            <a:extLst>
+              <a:ext uri="{FF2B5EF4-FFF2-40B4-BE49-F238E27FC236}">
+                <a16:creationId xmlns:a16="http://schemas.microsoft.com/office/drawing/2014/main" id="{68A42B88-AA81-4417-2739-DB0E802E006B}"/>
+              </a:ext>
+            </a:extLst>
+          </p:cNvPr>
+          <p:cNvPicPr>
+            <a:picLocks noChangeAspect="1"/>
+          </p:cNvPicPr>
+          <p:nvPr/>
+        </p:nvPicPr>
+        <p:blipFill rotWithShape="1">
+          <a:blip r:embed="rId3"/>
+          <a:srcRect t="3294"/>
+          <a:stretch/>
+        </p:blipFill>
+        <p:spPr>
+          <a:xfrm>
+            <a:off x="318035" y="1345261"/>
+            <a:ext cx="6038527" cy="2784949"/>
+          </a:xfrm>
+          <a:prstGeom prst="rect">
+            <a:avLst/>
+          </a:prstGeom>
+        </p:spPr>
+      </p:pic>
+      <p:pic>
+        <p:nvPicPr>
+          <p:cNvPr id="10" name="그림 9">
+            <a:extLst>
+              <a:ext uri="{FF2B5EF4-FFF2-40B4-BE49-F238E27FC236}">
+                <a16:creationId xmlns:a16="http://schemas.microsoft.com/office/drawing/2014/main" id="{97723896-C3A6-721D-1233-497EB8CE3973}"/>
+              </a:ext>
+            </a:extLst>
+          </p:cNvPr>
+          <p:cNvPicPr>
+            <a:picLocks noChangeAspect="1"/>
+          </p:cNvPicPr>
+          <p:nvPr/>
+        </p:nvPicPr>
+        <p:blipFill>
+          <a:blip r:embed="rId4"/>
+          <a:stretch>
+            <a:fillRect/>
+          </a:stretch>
+        </p:blipFill>
+        <p:spPr>
+          <a:xfrm>
+            <a:off x="6256721" y="1222625"/>
+            <a:ext cx="5617243" cy="2752821"/>
+          </a:xfrm>
+          <a:prstGeom prst="rect">
+            <a:avLst/>
+          </a:prstGeom>
+        </p:spPr>
+      </p:pic>
+      <p:sp>
+        <p:nvSpPr>
+          <p:cNvPr id="11" name="TextBox 10">
+            <a:extLst>
+              <a:ext uri="{FF2B5EF4-FFF2-40B4-BE49-F238E27FC236}">
+                <a16:creationId xmlns:a16="http://schemas.microsoft.com/office/drawing/2014/main" id="{5E1B36DC-483C-D64C-7069-B1119D893ED2}"/>
+              </a:ext>
+            </a:extLst>
+          </p:cNvPr>
+          <p:cNvSpPr txBox="1"/>
+          <p:nvPr/>
+        </p:nvSpPr>
+        <p:spPr>
+          <a:xfrm>
+            <a:off x="392306" y="4821162"/>
+            <a:ext cx="11481658" cy="646331"/>
+          </a:xfrm>
+          <a:prstGeom prst="rect">
+            <a:avLst/>
+          </a:prstGeom>
+          <a:noFill/>
+        </p:spPr>
+        <p:txBody>
+          <a:bodyPr wrap="square">
+            <a:spAutoFit/>
+          </a:bodyPr>
+          <a:lstStyle/>
+          <a:p>
+            <a:pPr algn="l">
+              <a:buFont typeface="Arial" panose="020B0604020202020204" pitchFamily="34" charset="0"/>
+              <a:buChar char="•"/>
+            </a:pPr>
+            <a:r>
+              <a:rPr lang="ko-KR" altLang="en-US" b="1" i="0">
+                <a:effectLst/>
+                <a:latin typeface="Arial" panose="020B0604020202020204" pitchFamily="34" charset="0"/>
+              </a:rPr>
+              <a:t>원근투영 </a:t>
+            </a:r>
+            <a:r>
+              <a:rPr lang="en-US" altLang="ko-KR" b="1" i="0">
+                <a:effectLst/>
+                <a:latin typeface="Arial" panose="020B0604020202020204" pitchFamily="34" charset="0"/>
+              </a:rPr>
+              <a:t>(Perspective projection)</a:t>
+            </a:r>
+            <a:r>
+              <a:rPr lang="ko-KR" altLang="en-US" b="1" i="0">
+                <a:effectLst/>
+                <a:latin typeface="Arial" panose="020B0604020202020204" pitchFamily="34" charset="0"/>
+              </a:rPr>
+              <a:t>은 절두체 </a:t>
+            </a:r>
+            <a:r>
+              <a:rPr lang="en-US" altLang="ko-KR" b="1" i="0">
+                <a:effectLst/>
+                <a:latin typeface="Arial" panose="020B0604020202020204" pitchFamily="34" charset="0"/>
+              </a:rPr>
+              <a:t>(frustum)</a:t>
+            </a:r>
+            <a:r>
+              <a:rPr lang="ko-KR" altLang="en-US" b="1" i="0">
+                <a:effectLst/>
+                <a:latin typeface="Arial" panose="020B0604020202020204" pitchFamily="34" charset="0"/>
+              </a:rPr>
+              <a:t> 뷰 볼륨의 관측공간을 화면에 투영한다</a:t>
+            </a:r>
+            <a:r>
+              <a:rPr lang="en-US" altLang="ko-KR" b="1" i="0">
+                <a:effectLst/>
+                <a:latin typeface="Arial" panose="020B0604020202020204" pitchFamily="34" charset="0"/>
+              </a:rPr>
+              <a:t>.</a:t>
+            </a:r>
+          </a:p>
+          <a:p>
+            <a:pPr algn="l">
+              <a:buFont typeface="Arial" panose="020B0604020202020204" pitchFamily="34" charset="0"/>
+              <a:buChar char="•"/>
+            </a:pPr>
+            <a:r>
+              <a:rPr lang="ko-KR" altLang="en-US" b="1"/>
+              <a:t>가까운 객체는 크게 나타나고</a:t>
+            </a:r>
+            <a:r>
+              <a:rPr lang="en-US" altLang="ko-KR" b="1"/>
+              <a:t>, </a:t>
+            </a:r>
+            <a:r>
+              <a:rPr lang="ko-KR" altLang="en-US" b="1"/>
+              <a:t>멀리 있는 객체는 작게 나타난다</a:t>
+            </a:r>
+            <a:endParaRPr lang="en-US" altLang="ko-KR" b="1" i="0">
+              <a:effectLst/>
+              <a:latin typeface="Arial" panose="020B0604020202020204" pitchFamily="34" charset="0"/>
+            </a:endParaRPr>
+          </a:p>
+        </p:txBody>
+      </p:sp>
+      <p:sp>
+        <p:nvSpPr>
+          <p:cNvPr id="12" name="TextBox 11">
+            <a:extLst>
+              <a:ext uri="{FF2B5EF4-FFF2-40B4-BE49-F238E27FC236}">
+                <a16:creationId xmlns:a16="http://schemas.microsoft.com/office/drawing/2014/main" id="{60D74D08-D165-F243-2FD3-414921798444}"/>
+              </a:ext>
+            </a:extLst>
+          </p:cNvPr>
+          <p:cNvSpPr txBox="1"/>
+          <p:nvPr/>
+        </p:nvSpPr>
+        <p:spPr>
+          <a:xfrm>
+            <a:off x="397049" y="6022028"/>
+            <a:ext cx="6031350" cy="400110"/>
+          </a:xfrm>
+          <a:prstGeom prst="rect">
+            <a:avLst/>
+          </a:prstGeom>
+          <a:noFill/>
+        </p:spPr>
+        <p:txBody>
+          <a:bodyPr wrap="square">
+            <a:spAutoFit/>
+          </a:bodyPr>
+          <a:lstStyle/>
+          <a:p>
+            <a:r>
+              <a:rPr lang="ko-KR" altLang="en-US" sz="1000" b="1"/>
+              <a:t>뷰 볼륨</a:t>
+            </a:r>
+            <a:r>
+              <a:rPr lang="en-US" altLang="ko-KR" sz="1000" b="1"/>
+              <a:t>(View Volume):</a:t>
+            </a:r>
+            <a:r>
+              <a:rPr lang="ko-KR" altLang="en-US" sz="1000" b="1"/>
+              <a:t> </a:t>
+            </a:r>
+            <a:r>
+              <a:rPr lang="en-US" altLang="ko-KR" sz="1000" b="1"/>
+              <a:t>3D </a:t>
+            </a:r>
+            <a:r>
+              <a:rPr lang="ko-KR" altLang="en-US" sz="1000" b="1"/>
+              <a:t>그래픽스에서 카메라 또는 뷰포트가 캡처할 수 있는 공간의 부분을 정의</a:t>
+            </a:r>
+            <a:endParaRPr lang="en-US" altLang="ko-KR" sz="1000" b="1"/>
+          </a:p>
+          <a:p>
+            <a:r>
+              <a:rPr lang="ko-KR" altLang="en-US" sz="1000" b="1"/>
+              <a:t>이 공간은 카메라에 의해 </a:t>
+            </a:r>
+            <a:r>
+              <a:rPr lang="en-US" altLang="ko-KR" sz="1000" b="1"/>
+              <a:t>"</a:t>
+            </a:r>
+            <a:r>
+              <a:rPr lang="ko-KR" altLang="en-US" sz="1000" b="1"/>
+              <a:t>보여질 수 있는</a:t>
+            </a:r>
+            <a:r>
+              <a:rPr lang="en-US" altLang="ko-KR" sz="1000" b="1"/>
+              <a:t>" </a:t>
+            </a:r>
+            <a:r>
+              <a:rPr lang="ko-KR" altLang="en-US" sz="1000" b="1"/>
+              <a:t>모든 객체들이 포함되는 </a:t>
+            </a:r>
+            <a:r>
+              <a:rPr lang="en-US" altLang="ko-KR" sz="1000" b="1"/>
+              <a:t>3</a:t>
+            </a:r>
+            <a:r>
+              <a:rPr lang="ko-KR" altLang="en-US" sz="1000" b="1"/>
+              <a:t>차원의 범위</a:t>
+            </a:r>
+          </a:p>
+        </p:txBody>
+      </p:sp>
     </p:spTree>
     <p:extLst>
       <p:ext uri="{BB962C8B-B14F-4D97-AF65-F5344CB8AC3E}">
@@ -7604,7 +11444,7 @@
 </p:sld>
 </file>
 
-<file path=ppt/slides/slide6.xml><?xml version="1.0" encoding="utf-8"?>
+<file path=ppt/slides/slide8.xml><?xml version="1.0" encoding="utf-8"?>
 <p:sld xmlns:a="http://schemas.openxmlformats.org/drawingml/2006/main" xmlns:r="http://schemas.openxmlformats.org/officeDocument/2006/relationships" xmlns:p="http://schemas.openxmlformats.org/presentationml/2006/main">
   <p:cSld>
     <p:spTree>
@@ -7680,12 +11520,104 @@
           </a:p>
         </p:txBody>
       </p:sp>
+      <p:sp>
+        <p:nvSpPr>
+          <p:cNvPr id="7" name="TextBox 6">
+            <a:extLst>
+              <a:ext uri="{FF2B5EF4-FFF2-40B4-BE49-F238E27FC236}">
+                <a16:creationId xmlns:a16="http://schemas.microsoft.com/office/drawing/2014/main" id="{AF849FDE-0375-284F-8FCC-5653722BA366}"/>
+              </a:ext>
+            </a:extLst>
+          </p:cNvPr>
+          <p:cNvSpPr txBox="1"/>
+          <p:nvPr/>
+        </p:nvSpPr>
+        <p:spPr>
+          <a:xfrm>
+            <a:off x="186836" y="4370221"/>
+            <a:ext cx="7087267" cy="1015663"/>
+          </a:xfrm>
+          <a:prstGeom prst="rect">
+            <a:avLst/>
+          </a:prstGeom>
+          <a:noFill/>
+        </p:spPr>
+        <p:txBody>
+          <a:bodyPr wrap="square" rtlCol="0">
+            <a:spAutoFit/>
+          </a:bodyPr>
+          <a:lstStyle/>
+          <a:p>
+            <a:r>
+              <a:rPr lang="ko-KR" altLang="en-US" sz="1200" b="1"/>
+              <a:t>투영 중심</a:t>
+            </a:r>
+            <a:r>
+              <a:rPr lang="en-US" altLang="ko-KR" sz="1200" b="1"/>
+              <a:t>(COP): </a:t>
+            </a:r>
+            <a:r>
+              <a:rPr lang="ko-KR" altLang="en-US" sz="1200" b="1"/>
+              <a:t>투영의 출발점</a:t>
+            </a:r>
+            <a:r>
+              <a:rPr lang="en-US" altLang="ko-KR" sz="1200" b="1"/>
+              <a:t>, </a:t>
+            </a:r>
+            <a:r>
+              <a:rPr lang="ko-KR" altLang="en-US" sz="1200" b="1"/>
+              <a:t>모든 투영선은 이 점에서 시작</a:t>
+            </a:r>
+            <a:endParaRPr lang="en-US" altLang="ko-KR" sz="1200" b="1"/>
+          </a:p>
+          <a:p>
+            <a:r>
+              <a:rPr lang="ko-KR" altLang="en-US" sz="1200" b="1"/>
+              <a:t>투영면</a:t>
+            </a:r>
+            <a:r>
+              <a:rPr lang="en-US" altLang="ko-KR" sz="1200" b="1"/>
+              <a:t>: </a:t>
+            </a:r>
+            <a:r>
+              <a:rPr lang="ko-KR" altLang="en-US" sz="1200" b="1"/>
+              <a:t>투영된 점들이 위치하게 되는 </a:t>
+            </a:r>
+            <a:r>
+              <a:rPr lang="en-US" altLang="ko-KR" sz="1200" b="1"/>
+              <a:t>2D </a:t>
+            </a:r>
+            <a:r>
+              <a:rPr lang="ko-KR" altLang="en-US" sz="1200" b="1"/>
+              <a:t>평면</a:t>
+            </a:r>
+            <a:r>
+              <a:rPr lang="en-US" altLang="ko-KR" sz="1200" b="1"/>
+              <a:t>, d</a:t>
+            </a:r>
+            <a:r>
+              <a:rPr lang="ko-KR" altLang="en-US" sz="1200" b="1"/>
+              <a:t>는 투영면이 원점으로부터 떨어진 거리</a:t>
+            </a:r>
+            <a:endParaRPr lang="en-US" altLang="ko-KR" sz="1200" b="1"/>
+          </a:p>
+          <a:p>
+            <a:endParaRPr lang="en-US" altLang="ko-KR" sz="1200" b="1"/>
+          </a:p>
+          <a:p>
+            <a:endParaRPr lang="en-US" altLang="ko-KR" sz="1200" b="1"/>
+          </a:p>
+          <a:p>
+            <a:endParaRPr lang="ko-KR" altLang="en-US" sz="1200" b="1"/>
+          </a:p>
+        </p:txBody>
+      </p:sp>
       <p:pic>
         <p:nvPicPr>
-          <p:cNvPr id="5" name="그림 4">
+          <p:cNvPr id="4" name="그림 3">
             <a:extLst>
               <a:ext uri="{FF2B5EF4-FFF2-40B4-BE49-F238E27FC236}">
-                <a16:creationId xmlns:a16="http://schemas.microsoft.com/office/drawing/2014/main" id="{CF7B1E1A-191F-C379-9135-6823140C74E1}"/>
+                <a16:creationId xmlns:a16="http://schemas.microsoft.com/office/drawing/2014/main" id="{7A824718-9CE3-5B1E-2313-126341696A45}"/>
               </a:ext>
             </a:extLst>
           </p:cNvPr>
@@ -7702,8 +11634,8 @@
         </p:blipFill>
         <p:spPr>
           <a:xfrm>
-            <a:off x="660599" y="1540405"/>
-            <a:ext cx="4641779" cy="2829274"/>
+            <a:off x="558042" y="1975240"/>
+            <a:ext cx="5390695" cy="2302648"/>
           </a:xfrm>
           <a:prstGeom prst="rect">
             <a:avLst/>
@@ -7712,10 +11644,10 @@
       </p:pic>
       <p:sp>
         <p:nvSpPr>
-          <p:cNvPr id="7" name="TextBox 6">
+          <p:cNvPr id="9" name="TextBox 8">
             <a:extLst>
               <a:ext uri="{FF2B5EF4-FFF2-40B4-BE49-F238E27FC236}">
-                <a16:creationId xmlns:a16="http://schemas.microsoft.com/office/drawing/2014/main" id="{AF849FDE-0375-284F-8FCC-5653722BA366}"/>
+                <a16:creationId xmlns:a16="http://schemas.microsoft.com/office/drawing/2014/main" id="{CDCC816F-039B-0125-11DE-08D9ADE12E26}"/>
               </a:ext>
             </a:extLst>
           </p:cNvPr>
@@ -7724,8 +11656,8 @@
         </p:nvSpPr>
         <p:spPr>
           <a:xfrm>
-            <a:off x="186836" y="5427742"/>
-            <a:ext cx="4981575" cy="276999"/>
+            <a:off x="475849" y="1450763"/>
+            <a:ext cx="6097712" cy="369332"/>
           </a:xfrm>
           <a:prstGeom prst="rect">
             <a:avLst/>
@@ -7733,86 +11665,46 @@
           <a:noFill/>
         </p:spPr>
         <p:txBody>
-          <a:bodyPr wrap="square" rtlCol="0">
+          <a:bodyPr wrap="square">
             <a:spAutoFit/>
           </a:bodyPr>
           <a:lstStyle/>
           <a:p>
             <a:r>
-              <a:rPr lang="ko-KR" altLang="en-US" sz="1200" b="1"/>
-              <a:t>원근 투영 행렬 </a:t>
-            </a:r>
-            <a:r>
-              <a:rPr lang="en-US" altLang="ko-KR" sz="1200" b="1"/>
-              <a:t>- </a:t>
-            </a:r>
-            <a:r>
-              <a:rPr lang="ko-KR" altLang="en-US" sz="1200" b="1"/>
-              <a:t>프러스텀 내에 있는 공간을 </a:t>
-            </a:r>
-            <a:r>
-              <a:rPr lang="en-US" altLang="ko-KR" sz="1200" b="1"/>
-              <a:t>NDC</a:t>
-            </a:r>
-            <a:r>
-              <a:rPr lang="ko-KR" altLang="en-US" sz="1200" b="1"/>
-              <a:t>로 변환하는 행렬</a:t>
-            </a:r>
-          </a:p>
-        </p:txBody>
-      </p:sp>
-      <p:sp>
-        <p:nvSpPr>
-          <p:cNvPr id="8" name="화살표: 오른쪽 7">
-            <a:extLst>
-              <a:ext uri="{FF2B5EF4-FFF2-40B4-BE49-F238E27FC236}">
-                <a16:creationId xmlns:a16="http://schemas.microsoft.com/office/drawing/2014/main" id="{F1F92A9D-68AB-8E4C-6232-2E3C74AD5BD4}"/>
-              </a:ext>
-            </a:extLst>
-          </p:cNvPr>
-          <p:cNvSpPr/>
-          <p:nvPr/>
-        </p:nvSpPr>
-        <p:spPr>
-          <a:xfrm>
-            <a:off x="5412139" y="2658002"/>
-            <a:ext cx="1367721" cy="450799"/>
-          </a:xfrm>
-          <a:prstGeom prst="rightArrow">
-            <a:avLst/>
-          </a:prstGeom>
-        </p:spPr>
-        <p:style>
-          <a:lnRef idx="2">
-            <a:schemeClr val="accent5">
-              <a:shade val="15000"/>
-            </a:schemeClr>
-          </a:lnRef>
-          <a:fillRef idx="1">
-            <a:schemeClr val="accent5"/>
-          </a:fillRef>
-          <a:effectRef idx="0">
-            <a:schemeClr val="accent5"/>
-          </a:effectRef>
-          <a:fontRef idx="minor">
-            <a:schemeClr val="lt1"/>
-          </a:fontRef>
-        </p:style>
-        <p:txBody>
-          <a:bodyPr rtlCol="0" anchor="ctr"/>
-          <a:lstStyle/>
-          <a:p>
-            <a:pPr algn="ctr"/>
-            <a:endParaRPr lang="ko-KR" altLang="en-US"/>
+              <a:rPr lang="ko-KR" altLang="en-US" b="1"/>
+              <a:t>투영면 </a:t>
+            </a:r>
+            <a:r>
+              <a:rPr lang="en-US" altLang="ko-KR" b="1"/>
+              <a:t>(Projection plane) z</a:t>
+            </a:r>
+            <a:r>
+              <a:rPr lang="en-US" altLang="ko-KR" b="1" i="0">
+                <a:solidFill>
+                  <a:srgbClr val="000000"/>
+                </a:solidFill>
+                <a:effectLst/>
+                <a:highlight>
+                  <a:srgbClr val="FFFFFF"/>
+                </a:highlight>
+                <a:latin typeface="Helvetica Neue"/>
+              </a:rPr>
+              <a:t>ₚ</a:t>
+            </a:r>
+            <a:r>
+              <a:rPr lang="en-US" altLang="ko-KR" b="1"/>
+              <a:t> = d</a:t>
+            </a:r>
+            <a:endParaRPr lang="ko-KR" altLang="en-US" b="1"/>
           </a:p>
         </p:txBody>
       </p:sp>
       <p:pic>
         <p:nvPicPr>
-          <p:cNvPr id="17" name="그림 16">
+          <p:cNvPr id="15" name="그림 14">
             <a:extLst>
               <a:ext uri="{FF2B5EF4-FFF2-40B4-BE49-F238E27FC236}">
-                <a16:creationId xmlns:a16="http://schemas.microsoft.com/office/drawing/2014/main" id="{5C68F831-CAE0-7803-74F5-2EE18BCFB2E7}"/>
+                <a16:creationId xmlns:a16="http://schemas.microsoft.com/office/drawing/2014/main" id="{60A21753-FD68-A1BB-3A47-6CA64B9E056A}"/>
               </a:ext>
             </a:extLst>
           </p:cNvPr>
@@ -7829,8 +11721,68 @@
         </p:blipFill>
         <p:spPr>
           <a:xfrm>
-            <a:off x="7500306" y="2020610"/>
-            <a:ext cx="4369271" cy="1770554"/>
+            <a:off x="6878399" y="1699152"/>
+            <a:ext cx="4005880" cy="2467907"/>
+          </a:xfrm>
+          <a:prstGeom prst="rect">
+            <a:avLst/>
+          </a:prstGeom>
+        </p:spPr>
+      </p:pic>
+      <p:pic>
+        <p:nvPicPr>
+          <p:cNvPr id="17" name="그림 16">
+            <a:extLst>
+              <a:ext uri="{FF2B5EF4-FFF2-40B4-BE49-F238E27FC236}">
+                <a16:creationId xmlns:a16="http://schemas.microsoft.com/office/drawing/2014/main" id="{81FC7D9E-A20F-F01C-ECCD-663B9ECC0D33}"/>
+              </a:ext>
+            </a:extLst>
+          </p:cNvPr>
+          <p:cNvPicPr>
+            <a:picLocks noChangeAspect="1"/>
+          </p:cNvPicPr>
+          <p:nvPr/>
+        </p:nvPicPr>
+        <p:blipFill>
+          <a:blip r:embed="rId5"/>
+          <a:stretch>
+            <a:fillRect/>
+          </a:stretch>
+        </p:blipFill>
+        <p:spPr>
+          <a:xfrm>
+            <a:off x="10561466" y="1599778"/>
+            <a:ext cx="1490122" cy="2716504"/>
+          </a:xfrm>
+          <a:prstGeom prst="rect">
+            <a:avLst/>
+          </a:prstGeom>
+        </p:spPr>
+      </p:pic>
+      <p:pic>
+        <p:nvPicPr>
+          <p:cNvPr id="19" name="그림 18">
+            <a:extLst>
+              <a:ext uri="{FF2B5EF4-FFF2-40B4-BE49-F238E27FC236}">
+                <a16:creationId xmlns:a16="http://schemas.microsoft.com/office/drawing/2014/main" id="{543B0959-B55F-DAC7-8FD1-6A469C442DC9}"/>
+              </a:ext>
+            </a:extLst>
+          </p:cNvPr>
+          <p:cNvPicPr>
+            <a:picLocks noChangeAspect="1"/>
+          </p:cNvPicPr>
+          <p:nvPr/>
+        </p:nvPicPr>
+        <p:blipFill>
+          <a:blip r:embed="rId6"/>
+          <a:stretch>
+            <a:fillRect/>
+          </a:stretch>
+        </p:blipFill>
+        <p:spPr>
+          <a:xfrm>
+            <a:off x="9097876" y="4114014"/>
+            <a:ext cx="2337262" cy="2057684"/>
           </a:xfrm>
           <a:prstGeom prst="rect">
             <a:avLst/>
@@ -7850,453 +11802,7 @@
 </p:sld>
 </file>
 
-<file path=ppt/slides/slide7.xml><?xml version="1.0" encoding="utf-8"?>
-<p:sld xmlns:a="http://schemas.openxmlformats.org/drawingml/2006/main" xmlns:r="http://schemas.openxmlformats.org/officeDocument/2006/relationships" xmlns:p="http://schemas.openxmlformats.org/presentationml/2006/main">
-  <p:cSld>
-    <p:spTree>
-      <p:nvGrpSpPr>
-        <p:cNvPr id="1" name=""/>
-        <p:cNvGrpSpPr/>
-        <p:nvPr/>
-      </p:nvGrpSpPr>
-      <p:grpSpPr>
-        <a:xfrm>
-          <a:off x="0" y="0"/>
-          <a:ext cx="0" cy="0"/>
-          <a:chOff x="0" y="0"/>
-          <a:chExt cx="0" cy="0"/>
-        </a:xfrm>
-      </p:grpSpPr>
-      <p:sp>
-        <p:nvSpPr>
-          <p:cNvPr id="32" name="TextBox 31">
-            <a:extLst>
-              <a:ext uri="{FF2B5EF4-FFF2-40B4-BE49-F238E27FC236}">
-                <a16:creationId xmlns:a16="http://schemas.microsoft.com/office/drawing/2014/main" id="{C2938BFF-442C-5807-5917-E237AB339F5B}"/>
-              </a:ext>
-            </a:extLst>
-          </p:cNvPr>
-          <p:cNvSpPr txBox="1"/>
-          <p:nvPr/>
-        </p:nvSpPr>
-        <p:spPr>
-          <a:xfrm>
-            <a:off x="1803710" y="5193850"/>
-            <a:ext cx="10805049" cy="417089"/>
-          </a:xfrm>
-          <a:prstGeom prst="rect">
-            <a:avLst/>
-          </a:prstGeom>
-          <a:noFill/>
-        </p:spPr>
-        <p:txBody>
-          <a:bodyPr wrap="square">
-            <a:spAutoFit/>
-          </a:bodyPr>
-          <a:lstStyle/>
-          <a:p>
-            <a:endParaRPr lang="ko-KR" altLang="en-US"/>
-          </a:p>
-        </p:txBody>
-      </p:sp>
-      <p:pic>
-        <p:nvPicPr>
-          <p:cNvPr id="36" name="그림 35">
-            <a:extLst>
-              <a:ext uri="{FF2B5EF4-FFF2-40B4-BE49-F238E27FC236}">
-                <a16:creationId xmlns:a16="http://schemas.microsoft.com/office/drawing/2014/main" id="{2B63B52B-4657-6F49-418D-B2A75B544B8B}"/>
-              </a:ext>
-            </a:extLst>
-          </p:cNvPr>
-          <p:cNvPicPr>
-            <a:picLocks noChangeAspect="1"/>
-          </p:cNvPicPr>
-          <p:nvPr/>
-        </p:nvPicPr>
-        <p:blipFill rotWithShape="1">
-          <a:blip r:embed="rId3"/>
-          <a:srcRect b="53264"/>
-          <a:stretch/>
-        </p:blipFill>
-        <p:spPr>
-          <a:xfrm>
-            <a:off x="100143" y="183999"/>
-            <a:ext cx="8079762" cy="2093102"/>
-          </a:xfrm>
-          <a:prstGeom prst="rect">
-            <a:avLst/>
-          </a:prstGeom>
-        </p:spPr>
-      </p:pic>
-      <p:grpSp>
-        <p:nvGrpSpPr>
-          <p:cNvPr id="47" name="그룹 46">
-            <a:extLst>
-              <a:ext uri="{FF2B5EF4-FFF2-40B4-BE49-F238E27FC236}">
-                <a16:creationId xmlns:a16="http://schemas.microsoft.com/office/drawing/2014/main" id="{CFD52869-F13D-6400-BBDD-DB1111CD076A}"/>
-              </a:ext>
-            </a:extLst>
-          </p:cNvPr>
-          <p:cNvGrpSpPr/>
-          <p:nvPr/>
-        </p:nvGrpSpPr>
-        <p:grpSpPr>
-          <a:xfrm>
-            <a:off x="100142" y="2694189"/>
-            <a:ext cx="7938806" cy="2499661"/>
-            <a:chOff x="100142" y="2694189"/>
-            <a:chExt cx="9263461" cy="2916750"/>
-          </a:xfrm>
-        </p:grpSpPr>
-        <p:pic>
-          <p:nvPicPr>
-            <p:cNvPr id="46" name="그림 45">
-              <a:extLst>
-                <a:ext uri="{FF2B5EF4-FFF2-40B4-BE49-F238E27FC236}">
-                  <a16:creationId xmlns:a16="http://schemas.microsoft.com/office/drawing/2014/main" id="{7443930B-B965-CB5F-E6CE-019F40DC6281}"/>
-                </a:ext>
-              </a:extLst>
-            </p:cNvPr>
-            <p:cNvPicPr>
-              <a:picLocks noChangeAspect="1"/>
-            </p:cNvPicPr>
-            <p:nvPr/>
-          </p:nvPicPr>
-          <p:blipFill rotWithShape="1">
-            <a:blip r:embed="rId3"/>
-            <a:srcRect t="47702"/>
-            <a:stretch/>
-          </p:blipFill>
-          <p:spPr>
-            <a:xfrm>
-              <a:off x="100142" y="2694189"/>
-              <a:ext cx="9263461" cy="2685358"/>
-            </a:xfrm>
-            <a:prstGeom prst="rect">
-              <a:avLst/>
-            </a:prstGeom>
-          </p:spPr>
-        </p:pic>
-        <p:sp>
-          <p:nvSpPr>
-            <p:cNvPr id="37" name="TextBox 36">
-              <a:extLst>
-                <a:ext uri="{FF2B5EF4-FFF2-40B4-BE49-F238E27FC236}">
-                  <a16:creationId xmlns:a16="http://schemas.microsoft.com/office/drawing/2014/main" id="{6B81CE11-4857-E673-1C32-C5453DCDAC3C}"/>
-                </a:ext>
-              </a:extLst>
-            </p:cNvPr>
-            <p:cNvSpPr txBox="1"/>
-            <p:nvPr/>
-          </p:nvSpPr>
-          <p:spPr>
-            <a:xfrm>
-              <a:off x="5423097" y="5357023"/>
-              <a:ext cx="2965524" cy="253916"/>
-            </a:xfrm>
-            <a:prstGeom prst="rect">
-              <a:avLst/>
-            </a:prstGeom>
-            <a:noFill/>
-          </p:spPr>
-          <p:txBody>
-            <a:bodyPr wrap="square">
-              <a:spAutoFit/>
-            </a:bodyPr>
-            <a:lstStyle/>
-            <a:p>
-              <a:r>
-                <a:rPr lang="en-US" altLang="ko-KR" sz="1050" b="1"/>
-                <a:t>NDC </a:t>
-              </a:r>
-              <a:r>
-                <a:rPr lang="ko-KR" altLang="en-US" sz="1050" b="1"/>
-                <a:t>단면</a:t>
-              </a:r>
-            </a:p>
-          </p:txBody>
-        </p:sp>
-        <p:sp>
-          <p:nvSpPr>
-            <p:cNvPr id="38" name="TextBox 37">
-              <a:extLst>
-                <a:ext uri="{FF2B5EF4-FFF2-40B4-BE49-F238E27FC236}">
-                  <a16:creationId xmlns:a16="http://schemas.microsoft.com/office/drawing/2014/main" id="{2CCACF89-84C6-31DB-1925-15F68E2973D3}"/>
-                </a:ext>
-              </a:extLst>
-            </p:cNvPr>
-            <p:cNvSpPr txBox="1"/>
-            <p:nvPr/>
-          </p:nvSpPr>
-          <p:spPr>
-            <a:xfrm>
-              <a:off x="1705313" y="5357023"/>
-              <a:ext cx="2965524" cy="253916"/>
-            </a:xfrm>
-            <a:prstGeom prst="rect">
-              <a:avLst/>
-            </a:prstGeom>
-            <a:noFill/>
-          </p:spPr>
-          <p:txBody>
-            <a:bodyPr wrap="square">
-              <a:spAutoFit/>
-            </a:bodyPr>
-            <a:lstStyle/>
-            <a:p>
-              <a:r>
-                <a:rPr lang="ko-KR" altLang="en-US" sz="1050" b="1"/>
-                <a:t>프러스텀 단면</a:t>
-              </a:r>
-            </a:p>
-          </p:txBody>
-        </p:sp>
-      </p:grpSp>
-      <p:sp>
-        <p:nvSpPr>
-          <p:cNvPr id="41" name="직사각형 40">
-            <a:extLst>
-              <a:ext uri="{FF2B5EF4-FFF2-40B4-BE49-F238E27FC236}">
-                <a16:creationId xmlns:a16="http://schemas.microsoft.com/office/drawing/2014/main" id="{32E88C0A-BC5D-058F-5FCA-55143ACB3B89}"/>
-              </a:ext>
-            </a:extLst>
-          </p:cNvPr>
-          <p:cNvSpPr/>
-          <p:nvPr/>
-        </p:nvSpPr>
-        <p:spPr>
-          <a:xfrm>
-            <a:off x="2091223" y="3728717"/>
-            <a:ext cx="843364" cy="313114"/>
-          </a:xfrm>
-          <a:prstGeom prst="rect">
-            <a:avLst/>
-          </a:prstGeom>
-          <a:noFill/>
-          <a:ln/>
-        </p:spPr>
-        <p:style>
-          <a:lnRef idx="2">
-            <a:schemeClr val="accent6"/>
-          </a:lnRef>
-          <a:fillRef idx="1">
-            <a:schemeClr val="lt1"/>
-          </a:fillRef>
-          <a:effectRef idx="0">
-            <a:schemeClr val="accent6"/>
-          </a:effectRef>
-          <a:fontRef idx="minor">
-            <a:schemeClr val="dk1"/>
-          </a:fontRef>
-        </p:style>
-        <p:txBody>
-          <a:bodyPr rtlCol="0" anchor="ctr"/>
-          <a:lstStyle/>
-          <a:p>
-            <a:pPr algn="ctr"/>
-            <a:endParaRPr lang="ko-KR" altLang="en-US"/>
-          </a:p>
-        </p:txBody>
-      </p:sp>
-      <p:sp>
-        <p:nvSpPr>
-          <p:cNvPr id="42" name="직사각형 41">
-            <a:extLst>
-              <a:ext uri="{FF2B5EF4-FFF2-40B4-BE49-F238E27FC236}">
-                <a16:creationId xmlns:a16="http://schemas.microsoft.com/office/drawing/2014/main" id="{060D92CA-F878-A11B-EBBC-8246324EE611}"/>
-              </a:ext>
-            </a:extLst>
-          </p:cNvPr>
-          <p:cNvSpPr/>
-          <p:nvPr/>
-        </p:nvSpPr>
-        <p:spPr>
-          <a:xfrm>
-            <a:off x="5370946" y="3708542"/>
-            <a:ext cx="1123419" cy="417089"/>
-          </a:xfrm>
-          <a:custGeom>
-            <a:avLst/>
-            <a:gdLst>
-              <a:gd name="connsiteX0" fmla="*/ 0 w 994787"/>
-              <a:gd name="connsiteY0" fmla="*/ 0 h 369332"/>
-              <a:gd name="connsiteX1" fmla="*/ 994787 w 994787"/>
-              <a:gd name="connsiteY1" fmla="*/ 0 h 369332"/>
-              <a:gd name="connsiteX2" fmla="*/ 994787 w 994787"/>
-              <a:gd name="connsiteY2" fmla="*/ 369332 h 369332"/>
-              <a:gd name="connsiteX3" fmla="*/ 0 w 994787"/>
-              <a:gd name="connsiteY3" fmla="*/ 369332 h 369332"/>
-              <a:gd name="connsiteX4" fmla="*/ 0 w 994787"/>
-              <a:gd name="connsiteY4" fmla="*/ 0 h 369332"/>
-              <a:gd name="connsiteX0" fmla="*/ 0 w 994787"/>
-              <a:gd name="connsiteY0" fmla="*/ 0 h 369332"/>
-              <a:gd name="connsiteX1" fmla="*/ 994787 w 994787"/>
-              <a:gd name="connsiteY1" fmla="*/ 0 h 369332"/>
-              <a:gd name="connsiteX2" fmla="*/ 994787 w 994787"/>
-              <a:gd name="connsiteY2" fmla="*/ 274082 h 369332"/>
-              <a:gd name="connsiteX3" fmla="*/ 0 w 994787"/>
-              <a:gd name="connsiteY3" fmla="*/ 369332 h 369332"/>
-              <a:gd name="connsiteX4" fmla="*/ 0 w 994787"/>
-              <a:gd name="connsiteY4" fmla="*/ 0 h 369332"/>
-              <a:gd name="connsiteX0" fmla="*/ 0 w 1007487"/>
-              <a:gd name="connsiteY0" fmla="*/ 0 h 369332"/>
-              <a:gd name="connsiteX1" fmla="*/ 1007487 w 1007487"/>
-              <a:gd name="connsiteY1" fmla="*/ 107950 h 369332"/>
-              <a:gd name="connsiteX2" fmla="*/ 994787 w 1007487"/>
-              <a:gd name="connsiteY2" fmla="*/ 274082 h 369332"/>
-              <a:gd name="connsiteX3" fmla="*/ 0 w 1007487"/>
-              <a:gd name="connsiteY3" fmla="*/ 369332 h 369332"/>
-              <a:gd name="connsiteX4" fmla="*/ 0 w 1007487"/>
-              <a:gd name="connsiteY4" fmla="*/ 0 h 369332"/>
-              <a:gd name="connsiteX0" fmla="*/ 0 w 994787"/>
-              <a:gd name="connsiteY0" fmla="*/ 0 h 369332"/>
-              <a:gd name="connsiteX1" fmla="*/ 982087 w 994787"/>
-              <a:gd name="connsiteY1" fmla="*/ 107950 h 369332"/>
-              <a:gd name="connsiteX2" fmla="*/ 994787 w 994787"/>
-              <a:gd name="connsiteY2" fmla="*/ 274082 h 369332"/>
-              <a:gd name="connsiteX3" fmla="*/ 0 w 994787"/>
-              <a:gd name="connsiteY3" fmla="*/ 369332 h 369332"/>
-              <a:gd name="connsiteX4" fmla="*/ 0 w 994787"/>
-              <a:gd name="connsiteY4" fmla="*/ 0 h 369332"/>
-            </a:gdLst>
-            <a:ahLst/>
-            <a:cxnLst>
-              <a:cxn ang="0">
-                <a:pos x="connsiteX0" y="connsiteY0"/>
-              </a:cxn>
-              <a:cxn ang="0">
-                <a:pos x="connsiteX1" y="connsiteY1"/>
-              </a:cxn>
-              <a:cxn ang="0">
-                <a:pos x="connsiteX2" y="connsiteY2"/>
-              </a:cxn>
-              <a:cxn ang="0">
-                <a:pos x="connsiteX3" y="connsiteY3"/>
-              </a:cxn>
-              <a:cxn ang="0">
-                <a:pos x="connsiteX4" y="connsiteY4"/>
-              </a:cxn>
-            </a:cxnLst>
-            <a:rect l="l" t="t" r="r" b="b"/>
-            <a:pathLst>
-              <a:path w="994787" h="369332">
-                <a:moveTo>
-                  <a:pt x="0" y="0"/>
-                </a:moveTo>
-                <a:lnTo>
-                  <a:pt x="982087" y="107950"/>
-                </a:lnTo>
-                <a:lnTo>
-                  <a:pt x="994787" y="274082"/>
-                </a:lnTo>
-                <a:lnTo>
-                  <a:pt x="0" y="369332"/>
-                </a:lnTo>
-                <a:lnTo>
-                  <a:pt x="0" y="0"/>
-                </a:lnTo>
-                <a:close/>
-              </a:path>
-            </a:pathLst>
-          </a:custGeom>
-          <a:noFill/>
-          <a:ln/>
-        </p:spPr>
-        <p:style>
-          <a:lnRef idx="2">
-            <a:schemeClr val="accent6"/>
-          </a:lnRef>
-          <a:fillRef idx="1">
-            <a:schemeClr val="lt1"/>
-          </a:fillRef>
-          <a:effectRef idx="0">
-            <a:schemeClr val="accent6"/>
-          </a:effectRef>
-          <a:fontRef idx="minor">
-            <a:schemeClr val="dk1"/>
-          </a:fontRef>
-        </p:style>
-        <p:txBody>
-          <a:bodyPr rtlCol="0" anchor="ctr"/>
-          <a:lstStyle/>
-          <a:p>
-            <a:pPr algn="ctr"/>
-            <a:endParaRPr lang="ko-KR" altLang="en-US"/>
-          </a:p>
-        </p:txBody>
-      </p:sp>
-      <p:pic>
-        <p:nvPicPr>
-          <p:cNvPr id="45" name="그림 44">
-            <a:extLst>
-              <a:ext uri="{FF2B5EF4-FFF2-40B4-BE49-F238E27FC236}">
-                <a16:creationId xmlns:a16="http://schemas.microsoft.com/office/drawing/2014/main" id="{0D8C5433-130E-8C2A-4916-9246AB5FD07B}"/>
-              </a:ext>
-            </a:extLst>
-          </p:cNvPr>
-          <p:cNvPicPr>
-            <a:picLocks noChangeAspect="1"/>
-          </p:cNvPicPr>
-          <p:nvPr/>
-        </p:nvPicPr>
-        <p:blipFill rotWithShape="1">
-          <a:blip r:embed="rId4"/>
-          <a:srcRect l="53213" t="51194"/>
-          <a:stretch/>
-        </p:blipFill>
-        <p:spPr>
-          <a:xfrm>
-            <a:off x="7377430" y="4326983"/>
-            <a:ext cx="4074306" cy="2347018"/>
-          </a:xfrm>
-          <a:prstGeom prst="rect">
-            <a:avLst/>
-          </a:prstGeom>
-        </p:spPr>
-      </p:pic>
-      <p:pic>
-        <p:nvPicPr>
-          <p:cNvPr id="48" name="그림 47">
-            <a:extLst>
-              <a:ext uri="{FF2B5EF4-FFF2-40B4-BE49-F238E27FC236}">
-                <a16:creationId xmlns:a16="http://schemas.microsoft.com/office/drawing/2014/main" id="{2C7EE714-CA2B-B7D1-F5AF-AA1714EEC082}"/>
-              </a:ext>
-            </a:extLst>
-          </p:cNvPr>
-          <p:cNvPicPr>
-            <a:picLocks noChangeAspect="1"/>
-          </p:cNvPicPr>
-          <p:nvPr/>
-        </p:nvPicPr>
-        <p:blipFill rotWithShape="1">
-          <a:blip r:embed="rId4"/>
-          <a:srcRect t="51194" r="48999"/>
-          <a:stretch/>
-        </p:blipFill>
-        <p:spPr>
-          <a:xfrm>
-            <a:off x="7203386" y="2116154"/>
-            <a:ext cx="4441316" cy="2347018"/>
-          </a:xfrm>
-          <a:prstGeom prst="rect">
-            <a:avLst/>
-          </a:prstGeom>
-        </p:spPr>
-      </p:pic>
-    </p:spTree>
-    <p:extLst>
-      <p:ext uri="{BB962C8B-B14F-4D97-AF65-F5344CB8AC3E}">
-        <p14:creationId xmlns:p14="http://schemas.microsoft.com/office/powerpoint/2010/main" val="319352018"/>
-      </p:ext>
-    </p:extLst>
-  </p:cSld>
-  <p:clrMapOvr>
-    <a:masterClrMapping/>
-  </p:clrMapOvr>
-</p:sld>
-</file>
-
-<file path=ppt/slides/slide8.xml><?xml version="1.0" encoding="utf-8"?>
+<file path=ppt/slides/slide9.xml><?xml version="1.0" encoding="utf-8"?>
 <p:sld xmlns:a="http://schemas.openxmlformats.org/drawingml/2006/main" xmlns:r="http://schemas.openxmlformats.org/officeDocument/2006/relationships" xmlns:p="http://schemas.openxmlformats.org/presentationml/2006/main">
   <p:cSld>
     <p:spTree>
@@ -8315,129 +11821,68 @@
       </p:grpSpPr>
       <p:pic>
         <p:nvPicPr>
-          <p:cNvPr id="1026" name="Picture 2">
+          <p:cNvPr id="10" name="그림 9">
             <a:extLst>
               <a:ext uri="{FF2B5EF4-FFF2-40B4-BE49-F238E27FC236}">
-                <a16:creationId xmlns:a16="http://schemas.microsoft.com/office/drawing/2014/main" id="{CDA2B877-8CD8-EA0B-EA3D-B52C721B447E}"/>
+                <a16:creationId xmlns:a16="http://schemas.microsoft.com/office/drawing/2014/main" id="{785AF984-C304-69F2-CD35-C4F94302500A}"/>
               </a:ext>
             </a:extLst>
           </p:cNvPr>
           <p:cNvPicPr>
-            <a:picLocks noChangeAspect="1" noChangeArrowheads="1"/>
+            <a:picLocks noChangeAspect="1"/>
           </p:cNvPicPr>
           <p:nvPr/>
         </p:nvPicPr>
         <p:blipFill>
-          <a:blip r:embed="rId3">
-            <a:extLst>
-              <a:ext uri="{28A0092B-C50C-407E-A947-70E740481C1C}">
-                <a14:useLocalDpi xmlns:a14="http://schemas.microsoft.com/office/drawing/2010/main" val="0"/>
-              </a:ext>
-            </a:extLst>
-          </a:blip>
-          <a:srcRect/>
+          <a:blip r:embed="rId3"/>
           <a:stretch>
             <a:fillRect/>
           </a:stretch>
         </p:blipFill>
-        <p:spPr bwMode="auto">
+        <p:spPr>
           <a:xfrm>
-            <a:off x="543246" y="509427"/>
-            <a:ext cx="5105400" cy="3352800"/>
+            <a:off x="6634163" y="1738679"/>
+            <a:ext cx="5462138" cy="2386152"/>
           </a:xfrm>
           <a:prstGeom prst="rect">
             <a:avLst/>
           </a:prstGeom>
-          <a:noFill/>
-          <a:extLst>
-            <a:ext uri="{909E8E84-426E-40DD-AFC4-6F175D3DCCD1}">
-              <a14:hiddenFill xmlns:a14="http://schemas.microsoft.com/office/drawing/2010/main">
-                <a:solidFill>
-                  <a:srgbClr val="FFFFFF"/>
-                </a:solidFill>
-              </a14:hiddenFill>
-            </a:ext>
-          </a:extLst>
         </p:spPr>
       </p:pic>
-      <p:sp>
-        <p:nvSpPr>
-          <p:cNvPr id="17" name="TextBox 16">
+      <p:pic>
+        <p:nvPicPr>
+          <p:cNvPr id="12" name="그림 11">
             <a:extLst>
               <a:ext uri="{FF2B5EF4-FFF2-40B4-BE49-F238E27FC236}">
-                <a16:creationId xmlns:a16="http://schemas.microsoft.com/office/drawing/2014/main" id="{A81D85E5-0797-332D-817F-6465C8BBFBB8}"/>
+                <a16:creationId xmlns:a16="http://schemas.microsoft.com/office/drawing/2014/main" id="{E23CC40C-7183-5F49-F2E9-6CA0CCB3A23A}"/>
               </a:ext>
             </a:extLst>
           </p:cNvPr>
-          <p:cNvSpPr txBox="1"/>
+          <p:cNvPicPr>
+            <a:picLocks noChangeAspect="1"/>
+          </p:cNvPicPr>
           <p:nvPr/>
-        </p:nvSpPr>
+        </p:nvPicPr>
+        <p:blipFill>
+          <a:blip r:embed="rId4"/>
+          <a:stretch>
+            <a:fillRect/>
+          </a:stretch>
+        </p:blipFill>
         <p:spPr>
           <a:xfrm>
-            <a:off x="543246" y="4778357"/>
-            <a:ext cx="6097712" cy="646331"/>
+            <a:off x="640711" y="1617192"/>
+            <a:ext cx="5658640" cy="3248478"/>
           </a:xfrm>
           <a:prstGeom prst="rect">
             <a:avLst/>
           </a:prstGeom>
-          <a:noFill/>
         </p:spPr>
-        <p:txBody>
-          <a:bodyPr wrap="square">
-            <a:spAutoFit/>
-          </a:bodyPr>
-          <a:lstStyle/>
-          <a:p>
-            <a:pPr algn="l" fontAlgn="base"/>
-            <a:r>
-              <a:rPr lang="en-US" altLang="ko-KR" b="0" i="0">
-                <a:solidFill>
-                  <a:srgbClr val="444444"/>
-                </a:solidFill>
-                <a:effectLst/>
-                <a:highlight>
-                  <a:srgbClr val="FFFFFF"/>
-                </a:highlight>
-                <a:latin typeface="se-nanumgothic"/>
-              </a:rPr>
-              <a:t>FOV</a:t>
-            </a:r>
-            <a:r>
-              <a:rPr lang="en-US" altLang="ko-KR">
-                <a:solidFill>
-                  <a:srgbClr val="444444"/>
-                </a:solidFill>
-                <a:highlight>
-                  <a:srgbClr val="FFFFFF"/>
-                </a:highlight>
-                <a:latin typeface="se-nanumgothic"/>
-              </a:rPr>
-              <a:t>:</a:t>
-            </a:r>
-            <a:r>
-              <a:rPr lang="ko-KR" altLang="en-US" b="0" i="0">
-                <a:solidFill>
-                  <a:srgbClr val="444444"/>
-                </a:solidFill>
-                <a:effectLst/>
-                <a:highlight>
-                  <a:srgbClr val="FFFFFF"/>
-                </a:highlight>
-                <a:latin typeface="se-nanumgothic"/>
-              </a:rPr>
-              <a:t> 카메라가 볼 수 있는 영역</a:t>
-            </a:r>
-            <a:br>
-              <a:rPr lang="ko-KR" altLang="en-US"/>
-            </a:br>
-            <a:endParaRPr lang="ko-KR" altLang="en-US"/>
-          </a:p>
-        </p:txBody>
-      </p:sp>
+      </p:pic>
     </p:spTree>
     <p:extLst>
       <p:ext uri="{BB962C8B-B14F-4D97-AF65-F5344CB8AC3E}">
-        <p14:creationId xmlns:p14="http://schemas.microsoft.com/office/powerpoint/2010/main" val="3083791436"/>
+        <p14:creationId xmlns:p14="http://schemas.microsoft.com/office/powerpoint/2010/main" val="340169455"/>
       </p:ext>
     </p:extLst>
   </p:cSld>
